--- a/DraftSlides/Lecture2.pptx
+++ b/DraftSlides/Lecture2.pptx
@@ -242,13 +242,2274 @@
 <file path=ppt/revisionInfo.xml><?xml version="1.0" encoding="utf-8"?>
 <p1510:revInfo xmlns:a="http://schemas.openxmlformats.org/drawingml/2006/main" xmlns:r="http://schemas.openxmlformats.org/officeDocument/2006/relationships" xmlns:p1510="http://schemas.microsoft.com/office/powerpoint/2015/10/main">
   <p1510:revLst>
-    <p1510:client id="{8C5D2187-589F-42FF-A2C8-7F964A9C3262}" v="195" dt="2022-01-18T14:21:32.876"/>
+    <p1510:client id="{D89D42D0-3336-4939-8D6E-2DC313C66EC9}" v="2" dt="2023-01-12T18:45:34.971"/>
   </p1510:revLst>
 </p1510:revInfo>
 </file>
 
 <file path=ppt/changesInfos/changesInfo1.xml><?xml version="1.0" encoding="utf-8"?>
 <pc:chgInfo xmlns:a="http://schemas.openxmlformats.org/drawingml/2006/main" xmlns:r="http://schemas.openxmlformats.org/officeDocument/2006/relationships" xmlns:ac="http://schemas.microsoft.com/office/drawing/2013/main/command" xmlns:pc="http://schemas.microsoft.com/office/powerpoint/2013/main/command">
+  <pc:docChgLst>
+    <pc:chgData name="Khattab, Sherif" userId="c83b1e15-36f3-4f46-aceb-05aac24c545e" providerId="ADAL" clId="{8C5D2187-589F-42FF-A2C8-7F964A9C3262}"/>
+    <pc:docChg chg="custSel addSld delSld modSld sldOrd">
+      <pc:chgData name="Khattab, Sherif" userId="c83b1e15-36f3-4f46-aceb-05aac24c545e" providerId="ADAL" clId="{8C5D2187-589F-42FF-A2C8-7F964A9C3262}" dt="2022-01-18T15:56:32.971" v="1037" actId="2696"/>
+      <pc:docMkLst>
+        <pc:docMk/>
+      </pc:docMkLst>
+      <pc:sldChg chg="del">
+        <pc:chgData name="Khattab, Sherif" userId="c83b1e15-36f3-4f46-aceb-05aac24c545e" providerId="ADAL" clId="{8C5D2187-589F-42FF-A2C8-7F964A9C3262}" dt="2022-01-18T05:29:13.963" v="62" actId="47"/>
+        <pc:sldMkLst>
+          <pc:docMk/>
+          <pc:sldMk cId="1004035158" sldId="259"/>
+        </pc:sldMkLst>
+      </pc:sldChg>
+      <pc:sldChg chg="del">
+        <pc:chgData name="Khattab, Sherif" userId="c83b1e15-36f3-4f46-aceb-05aac24c545e" providerId="ADAL" clId="{8C5D2187-589F-42FF-A2C8-7F964A9C3262}" dt="2022-01-18T05:29:14.699" v="63" actId="47"/>
+        <pc:sldMkLst>
+          <pc:docMk/>
+          <pc:sldMk cId="1444142485" sldId="261"/>
+        </pc:sldMkLst>
+      </pc:sldChg>
+      <pc:sldChg chg="del">
+        <pc:chgData name="Khattab, Sherif" userId="c83b1e15-36f3-4f46-aceb-05aac24c545e" providerId="ADAL" clId="{8C5D2187-589F-42FF-A2C8-7F964A9C3262}" dt="2022-01-18T05:29:15.985" v="64" actId="47"/>
+        <pc:sldMkLst>
+          <pc:docMk/>
+          <pc:sldMk cId="516417489" sldId="262"/>
+        </pc:sldMkLst>
+      </pc:sldChg>
+      <pc:sldChg chg="del">
+        <pc:chgData name="Khattab, Sherif" userId="c83b1e15-36f3-4f46-aceb-05aac24c545e" providerId="ADAL" clId="{8C5D2187-589F-42FF-A2C8-7F964A9C3262}" dt="2022-01-18T05:29:20.161" v="65" actId="47"/>
+        <pc:sldMkLst>
+          <pc:docMk/>
+          <pc:sldMk cId="561583903" sldId="263"/>
+        </pc:sldMkLst>
+      </pc:sldChg>
+      <pc:sldChg chg="add del ord">
+        <pc:chgData name="Khattab, Sherif" userId="c83b1e15-36f3-4f46-aceb-05aac24c545e" providerId="ADAL" clId="{8C5D2187-589F-42FF-A2C8-7F964A9C3262}" dt="2022-01-18T14:07:54.605" v="478"/>
+        <pc:sldMkLst>
+          <pc:docMk/>
+          <pc:sldMk cId="661211275" sldId="267"/>
+        </pc:sldMkLst>
+      </pc:sldChg>
+      <pc:sldChg chg="add del">
+        <pc:chgData name="Khattab, Sherif" userId="c83b1e15-36f3-4f46-aceb-05aac24c545e" providerId="ADAL" clId="{8C5D2187-589F-42FF-A2C8-7F964A9C3262}" dt="2022-01-18T05:30:35.717" v="70" actId="47"/>
+        <pc:sldMkLst>
+          <pc:docMk/>
+          <pc:sldMk cId="1897509347" sldId="268"/>
+        </pc:sldMkLst>
+      </pc:sldChg>
+      <pc:sldChg chg="add del">
+        <pc:chgData name="Khattab, Sherif" userId="c83b1e15-36f3-4f46-aceb-05aac24c545e" providerId="ADAL" clId="{8C5D2187-589F-42FF-A2C8-7F964A9C3262}" dt="2022-01-18T05:30:37.586" v="71" actId="47"/>
+        <pc:sldMkLst>
+          <pc:docMk/>
+          <pc:sldMk cId="1042310649" sldId="269"/>
+        </pc:sldMkLst>
+      </pc:sldChg>
+      <pc:sldChg chg="add del">
+        <pc:chgData name="Khattab, Sherif" userId="c83b1e15-36f3-4f46-aceb-05aac24c545e" providerId="ADAL" clId="{8C5D2187-589F-42FF-A2C8-7F964A9C3262}" dt="2022-01-18T05:30:38.575" v="72" actId="47"/>
+        <pc:sldMkLst>
+          <pc:docMk/>
+          <pc:sldMk cId="703361262" sldId="270"/>
+        </pc:sldMkLst>
+      </pc:sldChg>
+      <pc:sldChg chg="add del">
+        <pc:chgData name="Khattab, Sherif" userId="c83b1e15-36f3-4f46-aceb-05aac24c545e" providerId="ADAL" clId="{8C5D2187-589F-42FF-A2C8-7F964A9C3262}" dt="2022-01-18T05:30:42.357" v="73" actId="47"/>
+        <pc:sldMkLst>
+          <pc:docMk/>
+          <pc:sldMk cId="1436808390" sldId="271"/>
+        </pc:sldMkLst>
+      </pc:sldChg>
+      <pc:sldChg chg="add del">
+        <pc:chgData name="Khattab, Sherif" userId="c83b1e15-36f3-4f46-aceb-05aac24c545e" providerId="ADAL" clId="{8C5D2187-589F-42FF-A2C8-7F964A9C3262}" dt="2022-01-18T05:30:43.296" v="74" actId="47"/>
+        <pc:sldMkLst>
+          <pc:docMk/>
+          <pc:sldMk cId="1301683851" sldId="272"/>
+        </pc:sldMkLst>
+      </pc:sldChg>
+      <pc:sldChg chg="ord modAnim">
+        <pc:chgData name="Khattab, Sherif" userId="c83b1e15-36f3-4f46-aceb-05aac24c545e" providerId="ADAL" clId="{8C5D2187-589F-42FF-A2C8-7F964A9C3262}" dt="2022-01-18T14:07:41.821" v="476"/>
+        <pc:sldMkLst>
+          <pc:docMk/>
+          <pc:sldMk cId="55302999" sldId="274"/>
+        </pc:sldMkLst>
+      </pc:sldChg>
+      <pc:sldChg chg="add del">
+        <pc:chgData name="Khattab, Sherif" userId="c83b1e15-36f3-4f46-aceb-05aac24c545e" providerId="ADAL" clId="{8C5D2187-589F-42FF-A2C8-7F964A9C3262}" dt="2022-01-18T05:30:58.158" v="75" actId="47"/>
+        <pc:sldMkLst>
+          <pc:docMk/>
+          <pc:sldMk cId="2064114192" sldId="276"/>
+        </pc:sldMkLst>
+      </pc:sldChg>
+      <pc:sldChg chg="add del">
+        <pc:chgData name="Khattab, Sherif" userId="c83b1e15-36f3-4f46-aceb-05aac24c545e" providerId="ADAL" clId="{8C5D2187-589F-42FF-A2C8-7F964A9C3262}" dt="2022-01-18T05:30:58.498" v="76" actId="47"/>
+        <pc:sldMkLst>
+          <pc:docMk/>
+          <pc:sldMk cId="1000435174" sldId="278"/>
+        </pc:sldMkLst>
+      </pc:sldChg>
+      <pc:sldChg chg="add del">
+        <pc:chgData name="Khattab, Sherif" userId="c83b1e15-36f3-4f46-aceb-05aac24c545e" providerId="ADAL" clId="{8C5D2187-589F-42FF-A2C8-7F964A9C3262}" dt="2022-01-18T05:30:59.237" v="78" actId="47"/>
+        <pc:sldMkLst>
+          <pc:docMk/>
+          <pc:sldMk cId="2080017563" sldId="279"/>
+        </pc:sldMkLst>
+      </pc:sldChg>
+      <pc:sldChg chg="add del">
+        <pc:chgData name="Khattab, Sherif" userId="c83b1e15-36f3-4f46-aceb-05aac24c545e" providerId="ADAL" clId="{8C5D2187-589F-42FF-A2C8-7F964A9C3262}" dt="2022-01-18T05:30:59.877" v="79" actId="47"/>
+        <pc:sldMkLst>
+          <pc:docMk/>
+          <pc:sldMk cId="1445345591" sldId="281"/>
+        </pc:sldMkLst>
+      </pc:sldChg>
+      <pc:sldChg chg="add del">
+        <pc:chgData name="Khattab, Sherif" userId="c83b1e15-36f3-4f46-aceb-05aac24c545e" providerId="ADAL" clId="{8C5D2187-589F-42FF-A2C8-7F964A9C3262}" dt="2022-01-18T14:10:36.567" v="486" actId="2696"/>
+        <pc:sldMkLst>
+          <pc:docMk/>
+          <pc:sldMk cId="306268545" sldId="282"/>
+        </pc:sldMkLst>
+      </pc:sldChg>
+      <pc:sldChg chg="add del">
+        <pc:chgData name="Khattab, Sherif" userId="c83b1e15-36f3-4f46-aceb-05aac24c545e" providerId="ADAL" clId="{8C5D2187-589F-42FF-A2C8-7F964A9C3262}" dt="2022-01-18T13:57:28.759" v="119"/>
+        <pc:sldMkLst>
+          <pc:docMk/>
+          <pc:sldMk cId="1713659556" sldId="322"/>
+        </pc:sldMkLst>
+      </pc:sldChg>
+      <pc:sldChg chg="add del">
+        <pc:chgData name="Khattab, Sherif" userId="c83b1e15-36f3-4f46-aceb-05aac24c545e" providerId="ADAL" clId="{8C5D2187-589F-42FF-A2C8-7F964A9C3262}" dt="2022-01-18T14:11:04.671" v="488" actId="2696"/>
+        <pc:sldMkLst>
+          <pc:docMk/>
+          <pc:sldMk cId="2090154557" sldId="322"/>
+        </pc:sldMkLst>
+      </pc:sldChg>
+      <pc:sldChg chg="add del">
+        <pc:chgData name="Khattab, Sherif" userId="c83b1e15-36f3-4f46-aceb-05aac24c545e" providerId="ADAL" clId="{8C5D2187-589F-42FF-A2C8-7F964A9C3262}" dt="2022-01-18T14:05:25.736" v="308"/>
+        <pc:sldMkLst>
+          <pc:docMk/>
+          <pc:sldMk cId="2129489625" sldId="322"/>
+        </pc:sldMkLst>
+      </pc:sldChg>
+      <pc:sldChg chg="add del ord">
+        <pc:chgData name="Khattab, Sherif" userId="c83b1e15-36f3-4f46-aceb-05aac24c545e" providerId="ADAL" clId="{8C5D2187-589F-42FF-A2C8-7F964A9C3262}" dt="2022-01-18T14:05:04.402" v="306" actId="2696"/>
+        <pc:sldMkLst>
+          <pc:docMk/>
+          <pc:sldMk cId="2583447104" sldId="322"/>
+        </pc:sldMkLst>
+      </pc:sldChg>
+      <pc:sldChg chg="add del">
+        <pc:chgData name="Khattab, Sherif" userId="c83b1e15-36f3-4f46-aceb-05aac24c545e" providerId="ADAL" clId="{8C5D2187-589F-42FF-A2C8-7F964A9C3262}" dt="2022-01-18T15:56:32.971" v="1037" actId="2696"/>
+        <pc:sldMkLst>
+          <pc:docMk/>
+          <pc:sldMk cId="2685283246" sldId="322"/>
+        </pc:sldMkLst>
+      </pc:sldChg>
+      <pc:sldChg chg="add del">
+        <pc:chgData name="Khattab, Sherif" userId="c83b1e15-36f3-4f46-aceb-05aac24c545e" providerId="ADAL" clId="{8C5D2187-589F-42FF-A2C8-7F964A9C3262}" dt="2022-01-18T13:57:05.708" v="89" actId="2696"/>
+        <pc:sldMkLst>
+          <pc:docMk/>
+          <pc:sldMk cId="2710637777" sldId="322"/>
+        </pc:sldMkLst>
+      </pc:sldChg>
+      <pc:sldChg chg="add del">
+        <pc:chgData name="Khattab, Sherif" userId="c83b1e15-36f3-4f46-aceb-05aac24c545e" providerId="ADAL" clId="{8C5D2187-589F-42FF-A2C8-7F964A9C3262}" dt="2022-01-18T14:11:37.254" v="490"/>
+        <pc:sldMkLst>
+          <pc:docMk/>
+          <pc:sldMk cId="3458864927" sldId="322"/>
+        </pc:sldMkLst>
+      </pc:sldChg>
+      <pc:sldChg chg="addSp delSp modSp add mod modAnim chgLayout">
+        <pc:chgData name="Khattab, Sherif" userId="c83b1e15-36f3-4f46-aceb-05aac24c545e" providerId="ADAL" clId="{8C5D2187-589F-42FF-A2C8-7F964A9C3262}" dt="2022-01-18T14:03:36.698" v="251" actId="20577"/>
+        <pc:sldMkLst>
+          <pc:docMk/>
+          <pc:sldMk cId="1600251031" sldId="324"/>
+        </pc:sldMkLst>
+        <pc:spChg chg="add mod ord">
+          <ac:chgData name="Khattab, Sherif" userId="c83b1e15-36f3-4f46-aceb-05aac24c545e" providerId="ADAL" clId="{8C5D2187-589F-42FF-A2C8-7F964A9C3262}" dt="2022-01-18T14:03:36.698" v="251" actId="20577"/>
+          <ac:spMkLst>
+            <pc:docMk/>
+            <pc:sldMk cId="1600251031" sldId="324"/>
+            <ac:spMk id="2" creationId="{56B73807-FEFC-460C-B70D-90AF733E85E0}"/>
+          </ac:spMkLst>
+        </pc:spChg>
+        <pc:spChg chg="mod ord">
+          <ac:chgData name="Khattab, Sherif" userId="c83b1e15-36f3-4f46-aceb-05aac24c545e" providerId="ADAL" clId="{8C5D2187-589F-42FF-A2C8-7F964A9C3262}" dt="2022-01-18T14:02:05.773" v="161" actId="700"/>
+          <ac:spMkLst>
+            <pc:docMk/>
+            <pc:sldMk cId="1600251031" sldId="324"/>
+            <ac:spMk id="24" creationId="{39DA5595-35A6-EF4C-A674-D955A9DDF867}"/>
+          </ac:spMkLst>
+        </pc:spChg>
+        <pc:spChg chg="mod ord">
+          <ac:chgData name="Khattab, Sherif" userId="c83b1e15-36f3-4f46-aceb-05aac24c545e" providerId="ADAL" clId="{8C5D2187-589F-42FF-A2C8-7F964A9C3262}" dt="2022-01-18T14:02:05.773" v="161" actId="700"/>
+          <ac:spMkLst>
+            <pc:docMk/>
+            <pc:sldMk cId="1600251031" sldId="324"/>
+            <ac:spMk id="25" creationId="{D21BF80B-2C7E-944E-B2A9-604706C7B598}"/>
+          </ac:spMkLst>
+        </pc:spChg>
+        <pc:spChg chg="add mod">
+          <ac:chgData name="Khattab, Sherif" userId="c83b1e15-36f3-4f46-aceb-05aac24c545e" providerId="ADAL" clId="{8C5D2187-589F-42FF-A2C8-7F964A9C3262}" dt="2022-01-18T14:02:42.411" v="221" actId="1076"/>
+          <ac:spMkLst>
+            <pc:docMk/>
+            <pc:sldMk cId="1600251031" sldId="324"/>
+            <ac:spMk id="26" creationId="{6F4118CB-9CC5-4D50-879B-978E70D2A4D3}"/>
+          </ac:spMkLst>
+        </pc:spChg>
+        <pc:spChg chg="mod ord">
+          <ac:chgData name="Khattab, Sherif" userId="c83b1e15-36f3-4f46-aceb-05aac24c545e" providerId="ADAL" clId="{8C5D2187-589F-42FF-A2C8-7F964A9C3262}" dt="2022-01-18T14:02:05.773" v="161" actId="700"/>
+          <ac:spMkLst>
+            <pc:docMk/>
+            <pc:sldMk cId="1600251031" sldId="324"/>
+            <ac:spMk id="92162" creationId="{4BC23600-A1B0-CF42-B178-92570A01C5A5}"/>
+          </ac:spMkLst>
+        </pc:spChg>
+        <pc:spChg chg="del mod">
+          <ac:chgData name="Khattab, Sherif" userId="c83b1e15-36f3-4f46-aceb-05aac24c545e" providerId="ADAL" clId="{8C5D2187-589F-42FF-A2C8-7F964A9C3262}" dt="2022-01-18T13:59:15.002" v="141" actId="478"/>
+          <ac:spMkLst>
+            <pc:docMk/>
+            <pc:sldMk cId="1600251031" sldId="324"/>
+            <ac:spMk id="92163" creationId="{41618587-B6C8-BF48-9EA9-7FB4861CFE9E}"/>
+          </ac:spMkLst>
+        </pc:spChg>
+        <pc:spChg chg="mod">
+          <ac:chgData name="Khattab, Sherif" userId="c83b1e15-36f3-4f46-aceb-05aac24c545e" providerId="ADAL" clId="{8C5D2187-589F-42FF-A2C8-7F964A9C3262}" dt="2022-01-18T14:03:22.786" v="239" actId="20577"/>
+          <ac:spMkLst>
+            <pc:docMk/>
+            <pc:sldMk cId="1600251031" sldId="324"/>
+            <ac:spMk id="92164" creationId="{ACD12ADF-1EA0-D34B-808B-38CAF60C17F3}"/>
+          </ac:spMkLst>
+        </pc:spChg>
+        <pc:spChg chg="mod">
+          <ac:chgData name="Khattab, Sherif" userId="c83b1e15-36f3-4f46-aceb-05aac24c545e" providerId="ADAL" clId="{8C5D2187-589F-42FF-A2C8-7F964A9C3262}" dt="2022-01-18T14:03:26.138" v="242" actId="20577"/>
+          <ac:spMkLst>
+            <pc:docMk/>
+            <pc:sldMk cId="1600251031" sldId="324"/>
+            <ac:spMk id="92165" creationId="{9439A42A-3F21-0648-BC3F-07B6A82098C4}"/>
+          </ac:spMkLst>
+        </pc:spChg>
+        <pc:spChg chg="mod">
+          <ac:chgData name="Khattab, Sherif" userId="c83b1e15-36f3-4f46-aceb-05aac24c545e" providerId="ADAL" clId="{8C5D2187-589F-42FF-A2C8-7F964A9C3262}" dt="2022-01-18T14:03:24.929" v="241" actId="20577"/>
+          <ac:spMkLst>
+            <pc:docMk/>
+            <pc:sldMk cId="1600251031" sldId="324"/>
+            <ac:spMk id="92166" creationId="{B2ED59DD-556C-9C49-9FD2-B218D857438B}"/>
+          </ac:spMkLst>
+        </pc:spChg>
+        <pc:spChg chg="mod">
+          <ac:chgData name="Khattab, Sherif" userId="c83b1e15-36f3-4f46-aceb-05aac24c545e" providerId="ADAL" clId="{8C5D2187-589F-42FF-A2C8-7F964A9C3262}" dt="2022-01-18T14:03:01.068" v="227" actId="20577"/>
+          <ac:spMkLst>
+            <pc:docMk/>
+            <pc:sldMk cId="1600251031" sldId="324"/>
+            <ac:spMk id="92167" creationId="{8EC897F1-E41B-B84F-9F29-E443122289F2}"/>
+          </ac:spMkLst>
+        </pc:spChg>
+        <pc:spChg chg="mod">
+          <ac:chgData name="Khattab, Sherif" userId="c83b1e15-36f3-4f46-aceb-05aac24c545e" providerId="ADAL" clId="{8C5D2187-589F-42FF-A2C8-7F964A9C3262}" dt="2022-01-18T14:03:03.983" v="229" actId="20577"/>
+          <ac:spMkLst>
+            <pc:docMk/>
+            <pc:sldMk cId="1600251031" sldId="324"/>
+            <ac:spMk id="92168" creationId="{4B132B3D-5BEB-B44F-B493-A443B95F13ED}"/>
+          </ac:spMkLst>
+        </pc:spChg>
+        <pc:spChg chg="mod">
+          <ac:chgData name="Khattab, Sherif" userId="c83b1e15-36f3-4f46-aceb-05aac24c545e" providerId="ADAL" clId="{8C5D2187-589F-42FF-A2C8-7F964A9C3262}" dt="2022-01-18T14:03:06.606" v="230" actId="20577"/>
+          <ac:spMkLst>
+            <pc:docMk/>
+            <pc:sldMk cId="1600251031" sldId="324"/>
+            <ac:spMk id="92169" creationId="{D987503E-7626-7A47-A8C2-3E7BB92586CE}"/>
+          </ac:spMkLst>
+        </pc:spChg>
+        <pc:spChg chg="mod">
+          <ac:chgData name="Khattab, Sherif" userId="c83b1e15-36f3-4f46-aceb-05aac24c545e" providerId="ADAL" clId="{8C5D2187-589F-42FF-A2C8-7F964A9C3262}" dt="2022-01-18T14:02:42.411" v="221" actId="1076"/>
+          <ac:spMkLst>
+            <pc:docMk/>
+            <pc:sldMk cId="1600251031" sldId="324"/>
+            <ac:spMk id="92170" creationId="{7A150112-9B83-6245-A4B8-A172DF8CE324}"/>
+          </ac:spMkLst>
+        </pc:spChg>
+        <pc:spChg chg="del">
+          <ac:chgData name="Khattab, Sherif" userId="c83b1e15-36f3-4f46-aceb-05aac24c545e" providerId="ADAL" clId="{8C5D2187-589F-42FF-A2C8-7F964A9C3262}" dt="2022-01-18T13:58:28.584" v="131" actId="478"/>
+          <ac:spMkLst>
+            <pc:docMk/>
+            <pc:sldMk cId="1600251031" sldId="324"/>
+            <ac:spMk id="92171" creationId="{1E10AABA-148B-F143-8A63-E2A35A0BB147}"/>
+          </ac:spMkLst>
+        </pc:spChg>
+        <pc:spChg chg="mod">
+          <ac:chgData name="Khattab, Sherif" userId="c83b1e15-36f3-4f46-aceb-05aac24c545e" providerId="ADAL" clId="{8C5D2187-589F-42FF-A2C8-7F964A9C3262}" dt="2022-01-18T14:02:42.411" v="221" actId="1076"/>
+          <ac:spMkLst>
+            <pc:docMk/>
+            <pc:sldMk cId="1600251031" sldId="324"/>
+            <ac:spMk id="92172" creationId="{0E669325-442A-C745-960D-F98831D5DBB2}"/>
+          </ac:spMkLst>
+        </pc:spChg>
+        <pc:spChg chg="mod">
+          <ac:chgData name="Khattab, Sherif" userId="c83b1e15-36f3-4f46-aceb-05aac24c545e" providerId="ADAL" clId="{8C5D2187-589F-42FF-A2C8-7F964A9C3262}" dt="2022-01-18T14:02:42.411" v="221" actId="1076"/>
+          <ac:spMkLst>
+            <pc:docMk/>
+            <pc:sldMk cId="1600251031" sldId="324"/>
+            <ac:spMk id="92173" creationId="{B03A6FDF-602E-C14E-BC6B-5DF5C66F2970}"/>
+          </ac:spMkLst>
+        </pc:spChg>
+        <pc:spChg chg="mod">
+          <ac:chgData name="Khattab, Sherif" userId="c83b1e15-36f3-4f46-aceb-05aac24c545e" providerId="ADAL" clId="{8C5D2187-589F-42FF-A2C8-7F964A9C3262}" dt="2022-01-18T14:02:42.411" v="221" actId="1076"/>
+          <ac:spMkLst>
+            <pc:docMk/>
+            <pc:sldMk cId="1600251031" sldId="324"/>
+            <ac:spMk id="92174" creationId="{206B0F38-D167-2348-8192-4C3EF0995146}"/>
+          </ac:spMkLst>
+        </pc:spChg>
+        <pc:spChg chg="mod">
+          <ac:chgData name="Khattab, Sherif" userId="c83b1e15-36f3-4f46-aceb-05aac24c545e" providerId="ADAL" clId="{8C5D2187-589F-42FF-A2C8-7F964A9C3262}" dt="2022-01-18T14:02:42.411" v="221" actId="1076"/>
+          <ac:spMkLst>
+            <pc:docMk/>
+            <pc:sldMk cId="1600251031" sldId="324"/>
+            <ac:spMk id="92175" creationId="{78C36BC3-70E6-1444-A705-3168AB24C35A}"/>
+          </ac:spMkLst>
+        </pc:spChg>
+        <pc:spChg chg="mod">
+          <ac:chgData name="Khattab, Sherif" userId="c83b1e15-36f3-4f46-aceb-05aac24c545e" providerId="ADAL" clId="{8C5D2187-589F-42FF-A2C8-7F964A9C3262}" dt="2022-01-18T14:03:08.596" v="231" actId="20577"/>
+          <ac:spMkLst>
+            <pc:docMk/>
+            <pc:sldMk cId="1600251031" sldId="324"/>
+            <ac:spMk id="92176" creationId="{D818FBE8-19CC-8746-AC28-8D0D17BC8099}"/>
+          </ac:spMkLst>
+        </pc:spChg>
+        <pc:spChg chg="mod">
+          <ac:chgData name="Khattab, Sherif" userId="c83b1e15-36f3-4f46-aceb-05aac24c545e" providerId="ADAL" clId="{8C5D2187-589F-42FF-A2C8-7F964A9C3262}" dt="2022-01-18T14:03:16.107" v="236" actId="20577"/>
+          <ac:spMkLst>
+            <pc:docMk/>
+            <pc:sldMk cId="1600251031" sldId="324"/>
+            <ac:spMk id="92177" creationId="{5E9B37C1-494E-694B-8A21-9F75AFE80B99}"/>
+          </ac:spMkLst>
+        </pc:spChg>
+        <pc:spChg chg="mod">
+          <ac:chgData name="Khattab, Sherif" userId="c83b1e15-36f3-4f46-aceb-05aac24c545e" providerId="ADAL" clId="{8C5D2187-589F-42FF-A2C8-7F964A9C3262}" dt="2022-01-18T14:03:18.477" v="237" actId="20577"/>
+          <ac:spMkLst>
+            <pc:docMk/>
+            <pc:sldMk cId="1600251031" sldId="324"/>
+            <ac:spMk id="92178" creationId="{ED87EB31-832F-9647-B724-DEF29B7FEA66}"/>
+          </ac:spMkLst>
+        </pc:spChg>
+        <pc:spChg chg="mod">
+          <ac:chgData name="Khattab, Sherif" userId="c83b1e15-36f3-4f46-aceb-05aac24c545e" providerId="ADAL" clId="{8C5D2187-589F-42FF-A2C8-7F964A9C3262}" dt="2022-01-18T14:03:10.796" v="232" actId="20577"/>
+          <ac:spMkLst>
+            <pc:docMk/>
+            <pc:sldMk cId="1600251031" sldId="324"/>
+            <ac:spMk id="92179" creationId="{B2201D02-5232-644F-B842-AB57B41A98C5}"/>
+          </ac:spMkLst>
+        </pc:spChg>
+        <pc:spChg chg="mod">
+          <ac:chgData name="Khattab, Sherif" userId="c83b1e15-36f3-4f46-aceb-05aac24c545e" providerId="ADAL" clId="{8C5D2187-589F-42FF-A2C8-7F964A9C3262}" dt="2022-01-18T14:03:13.738" v="234" actId="20577"/>
+          <ac:spMkLst>
+            <pc:docMk/>
+            <pc:sldMk cId="1600251031" sldId="324"/>
+            <ac:spMk id="92180" creationId="{0538DC99-9D70-9048-A4F8-969A8A9E75EA}"/>
+          </ac:spMkLst>
+        </pc:spChg>
+        <pc:spChg chg="mod">
+          <ac:chgData name="Khattab, Sherif" userId="c83b1e15-36f3-4f46-aceb-05aac24c545e" providerId="ADAL" clId="{8C5D2187-589F-42FF-A2C8-7F964A9C3262}" dt="2022-01-18T14:03:20.946" v="238" actId="20577"/>
+          <ac:spMkLst>
+            <pc:docMk/>
+            <pc:sldMk cId="1600251031" sldId="324"/>
+            <ac:spMk id="92181" creationId="{0A024BF3-A991-A542-86B4-C22F8F5B945C}"/>
+          </ac:spMkLst>
+        </pc:spChg>
+        <pc:spChg chg="mod">
+          <ac:chgData name="Khattab, Sherif" userId="c83b1e15-36f3-4f46-aceb-05aac24c545e" providerId="ADAL" clId="{8C5D2187-589F-42FF-A2C8-7F964A9C3262}" dt="2022-01-18T14:02:42.411" v="221" actId="1076"/>
+          <ac:spMkLst>
+            <pc:docMk/>
+            <pc:sldMk cId="1600251031" sldId="324"/>
+            <ac:spMk id="92182" creationId="{B6E46919-7927-DF4D-B2F3-64C418498E27}"/>
+          </ac:spMkLst>
+        </pc:spChg>
+        <pc:spChg chg="mod">
+          <ac:chgData name="Khattab, Sherif" userId="c83b1e15-36f3-4f46-aceb-05aac24c545e" providerId="ADAL" clId="{8C5D2187-589F-42FF-A2C8-7F964A9C3262}" dt="2022-01-18T14:02:42.411" v="221" actId="1076"/>
+          <ac:spMkLst>
+            <pc:docMk/>
+            <pc:sldMk cId="1600251031" sldId="324"/>
+            <ac:spMk id="92183" creationId="{A1231468-C8F0-C84B-BAE2-5BB1477E0428}"/>
+          </ac:spMkLst>
+        </pc:spChg>
+      </pc:sldChg>
+      <pc:sldChg chg="add del">
+        <pc:chgData name="Khattab, Sherif" userId="c83b1e15-36f3-4f46-aceb-05aac24c545e" providerId="ADAL" clId="{8C5D2187-589F-42FF-A2C8-7F964A9C3262}" dt="2022-01-18T13:57:05.708" v="89" actId="2696"/>
+        <pc:sldMkLst>
+          <pc:docMk/>
+          <pc:sldMk cId="3292918179" sldId="324"/>
+        </pc:sldMkLst>
+      </pc:sldChg>
+      <pc:sldChg chg="add del">
+        <pc:chgData name="Khattab, Sherif" userId="c83b1e15-36f3-4f46-aceb-05aac24c545e" providerId="ADAL" clId="{8C5D2187-589F-42FF-A2C8-7F964A9C3262}" dt="2022-01-18T13:57:28.759" v="119"/>
+        <pc:sldMkLst>
+          <pc:docMk/>
+          <pc:sldMk cId="3562442158" sldId="324"/>
+        </pc:sldMkLst>
+      </pc:sldChg>
+      <pc:sldChg chg="add del">
+        <pc:chgData name="Khattab, Sherif" userId="c83b1e15-36f3-4f46-aceb-05aac24c545e" providerId="ADAL" clId="{8C5D2187-589F-42FF-A2C8-7F964A9C3262}" dt="2022-01-18T13:57:05.708" v="89" actId="2696"/>
+        <pc:sldMkLst>
+          <pc:docMk/>
+          <pc:sldMk cId="434376579" sldId="363"/>
+        </pc:sldMkLst>
+      </pc:sldChg>
+      <pc:sldChg chg="add del">
+        <pc:chgData name="Khattab, Sherif" userId="c83b1e15-36f3-4f46-aceb-05aac24c545e" providerId="ADAL" clId="{8C5D2187-589F-42FF-A2C8-7F964A9C3262}" dt="2022-01-18T13:57:28.759" v="119"/>
+        <pc:sldMkLst>
+          <pc:docMk/>
+          <pc:sldMk cId="3054857398" sldId="363"/>
+        </pc:sldMkLst>
+      </pc:sldChg>
+      <pc:sldChg chg="add del">
+        <pc:chgData name="Khattab, Sherif" userId="c83b1e15-36f3-4f46-aceb-05aac24c545e" providerId="ADAL" clId="{8C5D2187-589F-42FF-A2C8-7F964A9C3262}" dt="2022-01-18T15:56:07.687" v="1036" actId="47"/>
+        <pc:sldMkLst>
+          <pc:docMk/>
+          <pc:sldMk cId="3081768285" sldId="363"/>
+        </pc:sldMkLst>
+      </pc:sldChg>
+      <pc:sldChg chg="addSp modSp add del mod">
+        <pc:chgData name="Khattab, Sherif" userId="c83b1e15-36f3-4f46-aceb-05aac24c545e" providerId="ADAL" clId="{8C5D2187-589F-42FF-A2C8-7F964A9C3262}" dt="2022-01-18T14:13:37.745" v="623" actId="20577"/>
+        <pc:sldMkLst>
+          <pc:docMk/>
+          <pc:sldMk cId="815621424" sldId="364"/>
+        </pc:sldMkLst>
+        <pc:spChg chg="mod">
+          <ac:chgData name="Khattab, Sherif" userId="c83b1e15-36f3-4f46-aceb-05aac24c545e" providerId="ADAL" clId="{8C5D2187-589F-42FF-A2C8-7F964A9C3262}" dt="2022-01-18T14:13:37.745" v="623" actId="20577"/>
+          <ac:spMkLst>
+            <pc:docMk/>
+            <pc:sldMk cId="815621424" sldId="364"/>
+            <ac:spMk id="93187" creationId="{83249007-0AB0-EB49-9417-995673C1CEF5}"/>
+          </ac:spMkLst>
+        </pc:spChg>
+        <pc:spChg chg="mod">
+          <ac:chgData name="Khattab, Sherif" userId="c83b1e15-36f3-4f46-aceb-05aac24c545e" providerId="ADAL" clId="{8C5D2187-589F-42FF-A2C8-7F964A9C3262}" dt="2022-01-18T14:12:56.269" v="551" actId="1076"/>
+          <ac:spMkLst>
+            <pc:docMk/>
+            <pc:sldMk cId="815621424" sldId="364"/>
+            <ac:spMk id="93188" creationId="{C3F6E6DB-6322-6D44-B41C-6936656CB466}"/>
+          </ac:spMkLst>
+        </pc:spChg>
+        <pc:spChg chg="mod">
+          <ac:chgData name="Khattab, Sherif" userId="c83b1e15-36f3-4f46-aceb-05aac24c545e" providerId="ADAL" clId="{8C5D2187-589F-42FF-A2C8-7F964A9C3262}" dt="2022-01-18T14:12:56.269" v="551" actId="1076"/>
+          <ac:spMkLst>
+            <pc:docMk/>
+            <pc:sldMk cId="815621424" sldId="364"/>
+            <ac:spMk id="93189" creationId="{D4F7248B-AA16-974E-A65D-88D581D5EEDB}"/>
+          </ac:spMkLst>
+        </pc:spChg>
+        <pc:spChg chg="mod">
+          <ac:chgData name="Khattab, Sherif" userId="c83b1e15-36f3-4f46-aceb-05aac24c545e" providerId="ADAL" clId="{8C5D2187-589F-42FF-A2C8-7F964A9C3262}" dt="2022-01-18T14:13:12.159" v="565" actId="20577"/>
+          <ac:spMkLst>
+            <pc:docMk/>
+            <pc:sldMk cId="815621424" sldId="364"/>
+            <ac:spMk id="93192" creationId="{BFFAF5CB-55FB-DE4B-8871-CFD3AA5B4FB2}"/>
+          </ac:spMkLst>
+        </pc:spChg>
+        <pc:spChg chg="mod">
+          <ac:chgData name="Khattab, Sherif" userId="c83b1e15-36f3-4f46-aceb-05aac24c545e" providerId="ADAL" clId="{8C5D2187-589F-42FF-A2C8-7F964A9C3262}" dt="2022-01-18T14:12:56.269" v="551" actId="1076"/>
+          <ac:spMkLst>
+            <pc:docMk/>
+            <pc:sldMk cId="815621424" sldId="364"/>
+            <ac:spMk id="93193" creationId="{68DEBAA7-0648-614B-B1B9-E2B1FC703D89}"/>
+          </ac:spMkLst>
+        </pc:spChg>
+        <pc:spChg chg="mod">
+          <ac:chgData name="Khattab, Sherif" userId="c83b1e15-36f3-4f46-aceb-05aac24c545e" providerId="ADAL" clId="{8C5D2187-589F-42FF-A2C8-7F964A9C3262}" dt="2022-01-18T14:12:56.269" v="551" actId="1076"/>
+          <ac:spMkLst>
+            <pc:docMk/>
+            <pc:sldMk cId="815621424" sldId="364"/>
+            <ac:spMk id="93194" creationId="{B70D9D52-BAF2-A045-922A-608B34CDB5F5}"/>
+          </ac:spMkLst>
+        </pc:spChg>
+        <pc:spChg chg="mod">
+          <ac:chgData name="Khattab, Sherif" userId="c83b1e15-36f3-4f46-aceb-05aac24c545e" providerId="ADAL" clId="{8C5D2187-589F-42FF-A2C8-7F964A9C3262}" dt="2022-01-18T14:12:56.269" v="551" actId="1076"/>
+          <ac:spMkLst>
+            <pc:docMk/>
+            <pc:sldMk cId="815621424" sldId="364"/>
+            <ac:spMk id="93195" creationId="{7FABC8D9-EF36-4A48-B048-2BABAC42574F}"/>
+          </ac:spMkLst>
+        </pc:spChg>
+        <pc:spChg chg="mod">
+          <ac:chgData name="Khattab, Sherif" userId="c83b1e15-36f3-4f46-aceb-05aac24c545e" providerId="ADAL" clId="{8C5D2187-589F-42FF-A2C8-7F964A9C3262}" dt="2022-01-18T14:12:56.269" v="551" actId="1076"/>
+          <ac:spMkLst>
+            <pc:docMk/>
+            <pc:sldMk cId="815621424" sldId="364"/>
+            <ac:spMk id="93196" creationId="{4DCB7AA6-E34C-CA48-9478-90BEDDE193D4}"/>
+          </ac:spMkLst>
+        </pc:spChg>
+        <pc:spChg chg="mod">
+          <ac:chgData name="Khattab, Sherif" userId="c83b1e15-36f3-4f46-aceb-05aac24c545e" providerId="ADAL" clId="{8C5D2187-589F-42FF-A2C8-7F964A9C3262}" dt="2022-01-18T14:12:56.269" v="551" actId="1076"/>
+          <ac:spMkLst>
+            <pc:docMk/>
+            <pc:sldMk cId="815621424" sldId="364"/>
+            <ac:spMk id="93197" creationId="{243BB3C5-F175-D94D-BB93-AD7301147852}"/>
+          </ac:spMkLst>
+        </pc:spChg>
+        <pc:spChg chg="mod">
+          <ac:chgData name="Khattab, Sherif" userId="c83b1e15-36f3-4f46-aceb-05aac24c545e" providerId="ADAL" clId="{8C5D2187-589F-42FF-A2C8-7F964A9C3262}" dt="2022-01-18T14:13:01.708" v="554" actId="20577"/>
+          <ac:spMkLst>
+            <pc:docMk/>
+            <pc:sldMk cId="815621424" sldId="364"/>
+            <ac:spMk id="93198" creationId="{1FF452C2-8432-7A46-9489-7768F5F4611D}"/>
+          </ac:spMkLst>
+        </pc:spChg>
+        <pc:spChg chg="mod">
+          <ac:chgData name="Khattab, Sherif" userId="c83b1e15-36f3-4f46-aceb-05aac24c545e" providerId="ADAL" clId="{8C5D2187-589F-42FF-A2C8-7F964A9C3262}" dt="2022-01-18T14:13:09.050" v="562" actId="20577"/>
+          <ac:spMkLst>
+            <pc:docMk/>
+            <pc:sldMk cId="815621424" sldId="364"/>
+            <ac:spMk id="93199" creationId="{6CB830A3-5275-A04F-B7E0-09F4720CCA7B}"/>
+          </ac:spMkLst>
+        </pc:spChg>
+        <pc:spChg chg="mod">
+          <ac:chgData name="Khattab, Sherif" userId="c83b1e15-36f3-4f46-aceb-05aac24c545e" providerId="ADAL" clId="{8C5D2187-589F-42FF-A2C8-7F964A9C3262}" dt="2022-01-18T14:13:16.139" v="568" actId="20577"/>
+          <ac:spMkLst>
+            <pc:docMk/>
+            <pc:sldMk cId="815621424" sldId="364"/>
+            <ac:spMk id="93202" creationId="{F0F3F60F-9EA9-4140-8863-94A522409904}"/>
+          </ac:spMkLst>
+        </pc:spChg>
+        <pc:spChg chg="mod">
+          <ac:chgData name="Khattab, Sherif" userId="c83b1e15-36f3-4f46-aceb-05aac24c545e" providerId="ADAL" clId="{8C5D2187-589F-42FF-A2C8-7F964A9C3262}" dt="2022-01-18T14:12:56.269" v="551" actId="1076"/>
+          <ac:spMkLst>
+            <pc:docMk/>
+            <pc:sldMk cId="815621424" sldId="364"/>
+            <ac:spMk id="93204" creationId="{D8DD440F-E90D-8045-88CA-C2DFAEDA0A44}"/>
+          </ac:spMkLst>
+        </pc:spChg>
+        <pc:spChg chg="mod">
+          <ac:chgData name="Khattab, Sherif" userId="c83b1e15-36f3-4f46-aceb-05aac24c545e" providerId="ADAL" clId="{8C5D2187-589F-42FF-A2C8-7F964A9C3262}" dt="2022-01-18T14:13:04.343" v="557" actId="20577"/>
+          <ac:spMkLst>
+            <pc:docMk/>
+            <pc:sldMk cId="815621424" sldId="364"/>
+            <ac:spMk id="93205" creationId="{944A616F-A465-E446-9D19-2B75EAB0CCA2}"/>
+          </ac:spMkLst>
+        </pc:spChg>
+        <pc:spChg chg="mod">
+          <ac:chgData name="Khattab, Sherif" userId="c83b1e15-36f3-4f46-aceb-05aac24c545e" providerId="ADAL" clId="{8C5D2187-589F-42FF-A2C8-7F964A9C3262}" dt="2022-01-18T14:13:19.689" v="571" actId="20577"/>
+          <ac:spMkLst>
+            <pc:docMk/>
+            <pc:sldMk cId="815621424" sldId="364"/>
+            <ac:spMk id="93207" creationId="{4A12CAD2-CB36-5043-A78F-4765686F228F}"/>
+          </ac:spMkLst>
+        </pc:spChg>
+        <pc:spChg chg="mod">
+          <ac:chgData name="Khattab, Sherif" userId="c83b1e15-36f3-4f46-aceb-05aac24c545e" providerId="ADAL" clId="{8C5D2187-589F-42FF-A2C8-7F964A9C3262}" dt="2022-01-18T14:12:56.269" v="551" actId="1076"/>
+          <ac:spMkLst>
+            <pc:docMk/>
+            <pc:sldMk cId="815621424" sldId="364"/>
+            <ac:spMk id="93209" creationId="{B16CDE04-5431-FF42-9E7B-BF5EFC1FB095}"/>
+          </ac:spMkLst>
+        </pc:spChg>
+        <pc:grpChg chg="add mod">
+          <ac:chgData name="Khattab, Sherif" userId="c83b1e15-36f3-4f46-aceb-05aac24c545e" providerId="ADAL" clId="{8C5D2187-589F-42FF-A2C8-7F964A9C3262}" dt="2022-01-18T14:12:56.269" v="551" actId="1076"/>
+          <ac:grpSpMkLst>
+            <pc:docMk/>
+            <pc:sldMk cId="815621424" sldId="364"/>
+            <ac:grpSpMk id="2" creationId="{F5EB84BB-E6B5-444B-9F5C-3EC05879A091}"/>
+          </ac:grpSpMkLst>
+        </pc:grpChg>
+        <pc:cxnChg chg="mod">
+          <ac:chgData name="Khattab, Sherif" userId="c83b1e15-36f3-4f46-aceb-05aac24c545e" providerId="ADAL" clId="{8C5D2187-589F-42FF-A2C8-7F964A9C3262}" dt="2022-01-18T14:12:56.269" v="551" actId="1076"/>
+          <ac:cxnSpMkLst>
+            <pc:docMk/>
+            <pc:sldMk cId="815621424" sldId="364"/>
+            <ac:cxnSpMk id="93190" creationId="{29C3C522-9B74-CB4D-A6A0-356CECD0BA19}"/>
+          </ac:cxnSpMkLst>
+        </pc:cxnChg>
+        <pc:cxnChg chg="mod">
+          <ac:chgData name="Khattab, Sherif" userId="c83b1e15-36f3-4f46-aceb-05aac24c545e" providerId="ADAL" clId="{8C5D2187-589F-42FF-A2C8-7F964A9C3262}" dt="2022-01-18T14:12:56.269" v="551" actId="1076"/>
+          <ac:cxnSpMkLst>
+            <pc:docMk/>
+            <pc:sldMk cId="815621424" sldId="364"/>
+            <ac:cxnSpMk id="93191" creationId="{794A80B4-0F9A-5C4E-8A01-53A1C2AAC944}"/>
+          </ac:cxnSpMkLst>
+        </pc:cxnChg>
+        <pc:cxnChg chg="mod">
+          <ac:chgData name="Khattab, Sherif" userId="c83b1e15-36f3-4f46-aceb-05aac24c545e" providerId="ADAL" clId="{8C5D2187-589F-42FF-A2C8-7F964A9C3262}" dt="2022-01-18T14:13:09.050" v="562" actId="20577"/>
+          <ac:cxnSpMkLst>
+            <pc:docMk/>
+            <pc:sldMk cId="815621424" sldId="364"/>
+            <ac:cxnSpMk id="93200" creationId="{3F3D0FB7-3D7C-BB46-9654-58CD1990FB02}"/>
+          </ac:cxnSpMkLst>
+        </pc:cxnChg>
+        <pc:cxnChg chg="mod">
+          <ac:chgData name="Khattab, Sherif" userId="c83b1e15-36f3-4f46-aceb-05aac24c545e" providerId="ADAL" clId="{8C5D2187-589F-42FF-A2C8-7F964A9C3262}" dt="2022-01-18T14:12:56.269" v="551" actId="1076"/>
+          <ac:cxnSpMkLst>
+            <pc:docMk/>
+            <pc:sldMk cId="815621424" sldId="364"/>
+            <ac:cxnSpMk id="93201" creationId="{7B2424DD-5AA5-294D-9FD2-145034A1C9BA}"/>
+          </ac:cxnSpMkLst>
+        </pc:cxnChg>
+        <pc:cxnChg chg="mod">
+          <ac:chgData name="Khattab, Sherif" userId="c83b1e15-36f3-4f46-aceb-05aac24c545e" providerId="ADAL" clId="{8C5D2187-589F-42FF-A2C8-7F964A9C3262}" dt="2022-01-18T14:12:56.269" v="551" actId="1076"/>
+          <ac:cxnSpMkLst>
+            <pc:docMk/>
+            <pc:sldMk cId="815621424" sldId="364"/>
+            <ac:cxnSpMk id="93203" creationId="{6E5DEFF4-78F5-3343-96CE-6821A6D6BB0E}"/>
+          </ac:cxnSpMkLst>
+        </pc:cxnChg>
+        <pc:cxnChg chg="mod">
+          <ac:chgData name="Khattab, Sherif" userId="c83b1e15-36f3-4f46-aceb-05aac24c545e" providerId="ADAL" clId="{8C5D2187-589F-42FF-A2C8-7F964A9C3262}" dt="2022-01-18T14:12:56.269" v="551" actId="1076"/>
+          <ac:cxnSpMkLst>
+            <pc:docMk/>
+            <pc:sldMk cId="815621424" sldId="364"/>
+            <ac:cxnSpMk id="93206" creationId="{BB868173-395E-4C4F-ACFF-6355020360DE}"/>
+          </ac:cxnSpMkLst>
+        </pc:cxnChg>
+        <pc:cxnChg chg="mod">
+          <ac:chgData name="Khattab, Sherif" userId="c83b1e15-36f3-4f46-aceb-05aac24c545e" providerId="ADAL" clId="{8C5D2187-589F-42FF-A2C8-7F964A9C3262}" dt="2022-01-18T14:12:56.269" v="551" actId="1076"/>
+          <ac:cxnSpMkLst>
+            <pc:docMk/>
+            <pc:sldMk cId="815621424" sldId="364"/>
+            <ac:cxnSpMk id="93208" creationId="{27E62FBA-35CF-F247-9B99-656FDC7DDDAE}"/>
+          </ac:cxnSpMkLst>
+        </pc:cxnChg>
+        <pc:cxnChg chg="mod">
+          <ac:chgData name="Khattab, Sherif" userId="c83b1e15-36f3-4f46-aceb-05aac24c545e" providerId="ADAL" clId="{8C5D2187-589F-42FF-A2C8-7F964A9C3262}" dt="2022-01-18T14:12:56.269" v="551" actId="1076"/>
+          <ac:cxnSpMkLst>
+            <pc:docMk/>
+            <pc:sldMk cId="815621424" sldId="364"/>
+            <ac:cxnSpMk id="93210" creationId="{EAFAA533-0983-134C-95A7-C3A56B6DA543}"/>
+          </ac:cxnSpMkLst>
+        </pc:cxnChg>
+      </pc:sldChg>
+      <pc:sldChg chg="modSp add del mod modAnim">
+        <pc:chgData name="Khattab, Sherif" userId="c83b1e15-36f3-4f46-aceb-05aac24c545e" providerId="ADAL" clId="{8C5D2187-589F-42FF-A2C8-7F964A9C3262}" dt="2022-01-18T14:15:33.299" v="842"/>
+        <pc:sldMkLst>
+          <pc:docMk/>
+          <pc:sldMk cId="2251973667" sldId="367"/>
+        </pc:sldMkLst>
+        <pc:spChg chg="mod">
+          <ac:chgData name="Khattab, Sherif" userId="c83b1e15-36f3-4f46-aceb-05aac24c545e" providerId="ADAL" clId="{8C5D2187-589F-42FF-A2C8-7F964A9C3262}" dt="2022-01-18T14:15:27.689" v="840" actId="20577"/>
+          <ac:spMkLst>
+            <pc:docMk/>
+            <pc:sldMk cId="2251973667" sldId="367"/>
+            <ac:spMk id="98307" creationId="{6AF066B1-89F4-4E4D-8ABF-40AC813F6866}"/>
+          </ac:spMkLst>
+        </pc:spChg>
+      </pc:sldChg>
+      <pc:sldChg chg="add del">
+        <pc:chgData name="Khattab, Sherif" userId="c83b1e15-36f3-4f46-aceb-05aac24c545e" providerId="ADAL" clId="{8C5D2187-589F-42FF-A2C8-7F964A9C3262}" dt="2022-01-18T05:32:25.916" v="85"/>
+        <pc:sldMkLst>
+          <pc:docMk/>
+          <pc:sldMk cId="3138501136" sldId="368"/>
+        </pc:sldMkLst>
+      </pc:sldChg>
+      <pc:sldChg chg="add del">
+        <pc:chgData name="Khattab, Sherif" userId="c83b1e15-36f3-4f46-aceb-05aac24c545e" providerId="ADAL" clId="{8C5D2187-589F-42FF-A2C8-7F964A9C3262}" dt="2022-01-18T15:56:32.971" v="1037" actId="2696"/>
+        <pc:sldMkLst>
+          <pc:docMk/>
+          <pc:sldMk cId="3210992163" sldId="369"/>
+        </pc:sldMkLst>
+      </pc:sldChg>
+      <pc:sldChg chg="add del">
+        <pc:chgData name="Khattab, Sherif" userId="c83b1e15-36f3-4f46-aceb-05aac24c545e" providerId="ADAL" clId="{8C5D2187-589F-42FF-A2C8-7F964A9C3262}" dt="2022-01-18T15:56:32.971" v="1037" actId="2696"/>
+        <pc:sldMkLst>
+          <pc:docMk/>
+          <pc:sldMk cId="4013065491" sldId="370"/>
+        </pc:sldMkLst>
+      </pc:sldChg>
+      <pc:sldChg chg="add del">
+        <pc:chgData name="Khattab, Sherif" userId="c83b1e15-36f3-4f46-aceb-05aac24c545e" providerId="ADAL" clId="{8C5D2187-589F-42FF-A2C8-7F964A9C3262}" dt="2022-01-18T15:56:32.971" v="1037" actId="2696"/>
+        <pc:sldMkLst>
+          <pc:docMk/>
+          <pc:sldMk cId="3848335379" sldId="372"/>
+        </pc:sldMkLst>
+      </pc:sldChg>
+      <pc:sldChg chg="add del">
+        <pc:chgData name="Khattab, Sherif" userId="c83b1e15-36f3-4f46-aceb-05aac24c545e" providerId="ADAL" clId="{8C5D2187-589F-42FF-A2C8-7F964A9C3262}" dt="2022-01-18T15:56:32.971" v="1037" actId="2696"/>
+        <pc:sldMkLst>
+          <pc:docMk/>
+          <pc:sldMk cId="3161117264" sldId="373"/>
+        </pc:sldMkLst>
+      </pc:sldChg>
+      <pc:sldChg chg="add del">
+        <pc:chgData name="Khattab, Sherif" userId="c83b1e15-36f3-4f46-aceb-05aac24c545e" providerId="ADAL" clId="{8C5D2187-589F-42FF-A2C8-7F964A9C3262}" dt="2022-01-18T15:56:32.971" v="1037" actId="2696"/>
+        <pc:sldMkLst>
+          <pc:docMk/>
+          <pc:sldMk cId="583513582" sldId="377"/>
+        </pc:sldMkLst>
+      </pc:sldChg>
+      <pc:sldChg chg="modSp mod">
+        <pc:chgData name="Khattab, Sherif" userId="c83b1e15-36f3-4f46-aceb-05aac24c545e" providerId="ADAL" clId="{8C5D2187-589F-42FF-A2C8-7F964A9C3262}" dt="2022-01-18T13:57:18.371" v="117" actId="20577"/>
+        <pc:sldMkLst>
+          <pc:docMk/>
+          <pc:sldMk cId="1330366002" sldId="454"/>
+        </pc:sldMkLst>
+        <pc:spChg chg="mod">
+          <ac:chgData name="Khattab, Sherif" userId="c83b1e15-36f3-4f46-aceb-05aac24c545e" providerId="ADAL" clId="{8C5D2187-589F-42FF-A2C8-7F964A9C3262}" dt="2022-01-18T13:57:18.371" v="117" actId="20577"/>
+          <ac:spMkLst>
+            <pc:docMk/>
+            <pc:sldMk cId="1330366002" sldId="454"/>
+            <ac:spMk id="3" creationId="{00000000-0000-0000-0000-000000000000}"/>
+          </ac:spMkLst>
+        </pc:spChg>
+      </pc:sldChg>
+      <pc:sldChg chg="del">
+        <pc:chgData name="Khattab, Sherif" userId="c83b1e15-36f3-4f46-aceb-05aac24c545e" providerId="ADAL" clId="{8C5D2187-589F-42FF-A2C8-7F964A9C3262}" dt="2022-01-18T05:28:48.008" v="60" actId="47"/>
+        <pc:sldMkLst>
+          <pc:docMk/>
+          <pc:sldMk cId="1573008784" sldId="464"/>
+        </pc:sldMkLst>
+      </pc:sldChg>
+      <pc:sldChg chg="modSp mod">
+        <pc:chgData name="Khattab, Sherif" userId="c83b1e15-36f3-4f46-aceb-05aac24c545e" providerId="ADAL" clId="{8C5D2187-589F-42FF-A2C8-7F964A9C3262}" dt="2022-01-18T14:22:01.108" v="1035" actId="20577"/>
+        <pc:sldMkLst>
+          <pc:docMk/>
+          <pc:sldMk cId="3151947439" sldId="496"/>
+        </pc:sldMkLst>
+        <pc:spChg chg="mod">
+          <ac:chgData name="Khattab, Sherif" userId="c83b1e15-36f3-4f46-aceb-05aac24c545e" providerId="ADAL" clId="{8C5D2187-589F-42FF-A2C8-7F964A9C3262}" dt="2022-01-18T14:22:01.108" v="1035" actId="20577"/>
+          <ac:spMkLst>
+            <pc:docMk/>
+            <pc:sldMk cId="3151947439" sldId="496"/>
+            <ac:spMk id="3" creationId="{2466C52D-9A48-4683-BE7F-268D8DB7FAAD}"/>
+          </ac:spMkLst>
+        </pc:spChg>
+      </pc:sldChg>
+      <pc:sldChg chg="add del">
+        <pc:chgData name="Khattab, Sherif" userId="c83b1e15-36f3-4f46-aceb-05aac24c545e" providerId="ADAL" clId="{8C5D2187-589F-42FF-A2C8-7F964A9C3262}" dt="2022-01-18T15:56:32.971" v="1037" actId="2696"/>
+        <pc:sldMkLst>
+          <pc:docMk/>
+          <pc:sldMk cId="2782489002" sldId="497"/>
+        </pc:sldMkLst>
+      </pc:sldChg>
+      <pc:sldChg chg="add del">
+        <pc:chgData name="Khattab, Sherif" userId="c83b1e15-36f3-4f46-aceb-05aac24c545e" providerId="ADAL" clId="{8C5D2187-589F-42FF-A2C8-7F964A9C3262}" dt="2022-01-18T05:30:23.443" v="68"/>
+        <pc:sldMkLst>
+          <pc:docMk/>
+          <pc:sldMk cId="3429514563" sldId="500"/>
+        </pc:sldMkLst>
+      </pc:sldChg>
+      <pc:sldChg chg="add del">
+        <pc:chgData name="Khattab, Sherif" userId="c83b1e15-36f3-4f46-aceb-05aac24c545e" providerId="ADAL" clId="{8C5D2187-589F-42FF-A2C8-7F964A9C3262}" dt="2022-01-18T14:10:49.547" v="487" actId="2696"/>
+        <pc:sldMkLst>
+          <pc:docMk/>
+          <pc:sldMk cId="3419089429" sldId="501"/>
+        </pc:sldMkLst>
+      </pc:sldChg>
+      <pc:sldChg chg="add del">
+        <pc:chgData name="Khattab, Sherif" userId="c83b1e15-36f3-4f46-aceb-05aac24c545e" providerId="ADAL" clId="{8C5D2187-589F-42FF-A2C8-7F964A9C3262}" dt="2022-01-18T05:30:25.799" v="69" actId="47"/>
+        <pc:sldMkLst>
+          <pc:docMk/>
+          <pc:sldMk cId="2898433613" sldId="502"/>
+        </pc:sldMkLst>
+      </pc:sldChg>
+      <pc:sldChg chg="add del">
+        <pc:chgData name="Khattab, Sherif" userId="c83b1e15-36f3-4f46-aceb-05aac24c545e" providerId="ADAL" clId="{8C5D2187-589F-42FF-A2C8-7F964A9C3262}" dt="2022-01-18T14:10:36.567" v="486" actId="2696"/>
+        <pc:sldMkLst>
+          <pc:docMk/>
+          <pc:sldMk cId="4120720973" sldId="503"/>
+        </pc:sldMkLst>
+      </pc:sldChg>
+      <pc:sldChg chg="modSp mod modAnim">
+        <pc:chgData name="Khattab, Sherif" userId="c83b1e15-36f3-4f46-aceb-05aac24c545e" providerId="ADAL" clId="{8C5D2187-589F-42FF-A2C8-7F964A9C3262}" dt="2022-01-18T14:21:32.876" v="976" actId="20577"/>
+        <pc:sldMkLst>
+          <pc:docMk/>
+          <pc:sldMk cId="1234025283" sldId="506"/>
+        </pc:sldMkLst>
+        <pc:spChg chg="mod">
+          <ac:chgData name="Khattab, Sherif" userId="c83b1e15-36f3-4f46-aceb-05aac24c545e" providerId="ADAL" clId="{8C5D2187-589F-42FF-A2C8-7F964A9C3262}" dt="2022-01-18T14:21:32.876" v="976" actId="20577"/>
+          <ac:spMkLst>
+            <pc:docMk/>
+            <pc:sldMk cId="1234025283" sldId="506"/>
+            <ac:spMk id="2" creationId="{32F5BBB6-959F-40E6-A20C-5445412B2CA8}"/>
+          </ac:spMkLst>
+        </pc:spChg>
+        <pc:spChg chg="mod">
+          <ac:chgData name="Khattab, Sherif" userId="c83b1e15-36f3-4f46-aceb-05aac24c545e" providerId="ADAL" clId="{8C5D2187-589F-42FF-A2C8-7F964A9C3262}" dt="2022-01-18T14:21:22.435" v="966" actId="6549"/>
+          <ac:spMkLst>
+            <pc:docMk/>
+            <pc:sldMk cId="1234025283" sldId="506"/>
+            <ac:spMk id="3" creationId="{52C9B747-BBAE-4E18-B791-34054CFE0707}"/>
+          </ac:spMkLst>
+        </pc:spChg>
+      </pc:sldChg>
+      <pc:sldChg chg="del">
+        <pc:chgData name="Khattab, Sherif" userId="c83b1e15-36f3-4f46-aceb-05aac24c545e" providerId="ADAL" clId="{8C5D2187-589F-42FF-A2C8-7F964A9C3262}" dt="2022-01-18T05:28:52.035" v="61" actId="47"/>
+        <pc:sldMkLst>
+          <pc:docMk/>
+          <pc:sldMk cId="3555990920" sldId="507"/>
+        </pc:sldMkLst>
+      </pc:sldChg>
+      <pc:sldChg chg="add del">
+        <pc:chgData name="Khattab, Sherif" userId="c83b1e15-36f3-4f46-aceb-05aac24c545e" providerId="ADAL" clId="{8C5D2187-589F-42FF-A2C8-7F964A9C3262}" dt="2022-01-18T14:10:36.567" v="486" actId="2696"/>
+        <pc:sldMkLst>
+          <pc:docMk/>
+          <pc:sldMk cId="2093362943" sldId="508"/>
+        </pc:sldMkLst>
+      </pc:sldChg>
+      <pc:sldChg chg="modSp add del mod modAnim">
+        <pc:chgData name="Khattab, Sherif" userId="c83b1e15-36f3-4f46-aceb-05aac24c545e" providerId="ADAL" clId="{8C5D2187-589F-42FF-A2C8-7F964A9C3262}" dt="2022-01-18T14:09:55.345" v="485" actId="5793"/>
+        <pc:sldMkLst>
+          <pc:docMk/>
+          <pc:sldMk cId="16015564" sldId="511"/>
+        </pc:sldMkLst>
+        <pc:spChg chg="mod">
+          <ac:chgData name="Khattab, Sherif" userId="c83b1e15-36f3-4f46-aceb-05aac24c545e" providerId="ADAL" clId="{8C5D2187-589F-42FF-A2C8-7F964A9C3262}" dt="2022-01-18T14:09:55.345" v="485" actId="5793"/>
+          <ac:spMkLst>
+            <pc:docMk/>
+            <pc:sldMk cId="16015564" sldId="511"/>
+            <ac:spMk id="3" creationId="{1B269645-6BAD-5B49-B01C-B9F7DC557FF1}"/>
+          </ac:spMkLst>
+        </pc:spChg>
+      </pc:sldChg>
+      <pc:sldChg chg="add del">
+        <pc:chgData name="Khattab, Sherif" userId="c83b1e15-36f3-4f46-aceb-05aac24c545e" providerId="ADAL" clId="{8C5D2187-589F-42FF-A2C8-7F964A9C3262}" dt="2022-01-18T14:11:04.671" v="488" actId="2696"/>
+        <pc:sldMkLst>
+          <pc:docMk/>
+          <pc:sldMk cId="2021183208" sldId="512"/>
+        </pc:sldMkLst>
+      </pc:sldChg>
+      <pc:sldChg chg="add del">
+        <pc:chgData name="Khattab, Sherif" userId="c83b1e15-36f3-4f46-aceb-05aac24c545e" providerId="ADAL" clId="{8C5D2187-589F-42FF-A2C8-7F964A9C3262}" dt="2022-01-18T14:11:37.254" v="490"/>
+        <pc:sldMkLst>
+          <pc:docMk/>
+          <pc:sldMk cId="2706134058" sldId="512"/>
+        </pc:sldMkLst>
+      </pc:sldChg>
+      <pc:sldChg chg="add del">
+        <pc:chgData name="Khattab, Sherif" userId="c83b1e15-36f3-4f46-aceb-05aac24c545e" providerId="ADAL" clId="{8C5D2187-589F-42FF-A2C8-7F964A9C3262}" dt="2022-01-18T15:56:32.971" v="1037" actId="2696"/>
+        <pc:sldMkLst>
+          <pc:docMk/>
+          <pc:sldMk cId="2743959136" sldId="512"/>
+        </pc:sldMkLst>
+      </pc:sldChg>
+      <pc:sldChg chg="add del">
+        <pc:chgData name="Khattab, Sherif" userId="c83b1e15-36f3-4f46-aceb-05aac24c545e" providerId="ADAL" clId="{8C5D2187-589F-42FF-A2C8-7F964A9C3262}" dt="2022-01-18T05:30:58.855" v="77" actId="47"/>
+        <pc:sldMkLst>
+          <pc:docMk/>
+          <pc:sldMk cId="3495055628" sldId="513"/>
+        </pc:sldMkLst>
+      </pc:sldChg>
+      <pc:sldChg chg="add del">
+        <pc:chgData name="Khattab, Sherif" userId="c83b1e15-36f3-4f46-aceb-05aac24c545e" providerId="ADAL" clId="{8C5D2187-589F-42FF-A2C8-7F964A9C3262}" dt="2022-01-18T15:56:32.971" v="1037" actId="2696"/>
+        <pc:sldMkLst>
+          <pc:docMk/>
+          <pc:sldMk cId="3948097611" sldId="515"/>
+        </pc:sldMkLst>
+      </pc:sldChg>
+      <pc:sldChg chg="add del">
+        <pc:chgData name="Khattab, Sherif" userId="c83b1e15-36f3-4f46-aceb-05aac24c545e" providerId="ADAL" clId="{8C5D2187-589F-42FF-A2C8-7F964A9C3262}" dt="2022-01-18T14:10:36.567" v="486" actId="2696"/>
+        <pc:sldMkLst>
+          <pc:docMk/>
+          <pc:sldMk cId="1845419114" sldId="517"/>
+        </pc:sldMkLst>
+      </pc:sldChg>
+      <pc:sldChg chg="add del">
+        <pc:chgData name="Khattab, Sherif" userId="c83b1e15-36f3-4f46-aceb-05aac24c545e" providerId="ADAL" clId="{8C5D2187-589F-42FF-A2C8-7F964A9C3262}" dt="2022-01-18T14:10:36.567" v="486" actId="2696"/>
+        <pc:sldMkLst>
+          <pc:docMk/>
+          <pc:sldMk cId="2804781805" sldId="518"/>
+        </pc:sldMkLst>
+      </pc:sldChg>
+      <pc:sldChg chg="add del">
+        <pc:chgData name="Khattab, Sherif" userId="c83b1e15-36f3-4f46-aceb-05aac24c545e" providerId="ADAL" clId="{8C5D2187-589F-42FF-A2C8-7F964A9C3262}" dt="2022-01-18T14:10:36.567" v="486" actId="2696"/>
+        <pc:sldMkLst>
+          <pc:docMk/>
+          <pc:sldMk cId="1525193433" sldId="519"/>
+        </pc:sldMkLst>
+      </pc:sldChg>
+      <pc:sldChg chg="add">
+        <pc:chgData name="Khattab, Sherif" userId="c83b1e15-36f3-4f46-aceb-05aac24c545e" providerId="ADAL" clId="{8C5D2187-589F-42FF-A2C8-7F964A9C3262}" dt="2022-01-18T14:15:50.284" v="846"/>
+        <pc:sldMkLst>
+          <pc:docMk/>
+          <pc:sldMk cId="252952564" sldId="531"/>
+        </pc:sldMkLst>
+      </pc:sldChg>
+      <pc:sldChg chg="add del">
+        <pc:chgData name="Khattab, Sherif" userId="c83b1e15-36f3-4f46-aceb-05aac24c545e" providerId="ADAL" clId="{8C5D2187-589F-42FF-A2C8-7F964A9C3262}" dt="2022-01-18T14:15:50.267" v="845"/>
+        <pc:sldMkLst>
+          <pc:docMk/>
+          <pc:sldMk cId="2161405932" sldId="531"/>
+        </pc:sldMkLst>
+      </pc:sldChg>
+      <pc:sldChg chg="add del">
+        <pc:chgData name="Khattab, Sherif" userId="c83b1e15-36f3-4f46-aceb-05aac24c545e" providerId="ADAL" clId="{8C5D2187-589F-42FF-A2C8-7F964A9C3262}" dt="2022-01-18T14:15:42.636" v="843" actId="2696"/>
+        <pc:sldMkLst>
+          <pc:docMk/>
+          <pc:sldMk cId="2276284397" sldId="531"/>
+        </pc:sldMkLst>
+      </pc:sldChg>
+      <pc:sldChg chg="modSp add del mod modAnim">
+        <pc:chgData name="Khattab, Sherif" userId="c83b1e15-36f3-4f46-aceb-05aac24c545e" providerId="ADAL" clId="{8C5D2187-589F-42FF-A2C8-7F964A9C3262}" dt="2022-01-18T15:56:32.971" v="1037" actId="2696"/>
+        <pc:sldMkLst>
+          <pc:docMk/>
+          <pc:sldMk cId="715489830" sldId="532"/>
+        </pc:sldMkLst>
+        <pc:spChg chg="mod">
+          <ac:chgData name="Khattab, Sherif" userId="c83b1e15-36f3-4f46-aceb-05aac24c545e" providerId="ADAL" clId="{8C5D2187-589F-42FF-A2C8-7F964A9C3262}" dt="2022-01-18T14:17:03.627" v="876" actId="113"/>
+          <ac:spMkLst>
+            <pc:docMk/>
+            <pc:sldMk cId="715489830" sldId="532"/>
+            <ac:spMk id="99330" creationId="{1FD61C16-1735-DD40-B974-BFE9976EA2BC}"/>
+          </ac:spMkLst>
+        </pc:spChg>
+        <pc:spChg chg="mod">
+          <ac:chgData name="Khattab, Sherif" userId="c83b1e15-36f3-4f46-aceb-05aac24c545e" providerId="ADAL" clId="{8C5D2187-589F-42FF-A2C8-7F964A9C3262}" dt="2022-01-18T14:17:11.393" v="878" actId="113"/>
+          <ac:spMkLst>
+            <pc:docMk/>
+            <pc:sldMk cId="715489830" sldId="532"/>
+            <ac:spMk id="99331" creationId="{D16F5D4E-51CD-3642-A8BA-7B877D890D72}"/>
+          </ac:spMkLst>
+        </pc:spChg>
+        <pc:spChg chg="mod">
+          <ac:chgData name="Khattab, Sherif" userId="c83b1e15-36f3-4f46-aceb-05aac24c545e" providerId="ADAL" clId="{8C5D2187-589F-42FF-A2C8-7F964A9C3262}" dt="2022-01-18T14:16:44.337" v="871" actId="20577"/>
+          <ac:spMkLst>
+            <pc:docMk/>
+            <pc:sldMk cId="715489830" sldId="532"/>
+            <ac:spMk id="99334" creationId="{8F2D5176-7566-274B-9774-BC0B18321A89}"/>
+          </ac:spMkLst>
+        </pc:spChg>
+      </pc:sldChg>
+      <pc:sldChg chg="add del">
+        <pc:chgData name="Khattab, Sherif" userId="c83b1e15-36f3-4f46-aceb-05aac24c545e" providerId="ADAL" clId="{8C5D2187-589F-42FF-A2C8-7F964A9C3262}" dt="2022-01-18T15:56:32.971" v="1037" actId="2696"/>
+        <pc:sldMkLst>
+          <pc:docMk/>
+          <pc:sldMk cId="4123278128" sldId="533"/>
+        </pc:sldMkLst>
+      </pc:sldChg>
+      <pc:sldChg chg="add del">
+        <pc:chgData name="Khattab, Sherif" userId="c83b1e15-36f3-4f46-aceb-05aac24c545e" providerId="ADAL" clId="{8C5D2187-589F-42FF-A2C8-7F964A9C3262}" dt="2022-01-18T15:56:32.971" v="1037" actId="2696"/>
+        <pc:sldMkLst>
+          <pc:docMk/>
+          <pc:sldMk cId="2414223724" sldId="534"/>
+        </pc:sldMkLst>
+      </pc:sldChg>
+      <pc:sldChg chg="add del">
+        <pc:chgData name="Khattab, Sherif" userId="c83b1e15-36f3-4f46-aceb-05aac24c545e" providerId="ADAL" clId="{8C5D2187-589F-42FF-A2C8-7F964A9C3262}" dt="2022-01-18T15:56:32.971" v="1037" actId="2696"/>
+        <pc:sldMkLst>
+          <pc:docMk/>
+          <pc:sldMk cId="3177405103" sldId="535"/>
+        </pc:sldMkLst>
+      </pc:sldChg>
+      <pc:sldChg chg="add del">
+        <pc:chgData name="Khattab, Sherif" userId="c83b1e15-36f3-4f46-aceb-05aac24c545e" providerId="ADAL" clId="{8C5D2187-589F-42FF-A2C8-7F964A9C3262}" dt="2022-01-18T15:56:32.971" v="1037" actId="2696"/>
+        <pc:sldMkLst>
+          <pc:docMk/>
+          <pc:sldMk cId="3742099282" sldId="536"/>
+        </pc:sldMkLst>
+      </pc:sldChg>
+      <pc:sldChg chg="modSp new mod modAnim">
+        <pc:chgData name="Khattab, Sherif" userId="c83b1e15-36f3-4f46-aceb-05aac24c545e" providerId="ADAL" clId="{8C5D2187-589F-42FF-A2C8-7F964A9C3262}" dt="2022-01-18T14:04:44.856" v="305" actId="20577"/>
+        <pc:sldMkLst>
+          <pc:docMk/>
+          <pc:sldMk cId="3304114053" sldId="537"/>
+        </pc:sldMkLst>
+        <pc:spChg chg="mod">
+          <ac:chgData name="Khattab, Sherif" userId="c83b1e15-36f3-4f46-aceb-05aac24c545e" providerId="ADAL" clId="{8C5D2187-589F-42FF-A2C8-7F964A9C3262}" dt="2022-01-18T14:04:07.587" v="270" actId="20577"/>
+          <ac:spMkLst>
+            <pc:docMk/>
+            <pc:sldMk cId="3304114053" sldId="537"/>
+            <ac:spMk id="2" creationId="{FA19DBFB-E8B9-4FA8-B855-7781AE92DA94}"/>
+          </ac:spMkLst>
+        </pc:spChg>
+        <pc:spChg chg="mod">
+          <ac:chgData name="Khattab, Sherif" userId="c83b1e15-36f3-4f46-aceb-05aac24c545e" providerId="ADAL" clId="{8C5D2187-589F-42FF-A2C8-7F964A9C3262}" dt="2022-01-18T14:04:44.856" v="305" actId="20577"/>
+          <ac:spMkLst>
+            <pc:docMk/>
+            <pc:sldMk cId="3304114053" sldId="537"/>
+            <ac:spMk id="3" creationId="{89D2FF9B-9B3F-404C-B16F-5831B9F31A79}"/>
+          </ac:spMkLst>
+        </pc:spChg>
+      </pc:sldChg>
+      <pc:sldChg chg="modSp new mod">
+        <pc:chgData name="Khattab, Sherif" userId="c83b1e15-36f3-4f46-aceb-05aac24c545e" providerId="ADAL" clId="{8C5D2187-589F-42FF-A2C8-7F964A9C3262}" dt="2022-01-18T14:06:55.992" v="472" actId="20577"/>
+        <pc:sldMkLst>
+          <pc:docMk/>
+          <pc:sldMk cId="2200363595" sldId="538"/>
+        </pc:sldMkLst>
+        <pc:spChg chg="mod">
+          <ac:chgData name="Khattab, Sherif" userId="c83b1e15-36f3-4f46-aceb-05aac24c545e" providerId="ADAL" clId="{8C5D2187-589F-42FF-A2C8-7F964A9C3262}" dt="2022-01-18T14:05:50.699" v="331" actId="20577"/>
+          <ac:spMkLst>
+            <pc:docMk/>
+            <pc:sldMk cId="2200363595" sldId="538"/>
+            <ac:spMk id="2" creationId="{40F95D76-57CE-4092-A08F-CFACA393DA4C}"/>
+          </ac:spMkLst>
+        </pc:spChg>
+        <pc:spChg chg="mod">
+          <ac:chgData name="Khattab, Sherif" userId="c83b1e15-36f3-4f46-aceb-05aac24c545e" providerId="ADAL" clId="{8C5D2187-589F-42FF-A2C8-7F964A9C3262}" dt="2022-01-18T14:06:55.992" v="472" actId="20577"/>
+          <ac:spMkLst>
+            <pc:docMk/>
+            <pc:sldMk cId="2200363595" sldId="538"/>
+            <ac:spMk id="3" creationId="{1346E588-5E03-4DCE-96E8-655E6A55EDF8}"/>
+          </ac:spMkLst>
+        </pc:spChg>
+      </pc:sldChg>
+      <pc:sldChg chg="modSp new mod modAnim">
+        <pc:chgData name="Khattab, Sherif" userId="c83b1e15-36f3-4f46-aceb-05aac24c545e" providerId="ADAL" clId="{8C5D2187-589F-42FF-A2C8-7F964A9C3262}" dt="2022-01-18T14:14:33.878" v="732"/>
+        <pc:sldMkLst>
+          <pc:docMk/>
+          <pc:sldMk cId="2816125074" sldId="539"/>
+        </pc:sldMkLst>
+        <pc:spChg chg="mod">
+          <ac:chgData name="Khattab, Sherif" userId="c83b1e15-36f3-4f46-aceb-05aac24c545e" providerId="ADAL" clId="{8C5D2187-589F-42FF-A2C8-7F964A9C3262}" dt="2022-01-18T14:14:04.639" v="664" actId="20577"/>
+          <ac:spMkLst>
+            <pc:docMk/>
+            <pc:sldMk cId="2816125074" sldId="539"/>
+            <ac:spMk id="2" creationId="{915C5C63-6CD3-443E-BDE2-0028D92C0EE6}"/>
+          </ac:spMkLst>
+        </pc:spChg>
+        <pc:spChg chg="mod">
+          <ac:chgData name="Khattab, Sherif" userId="c83b1e15-36f3-4f46-aceb-05aac24c545e" providerId="ADAL" clId="{8C5D2187-589F-42FF-A2C8-7F964A9C3262}" dt="2022-01-18T14:14:23.075" v="730" actId="20577"/>
+          <ac:spMkLst>
+            <pc:docMk/>
+            <pc:sldMk cId="2816125074" sldId="539"/>
+            <ac:spMk id="3" creationId="{08A86A1A-7DED-4A49-9C40-70D6D4EA4C8A}"/>
+          </ac:spMkLst>
+        </pc:spChg>
+      </pc:sldChg>
+    </pc:docChg>
+  </pc:docChgLst>
+  <pc:docChgLst>
+    <pc:chgData name="Khattab, Sherif" userId="c83b1e15-36f3-4f46-aceb-05aac24c545e" providerId="ADAL" clId="{00771379-563B-405F-813C-A6D6F2B0CDAD}"/>
+    <pc:docChg chg="modSld">
+      <pc:chgData name="Khattab, Sherif" userId="c83b1e15-36f3-4f46-aceb-05aac24c545e" providerId="ADAL" clId="{00771379-563B-405F-813C-A6D6F2B0CDAD}" dt="2020-09-08T04:21:57.867" v="3" actId="20577"/>
+      <pc:docMkLst>
+        <pc:docMk/>
+      </pc:docMkLst>
+      <pc:sldChg chg="modSp mod">
+        <pc:chgData name="Khattab, Sherif" userId="c83b1e15-36f3-4f46-aceb-05aac24c545e" providerId="ADAL" clId="{00771379-563B-405F-813C-A6D6F2B0CDAD}" dt="2020-09-08T04:21:57.867" v="3" actId="20577"/>
+        <pc:sldMkLst>
+          <pc:docMk/>
+          <pc:sldMk cId="1330366002" sldId="454"/>
+        </pc:sldMkLst>
+        <pc:spChg chg="mod">
+          <ac:chgData name="Khattab, Sherif" userId="c83b1e15-36f3-4f46-aceb-05aac24c545e" providerId="ADAL" clId="{00771379-563B-405F-813C-A6D6F2B0CDAD}" dt="2020-09-08T04:21:57.867" v="3" actId="20577"/>
+          <ac:spMkLst>
+            <pc:docMk/>
+            <pc:sldMk cId="1330366002" sldId="454"/>
+            <ac:spMk id="3" creationId="{00000000-0000-0000-0000-000000000000}"/>
+          </ac:spMkLst>
+        </pc:spChg>
+      </pc:sldChg>
+    </pc:docChg>
+  </pc:docChgLst>
+  <pc:docChgLst>
+    <pc:chgData name="Khattab, Sherif" userId="c83b1e15-36f3-4f46-aceb-05aac24c545e" providerId="ADAL" clId="{E6EB0EA7-2544-4CF1-A7D6-AFF5E9AECA5D}"/>
+    <pc:docChg chg="addSld delSld modSld modMainMaster">
+      <pc:chgData name="Khattab, Sherif" userId="c83b1e15-36f3-4f46-aceb-05aac24c545e" providerId="ADAL" clId="{E6EB0EA7-2544-4CF1-A7D6-AFF5E9AECA5D}" dt="2020-05-14T17:16:25.708" v="6"/>
+      <pc:docMkLst>
+        <pc:docMk/>
+      </pc:docMkLst>
+      <pc:sldChg chg="del">
+        <pc:chgData name="Khattab, Sherif" userId="c83b1e15-36f3-4f46-aceb-05aac24c545e" providerId="ADAL" clId="{E6EB0EA7-2544-4CF1-A7D6-AFF5E9AECA5D}" dt="2020-05-14T17:10:07.728" v="1" actId="47"/>
+        <pc:sldMkLst>
+          <pc:docMk/>
+          <pc:sldMk cId="0" sldId="256"/>
+        </pc:sldMkLst>
+      </pc:sldChg>
+      <pc:sldChg chg="modSp">
+        <pc:chgData name="Khattab, Sherif" userId="c83b1e15-36f3-4f46-aceb-05aac24c545e" providerId="ADAL" clId="{E6EB0EA7-2544-4CF1-A7D6-AFF5E9AECA5D}" dt="2020-05-14T17:16:25.708" v="6"/>
+        <pc:sldMkLst>
+          <pc:docMk/>
+          <pc:sldMk cId="2710637777" sldId="322"/>
+        </pc:sldMkLst>
+        <pc:spChg chg="mod">
+          <ac:chgData name="Khattab, Sherif" userId="c83b1e15-36f3-4f46-aceb-05aac24c545e" providerId="ADAL" clId="{E6EB0EA7-2544-4CF1-A7D6-AFF5E9AECA5D}" dt="2020-05-14T17:16:25.708" v="6"/>
+          <ac:spMkLst>
+            <pc:docMk/>
+            <pc:sldMk cId="2710637777" sldId="322"/>
+            <ac:spMk id="4" creationId="{98D70E46-AD06-A84D-A403-48FFDDB68BC6}"/>
+          </ac:spMkLst>
+        </pc:spChg>
+        <pc:spChg chg="mod">
+          <ac:chgData name="Khattab, Sherif" userId="c83b1e15-36f3-4f46-aceb-05aac24c545e" providerId="ADAL" clId="{E6EB0EA7-2544-4CF1-A7D6-AFF5E9AECA5D}" dt="2020-05-14T17:16:25.708" v="6"/>
+          <ac:spMkLst>
+            <pc:docMk/>
+            <pc:sldMk cId="2710637777" sldId="322"/>
+            <ac:spMk id="5" creationId="{68F74981-ADDA-9144-ACB5-CE4649DD2D8F}"/>
+          </ac:spMkLst>
+        </pc:spChg>
+        <pc:spChg chg="mod">
+          <ac:chgData name="Khattab, Sherif" userId="c83b1e15-36f3-4f46-aceb-05aac24c545e" providerId="ADAL" clId="{E6EB0EA7-2544-4CF1-A7D6-AFF5E9AECA5D}" dt="2020-05-14T17:16:25.708" v="6"/>
+          <ac:spMkLst>
+            <pc:docMk/>
+            <pc:sldMk cId="2710637777" sldId="322"/>
+            <ac:spMk id="90114" creationId="{308C4648-C13A-A547-ABA8-14DA70E0773D}"/>
+          </ac:spMkLst>
+        </pc:spChg>
+        <pc:spChg chg="mod">
+          <ac:chgData name="Khattab, Sherif" userId="c83b1e15-36f3-4f46-aceb-05aac24c545e" providerId="ADAL" clId="{E6EB0EA7-2544-4CF1-A7D6-AFF5E9AECA5D}" dt="2020-05-14T17:16:25.708" v="6"/>
+          <ac:spMkLst>
+            <pc:docMk/>
+            <pc:sldMk cId="2710637777" sldId="322"/>
+            <ac:spMk id="90115" creationId="{691666FD-EDA0-044F-A826-5F64B00DC362}"/>
+          </ac:spMkLst>
+        </pc:spChg>
+      </pc:sldChg>
+      <pc:sldChg chg="modSp">
+        <pc:chgData name="Khattab, Sherif" userId="c83b1e15-36f3-4f46-aceb-05aac24c545e" providerId="ADAL" clId="{E6EB0EA7-2544-4CF1-A7D6-AFF5E9AECA5D}" dt="2020-05-14T17:16:25.708" v="6"/>
+        <pc:sldMkLst>
+          <pc:docMk/>
+          <pc:sldMk cId="3292918179" sldId="324"/>
+        </pc:sldMkLst>
+        <pc:spChg chg="mod">
+          <ac:chgData name="Khattab, Sherif" userId="c83b1e15-36f3-4f46-aceb-05aac24c545e" providerId="ADAL" clId="{E6EB0EA7-2544-4CF1-A7D6-AFF5E9AECA5D}" dt="2020-05-14T17:16:25.708" v="6"/>
+          <ac:spMkLst>
+            <pc:docMk/>
+            <pc:sldMk cId="3292918179" sldId="324"/>
+            <ac:spMk id="24" creationId="{39DA5595-35A6-EF4C-A674-D955A9DDF867}"/>
+          </ac:spMkLst>
+        </pc:spChg>
+        <pc:spChg chg="mod">
+          <ac:chgData name="Khattab, Sherif" userId="c83b1e15-36f3-4f46-aceb-05aac24c545e" providerId="ADAL" clId="{E6EB0EA7-2544-4CF1-A7D6-AFF5E9AECA5D}" dt="2020-05-14T17:16:25.708" v="6"/>
+          <ac:spMkLst>
+            <pc:docMk/>
+            <pc:sldMk cId="3292918179" sldId="324"/>
+            <ac:spMk id="25" creationId="{D21BF80B-2C7E-944E-B2A9-604706C7B598}"/>
+          </ac:spMkLst>
+        </pc:spChg>
+        <pc:spChg chg="mod">
+          <ac:chgData name="Khattab, Sherif" userId="c83b1e15-36f3-4f46-aceb-05aac24c545e" providerId="ADAL" clId="{E6EB0EA7-2544-4CF1-A7D6-AFF5E9AECA5D}" dt="2020-05-14T17:16:25.708" v="6"/>
+          <ac:spMkLst>
+            <pc:docMk/>
+            <pc:sldMk cId="3292918179" sldId="324"/>
+            <ac:spMk id="92162" creationId="{4BC23600-A1B0-CF42-B178-92570A01C5A5}"/>
+          </ac:spMkLst>
+        </pc:spChg>
+      </pc:sldChg>
+      <pc:sldChg chg="modSp">
+        <pc:chgData name="Khattab, Sherif" userId="c83b1e15-36f3-4f46-aceb-05aac24c545e" providerId="ADAL" clId="{E6EB0EA7-2544-4CF1-A7D6-AFF5E9AECA5D}" dt="2020-05-14T17:16:25.708" v="6"/>
+        <pc:sldMkLst>
+          <pc:docMk/>
+          <pc:sldMk cId="355119911" sldId="338"/>
+        </pc:sldMkLst>
+        <pc:spChg chg="mod">
+          <ac:chgData name="Khattab, Sherif" userId="c83b1e15-36f3-4f46-aceb-05aac24c545e" providerId="ADAL" clId="{E6EB0EA7-2544-4CF1-A7D6-AFF5E9AECA5D}" dt="2020-05-14T17:16:25.708" v="6"/>
+          <ac:spMkLst>
+            <pc:docMk/>
+            <pc:sldMk cId="355119911" sldId="338"/>
+            <ac:spMk id="5" creationId="{9BF724B2-8DB6-E34D-92D7-DCA24F5F0C0D}"/>
+          </ac:spMkLst>
+        </pc:spChg>
+        <pc:spChg chg="mod">
+          <ac:chgData name="Khattab, Sherif" userId="c83b1e15-36f3-4f46-aceb-05aac24c545e" providerId="ADAL" clId="{E6EB0EA7-2544-4CF1-A7D6-AFF5E9AECA5D}" dt="2020-05-14T17:16:25.708" v="6"/>
+          <ac:spMkLst>
+            <pc:docMk/>
+            <pc:sldMk cId="355119911" sldId="338"/>
+            <ac:spMk id="6" creationId="{17F9517E-E98B-6746-8827-A9871727AF2B}"/>
+          </ac:spMkLst>
+        </pc:spChg>
+        <pc:spChg chg="mod">
+          <ac:chgData name="Khattab, Sherif" userId="c83b1e15-36f3-4f46-aceb-05aac24c545e" providerId="ADAL" clId="{E6EB0EA7-2544-4CF1-A7D6-AFF5E9AECA5D}" dt="2020-05-14T17:16:25.708" v="6"/>
+          <ac:spMkLst>
+            <pc:docMk/>
+            <pc:sldMk cId="355119911" sldId="338"/>
+            <ac:spMk id="106499" creationId="{ACBD2F3A-500A-1745-93B6-2D7243F6ECAD}"/>
+          </ac:spMkLst>
+        </pc:spChg>
+        <pc:spChg chg="mod">
+          <ac:chgData name="Khattab, Sherif" userId="c83b1e15-36f3-4f46-aceb-05aac24c545e" providerId="ADAL" clId="{E6EB0EA7-2544-4CF1-A7D6-AFF5E9AECA5D}" dt="2020-05-14T17:16:25.708" v="6"/>
+          <ac:spMkLst>
+            <pc:docMk/>
+            <pc:sldMk cId="355119911" sldId="338"/>
+            <ac:spMk id="106500" creationId="{C1A6B44F-6A6E-624E-A1A8-C1E38440BAFC}"/>
+          </ac:spMkLst>
+        </pc:spChg>
+      </pc:sldChg>
+      <pc:sldChg chg="modSp">
+        <pc:chgData name="Khattab, Sherif" userId="c83b1e15-36f3-4f46-aceb-05aac24c545e" providerId="ADAL" clId="{E6EB0EA7-2544-4CF1-A7D6-AFF5E9AECA5D}" dt="2020-05-14T17:16:25.708" v="6"/>
+        <pc:sldMkLst>
+          <pc:docMk/>
+          <pc:sldMk cId="4223572414" sldId="339"/>
+        </pc:sldMkLst>
+        <pc:spChg chg="mod">
+          <ac:chgData name="Khattab, Sherif" userId="c83b1e15-36f3-4f46-aceb-05aac24c545e" providerId="ADAL" clId="{E6EB0EA7-2544-4CF1-A7D6-AFF5E9AECA5D}" dt="2020-05-14T17:16:25.708" v="6"/>
+          <ac:spMkLst>
+            <pc:docMk/>
+            <pc:sldMk cId="4223572414" sldId="339"/>
+            <ac:spMk id="4" creationId="{D69010A4-1F91-904E-B3C8-1167C46C655B}"/>
+          </ac:spMkLst>
+        </pc:spChg>
+        <pc:spChg chg="mod">
+          <ac:chgData name="Khattab, Sherif" userId="c83b1e15-36f3-4f46-aceb-05aac24c545e" providerId="ADAL" clId="{E6EB0EA7-2544-4CF1-A7D6-AFF5E9AECA5D}" dt="2020-05-14T17:16:25.708" v="6"/>
+          <ac:spMkLst>
+            <pc:docMk/>
+            <pc:sldMk cId="4223572414" sldId="339"/>
+            <ac:spMk id="5" creationId="{9CD943DD-44DA-D14E-86E5-53D56F3B4693}"/>
+          </ac:spMkLst>
+        </pc:spChg>
+        <pc:spChg chg="mod">
+          <ac:chgData name="Khattab, Sherif" userId="c83b1e15-36f3-4f46-aceb-05aac24c545e" providerId="ADAL" clId="{E6EB0EA7-2544-4CF1-A7D6-AFF5E9AECA5D}" dt="2020-05-14T17:16:25.708" v="6"/>
+          <ac:spMkLst>
+            <pc:docMk/>
+            <pc:sldMk cId="4223572414" sldId="339"/>
+            <ac:spMk id="107522" creationId="{7F365B32-B892-9644-B8A9-4981039D7D56}"/>
+          </ac:spMkLst>
+        </pc:spChg>
+        <pc:spChg chg="mod">
+          <ac:chgData name="Khattab, Sherif" userId="c83b1e15-36f3-4f46-aceb-05aac24c545e" providerId="ADAL" clId="{E6EB0EA7-2544-4CF1-A7D6-AFF5E9AECA5D}" dt="2020-05-14T17:16:25.708" v="6"/>
+          <ac:spMkLst>
+            <pc:docMk/>
+            <pc:sldMk cId="4223572414" sldId="339"/>
+            <ac:spMk id="107523" creationId="{0F9697C6-2257-044C-8E34-AC62DE514C44}"/>
+          </ac:spMkLst>
+        </pc:spChg>
+      </pc:sldChg>
+      <pc:sldChg chg="modSp">
+        <pc:chgData name="Khattab, Sherif" userId="c83b1e15-36f3-4f46-aceb-05aac24c545e" providerId="ADAL" clId="{E6EB0EA7-2544-4CF1-A7D6-AFF5E9AECA5D}" dt="2020-05-14T17:16:25.708" v="6"/>
+        <pc:sldMkLst>
+          <pc:docMk/>
+          <pc:sldMk cId="470668490" sldId="340"/>
+        </pc:sldMkLst>
+        <pc:spChg chg="mod">
+          <ac:chgData name="Khattab, Sherif" userId="c83b1e15-36f3-4f46-aceb-05aac24c545e" providerId="ADAL" clId="{E6EB0EA7-2544-4CF1-A7D6-AFF5E9AECA5D}" dt="2020-05-14T17:16:25.708" v="6"/>
+          <ac:spMkLst>
+            <pc:docMk/>
+            <pc:sldMk cId="470668490" sldId="340"/>
+            <ac:spMk id="4" creationId="{29BFE3FF-96E0-4A48-9771-0902F36838F3}"/>
+          </ac:spMkLst>
+        </pc:spChg>
+        <pc:spChg chg="mod">
+          <ac:chgData name="Khattab, Sherif" userId="c83b1e15-36f3-4f46-aceb-05aac24c545e" providerId="ADAL" clId="{E6EB0EA7-2544-4CF1-A7D6-AFF5E9AECA5D}" dt="2020-05-14T17:16:25.708" v="6"/>
+          <ac:spMkLst>
+            <pc:docMk/>
+            <pc:sldMk cId="470668490" sldId="340"/>
+            <ac:spMk id="5" creationId="{85AFFB91-7C27-6641-9A78-BE1CCACB6DE8}"/>
+          </ac:spMkLst>
+        </pc:spChg>
+        <pc:spChg chg="mod">
+          <ac:chgData name="Khattab, Sherif" userId="c83b1e15-36f3-4f46-aceb-05aac24c545e" providerId="ADAL" clId="{E6EB0EA7-2544-4CF1-A7D6-AFF5E9AECA5D}" dt="2020-05-14T17:16:25.708" v="6"/>
+          <ac:spMkLst>
+            <pc:docMk/>
+            <pc:sldMk cId="470668490" sldId="340"/>
+            <ac:spMk id="108546" creationId="{96849A06-BBDF-C040-849E-A024B4FC255B}"/>
+          </ac:spMkLst>
+        </pc:spChg>
+        <pc:spChg chg="mod">
+          <ac:chgData name="Khattab, Sherif" userId="c83b1e15-36f3-4f46-aceb-05aac24c545e" providerId="ADAL" clId="{E6EB0EA7-2544-4CF1-A7D6-AFF5E9AECA5D}" dt="2020-05-14T17:16:25.708" v="6"/>
+          <ac:spMkLst>
+            <pc:docMk/>
+            <pc:sldMk cId="470668490" sldId="340"/>
+            <ac:spMk id="108547" creationId="{CC82A9AD-5F15-AB49-8F90-FE2C306DA419}"/>
+          </ac:spMkLst>
+        </pc:spChg>
+      </pc:sldChg>
+      <pc:sldChg chg="modSp">
+        <pc:chgData name="Khattab, Sherif" userId="c83b1e15-36f3-4f46-aceb-05aac24c545e" providerId="ADAL" clId="{E6EB0EA7-2544-4CF1-A7D6-AFF5E9AECA5D}" dt="2020-05-14T17:16:25.708" v="6"/>
+        <pc:sldMkLst>
+          <pc:docMk/>
+          <pc:sldMk cId="1205868326" sldId="341"/>
+        </pc:sldMkLst>
+        <pc:spChg chg="mod">
+          <ac:chgData name="Khattab, Sherif" userId="c83b1e15-36f3-4f46-aceb-05aac24c545e" providerId="ADAL" clId="{E6EB0EA7-2544-4CF1-A7D6-AFF5E9AECA5D}" dt="2020-05-14T17:16:25.708" v="6"/>
+          <ac:spMkLst>
+            <pc:docMk/>
+            <pc:sldMk cId="1205868326" sldId="341"/>
+            <ac:spMk id="4" creationId="{A5FE58C8-1460-C848-AB84-4F361A9896A1}"/>
+          </ac:spMkLst>
+        </pc:spChg>
+        <pc:spChg chg="mod">
+          <ac:chgData name="Khattab, Sherif" userId="c83b1e15-36f3-4f46-aceb-05aac24c545e" providerId="ADAL" clId="{E6EB0EA7-2544-4CF1-A7D6-AFF5E9AECA5D}" dt="2020-05-14T17:16:25.708" v="6"/>
+          <ac:spMkLst>
+            <pc:docMk/>
+            <pc:sldMk cId="1205868326" sldId="341"/>
+            <ac:spMk id="5" creationId="{F81FC055-C345-0D4E-990E-67395EA45FB7}"/>
+          </ac:spMkLst>
+        </pc:spChg>
+        <pc:spChg chg="mod">
+          <ac:chgData name="Khattab, Sherif" userId="c83b1e15-36f3-4f46-aceb-05aac24c545e" providerId="ADAL" clId="{E6EB0EA7-2544-4CF1-A7D6-AFF5E9AECA5D}" dt="2020-05-14T17:16:25.708" v="6"/>
+          <ac:spMkLst>
+            <pc:docMk/>
+            <pc:sldMk cId="1205868326" sldId="341"/>
+            <ac:spMk id="109570" creationId="{6A881214-C7A5-214A-8E7E-4D686B71DB5F}"/>
+          </ac:spMkLst>
+        </pc:spChg>
+        <pc:spChg chg="mod">
+          <ac:chgData name="Khattab, Sherif" userId="c83b1e15-36f3-4f46-aceb-05aac24c545e" providerId="ADAL" clId="{E6EB0EA7-2544-4CF1-A7D6-AFF5E9AECA5D}" dt="2020-05-14T17:16:25.708" v="6"/>
+          <ac:spMkLst>
+            <pc:docMk/>
+            <pc:sldMk cId="1205868326" sldId="341"/>
+            <ac:spMk id="109571" creationId="{EB65A8A9-691B-3D4F-B0AA-00914900DB3A}"/>
+          </ac:spMkLst>
+        </pc:spChg>
+      </pc:sldChg>
+      <pc:sldChg chg="modSp">
+        <pc:chgData name="Khattab, Sherif" userId="c83b1e15-36f3-4f46-aceb-05aac24c545e" providerId="ADAL" clId="{E6EB0EA7-2544-4CF1-A7D6-AFF5E9AECA5D}" dt="2020-05-14T17:16:25.708" v="6"/>
+        <pc:sldMkLst>
+          <pc:docMk/>
+          <pc:sldMk cId="1806563943" sldId="342"/>
+        </pc:sldMkLst>
+        <pc:spChg chg="mod">
+          <ac:chgData name="Khattab, Sherif" userId="c83b1e15-36f3-4f46-aceb-05aac24c545e" providerId="ADAL" clId="{E6EB0EA7-2544-4CF1-A7D6-AFF5E9AECA5D}" dt="2020-05-14T17:16:25.708" v="6"/>
+          <ac:spMkLst>
+            <pc:docMk/>
+            <pc:sldMk cId="1806563943" sldId="342"/>
+            <ac:spMk id="7" creationId="{6E9B925F-4BC9-934E-AB01-067F794B522E}"/>
+          </ac:spMkLst>
+        </pc:spChg>
+        <pc:spChg chg="mod">
+          <ac:chgData name="Khattab, Sherif" userId="c83b1e15-36f3-4f46-aceb-05aac24c545e" providerId="ADAL" clId="{E6EB0EA7-2544-4CF1-A7D6-AFF5E9AECA5D}" dt="2020-05-14T17:16:25.708" v="6"/>
+          <ac:spMkLst>
+            <pc:docMk/>
+            <pc:sldMk cId="1806563943" sldId="342"/>
+            <ac:spMk id="8" creationId="{0A731FB3-7935-8345-B6C7-AEE0B02240B9}"/>
+          </ac:spMkLst>
+        </pc:spChg>
+        <pc:spChg chg="mod">
+          <ac:chgData name="Khattab, Sherif" userId="c83b1e15-36f3-4f46-aceb-05aac24c545e" providerId="ADAL" clId="{E6EB0EA7-2544-4CF1-A7D6-AFF5E9AECA5D}" dt="2020-05-14T17:16:25.708" v="6"/>
+          <ac:spMkLst>
+            <pc:docMk/>
+            <pc:sldMk cId="1806563943" sldId="342"/>
+            <ac:spMk id="110597" creationId="{BDC36B20-DEF6-BF4D-B0E7-8F5461CE049F}"/>
+          </ac:spMkLst>
+        </pc:spChg>
+        <pc:spChg chg="mod">
+          <ac:chgData name="Khattab, Sherif" userId="c83b1e15-36f3-4f46-aceb-05aac24c545e" providerId="ADAL" clId="{E6EB0EA7-2544-4CF1-A7D6-AFF5E9AECA5D}" dt="2020-05-14T17:16:25.708" v="6"/>
+          <ac:spMkLst>
+            <pc:docMk/>
+            <pc:sldMk cId="1806563943" sldId="342"/>
+            <ac:spMk id="110598" creationId="{58C40865-3753-A447-9770-211D098125F8}"/>
+          </ac:spMkLst>
+        </pc:spChg>
+      </pc:sldChg>
+      <pc:sldChg chg="modSp">
+        <pc:chgData name="Khattab, Sherif" userId="c83b1e15-36f3-4f46-aceb-05aac24c545e" providerId="ADAL" clId="{E6EB0EA7-2544-4CF1-A7D6-AFF5E9AECA5D}" dt="2020-05-14T17:16:25.708" v="6"/>
+        <pc:sldMkLst>
+          <pc:docMk/>
+          <pc:sldMk cId="1167711490" sldId="343"/>
+        </pc:sldMkLst>
+        <pc:spChg chg="mod">
+          <ac:chgData name="Khattab, Sherif" userId="c83b1e15-36f3-4f46-aceb-05aac24c545e" providerId="ADAL" clId="{E6EB0EA7-2544-4CF1-A7D6-AFF5E9AECA5D}" dt="2020-05-14T17:16:25.708" v="6"/>
+          <ac:spMkLst>
+            <pc:docMk/>
+            <pc:sldMk cId="1167711490" sldId="343"/>
+            <ac:spMk id="7" creationId="{72500EF2-C006-2647-8CFD-300FA28B30EA}"/>
+          </ac:spMkLst>
+        </pc:spChg>
+        <pc:spChg chg="mod">
+          <ac:chgData name="Khattab, Sherif" userId="c83b1e15-36f3-4f46-aceb-05aac24c545e" providerId="ADAL" clId="{E6EB0EA7-2544-4CF1-A7D6-AFF5E9AECA5D}" dt="2020-05-14T17:16:25.708" v="6"/>
+          <ac:spMkLst>
+            <pc:docMk/>
+            <pc:sldMk cId="1167711490" sldId="343"/>
+            <ac:spMk id="8" creationId="{5513A82D-D95D-3B46-B415-F25C0E574B15}"/>
+          </ac:spMkLst>
+        </pc:spChg>
+        <pc:spChg chg="mod">
+          <ac:chgData name="Khattab, Sherif" userId="c83b1e15-36f3-4f46-aceb-05aac24c545e" providerId="ADAL" clId="{E6EB0EA7-2544-4CF1-A7D6-AFF5E9AECA5D}" dt="2020-05-14T17:16:25.708" v="6"/>
+          <ac:spMkLst>
+            <pc:docMk/>
+            <pc:sldMk cId="1167711490" sldId="343"/>
+            <ac:spMk id="111621" creationId="{98D1A996-CF96-BF4C-9178-C10B8182C328}"/>
+          </ac:spMkLst>
+        </pc:spChg>
+        <pc:spChg chg="mod">
+          <ac:chgData name="Khattab, Sherif" userId="c83b1e15-36f3-4f46-aceb-05aac24c545e" providerId="ADAL" clId="{E6EB0EA7-2544-4CF1-A7D6-AFF5E9AECA5D}" dt="2020-05-14T17:16:25.708" v="6"/>
+          <ac:spMkLst>
+            <pc:docMk/>
+            <pc:sldMk cId="1167711490" sldId="343"/>
+            <ac:spMk id="111622" creationId="{8B17F8A5-FE1E-5540-991C-590D33FA245A}"/>
+          </ac:spMkLst>
+        </pc:spChg>
+      </pc:sldChg>
+      <pc:sldChg chg="modSp">
+        <pc:chgData name="Khattab, Sherif" userId="c83b1e15-36f3-4f46-aceb-05aac24c545e" providerId="ADAL" clId="{E6EB0EA7-2544-4CF1-A7D6-AFF5E9AECA5D}" dt="2020-05-14T17:16:25.708" v="6"/>
+        <pc:sldMkLst>
+          <pc:docMk/>
+          <pc:sldMk cId="1271999567" sldId="349"/>
+        </pc:sldMkLst>
+        <pc:spChg chg="mod">
+          <ac:chgData name="Khattab, Sherif" userId="c83b1e15-36f3-4f46-aceb-05aac24c545e" providerId="ADAL" clId="{E6EB0EA7-2544-4CF1-A7D6-AFF5E9AECA5D}" dt="2020-05-14T17:16:25.708" v="6"/>
+          <ac:spMkLst>
+            <pc:docMk/>
+            <pc:sldMk cId="1271999567" sldId="349"/>
+            <ac:spMk id="2" creationId="{17A8AD5B-F689-B94F-A878-23B8A0273164}"/>
+          </ac:spMkLst>
+        </pc:spChg>
+        <pc:spChg chg="mod">
+          <ac:chgData name="Khattab, Sherif" userId="c83b1e15-36f3-4f46-aceb-05aac24c545e" providerId="ADAL" clId="{E6EB0EA7-2544-4CF1-A7D6-AFF5E9AECA5D}" dt="2020-05-14T17:16:25.708" v="6"/>
+          <ac:spMkLst>
+            <pc:docMk/>
+            <pc:sldMk cId="1271999567" sldId="349"/>
+            <ac:spMk id="6" creationId="{A88B15B3-238A-4746-829A-03A0FAA7FB19}"/>
+          </ac:spMkLst>
+        </pc:spChg>
+        <pc:spChg chg="mod">
+          <ac:chgData name="Khattab, Sherif" userId="c83b1e15-36f3-4f46-aceb-05aac24c545e" providerId="ADAL" clId="{E6EB0EA7-2544-4CF1-A7D6-AFF5E9AECA5D}" dt="2020-05-14T17:16:25.708" v="6"/>
+          <ac:spMkLst>
+            <pc:docMk/>
+            <pc:sldMk cId="1271999567" sldId="349"/>
+            <ac:spMk id="7" creationId="{D97A772E-AF56-8A43-8E21-10E9198972DA}"/>
+          </ac:spMkLst>
+        </pc:spChg>
+        <pc:spChg chg="mod">
+          <ac:chgData name="Khattab, Sherif" userId="c83b1e15-36f3-4f46-aceb-05aac24c545e" providerId="ADAL" clId="{E6EB0EA7-2544-4CF1-A7D6-AFF5E9AECA5D}" dt="2020-05-14T17:16:25.708" v="6"/>
+          <ac:spMkLst>
+            <pc:docMk/>
+            <pc:sldMk cId="1271999567" sldId="349"/>
+            <ac:spMk id="117762" creationId="{39807B7F-29D5-4E40-91D5-70F81AE81EDD}"/>
+          </ac:spMkLst>
+        </pc:spChg>
+      </pc:sldChg>
+      <pc:sldChg chg="modSp">
+        <pc:chgData name="Khattab, Sherif" userId="c83b1e15-36f3-4f46-aceb-05aac24c545e" providerId="ADAL" clId="{E6EB0EA7-2544-4CF1-A7D6-AFF5E9AECA5D}" dt="2020-05-14T17:16:25.708" v="6"/>
+        <pc:sldMkLst>
+          <pc:docMk/>
+          <pc:sldMk cId="434376579" sldId="363"/>
+        </pc:sldMkLst>
+        <pc:spChg chg="mod">
+          <ac:chgData name="Khattab, Sherif" userId="c83b1e15-36f3-4f46-aceb-05aac24c545e" providerId="ADAL" clId="{E6EB0EA7-2544-4CF1-A7D6-AFF5E9AECA5D}" dt="2020-05-14T17:16:25.708" v="6"/>
+          <ac:spMkLst>
+            <pc:docMk/>
+            <pc:sldMk cId="434376579" sldId="363"/>
+            <ac:spMk id="13" creationId="{399F8E88-2D61-7E41-B9E7-D5D16445265E}"/>
+          </ac:spMkLst>
+        </pc:spChg>
+        <pc:spChg chg="mod">
+          <ac:chgData name="Khattab, Sherif" userId="c83b1e15-36f3-4f46-aceb-05aac24c545e" providerId="ADAL" clId="{E6EB0EA7-2544-4CF1-A7D6-AFF5E9AECA5D}" dt="2020-05-14T17:16:25.708" v="6"/>
+          <ac:spMkLst>
+            <pc:docMk/>
+            <pc:sldMk cId="434376579" sldId="363"/>
+            <ac:spMk id="14" creationId="{1D9B0268-8DED-C745-8271-8B812DB10776}"/>
+          </ac:spMkLst>
+        </pc:spChg>
+        <pc:spChg chg="mod">
+          <ac:chgData name="Khattab, Sherif" userId="c83b1e15-36f3-4f46-aceb-05aac24c545e" providerId="ADAL" clId="{E6EB0EA7-2544-4CF1-A7D6-AFF5E9AECA5D}" dt="2020-05-14T17:16:25.708" v="6"/>
+          <ac:spMkLst>
+            <pc:docMk/>
+            <pc:sldMk cId="434376579" sldId="363"/>
+            <ac:spMk id="91148" creationId="{D182CBCC-E588-9C46-9A14-D3D8D1F9D94B}"/>
+          </ac:spMkLst>
+        </pc:spChg>
+      </pc:sldChg>
+      <pc:sldChg chg="modSp">
+        <pc:chgData name="Khattab, Sherif" userId="c83b1e15-36f3-4f46-aceb-05aac24c545e" providerId="ADAL" clId="{E6EB0EA7-2544-4CF1-A7D6-AFF5E9AECA5D}" dt="2020-05-14T17:16:25.708" v="6"/>
+        <pc:sldMkLst>
+          <pc:docMk/>
+          <pc:sldMk cId="815621424" sldId="364"/>
+        </pc:sldMkLst>
+        <pc:spChg chg="mod">
+          <ac:chgData name="Khattab, Sherif" userId="c83b1e15-36f3-4f46-aceb-05aac24c545e" providerId="ADAL" clId="{E6EB0EA7-2544-4CF1-A7D6-AFF5E9AECA5D}" dt="2020-05-14T17:16:25.708" v="6"/>
+          <ac:spMkLst>
+            <pc:docMk/>
+            <pc:sldMk cId="815621424" sldId="364"/>
+            <ac:spMk id="27" creationId="{667676E5-52CF-B949-92AA-54CEC4825EDD}"/>
+          </ac:spMkLst>
+        </pc:spChg>
+        <pc:spChg chg="mod">
+          <ac:chgData name="Khattab, Sherif" userId="c83b1e15-36f3-4f46-aceb-05aac24c545e" providerId="ADAL" clId="{E6EB0EA7-2544-4CF1-A7D6-AFF5E9AECA5D}" dt="2020-05-14T17:16:25.708" v="6"/>
+          <ac:spMkLst>
+            <pc:docMk/>
+            <pc:sldMk cId="815621424" sldId="364"/>
+            <ac:spMk id="28" creationId="{EC52B04B-D8AF-8643-A73A-7D7FBE25B1FC}"/>
+          </ac:spMkLst>
+        </pc:spChg>
+        <pc:spChg chg="mod">
+          <ac:chgData name="Khattab, Sherif" userId="c83b1e15-36f3-4f46-aceb-05aac24c545e" providerId="ADAL" clId="{E6EB0EA7-2544-4CF1-A7D6-AFF5E9AECA5D}" dt="2020-05-14T17:16:25.708" v="6"/>
+          <ac:spMkLst>
+            <pc:docMk/>
+            <pc:sldMk cId="815621424" sldId="364"/>
+            <ac:spMk id="93186" creationId="{E502F9E0-21A9-6844-A11A-A0680165B684}"/>
+          </ac:spMkLst>
+        </pc:spChg>
+        <pc:spChg chg="mod">
+          <ac:chgData name="Khattab, Sherif" userId="c83b1e15-36f3-4f46-aceb-05aac24c545e" providerId="ADAL" clId="{E6EB0EA7-2544-4CF1-A7D6-AFF5E9AECA5D}" dt="2020-05-14T17:16:25.708" v="6"/>
+          <ac:spMkLst>
+            <pc:docMk/>
+            <pc:sldMk cId="815621424" sldId="364"/>
+            <ac:spMk id="93187" creationId="{83249007-0AB0-EB49-9417-995673C1CEF5}"/>
+          </ac:spMkLst>
+        </pc:spChg>
+      </pc:sldChg>
+      <pc:sldChg chg="modSp">
+        <pc:chgData name="Khattab, Sherif" userId="c83b1e15-36f3-4f46-aceb-05aac24c545e" providerId="ADAL" clId="{E6EB0EA7-2544-4CF1-A7D6-AFF5E9AECA5D}" dt="2020-05-14T17:16:25.708" v="6"/>
+        <pc:sldMkLst>
+          <pc:docMk/>
+          <pc:sldMk cId="1934104099" sldId="365"/>
+        </pc:sldMkLst>
+        <pc:spChg chg="mod">
+          <ac:chgData name="Khattab, Sherif" userId="c83b1e15-36f3-4f46-aceb-05aac24c545e" providerId="ADAL" clId="{E6EB0EA7-2544-4CF1-A7D6-AFF5E9AECA5D}" dt="2020-05-14T17:16:25.708" v="6"/>
+          <ac:spMkLst>
+            <pc:docMk/>
+            <pc:sldMk cId="1934104099" sldId="365"/>
+            <ac:spMk id="8" creationId="{87B93D98-EEC5-C245-A824-29408C4F6AA9}"/>
+          </ac:spMkLst>
+        </pc:spChg>
+        <pc:spChg chg="mod">
+          <ac:chgData name="Khattab, Sherif" userId="c83b1e15-36f3-4f46-aceb-05aac24c545e" providerId="ADAL" clId="{E6EB0EA7-2544-4CF1-A7D6-AFF5E9AECA5D}" dt="2020-05-14T17:16:25.708" v="6"/>
+          <ac:spMkLst>
+            <pc:docMk/>
+            <pc:sldMk cId="1934104099" sldId="365"/>
+            <ac:spMk id="9" creationId="{97A00662-141E-7B4B-97ED-0FA4B9115725}"/>
+          </ac:spMkLst>
+        </pc:spChg>
+        <pc:spChg chg="mod">
+          <ac:chgData name="Khattab, Sherif" userId="c83b1e15-36f3-4f46-aceb-05aac24c545e" providerId="ADAL" clId="{E6EB0EA7-2544-4CF1-A7D6-AFF5E9AECA5D}" dt="2020-05-14T17:16:25.708" v="6"/>
+          <ac:spMkLst>
+            <pc:docMk/>
+            <pc:sldMk cId="1934104099" sldId="365"/>
+            <ac:spMk id="94210" creationId="{FD1747F8-31B5-1F41-BD48-CAFBB42D9534}"/>
+          </ac:spMkLst>
+        </pc:spChg>
+        <pc:spChg chg="mod">
+          <ac:chgData name="Khattab, Sherif" userId="c83b1e15-36f3-4f46-aceb-05aac24c545e" providerId="ADAL" clId="{E6EB0EA7-2544-4CF1-A7D6-AFF5E9AECA5D}" dt="2020-05-14T17:16:25.708" v="6"/>
+          <ac:spMkLst>
+            <pc:docMk/>
+            <pc:sldMk cId="1934104099" sldId="365"/>
+            <ac:spMk id="94211" creationId="{2F4C0CE7-B9FD-0E45-8A7B-DDDB3455B140}"/>
+          </ac:spMkLst>
+        </pc:spChg>
+      </pc:sldChg>
+      <pc:sldChg chg="modSp">
+        <pc:chgData name="Khattab, Sherif" userId="c83b1e15-36f3-4f46-aceb-05aac24c545e" providerId="ADAL" clId="{E6EB0EA7-2544-4CF1-A7D6-AFF5E9AECA5D}" dt="2020-05-14T17:16:25.708" v="6"/>
+        <pc:sldMkLst>
+          <pc:docMk/>
+          <pc:sldMk cId="2782429159" sldId="366"/>
+        </pc:sldMkLst>
+        <pc:spChg chg="mod">
+          <ac:chgData name="Khattab, Sherif" userId="c83b1e15-36f3-4f46-aceb-05aac24c545e" providerId="ADAL" clId="{E6EB0EA7-2544-4CF1-A7D6-AFF5E9AECA5D}" dt="2020-05-14T17:16:25.708" v="6"/>
+          <ac:spMkLst>
+            <pc:docMk/>
+            <pc:sldMk cId="2782429159" sldId="366"/>
+            <ac:spMk id="4" creationId="{27D16428-557C-2344-B354-75ACA52C8E36}"/>
+          </ac:spMkLst>
+        </pc:spChg>
+        <pc:spChg chg="mod">
+          <ac:chgData name="Khattab, Sherif" userId="c83b1e15-36f3-4f46-aceb-05aac24c545e" providerId="ADAL" clId="{E6EB0EA7-2544-4CF1-A7D6-AFF5E9AECA5D}" dt="2020-05-14T17:16:25.708" v="6"/>
+          <ac:spMkLst>
+            <pc:docMk/>
+            <pc:sldMk cId="2782429159" sldId="366"/>
+            <ac:spMk id="5" creationId="{9B92B5DB-B929-F947-BA57-49A11A6B5B28}"/>
+          </ac:spMkLst>
+        </pc:spChg>
+        <pc:spChg chg="mod">
+          <ac:chgData name="Khattab, Sherif" userId="c83b1e15-36f3-4f46-aceb-05aac24c545e" providerId="ADAL" clId="{E6EB0EA7-2544-4CF1-A7D6-AFF5E9AECA5D}" dt="2020-05-14T17:16:25.708" v="6"/>
+          <ac:spMkLst>
+            <pc:docMk/>
+            <pc:sldMk cId="2782429159" sldId="366"/>
+            <ac:spMk id="95234" creationId="{22679527-1C13-D745-AD6F-BECD21053034}"/>
+          </ac:spMkLst>
+        </pc:spChg>
+      </pc:sldChg>
+      <pc:sldChg chg="modSp">
+        <pc:chgData name="Khattab, Sherif" userId="c83b1e15-36f3-4f46-aceb-05aac24c545e" providerId="ADAL" clId="{E6EB0EA7-2544-4CF1-A7D6-AFF5E9AECA5D}" dt="2020-05-14T17:16:25.708" v="6"/>
+        <pc:sldMkLst>
+          <pc:docMk/>
+          <pc:sldMk cId="2251973667" sldId="367"/>
+        </pc:sldMkLst>
+        <pc:spChg chg="mod">
+          <ac:chgData name="Khattab, Sherif" userId="c83b1e15-36f3-4f46-aceb-05aac24c545e" providerId="ADAL" clId="{E6EB0EA7-2544-4CF1-A7D6-AFF5E9AECA5D}" dt="2020-05-14T17:16:25.708" v="6"/>
+          <ac:spMkLst>
+            <pc:docMk/>
+            <pc:sldMk cId="2251973667" sldId="367"/>
+            <ac:spMk id="4" creationId="{27AC079A-FDEE-5245-9DF2-0EA014E67F57}"/>
+          </ac:spMkLst>
+        </pc:spChg>
+        <pc:spChg chg="mod">
+          <ac:chgData name="Khattab, Sherif" userId="c83b1e15-36f3-4f46-aceb-05aac24c545e" providerId="ADAL" clId="{E6EB0EA7-2544-4CF1-A7D6-AFF5E9AECA5D}" dt="2020-05-14T17:16:25.708" v="6"/>
+          <ac:spMkLst>
+            <pc:docMk/>
+            <pc:sldMk cId="2251973667" sldId="367"/>
+            <ac:spMk id="5" creationId="{4BE14FC9-25DA-A545-BFFF-97AA43D9616B}"/>
+          </ac:spMkLst>
+        </pc:spChg>
+        <pc:spChg chg="mod">
+          <ac:chgData name="Khattab, Sherif" userId="c83b1e15-36f3-4f46-aceb-05aac24c545e" providerId="ADAL" clId="{E6EB0EA7-2544-4CF1-A7D6-AFF5E9AECA5D}" dt="2020-05-14T17:16:25.708" v="6"/>
+          <ac:spMkLst>
+            <pc:docMk/>
+            <pc:sldMk cId="2251973667" sldId="367"/>
+            <ac:spMk id="98306" creationId="{8383A26D-3C56-0042-8B6C-8FD1E0DFA250}"/>
+          </ac:spMkLst>
+        </pc:spChg>
+        <pc:spChg chg="mod">
+          <ac:chgData name="Khattab, Sherif" userId="c83b1e15-36f3-4f46-aceb-05aac24c545e" providerId="ADAL" clId="{E6EB0EA7-2544-4CF1-A7D6-AFF5E9AECA5D}" dt="2020-05-14T17:16:25.708" v="6"/>
+          <ac:spMkLst>
+            <pc:docMk/>
+            <pc:sldMk cId="2251973667" sldId="367"/>
+            <ac:spMk id="98307" creationId="{6AF066B1-89F4-4E4D-8ABF-40AC813F6866}"/>
+          </ac:spMkLst>
+        </pc:spChg>
+      </pc:sldChg>
+      <pc:sldChg chg="modSp">
+        <pc:chgData name="Khattab, Sherif" userId="c83b1e15-36f3-4f46-aceb-05aac24c545e" providerId="ADAL" clId="{E6EB0EA7-2544-4CF1-A7D6-AFF5E9AECA5D}" dt="2020-05-14T17:16:25.708" v="6"/>
+        <pc:sldMkLst>
+          <pc:docMk/>
+          <pc:sldMk cId="3138501136" sldId="368"/>
+        </pc:sldMkLst>
+        <pc:spChg chg="mod">
+          <ac:chgData name="Khattab, Sherif" userId="c83b1e15-36f3-4f46-aceb-05aac24c545e" providerId="ADAL" clId="{E6EB0EA7-2544-4CF1-A7D6-AFF5E9AECA5D}" dt="2020-05-14T17:16:25.708" v="6"/>
+          <ac:spMkLst>
+            <pc:docMk/>
+            <pc:sldMk cId="3138501136" sldId="368"/>
+            <ac:spMk id="7" creationId="{532CA168-7A4E-084D-AF13-F17DA4C99AF9}"/>
+          </ac:spMkLst>
+        </pc:spChg>
+        <pc:spChg chg="mod">
+          <ac:chgData name="Khattab, Sherif" userId="c83b1e15-36f3-4f46-aceb-05aac24c545e" providerId="ADAL" clId="{E6EB0EA7-2544-4CF1-A7D6-AFF5E9AECA5D}" dt="2020-05-14T17:16:25.708" v="6"/>
+          <ac:spMkLst>
+            <pc:docMk/>
+            <pc:sldMk cId="3138501136" sldId="368"/>
+            <ac:spMk id="8" creationId="{0C0EE1E8-F246-0344-879F-ACDF28735FC1}"/>
+          </ac:spMkLst>
+        </pc:spChg>
+        <pc:spChg chg="mod">
+          <ac:chgData name="Khattab, Sherif" userId="c83b1e15-36f3-4f46-aceb-05aac24c545e" providerId="ADAL" clId="{E6EB0EA7-2544-4CF1-A7D6-AFF5E9AECA5D}" dt="2020-05-14T17:16:25.708" v="6"/>
+          <ac:spMkLst>
+            <pc:docMk/>
+            <pc:sldMk cId="3138501136" sldId="368"/>
+            <ac:spMk id="99333" creationId="{6961FFD0-3136-6744-AF77-2A7A1A790F1E}"/>
+          </ac:spMkLst>
+        </pc:spChg>
+      </pc:sldChg>
+      <pc:sldChg chg="modSp">
+        <pc:chgData name="Khattab, Sherif" userId="c83b1e15-36f3-4f46-aceb-05aac24c545e" providerId="ADAL" clId="{E6EB0EA7-2544-4CF1-A7D6-AFF5E9AECA5D}" dt="2020-05-14T17:16:25.708" v="6"/>
+        <pc:sldMkLst>
+          <pc:docMk/>
+          <pc:sldMk cId="3210992163" sldId="369"/>
+        </pc:sldMkLst>
+        <pc:spChg chg="mod">
+          <ac:chgData name="Khattab, Sherif" userId="c83b1e15-36f3-4f46-aceb-05aac24c545e" providerId="ADAL" clId="{E6EB0EA7-2544-4CF1-A7D6-AFF5E9AECA5D}" dt="2020-05-14T17:16:25.708" v="6"/>
+          <ac:spMkLst>
+            <pc:docMk/>
+            <pc:sldMk cId="3210992163" sldId="369"/>
+            <ac:spMk id="4" creationId="{73DBA84E-7D96-E442-8FC3-A0C3749B1CC1}"/>
+          </ac:spMkLst>
+        </pc:spChg>
+        <pc:spChg chg="mod">
+          <ac:chgData name="Khattab, Sherif" userId="c83b1e15-36f3-4f46-aceb-05aac24c545e" providerId="ADAL" clId="{E6EB0EA7-2544-4CF1-A7D6-AFF5E9AECA5D}" dt="2020-05-14T17:16:25.708" v="6"/>
+          <ac:spMkLst>
+            <pc:docMk/>
+            <pc:sldMk cId="3210992163" sldId="369"/>
+            <ac:spMk id="5" creationId="{B9F1484A-3D19-CA4A-81F0-82E85A0AC7BB}"/>
+          </ac:spMkLst>
+        </pc:spChg>
+        <pc:spChg chg="mod">
+          <ac:chgData name="Khattab, Sherif" userId="c83b1e15-36f3-4f46-aceb-05aac24c545e" providerId="ADAL" clId="{E6EB0EA7-2544-4CF1-A7D6-AFF5E9AECA5D}" dt="2020-05-14T17:16:25.708" v="6"/>
+          <ac:spMkLst>
+            <pc:docMk/>
+            <pc:sldMk cId="3210992163" sldId="369"/>
+            <ac:spMk id="100354" creationId="{E957CE05-A4BD-144F-A0C4-0AAE7BD7009B}"/>
+          </ac:spMkLst>
+        </pc:spChg>
+        <pc:spChg chg="mod">
+          <ac:chgData name="Khattab, Sherif" userId="c83b1e15-36f3-4f46-aceb-05aac24c545e" providerId="ADAL" clId="{E6EB0EA7-2544-4CF1-A7D6-AFF5E9AECA5D}" dt="2020-05-14T17:16:25.708" v="6"/>
+          <ac:spMkLst>
+            <pc:docMk/>
+            <pc:sldMk cId="3210992163" sldId="369"/>
+            <ac:spMk id="100355" creationId="{0C36604A-A763-A345-B88E-8E6F2BF0C1FE}"/>
+          </ac:spMkLst>
+        </pc:spChg>
+      </pc:sldChg>
+      <pc:sldChg chg="modSp">
+        <pc:chgData name="Khattab, Sherif" userId="c83b1e15-36f3-4f46-aceb-05aac24c545e" providerId="ADAL" clId="{E6EB0EA7-2544-4CF1-A7D6-AFF5E9AECA5D}" dt="2020-05-14T17:16:25.708" v="6"/>
+        <pc:sldMkLst>
+          <pc:docMk/>
+          <pc:sldMk cId="4013065491" sldId="370"/>
+        </pc:sldMkLst>
+        <pc:spChg chg="mod">
+          <ac:chgData name="Khattab, Sherif" userId="c83b1e15-36f3-4f46-aceb-05aac24c545e" providerId="ADAL" clId="{E6EB0EA7-2544-4CF1-A7D6-AFF5E9AECA5D}" dt="2020-05-14T17:16:25.708" v="6"/>
+          <ac:spMkLst>
+            <pc:docMk/>
+            <pc:sldMk cId="4013065491" sldId="370"/>
+            <ac:spMk id="6" creationId="{B0B49E68-86D2-5744-ABD1-0A95627B1316}"/>
+          </ac:spMkLst>
+        </pc:spChg>
+        <pc:spChg chg="mod">
+          <ac:chgData name="Khattab, Sherif" userId="c83b1e15-36f3-4f46-aceb-05aac24c545e" providerId="ADAL" clId="{E6EB0EA7-2544-4CF1-A7D6-AFF5E9AECA5D}" dt="2020-05-14T17:16:25.708" v="6"/>
+          <ac:spMkLst>
+            <pc:docMk/>
+            <pc:sldMk cId="4013065491" sldId="370"/>
+            <ac:spMk id="7" creationId="{FD8B4B24-CAA8-9C41-A932-1538077BB231}"/>
+          </ac:spMkLst>
+        </pc:spChg>
+        <pc:spChg chg="mod">
+          <ac:chgData name="Khattab, Sherif" userId="c83b1e15-36f3-4f46-aceb-05aac24c545e" providerId="ADAL" clId="{E6EB0EA7-2544-4CF1-A7D6-AFF5E9AECA5D}" dt="2020-05-14T17:16:25.708" v="6"/>
+          <ac:spMkLst>
+            <pc:docMk/>
+            <pc:sldMk cId="4013065491" sldId="370"/>
+            <ac:spMk id="101378" creationId="{1C91B2E0-F076-D54D-8685-060CEC00A4EC}"/>
+          </ac:spMkLst>
+        </pc:spChg>
+      </pc:sldChg>
+      <pc:sldChg chg="modSp">
+        <pc:chgData name="Khattab, Sherif" userId="c83b1e15-36f3-4f46-aceb-05aac24c545e" providerId="ADAL" clId="{E6EB0EA7-2544-4CF1-A7D6-AFF5E9AECA5D}" dt="2020-05-14T17:16:25.708" v="6"/>
+        <pc:sldMkLst>
+          <pc:docMk/>
+          <pc:sldMk cId="2592968416" sldId="371"/>
+        </pc:sldMkLst>
+        <pc:spChg chg="mod">
+          <ac:chgData name="Khattab, Sherif" userId="c83b1e15-36f3-4f46-aceb-05aac24c545e" providerId="ADAL" clId="{E6EB0EA7-2544-4CF1-A7D6-AFF5E9AECA5D}" dt="2020-05-14T17:16:25.708" v="6"/>
+          <ac:spMkLst>
+            <pc:docMk/>
+            <pc:sldMk cId="2592968416" sldId="371"/>
+            <ac:spMk id="6" creationId="{04A613E7-574B-C34F-80DA-88C723B69E84}"/>
+          </ac:spMkLst>
+        </pc:spChg>
+        <pc:spChg chg="mod">
+          <ac:chgData name="Khattab, Sherif" userId="c83b1e15-36f3-4f46-aceb-05aac24c545e" providerId="ADAL" clId="{E6EB0EA7-2544-4CF1-A7D6-AFF5E9AECA5D}" dt="2020-05-14T17:16:25.708" v="6"/>
+          <ac:spMkLst>
+            <pc:docMk/>
+            <pc:sldMk cId="2592968416" sldId="371"/>
+            <ac:spMk id="7" creationId="{7CC2F7F6-93EA-AE4F-84CC-7374B32F503D}"/>
+          </ac:spMkLst>
+        </pc:spChg>
+        <pc:spChg chg="mod">
+          <ac:chgData name="Khattab, Sherif" userId="c83b1e15-36f3-4f46-aceb-05aac24c545e" providerId="ADAL" clId="{E6EB0EA7-2544-4CF1-A7D6-AFF5E9AECA5D}" dt="2020-05-14T17:16:25.708" v="6"/>
+          <ac:spMkLst>
+            <pc:docMk/>
+            <pc:sldMk cId="2592968416" sldId="371"/>
+            <ac:spMk id="102404" creationId="{6FDA00AC-6865-D94C-836F-7D9600078A83}"/>
+          </ac:spMkLst>
+        </pc:spChg>
+      </pc:sldChg>
+      <pc:sldChg chg="modSp">
+        <pc:chgData name="Khattab, Sherif" userId="c83b1e15-36f3-4f46-aceb-05aac24c545e" providerId="ADAL" clId="{E6EB0EA7-2544-4CF1-A7D6-AFF5E9AECA5D}" dt="2020-05-14T17:16:25.708" v="6"/>
+        <pc:sldMkLst>
+          <pc:docMk/>
+          <pc:sldMk cId="3848335379" sldId="372"/>
+        </pc:sldMkLst>
+        <pc:spChg chg="mod">
+          <ac:chgData name="Khattab, Sherif" userId="c83b1e15-36f3-4f46-aceb-05aac24c545e" providerId="ADAL" clId="{E6EB0EA7-2544-4CF1-A7D6-AFF5E9AECA5D}" dt="2020-05-14T17:16:25.708" v="6"/>
+          <ac:spMkLst>
+            <pc:docMk/>
+            <pc:sldMk cId="3848335379" sldId="372"/>
+            <ac:spMk id="7" creationId="{1C1CA73E-1E55-D244-B89B-B72382873627}"/>
+          </ac:spMkLst>
+        </pc:spChg>
+        <pc:spChg chg="mod">
+          <ac:chgData name="Khattab, Sherif" userId="c83b1e15-36f3-4f46-aceb-05aac24c545e" providerId="ADAL" clId="{E6EB0EA7-2544-4CF1-A7D6-AFF5E9AECA5D}" dt="2020-05-14T17:16:25.708" v="6"/>
+          <ac:spMkLst>
+            <pc:docMk/>
+            <pc:sldMk cId="3848335379" sldId="372"/>
+            <ac:spMk id="8" creationId="{79E131D4-95F6-D248-9154-AE15F551EEE7}"/>
+          </ac:spMkLst>
+        </pc:spChg>
+        <pc:spChg chg="mod">
+          <ac:chgData name="Khattab, Sherif" userId="c83b1e15-36f3-4f46-aceb-05aac24c545e" providerId="ADAL" clId="{E6EB0EA7-2544-4CF1-A7D6-AFF5E9AECA5D}" dt="2020-05-14T17:16:25.708" v="6"/>
+          <ac:spMkLst>
+            <pc:docMk/>
+            <pc:sldMk cId="3848335379" sldId="372"/>
+            <ac:spMk id="103429" creationId="{8D930911-1A6D-B54F-B76E-66809DD1728E}"/>
+          </ac:spMkLst>
+        </pc:spChg>
+        <pc:spChg chg="mod">
+          <ac:chgData name="Khattab, Sherif" userId="c83b1e15-36f3-4f46-aceb-05aac24c545e" providerId="ADAL" clId="{E6EB0EA7-2544-4CF1-A7D6-AFF5E9AECA5D}" dt="2020-05-14T17:16:25.708" v="6"/>
+          <ac:spMkLst>
+            <pc:docMk/>
+            <pc:sldMk cId="3848335379" sldId="372"/>
+            <ac:spMk id="103430" creationId="{0CA11B9E-1475-6C4F-9C95-B08141F31ADC}"/>
+          </ac:spMkLst>
+        </pc:spChg>
+      </pc:sldChg>
+      <pc:sldChg chg="modSp">
+        <pc:chgData name="Khattab, Sherif" userId="c83b1e15-36f3-4f46-aceb-05aac24c545e" providerId="ADAL" clId="{E6EB0EA7-2544-4CF1-A7D6-AFF5E9AECA5D}" dt="2020-05-14T17:16:25.708" v="6"/>
+        <pc:sldMkLst>
+          <pc:docMk/>
+          <pc:sldMk cId="3161117264" sldId="373"/>
+        </pc:sldMkLst>
+        <pc:spChg chg="mod">
+          <ac:chgData name="Khattab, Sherif" userId="c83b1e15-36f3-4f46-aceb-05aac24c545e" providerId="ADAL" clId="{E6EB0EA7-2544-4CF1-A7D6-AFF5E9AECA5D}" dt="2020-05-14T17:16:25.708" v="6"/>
+          <ac:spMkLst>
+            <pc:docMk/>
+            <pc:sldMk cId="3161117264" sldId="373"/>
+            <ac:spMk id="4" creationId="{D286E859-8EBE-914A-BE43-1BFE745BB03C}"/>
+          </ac:spMkLst>
+        </pc:spChg>
+        <pc:spChg chg="mod">
+          <ac:chgData name="Khattab, Sherif" userId="c83b1e15-36f3-4f46-aceb-05aac24c545e" providerId="ADAL" clId="{E6EB0EA7-2544-4CF1-A7D6-AFF5E9AECA5D}" dt="2020-05-14T17:16:25.708" v="6"/>
+          <ac:spMkLst>
+            <pc:docMk/>
+            <pc:sldMk cId="3161117264" sldId="373"/>
+            <ac:spMk id="5" creationId="{BB0DD3E4-3515-714D-878B-FD1CC73773E4}"/>
+          </ac:spMkLst>
+        </pc:spChg>
+        <pc:spChg chg="mod">
+          <ac:chgData name="Khattab, Sherif" userId="c83b1e15-36f3-4f46-aceb-05aac24c545e" providerId="ADAL" clId="{E6EB0EA7-2544-4CF1-A7D6-AFF5E9AECA5D}" dt="2020-05-14T17:16:25.708" v="6"/>
+          <ac:spMkLst>
+            <pc:docMk/>
+            <pc:sldMk cId="3161117264" sldId="373"/>
+            <ac:spMk id="104450" creationId="{EB53BFD2-2569-C440-A78C-F70A1D185BE8}"/>
+          </ac:spMkLst>
+        </pc:spChg>
+        <pc:spChg chg="mod">
+          <ac:chgData name="Khattab, Sherif" userId="c83b1e15-36f3-4f46-aceb-05aac24c545e" providerId="ADAL" clId="{E6EB0EA7-2544-4CF1-A7D6-AFF5E9AECA5D}" dt="2020-05-14T17:16:25.708" v="6"/>
+          <ac:spMkLst>
+            <pc:docMk/>
+            <pc:sldMk cId="3161117264" sldId="373"/>
+            <ac:spMk id="104451" creationId="{36A9E868-CE41-B547-B6C1-87C325B8A1FF}"/>
+          </ac:spMkLst>
+        </pc:spChg>
+      </pc:sldChg>
+      <pc:sldChg chg="modSp">
+        <pc:chgData name="Khattab, Sherif" userId="c83b1e15-36f3-4f46-aceb-05aac24c545e" providerId="ADAL" clId="{E6EB0EA7-2544-4CF1-A7D6-AFF5E9AECA5D}" dt="2020-05-14T17:16:25.708" v="6"/>
+        <pc:sldMkLst>
+          <pc:docMk/>
+          <pc:sldMk cId="1542066946" sldId="374"/>
+        </pc:sldMkLst>
+        <pc:spChg chg="mod">
+          <ac:chgData name="Khattab, Sherif" userId="c83b1e15-36f3-4f46-aceb-05aac24c545e" providerId="ADAL" clId="{E6EB0EA7-2544-4CF1-A7D6-AFF5E9AECA5D}" dt="2020-05-14T17:16:25.708" v="6"/>
+          <ac:spMkLst>
+            <pc:docMk/>
+            <pc:sldMk cId="1542066946" sldId="374"/>
+            <ac:spMk id="4" creationId="{EEDC933A-1F17-A24F-80B2-2B746C541E3D}"/>
+          </ac:spMkLst>
+        </pc:spChg>
+        <pc:spChg chg="mod">
+          <ac:chgData name="Khattab, Sherif" userId="c83b1e15-36f3-4f46-aceb-05aac24c545e" providerId="ADAL" clId="{E6EB0EA7-2544-4CF1-A7D6-AFF5E9AECA5D}" dt="2020-05-14T17:16:25.708" v="6"/>
+          <ac:spMkLst>
+            <pc:docMk/>
+            <pc:sldMk cId="1542066946" sldId="374"/>
+            <ac:spMk id="5" creationId="{309D0953-6635-1B4D-A779-9F44EE0705E6}"/>
+          </ac:spMkLst>
+        </pc:spChg>
+        <pc:spChg chg="mod">
+          <ac:chgData name="Khattab, Sherif" userId="c83b1e15-36f3-4f46-aceb-05aac24c545e" providerId="ADAL" clId="{E6EB0EA7-2544-4CF1-A7D6-AFF5E9AECA5D}" dt="2020-05-14T17:16:25.708" v="6"/>
+          <ac:spMkLst>
+            <pc:docMk/>
+            <pc:sldMk cId="1542066946" sldId="374"/>
+            <ac:spMk id="105474" creationId="{6E60B537-4E2B-3645-8740-E45FF319D167}"/>
+          </ac:spMkLst>
+        </pc:spChg>
+        <pc:spChg chg="mod">
+          <ac:chgData name="Khattab, Sherif" userId="c83b1e15-36f3-4f46-aceb-05aac24c545e" providerId="ADAL" clId="{E6EB0EA7-2544-4CF1-A7D6-AFF5E9AECA5D}" dt="2020-05-14T17:16:25.708" v="6"/>
+          <ac:spMkLst>
+            <pc:docMk/>
+            <pc:sldMk cId="1542066946" sldId="374"/>
+            <ac:spMk id="105475" creationId="{B2EA02B2-FF2F-E840-9115-9F46B908CC54}"/>
+          </ac:spMkLst>
+        </pc:spChg>
+      </pc:sldChg>
+      <pc:sldChg chg="modSp">
+        <pc:chgData name="Khattab, Sherif" userId="c83b1e15-36f3-4f46-aceb-05aac24c545e" providerId="ADAL" clId="{E6EB0EA7-2544-4CF1-A7D6-AFF5E9AECA5D}" dt="2020-05-14T17:16:25.708" v="6"/>
+        <pc:sldMkLst>
+          <pc:docMk/>
+          <pc:sldMk cId="834112894" sldId="375"/>
+        </pc:sldMkLst>
+        <pc:spChg chg="mod">
+          <ac:chgData name="Khattab, Sherif" userId="c83b1e15-36f3-4f46-aceb-05aac24c545e" providerId="ADAL" clId="{E6EB0EA7-2544-4CF1-A7D6-AFF5E9AECA5D}" dt="2020-05-14T17:16:25.708" v="6"/>
+          <ac:spMkLst>
+            <pc:docMk/>
+            <pc:sldMk cId="834112894" sldId="375"/>
+            <ac:spMk id="4" creationId="{31956E2C-E5A6-0647-BF42-137E615716E0}"/>
+          </ac:spMkLst>
+        </pc:spChg>
+        <pc:spChg chg="mod">
+          <ac:chgData name="Khattab, Sherif" userId="c83b1e15-36f3-4f46-aceb-05aac24c545e" providerId="ADAL" clId="{E6EB0EA7-2544-4CF1-A7D6-AFF5E9AECA5D}" dt="2020-05-14T17:16:25.708" v="6"/>
+          <ac:spMkLst>
+            <pc:docMk/>
+            <pc:sldMk cId="834112894" sldId="375"/>
+            <ac:spMk id="5" creationId="{B7C7726A-A27A-B54E-8233-121EE02C6ADC}"/>
+          </ac:spMkLst>
+        </pc:spChg>
+        <pc:spChg chg="mod">
+          <ac:chgData name="Khattab, Sherif" userId="c83b1e15-36f3-4f46-aceb-05aac24c545e" providerId="ADAL" clId="{E6EB0EA7-2544-4CF1-A7D6-AFF5E9AECA5D}" dt="2020-05-14T17:16:25.708" v="6"/>
+          <ac:spMkLst>
+            <pc:docMk/>
+            <pc:sldMk cId="834112894" sldId="375"/>
+            <ac:spMk id="112642" creationId="{838EA777-B608-8E4A-8B51-786B3BEF4E8D}"/>
+          </ac:spMkLst>
+        </pc:spChg>
+        <pc:spChg chg="mod">
+          <ac:chgData name="Khattab, Sherif" userId="c83b1e15-36f3-4f46-aceb-05aac24c545e" providerId="ADAL" clId="{E6EB0EA7-2544-4CF1-A7D6-AFF5E9AECA5D}" dt="2020-05-14T17:16:25.708" v="6"/>
+          <ac:spMkLst>
+            <pc:docMk/>
+            <pc:sldMk cId="834112894" sldId="375"/>
+            <ac:spMk id="112643" creationId="{362D90CE-C693-414D-B6F5-8829A4C95071}"/>
+          </ac:spMkLst>
+        </pc:spChg>
+      </pc:sldChg>
+      <pc:sldChg chg="modSp">
+        <pc:chgData name="Khattab, Sherif" userId="c83b1e15-36f3-4f46-aceb-05aac24c545e" providerId="ADAL" clId="{E6EB0EA7-2544-4CF1-A7D6-AFF5E9AECA5D}" dt="2020-05-14T17:16:25.708" v="6"/>
+        <pc:sldMkLst>
+          <pc:docMk/>
+          <pc:sldMk cId="1165577892" sldId="376"/>
+        </pc:sldMkLst>
+        <pc:spChg chg="mod">
+          <ac:chgData name="Khattab, Sherif" userId="c83b1e15-36f3-4f46-aceb-05aac24c545e" providerId="ADAL" clId="{E6EB0EA7-2544-4CF1-A7D6-AFF5E9AECA5D}" dt="2020-05-14T17:16:25.708" v="6"/>
+          <ac:spMkLst>
+            <pc:docMk/>
+            <pc:sldMk cId="1165577892" sldId="376"/>
+            <ac:spMk id="40" creationId="{67328B6C-4287-814A-93BF-39FD1F8937B2}"/>
+          </ac:spMkLst>
+        </pc:spChg>
+        <pc:spChg chg="mod">
+          <ac:chgData name="Khattab, Sherif" userId="c83b1e15-36f3-4f46-aceb-05aac24c545e" providerId="ADAL" clId="{E6EB0EA7-2544-4CF1-A7D6-AFF5E9AECA5D}" dt="2020-05-14T17:16:25.708" v="6"/>
+          <ac:spMkLst>
+            <pc:docMk/>
+            <pc:sldMk cId="1165577892" sldId="376"/>
+            <ac:spMk id="41" creationId="{8B2F9FDC-8F0A-CC49-98A2-71FB6688BA80}"/>
+          </ac:spMkLst>
+        </pc:spChg>
+        <pc:spChg chg="mod">
+          <ac:chgData name="Khattab, Sherif" userId="c83b1e15-36f3-4f46-aceb-05aac24c545e" providerId="ADAL" clId="{E6EB0EA7-2544-4CF1-A7D6-AFF5E9AECA5D}" dt="2020-05-14T17:16:25.708" v="6"/>
+          <ac:spMkLst>
+            <pc:docMk/>
+            <pc:sldMk cId="1165577892" sldId="376"/>
+            <ac:spMk id="113666" creationId="{75B0BB18-45FE-C145-86F9-5F2D13AD61F3}"/>
+          </ac:spMkLst>
+        </pc:spChg>
+        <pc:spChg chg="mod">
+          <ac:chgData name="Khattab, Sherif" userId="c83b1e15-36f3-4f46-aceb-05aac24c545e" providerId="ADAL" clId="{E6EB0EA7-2544-4CF1-A7D6-AFF5E9AECA5D}" dt="2020-05-14T17:16:25.708" v="6"/>
+          <ac:spMkLst>
+            <pc:docMk/>
+            <pc:sldMk cId="1165577892" sldId="376"/>
+            <ac:spMk id="113667" creationId="{53E09A75-9602-D845-8429-42B9F821B4BA}"/>
+          </ac:spMkLst>
+        </pc:spChg>
+      </pc:sldChg>
+      <pc:sldChg chg="modSp">
+        <pc:chgData name="Khattab, Sherif" userId="c83b1e15-36f3-4f46-aceb-05aac24c545e" providerId="ADAL" clId="{E6EB0EA7-2544-4CF1-A7D6-AFF5E9AECA5D}" dt="2020-05-14T17:16:25.708" v="6"/>
+        <pc:sldMkLst>
+          <pc:docMk/>
+          <pc:sldMk cId="583513582" sldId="377"/>
+        </pc:sldMkLst>
+        <pc:spChg chg="mod">
+          <ac:chgData name="Khattab, Sherif" userId="c83b1e15-36f3-4f46-aceb-05aac24c545e" providerId="ADAL" clId="{E6EB0EA7-2544-4CF1-A7D6-AFF5E9AECA5D}" dt="2020-05-14T17:16:25.708" v="6"/>
+          <ac:spMkLst>
+            <pc:docMk/>
+            <pc:sldMk cId="583513582" sldId="377"/>
+            <ac:spMk id="7" creationId="{0E336C6B-24E5-C547-995B-7595329F8449}"/>
+          </ac:spMkLst>
+        </pc:spChg>
+        <pc:spChg chg="mod">
+          <ac:chgData name="Khattab, Sherif" userId="c83b1e15-36f3-4f46-aceb-05aac24c545e" providerId="ADAL" clId="{E6EB0EA7-2544-4CF1-A7D6-AFF5E9AECA5D}" dt="2020-05-14T17:16:25.708" v="6"/>
+          <ac:spMkLst>
+            <pc:docMk/>
+            <pc:sldMk cId="583513582" sldId="377"/>
+            <ac:spMk id="8" creationId="{E0264D84-51E2-CF40-866C-B9902608A9A7}"/>
+          </ac:spMkLst>
+        </pc:spChg>
+        <pc:spChg chg="mod">
+          <ac:chgData name="Khattab, Sherif" userId="c83b1e15-36f3-4f46-aceb-05aac24c545e" providerId="ADAL" clId="{E6EB0EA7-2544-4CF1-A7D6-AFF5E9AECA5D}" dt="2020-05-14T17:16:25.708" v="6"/>
+          <ac:spMkLst>
+            <pc:docMk/>
+            <pc:sldMk cId="583513582" sldId="377"/>
+            <ac:spMk id="114693" creationId="{2AAD9DE3-45D5-A249-B337-D99D281826B9}"/>
+          </ac:spMkLst>
+        </pc:spChg>
+      </pc:sldChg>
+      <pc:sldChg chg="modSp">
+        <pc:chgData name="Khattab, Sherif" userId="c83b1e15-36f3-4f46-aceb-05aac24c545e" providerId="ADAL" clId="{E6EB0EA7-2544-4CF1-A7D6-AFF5E9AECA5D}" dt="2020-05-14T17:16:25.708" v="6"/>
+        <pc:sldMkLst>
+          <pc:docMk/>
+          <pc:sldMk cId="3990797458" sldId="378"/>
+        </pc:sldMkLst>
+        <pc:spChg chg="mod">
+          <ac:chgData name="Khattab, Sherif" userId="c83b1e15-36f3-4f46-aceb-05aac24c545e" providerId="ADAL" clId="{E6EB0EA7-2544-4CF1-A7D6-AFF5E9AECA5D}" dt="2020-05-14T17:16:25.708" v="6"/>
+          <ac:spMkLst>
+            <pc:docMk/>
+            <pc:sldMk cId="3990797458" sldId="378"/>
+            <ac:spMk id="4" creationId="{BD0C602E-3244-7347-8C4C-7141324C4D74}"/>
+          </ac:spMkLst>
+        </pc:spChg>
+        <pc:spChg chg="mod">
+          <ac:chgData name="Khattab, Sherif" userId="c83b1e15-36f3-4f46-aceb-05aac24c545e" providerId="ADAL" clId="{E6EB0EA7-2544-4CF1-A7D6-AFF5E9AECA5D}" dt="2020-05-14T17:16:25.708" v="6"/>
+          <ac:spMkLst>
+            <pc:docMk/>
+            <pc:sldMk cId="3990797458" sldId="378"/>
+            <ac:spMk id="5" creationId="{83641B87-BBB9-9941-85A4-F6E6D630A406}"/>
+          </ac:spMkLst>
+        </pc:spChg>
+        <pc:spChg chg="mod">
+          <ac:chgData name="Khattab, Sherif" userId="c83b1e15-36f3-4f46-aceb-05aac24c545e" providerId="ADAL" clId="{E6EB0EA7-2544-4CF1-A7D6-AFF5E9AECA5D}" dt="2020-05-14T17:16:25.708" v="6"/>
+          <ac:spMkLst>
+            <pc:docMk/>
+            <pc:sldMk cId="3990797458" sldId="378"/>
+            <ac:spMk id="115714" creationId="{662FDEC6-1A57-7A4E-BD61-B4C9C42FB107}"/>
+          </ac:spMkLst>
+        </pc:spChg>
+        <pc:spChg chg="mod">
+          <ac:chgData name="Khattab, Sherif" userId="c83b1e15-36f3-4f46-aceb-05aac24c545e" providerId="ADAL" clId="{E6EB0EA7-2544-4CF1-A7D6-AFF5E9AECA5D}" dt="2020-05-14T17:16:25.708" v="6"/>
+          <ac:spMkLst>
+            <pc:docMk/>
+            <pc:sldMk cId="3990797458" sldId="378"/>
+            <ac:spMk id="115715" creationId="{9CCF0D6A-3A12-D542-BC48-B9C95F39152F}"/>
+          </ac:spMkLst>
+        </pc:spChg>
+      </pc:sldChg>
+      <pc:sldChg chg="modSp">
+        <pc:chgData name="Khattab, Sherif" userId="c83b1e15-36f3-4f46-aceb-05aac24c545e" providerId="ADAL" clId="{E6EB0EA7-2544-4CF1-A7D6-AFF5E9AECA5D}" dt="2020-05-14T17:16:25.708" v="6"/>
+        <pc:sldMkLst>
+          <pc:docMk/>
+          <pc:sldMk cId="2736486443" sldId="379"/>
+        </pc:sldMkLst>
+        <pc:spChg chg="mod">
+          <ac:chgData name="Khattab, Sherif" userId="c83b1e15-36f3-4f46-aceb-05aac24c545e" providerId="ADAL" clId="{E6EB0EA7-2544-4CF1-A7D6-AFF5E9AECA5D}" dt="2020-05-14T17:16:25.708" v="6"/>
+          <ac:spMkLst>
+            <pc:docMk/>
+            <pc:sldMk cId="2736486443" sldId="379"/>
+            <ac:spMk id="7" creationId="{58C40539-46F0-494A-8163-8D5BF28501B8}"/>
+          </ac:spMkLst>
+        </pc:spChg>
+        <pc:spChg chg="mod">
+          <ac:chgData name="Khattab, Sherif" userId="c83b1e15-36f3-4f46-aceb-05aac24c545e" providerId="ADAL" clId="{E6EB0EA7-2544-4CF1-A7D6-AFF5E9AECA5D}" dt="2020-05-14T17:16:25.708" v="6"/>
+          <ac:spMkLst>
+            <pc:docMk/>
+            <pc:sldMk cId="2736486443" sldId="379"/>
+            <ac:spMk id="8" creationId="{FE005030-9F97-AB44-8CA9-4B4CEC2B226B}"/>
+          </ac:spMkLst>
+        </pc:spChg>
+        <pc:spChg chg="mod">
+          <ac:chgData name="Khattab, Sherif" userId="c83b1e15-36f3-4f46-aceb-05aac24c545e" providerId="ADAL" clId="{E6EB0EA7-2544-4CF1-A7D6-AFF5E9AECA5D}" dt="2020-05-14T17:16:25.708" v="6"/>
+          <ac:spMkLst>
+            <pc:docMk/>
+            <pc:sldMk cId="2736486443" sldId="379"/>
+            <ac:spMk id="116741" creationId="{61954CF2-0056-D24F-AC34-B313ACE689DF}"/>
+          </ac:spMkLst>
+        </pc:spChg>
+        <pc:spChg chg="mod">
+          <ac:chgData name="Khattab, Sherif" userId="c83b1e15-36f3-4f46-aceb-05aac24c545e" providerId="ADAL" clId="{E6EB0EA7-2544-4CF1-A7D6-AFF5E9AECA5D}" dt="2020-05-14T17:16:25.708" v="6"/>
+          <ac:spMkLst>
+            <pc:docMk/>
+            <pc:sldMk cId="2736486443" sldId="379"/>
+            <ac:spMk id="116742" creationId="{7FDA39D6-D460-F84C-B825-972ADE5DCF4A}"/>
+          </ac:spMkLst>
+        </pc:spChg>
+      </pc:sldChg>
+      <pc:sldChg chg="modSp">
+        <pc:chgData name="Khattab, Sherif" userId="c83b1e15-36f3-4f46-aceb-05aac24c545e" providerId="ADAL" clId="{E6EB0EA7-2544-4CF1-A7D6-AFF5E9AECA5D}" dt="2020-05-14T17:16:25.708" v="6"/>
+        <pc:sldMkLst>
+          <pc:docMk/>
+          <pc:sldMk cId="541381985" sldId="380"/>
+        </pc:sldMkLst>
+        <pc:spChg chg="mod">
+          <ac:chgData name="Khattab, Sherif" userId="c83b1e15-36f3-4f46-aceb-05aac24c545e" providerId="ADAL" clId="{E6EB0EA7-2544-4CF1-A7D6-AFF5E9AECA5D}" dt="2020-05-14T17:16:25.708" v="6"/>
+          <ac:spMkLst>
+            <pc:docMk/>
+            <pc:sldMk cId="541381985" sldId="380"/>
+            <ac:spMk id="23" creationId="{D8BAE81C-B76B-1043-9117-0845AC5B4638}"/>
+          </ac:spMkLst>
+        </pc:spChg>
+        <pc:spChg chg="mod">
+          <ac:chgData name="Khattab, Sherif" userId="c83b1e15-36f3-4f46-aceb-05aac24c545e" providerId="ADAL" clId="{E6EB0EA7-2544-4CF1-A7D6-AFF5E9AECA5D}" dt="2020-05-14T17:16:25.708" v="6"/>
+          <ac:spMkLst>
+            <pc:docMk/>
+            <pc:sldMk cId="541381985" sldId="380"/>
+            <ac:spMk id="24" creationId="{E12A7118-22DB-E24A-AC7D-671F01F34327}"/>
+          </ac:spMkLst>
+        </pc:spChg>
+        <pc:spChg chg="mod">
+          <ac:chgData name="Khattab, Sherif" userId="c83b1e15-36f3-4f46-aceb-05aac24c545e" providerId="ADAL" clId="{E6EB0EA7-2544-4CF1-A7D6-AFF5E9AECA5D}" dt="2020-05-14T17:16:25.708" v="6"/>
+          <ac:spMkLst>
+            <pc:docMk/>
+            <pc:sldMk cId="541381985" sldId="380"/>
+            <ac:spMk id="118786" creationId="{26D54543-5CF1-B947-A0EE-00F2D893EE94}"/>
+          </ac:spMkLst>
+        </pc:spChg>
+      </pc:sldChg>
+      <pc:sldChg chg="modSp">
+        <pc:chgData name="Khattab, Sherif" userId="c83b1e15-36f3-4f46-aceb-05aac24c545e" providerId="ADAL" clId="{E6EB0EA7-2544-4CF1-A7D6-AFF5E9AECA5D}" dt="2020-05-14T17:16:25.708" v="6"/>
+        <pc:sldMkLst>
+          <pc:docMk/>
+          <pc:sldMk cId="2235897330" sldId="381"/>
+        </pc:sldMkLst>
+        <pc:spChg chg="mod">
+          <ac:chgData name="Khattab, Sherif" userId="c83b1e15-36f3-4f46-aceb-05aac24c545e" providerId="ADAL" clId="{E6EB0EA7-2544-4CF1-A7D6-AFF5E9AECA5D}" dt="2020-05-14T17:16:25.708" v="6"/>
+          <ac:spMkLst>
+            <pc:docMk/>
+            <pc:sldMk cId="2235897330" sldId="381"/>
+            <ac:spMk id="6" creationId="{14AD1B91-AC10-B440-9C4C-C14AAC27D890}"/>
+          </ac:spMkLst>
+        </pc:spChg>
+        <pc:spChg chg="mod">
+          <ac:chgData name="Khattab, Sherif" userId="c83b1e15-36f3-4f46-aceb-05aac24c545e" providerId="ADAL" clId="{E6EB0EA7-2544-4CF1-A7D6-AFF5E9AECA5D}" dt="2020-05-14T17:16:25.708" v="6"/>
+          <ac:spMkLst>
+            <pc:docMk/>
+            <pc:sldMk cId="2235897330" sldId="381"/>
+            <ac:spMk id="7" creationId="{B9EE9886-5992-E94D-9C19-0A09959F63CE}"/>
+          </ac:spMkLst>
+        </pc:spChg>
+        <pc:spChg chg="mod">
+          <ac:chgData name="Khattab, Sherif" userId="c83b1e15-36f3-4f46-aceb-05aac24c545e" providerId="ADAL" clId="{E6EB0EA7-2544-4CF1-A7D6-AFF5E9AECA5D}" dt="2020-05-14T17:16:25.708" v="6"/>
+          <ac:spMkLst>
+            <pc:docMk/>
+            <pc:sldMk cId="2235897330" sldId="381"/>
+            <ac:spMk id="119812" creationId="{A73752DD-1D6A-F745-BB51-635DA198A402}"/>
+          </ac:spMkLst>
+        </pc:spChg>
+        <pc:spChg chg="mod">
+          <ac:chgData name="Khattab, Sherif" userId="c83b1e15-36f3-4f46-aceb-05aac24c545e" providerId="ADAL" clId="{E6EB0EA7-2544-4CF1-A7D6-AFF5E9AECA5D}" dt="2020-05-14T17:16:25.708" v="6"/>
+          <ac:spMkLst>
+            <pc:docMk/>
+            <pc:sldMk cId="2235897330" sldId="381"/>
+            <ac:spMk id="119813" creationId="{2D0E5FEC-FE0E-9048-B247-70B668077E38}"/>
+          </ac:spMkLst>
+        </pc:spChg>
+      </pc:sldChg>
+      <pc:sldChg chg="modSp">
+        <pc:chgData name="Khattab, Sherif" userId="c83b1e15-36f3-4f46-aceb-05aac24c545e" providerId="ADAL" clId="{E6EB0EA7-2544-4CF1-A7D6-AFF5E9AECA5D}" dt="2020-05-14T17:16:25.708" v="6"/>
+        <pc:sldMkLst>
+          <pc:docMk/>
+          <pc:sldMk cId="3360044446" sldId="382"/>
+        </pc:sldMkLst>
+        <pc:spChg chg="mod">
+          <ac:chgData name="Khattab, Sherif" userId="c83b1e15-36f3-4f46-aceb-05aac24c545e" providerId="ADAL" clId="{E6EB0EA7-2544-4CF1-A7D6-AFF5E9AECA5D}" dt="2020-05-14T17:16:25.708" v="6"/>
+          <ac:spMkLst>
+            <pc:docMk/>
+            <pc:sldMk cId="3360044446" sldId="382"/>
+            <ac:spMk id="6" creationId="{892037B0-DA9E-524E-9830-DB51F1E2FAD4}"/>
+          </ac:spMkLst>
+        </pc:spChg>
+        <pc:spChg chg="mod">
+          <ac:chgData name="Khattab, Sherif" userId="c83b1e15-36f3-4f46-aceb-05aac24c545e" providerId="ADAL" clId="{E6EB0EA7-2544-4CF1-A7D6-AFF5E9AECA5D}" dt="2020-05-14T17:16:25.708" v="6"/>
+          <ac:spMkLst>
+            <pc:docMk/>
+            <pc:sldMk cId="3360044446" sldId="382"/>
+            <ac:spMk id="7" creationId="{7AAA58F4-97D1-A64F-ABCD-20A52A9C827F}"/>
+          </ac:spMkLst>
+        </pc:spChg>
+        <pc:spChg chg="mod">
+          <ac:chgData name="Khattab, Sherif" userId="c83b1e15-36f3-4f46-aceb-05aac24c545e" providerId="ADAL" clId="{E6EB0EA7-2544-4CF1-A7D6-AFF5E9AECA5D}" dt="2020-05-14T17:16:25.708" v="6"/>
+          <ac:spMkLst>
+            <pc:docMk/>
+            <pc:sldMk cId="3360044446" sldId="382"/>
+            <ac:spMk id="120836" creationId="{88BA2802-16A1-694F-9A85-7A5E70F37E97}"/>
+          </ac:spMkLst>
+        </pc:spChg>
+      </pc:sldChg>
+      <pc:sldChg chg="modSp">
+        <pc:chgData name="Khattab, Sherif" userId="c83b1e15-36f3-4f46-aceb-05aac24c545e" providerId="ADAL" clId="{E6EB0EA7-2544-4CF1-A7D6-AFF5E9AECA5D}" dt="2020-05-14T17:16:25.708" v="6"/>
+        <pc:sldMkLst>
+          <pc:docMk/>
+          <pc:sldMk cId="1954384084" sldId="383"/>
+        </pc:sldMkLst>
+        <pc:spChg chg="mod">
+          <ac:chgData name="Khattab, Sherif" userId="c83b1e15-36f3-4f46-aceb-05aac24c545e" providerId="ADAL" clId="{E6EB0EA7-2544-4CF1-A7D6-AFF5E9AECA5D}" dt="2020-05-14T17:16:25.708" v="6"/>
+          <ac:spMkLst>
+            <pc:docMk/>
+            <pc:sldMk cId="1954384084" sldId="383"/>
+            <ac:spMk id="2" creationId="{C152C312-EE9A-B14C-81EE-6E9046ACD9F5}"/>
+          </ac:spMkLst>
+        </pc:spChg>
+        <pc:spChg chg="mod">
+          <ac:chgData name="Khattab, Sherif" userId="c83b1e15-36f3-4f46-aceb-05aac24c545e" providerId="ADAL" clId="{E6EB0EA7-2544-4CF1-A7D6-AFF5E9AECA5D}" dt="2020-05-14T17:16:25.708" v="6"/>
+          <ac:spMkLst>
+            <pc:docMk/>
+            <pc:sldMk cId="1954384084" sldId="383"/>
+            <ac:spMk id="6" creationId="{42655DCF-2496-8343-8285-CC501D3D933F}"/>
+          </ac:spMkLst>
+        </pc:spChg>
+        <pc:spChg chg="mod">
+          <ac:chgData name="Khattab, Sherif" userId="c83b1e15-36f3-4f46-aceb-05aac24c545e" providerId="ADAL" clId="{E6EB0EA7-2544-4CF1-A7D6-AFF5E9AECA5D}" dt="2020-05-14T17:16:25.708" v="6"/>
+          <ac:spMkLst>
+            <pc:docMk/>
+            <pc:sldMk cId="1954384084" sldId="383"/>
+            <ac:spMk id="7" creationId="{46F010D7-2CC3-2A4D-91D1-83C1FF96DE38}"/>
+          </ac:spMkLst>
+        </pc:spChg>
+        <pc:spChg chg="mod">
+          <ac:chgData name="Khattab, Sherif" userId="c83b1e15-36f3-4f46-aceb-05aac24c545e" providerId="ADAL" clId="{E6EB0EA7-2544-4CF1-A7D6-AFF5E9AECA5D}" dt="2020-05-14T17:16:25.708" v="6"/>
+          <ac:spMkLst>
+            <pc:docMk/>
+            <pc:sldMk cId="1954384084" sldId="383"/>
+            <ac:spMk id="121858" creationId="{996677B1-E9B9-7E43-80C2-5A0146DDFBD6}"/>
+          </ac:spMkLst>
+        </pc:spChg>
+      </pc:sldChg>
+      <pc:sldChg chg="modSp">
+        <pc:chgData name="Khattab, Sherif" userId="c83b1e15-36f3-4f46-aceb-05aac24c545e" providerId="ADAL" clId="{E6EB0EA7-2544-4CF1-A7D6-AFF5E9AECA5D}" dt="2020-05-14T17:16:25.708" v="6"/>
+        <pc:sldMkLst>
+          <pc:docMk/>
+          <pc:sldMk cId="220759689" sldId="384"/>
+        </pc:sldMkLst>
+        <pc:spChg chg="mod">
+          <ac:chgData name="Khattab, Sherif" userId="c83b1e15-36f3-4f46-aceb-05aac24c545e" providerId="ADAL" clId="{E6EB0EA7-2544-4CF1-A7D6-AFF5E9AECA5D}" dt="2020-05-14T17:16:25.708" v="6"/>
+          <ac:spMkLst>
+            <pc:docMk/>
+            <pc:sldMk cId="220759689" sldId="384"/>
+            <ac:spMk id="2" creationId="{CF207B98-521B-224F-9214-404C50F1BDD2}"/>
+          </ac:spMkLst>
+        </pc:spChg>
+        <pc:spChg chg="mod">
+          <ac:chgData name="Khattab, Sherif" userId="c83b1e15-36f3-4f46-aceb-05aac24c545e" providerId="ADAL" clId="{E6EB0EA7-2544-4CF1-A7D6-AFF5E9AECA5D}" dt="2020-05-14T17:16:25.708" v="6"/>
+          <ac:spMkLst>
+            <pc:docMk/>
+            <pc:sldMk cId="220759689" sldId="384"/>
+            <ac:spMk id="4" creationId="{CC9723C8-7544-8F48-9942-691DFD0E7709}"/>
+          </ac:spMkLst>
+        </pc:spChg>
+        <pc:spChg chg="mod">
+          <ac:chgData name="Khattab, Sherif" userId="c83b1e15-36f3-4f46-aceb-05aac24c545e" providerId="ADAL" clId="{E6EB0EA7-2544-4CF1-A7D6-AFF5E9AECA5D}" dt="2020-05-14T17:16:25.708" v="6"/>
+          <ac:spMkLst>
+            <pc:docMk/>
+            <pc:sldMk cId="220759689" sldId="384"/>
+            <ac:spMk id="5" creationId="{E6792081-A4F1-204D-89A2-A383EBF798DE}"/>
+          </ac:spMkLst>
+        </pc:spChg>
+        <pc:spChg chg="mod">
+          <ac:chgData name="Khattab, Sherif" userId="c83b1e15-36f3-4f46-aceb-05aac24c545e" providerId="ADAL" clId="{E6EB0EA7-2544-4CF1-A7D6-AFF5E9AECA5D}" dt="2020-05-14T17:16:25.708" v="6"/>
+          <ac:spMkLst>
+            <pc:docMk/>
+            <pc:sldMk cId="220759689" sldId="384"/>
+            <ac:spMk id="122883" creationId="{0E76E078-47E1-124A-A71A-BC95F0EC2D35}"/>
+          </ac:spMkLst>
+        </pc:spChg>
+      </pc:sldChg>
+      <pc:sldChg chg="modSp">
+        <pc:chgData name="Khattab, Sherif" userId="c83b1e15-36f3-4f46-aceb-05aac24c545e" providerId="ADAL" clId="{E6EB0EA7-2544-4CF1-A7D6-AFF5E9AECA5D}" dt="2020-05-14T17:16:25.708" v="6"/>
+        <pc:sldMkLst>
+          <pc:docMk/>
+          <pc:sldMk cId="2809799376" sldId="385"/>
+        </pc:sldMkLst>
+        <pc:spChg chg="mod">
+          <ac:chgData name="Khattab, Sherif" userId="c83b1e15-36f3-4f46-aceb-05aac24c545e" providerId="ADAL" clId="{E6EB0EA7-2544-4CF1-A7D6-AFF5E9AECA5D}" dt="2020-05-14T17:16:25.708" v="6"/>
+          <ac:spMkLst>
+            <pc:docMk/>
+            <pc:sldMk cId="2809799376" sldId="385"/>
+            <ac:spMk id="6" creationId="{5C0366B7-59B2-A44E-A41C-A7F29A0C0CA0}"/>
+          </ac:spMkLst>
+        </pc:spChg>
+        <pc:spChg chg="mod">
+          <ac:chgData name="Khattab, Sherif" userId="c83b1e15-36f3-4f46-aceb-05aac24c545e" providerId="ADAL" clId="{E6EB0EA7-2544-4CF1-A7D6-AFF5E9AECA5D}" dt="2020-05-14T17:16:25.708" v="6"/>
+          <ac:spMkLst>
+            <pc:docMk/>
+            <pc:sldMk cId="2809799376" sldId="385"/>
+            <ac:spMk id="7" creationId="{B7E9558F-D8D8-2248-A973-1E52834737CC}"/>
+          </ac:spMkLst>
+        </pc:spChg>
+        <pc:spChg chg="mod">
+          <ac:chgData name="Khattab, Sherif" userId="c83b1e15-36f3-4f46-aceb-05aac24c545e" providerId="ADAL" clId="{E6EB0EA7-2544-4CF1-A7D6-AFF5E9AECA5D}" dt="2020-05-14T17:16:25.708" v="6"/>
+          <ac:spMkLst>
+            <pc:docMk/>
+            <pc:sldMk cId="2809799376" sldId="385"/>
+            <ac:spMk id="123906" creationId="{C9706936-D7BB-8D41-95AD-F45EB6AAB603}"/>
+          </ac:spMkLst>
+        </pc:spChg>
+      </pc:sldChg>
+      <pc:sldChg chg="add">
+        <pc:chgData name="Khattab, Sherif" userId="c83b1e15-36f3-4f46-aceb-05aac24c545e" providerId="ADAL" clId="{E6EB0EA7-2544-4CF1-A7D6-AFF5E9AECA5D}" dt="2020-05-14T17:10:05.791" v="0"/>
+        <pc:sldMkLst>
+          <pc:docMk/>
+          <pc:sldMk cId="1330366002" sldId="454"/>
+        </pc:sldMkLst>
+      </pc:sldChg>
+      <pc:sldMasterChg chg="modSldLayout">
+        <pc:chgData name="Khattab, Sherif" userId="c83b1e15-36f3-4f46-aceb-05aac24c545e" providerId="ADAL" clId="{E6EB0EA7-2544-4CF1-A7D6-AFF5E9AECA5D}" dt="2020-05-14T17:11:02.329" v="5" actId="478"/>
+        <pc:sldMasterMkLst>
+          <pc:docMk/>
+          <pc:sldMasterMk cId="0" sldId="2147483648"/>
+        </pc:sldMasterMkLst>
+        <pc:sldLayoutChg chg="addSp delSp modSp">
+          <pc:chgData name="Khattab, Sherif" userId="c83b1e15-36f3-4f46-aceb-05aac24c545e" providerId="ADAL" clId="{E6EB0EA7-2544-4CF1-A7D6-AFF5E9AECA5D}" dt="2020-05-14T17:11:02.329" v="5" actId="478"/>
+          <pc:sldLayoutMkLst>
+            <pc:docMk/>
+            <pc:sldMasterMk cId="0" sldId="2147483648"/>
+            <pc:sldLayoutMk cId="75952674" sldId="2147483651"/>
+          </pc:sldLayoutMkLst>
+          <pc:spChg chg="mod">
+            <ac:chgData name="Khattab, Sherif" userId="c83b1e15-36f3-4f46-aceb-05aac24c545e" providerId="ADAL" clId="{E6EB0EA7-2544-4CF1-A7D6-AFF5E9AECA5D}" dt="2020-05-14T17:10:58.314" v="4" actId="207"/>
+            <ac:spMkLst>
+              <pc:docMk/>
+              <pc:sldMasterMk cId="0" sldId="2147483648"/>
+              <pc:sldLayoutMk cId="75952674" sldId="2147483651"/>
+              <ac:spMk id="2" creationId="{00000000-0000-0000-0000-000000000000}"/>
+            </ac:spMkLst>
+          </pc:spChg>
+          <pc:picChg chg="add del mod">
+            <ac:chgData name="Khattab, Sherif" userId="c83b1e15-36f3-4f46-aceb-05aac24c545e" providerId="ADAL" clId="{E6EB0EA7-2544-4CF1-A7D6-AFF5E9AECA5D}" dt="2020-05-14T17:11:02.329" v="5" actId="478"/>
+            <ac:picMkLst>
+              <pc:docMk/>
+              <pc:sldMasterMk cId="0" sldId="2147483648"/>
+              <pc:sldLayoutMk cId="75952674" sldId="2147483651"/>
+              <ac:picMk id="10" creationId="{CE32924D-DB3B-4207-A608-C0B94DD56D2C}"/>
+            </ac:picMkLst>
+          </pc:picChg>
+        </pc:sldLayoutChg>
+      </pc:sldMasterChg>
+    </pc:docChg>
+  </pc:docChgLst>
   <pc:docChgLst>
     <pc:chgData name="Khattab, Sherif" userId="c83b1e15-36f3-4f46-aceb-05aac24c545e" providerId="ADAL" clId="{8C3A6E48-25DA-8C41-9E26-00B45C2A3A44}"/>
     <pc:docChg chg="undo custSel addSld delSld modSld sldOrd">
@@ -1977,1066 +4238,6 @@
             <ac:picMk id="6" creationId="{8F71978E-9F87-B048-8CAF-DD3D683C401E}"/>
           </ac:picMkLst>
         </pc:picChg>
-      </pc:sldChg>
-    </pc:docChg>
-  </pc:docChgLst>
-  <pc:docChgLst>
-    <pc:chgData name="Khattab, Sherif" userId="c83b1e15-36f3-4f46-aceb-05aac24c545e" providerId="ADAL" clId="{FE92C68B-4A2B-491A-802D-9A016E970098}"/>
-    <pc:docChg chg="addSld modSld">
-      <pc:chgData name="Khattab, Sherif" userId="c83b1e15-36f3-4f46-aceb-05aac24c545e" providerId="ADAL" clId="{FE92C68B-4A2B-491A-802D-9A016E970098}" dt="2021-01-21T02:52:14.809" v="71" actId="20577"/>
-      <pc:docMkLst>
-        <pc:docMk/>
-      </pc:docMkLst>
-      <pc:sldChg chg="modSp mod">
-        <pc:chgData name="Khattab, Sherif" userId="c83b1e15-36f3-4f46-aceb-05aac24c545e" providerId="ADAL" clId="{FE92C68B-4A2B-491A-802D-9A016E970098}" dt="2021-01-21T02:51:24.200" v="12" actId="20577"/>
-        <pc:sldMkLst>
-          <pc:docMk/>
-          <pc:sldMk cId="1330366002" sldId="454"/>
-        </pc:sldMkLst>
-        <pc:spChg chg="mod">
-          <ac:chgData name="Khattab, Sherif" userId="c83b1e15-36f3-4f46-aceb-05aac24c545e" providerId="ADAL" clId="{FE92C68B-4A2B-491A-802D-9A016E970098}" dt="2021-01-21T02:51:24.200" v="12" actId="20577"/>
-          <ac:spMkLst>
-            <pc:docMk/>
-            <pc:sldMk cId="1330366002" sldId="454"/>
-            <ac:spMk id="3" creationId="{00000000-0000-0000-0000-000000000000}"/>
-          </ac:spMkLst>
-        </pc:spChg>
-      </pc:sldChg>
-      <pc:sldChg chg="modSp new mod">
-        <pc:chgData name="Khattab, Sherif" userId="c83b1e15-36f3-4f46-aceb-05aac24c545e" providerId="ADAL" clId="{FE92C68B-4A2B-491A-802D-9A016E970098}" dt="2021-01-21T02:52:14.809" v="71" actId="20577"/>
-        <pc:sldMkLst>
-          <pc:docMk/>
-          <pc:sldMk cId="702367729" sldId="496"/>
-        </pc:sldMkLst>
-        <pc:spChg chg="mod">
-          <ac:chgData name="Khattab, Sherif" userId="c83b1e15-36f3-4f46-aceb-05aac24c545e" providerId="ADAL" clId="{FE92C68B-4A2B-491A-802D-9A016E970098}" dt="2021-01-21T02:51:45.117" v="26" actId="20577"/>
-          <ac:spMkLst>
-            <pc:docMk/>
-            <pc:sldMk cId="702367729" sldId="496"/>
-            <ac:spMk id="2" creationId="{AB9EA720-F5B4-463B-B14C-1970BB85B2C8}"/>
-          </ac:spMkLst>
-        </pc:spChg>
-        <pc:spChg chg="mod">
-          <ac:chgData name="Khattab, Sherif" userId="c83b1e15-36f3-4f46-aceb-05aac24c545e" providerId="ADAL" clId="{FE92C68B-4A2B-491A-802D-9A016E970098}" dt="2021-01-21T02:52:14.809" v="71" actId="20577"/>
-          <ac:spMkLst>
-            <pc:docMk/>
-            <pc:sldMk cId="702367729" sldId="496"/>
-            <ac:spMk id="3" creationId="{2466C52D-9A48-4683-BE7F-268D8DB7FAAD}"/>
-          </ac:spMkLst>
-        </pc:spChg>
-      </pc:sldChg>
-    </pc:docChg>
-  </pc:docChgLst>
-  <pc:docChgLst>
-    <pc:chgData name="Khattab, Sherif" userId="c83b1e15-36f3-4f46-aceb-05aac24c545e" providerId="ADAL" clId="{8C5D2187-589F-42FF-A2C8-7F964A9C3262}"/>
-    <pc:docChg chg="custSel addSld delSld modSld sldOrd">
-      <pc:chgData name="Khattab, Sherif" userId="c83b1e15-36f3-4f46-aceb-05aac24c545e" providerId="ADAL" clId="{8C5D2187-589F-42FF-A2C8-7F964A9C3262}" dt="2022-01-18T15:56:32.971" v="1037" actId="2696"/>
-      <pc:docMkLst>
-        <pc:docMk/>
-      </pc:docMkLst>
-      <pc:sldChg chg="del">
-        <pc:chgData name="Khattab, Sherif" userId="c83b1e15-36f3-4f46-aceb-05aac24c545e" providerId="ADAL" clId="{8C5D2187-589F-42FF-A2C8-7F964A9C3262}" dt="2022-01-18T05:29:13.963" v="62" actId="47"/>
-        <pc:sldMkLst>
-          <pc:docMk/>
-          <pc:sldMk cId="1004035158" sldId="259"/>
-        </pc:sldMkLst>
-      </pc:sldChg>
-      <pc:sldChg chg="del">
-        <pc:chgData name="Khattab, Sherif" userId="c83b1e15-36f3-4f46-aceb-05aac24c545e" providerId="ADAL" clId="{8C5D2187-589F-42FF-A2C8-7F964A9C3262}" dt="2022-01-18T05:29:14.699" v="63" actId="47"/>
-        <pc:sldMkLst>
-          <pc:docMk/>
-          <pc:sldMk cId="1444142485" sldId="261"/>
-        </pc:sldMkLst>
-      </pc:sldChg>
-      <pc:sldChg chg="del">
-        <pc:chgData name="Khattab, Sherif" userId="c83b1e15-36f3-4f46-aceb-05aac24c545e" providerId="ADAL" clId="{8C5D2187-589F-42FF-A2C8-7F964A9C3262}" dt="2022-01-18T05:29:15.985" v="64" actId="47"/>
-        <pc:sldMkLst>
-          <pc:docMk/>
-          <pc:sldMk cId="516417489" sldId="262"/>
-        </pc:sldMkLst>
-      </pc:sldChg>
-      <pc:sldChg chg="del">
-        <pc:chgData name="Khattab, Sherif" userId="c83b1e15-36f3-4f46-aceb-05aac24c545e" providerId="ADAL" clId="{8C5D2187-589F-42FF-A2C8-7F964A9C3262}" dt="2022-01-18T05:29:20.161" v="65" actId="47"/>
-        <pc:sldMkLst>
-          <pc:docMk/>
-          <pc:sldMk cId="561583903" sldId="263"/>
-        </pc:sldMkLst>
-      </pc:sldChg>
-      <pc:sldChg chg="add del ord">
-        <pc:chgData name="Khattab, Sherif" userId="c83b1e15-36f3-4f46-aceb-05aac24c545e" providerId="ADAL" clId="{8C5D2187-589F-42FF-A2C8-7F964A9C3262}" dt="2022-01-18T14:07:54.605" v="478"/>
-        <pc:sldMkLst>
-          <pc:docMk/>
-          <pc:sldMk cId="661211275" sldId="267"/>
-        </pc:sldMkLst>
-      </pc:sldChg>
-      <pc:sldChg chg="add del">
-        <pc:chgData name="Khattab, Sherif" userId="c83b1e15-36f3-4f46-aceb-05aac24c545e" providerId="ADAL" clId="{8C5D2187-589F-42FF-A2C8-7F964A9C3262}" dt="2022-01-18T05:30:35.717" v="70" actId="47"/>
-        <pc:sldMkLst>
-          <pc:docMk/>
-          <pc:sldMk cId="1897509347" sldId="268"/>
-        </pc:sldMkLst>
-      </pc:sldChg>
-      <pc:sldChg chg="add del">
-        <pc:chgData name="Khattab, Sherif" userId="c83b1e15-36f3-4f46-aceb-05aac24c545e" providerId="ADAL" clId="{8C5D2187-589F-42FF-A2C8-7F964A9C3262}" dt="2022-01-18T05:30:37.586" v="71" actId="47"/>
-        <pc:sldMkLst>
-          <pc:docMk/>
-          <pc:sldMk cId="1042310649" sldId="269"/>
-        </pc:sldMkLst>
-      </pc:sldChg>
-      <pc:sldChg chg="add del">
-        <pc:chgData name="Khattab, Sherif" userId="c83b1e15-36f3-4f46-aceb-05aac24c545e" providerId="ADAL" clId="{8C5D2187-589F-42FF-A2C8-7F964A9C3262}" dt="2022-01-18T05:30:38.575" v="72" actId="47"/>
-        <pc:sldMkLst>
-          <pc:docMk/>
-          <pc:sldMk cId="703361262" sldId="270"/>
-        </pc:sldMkLst>
-      </pc:sldChg>
-      <pc:sldChg chg="add del">
-        <pc:chgData name="Khattab, Sherif" userId="c83b1e15-36f3-4f46-aceb-05aac24c545e" providerId="ADAL" clId="{8C5D2187-589F-42FF-A2C8-7F964A9C3262}" dt="2022-01-18T05:30:42.357" v="73" actId="47"/>
-        <pc:sldMkLst>
-          <pc:docMk/>
-          <pc:sldMk cId="1436808390" sldId="271"/>
-        </pc:sldMkLst>
-      </pc:sldChg>
-      <pc:sldChg chg="add del">
-        <pc:chgData name="Khattab, Sherif" userId="c83b1e15-36f3-4f46-aceb-05aac24c545e" providerId="ADAL" clId="{8C5D2187-589F-42FF-A2C8-7F964A9C3262}" dt="2022-01-18T05:30:43.296" v="74" actId="47"/>
-        <pc:sldMkLst>
-          <pc:docMk/>
-          <pc:sldMk cId="1301683851" sldId="272"/>
-        </pc:sldMkLst>
-      </pc:sldChg>
-      <pc:sldChg chg="ord modAnim">
-        <pc:chgData name="Khattab, Sherif" userId="c83b1e15-36f3-4f46-aceb-05aac24c545e" providerId="ADAL" clId="{8C5D2187-589F-42FF-A2C8-7F964A9C3262}" dt="2022-01-18T14:07:41.821" v="476"/>
-        <pc:sldMkLst>
-          <pc:docMk/>
-          <pc:sldMk cId="55302999" sldId="274"/>
-        </pc:sldMkLst>
-      </pc:sldChg>
-      <pc:sldChg chg="add del">
-        <pc:chgData name="Khattab, Sherif" userId="c83b1e15-36f3-4f46-aceb-05aac24c545e" providerId="ADAL" clId="{8C5D2187-589F-42FF-A2C8-7F964A9C3262}" dt="2022-01-18T05:30:58.158" v="75" actId="47"/>
-        <pc:sldMkLst>
-          <pc:docMk/>
-          <pc:sldMk cId="2064114192" sldId="276"/>
-        </pc:sldMkLst>
-      </pc:sldChg>
-      <pc:sldChg chg="add del">
-        <pc:chgData name="Khattab, Sherif" userId="c83b1e15-36f3-4f46-aceb-05aac24c545e" providerId="ADAL" clId="{8C5D2187-589F-42FF-A2C8-7F964A9C3262}" dt="2022-01-18T05:30:58.498" v="76" actId="47"/>
-        <pc:sldMkLst>
-          <pc:docMk/>
-          <pc:sldMk cId="1000435174" sldId="278"/>
-        </pc:sldMkLst>
-      </pc:sldChg>
-      <pc:sldChg chg="add del">
-        <pc:chgData name="Khattab, Sherif" userId="c83b1e15-36f3-4f46-aceb-05aac24c545e" providerId="ADAL" clId="{8C5D2187-589F-42FF-A2C8-7F964A9C3262}" dt="2022-01-18T05:30:59.237" v="78" actId="47"/>
-        <pc:sldMkLst>
-          <pc:docMk/>
-          <pc:sldMk cId="2080017563" sldId="279"/>
-        </pc:sldMkLst>
-      </pc:sldChg>
-      <pc:sldChg chg="add del">
-        <pc:chgData name="Khattab, Sherif" userId="c83b1e15-36f3-4f46-aceb-05aac24c545e" providerId="ADAL" clId="{8C5D2187-589F-42FF-A2C8-7F964A9C3262}" dt="2022-01-18T05:30:59.877" v="79" actId="47"/>
-        <pc:sldMkLst>
-          <pc:docMk/>
-          <pc:sldMk cId="1445345591" sldId="281"/>
-        </pc:sldMkLst>
-      </pc:sldChg>
-      <pc:sldChg chg="add del">
-        <pc:chgData name="Khattab, Sherif" userId="c83b1e15-36f3-4f46-aceb-05aac24c545e" providerId="ADAL" clId="{8C5D2187-589F-42FF-A2C8-7F964A9C3262}" dt="2022-01-18T14:10:36.567" v="486" actId="2696"/>
-        <pc:sldMkLst>
-          <pc:docMk/>
-          <pc:sldMk cId="306268545" sldId="282"/>
-        </pc:sldMkLst>
-      </pc:sldChg>
-      <pc:sldChg chg="add del">
-        <pc:chgData name="Khattab, Sherif" userId="c83b1e15-36f3-4f46-aceb-05aac24c545e" providerId="ADAL" clId="{8C5D2187-589F-42FF-A2C8-7F964A9C3262}" dt="2022-01-18T13:57:28.759" v="119"/>
-        <pc:sldMkLst>
-          <pc:docMk/>
-          <pc:sldMk cId="1713659556" sldId="322"/>
-        </pc:sldMkLst>
-      </pc:sldChg>
-      <pc:sldChg chg="add del">
-        <pc:chgData name="Khattab, Sherif" userId="c83b1e15-36f3-4f46-aceb-05aac24c545e" providerId="ADAL" clId="{8C5D2187-589F-42FF-A2C8-7F964A9C3262}" dt="2022-01-18T14:11:04.671" v="488" actId="2696"/>
-        <pc:sldMkLst>
-          <pc:docMk/>
-          <pc:sldMk cId="2090154557" sldId="322"/>
-        </pc:sldMkLst>
-      </pc:sldChg>
-      <pc:sldChg chg="add del">
-        <pc:chgData name="Khattab, Sherif" userId="c83b1e15-36f3-4f46-aceb-05aac24c545e" providerId="ADAL" clId="{8C5D2187-589F-42FF-A2C8-7F964A9C3262}" dt="2022-01-18T14:05:25.736" v="308"/>
-        <pc:sldMkLst>
-          <pc:docMk/>
-          <pc:sldMk cId="2129489625" sldId="322"/>
-        </pc:sldMkLst>
-      </pc:sldChg>
-      <pc:sldChg chg="add del ord">
-        <pc:chgData name="Khattab, Sherif" userId="c83b1e15-36f3-4f46-aceb-05aac24c545e" providerId="ADAL" clId="{8C5D2187-589F-42FF-A2C8-7F964A9C3262}" dt="2022-01-18T14:05:04.402" v="306" actId="2696"/>
-        <pc:sldMkLst>
-          <pc:docMk/>
-          <pc:sldMk cId="2583447104" sldId="322"/>
-        </pc:sldMkLst>
-      </pc:sldChg>
-      <pc:sldChg chg="add del">
-        <pc:chgData name="Khattab, Sherif" userId="c83b1e15-36f3-4f46-aceb-05aac24c545e" providerId="ADAL" clId="{8C5D2187-589F-42FF-A2C8-7F964A9C3262}" dt="2022-01-18T15:56:32.971" v="1037" actId="2696"/>
-        <pc:sldMkLst>
-          <pc:docMk/>
-          <pc:sldMk cId="2685283246" sldId="322"/>
-        </pc:sldMkLst>
-      </pc:sldChg>
-      <pc:sldChg chg="add del">
-        <pc:chgData name="Khattab, Sherif" userId="c83b1e15-36f3-4f46-aceb-05aac24c545e" providerId="ADAL" clId="{8C5D2187-589F-42FF-A2C8-7F964A9C3262}" dt="2022-01-18T13:57:05.708" v="89" actId="2696"/>
-        <pc:sldMkLst>
-          <pc:docMk/>
-          <pc:sldMk cId="2710637777" sldId="322"/>
-        </pc:sldMkLst>
-      </pc:sldChg>
-      <pc:sldChg chg="add del">
-        <pc:chgData name="Khattab, Sherif" userId="c83b1e15-36f3-4f46-aceb-05aac24c545e" providerId="ADAL" clId="{8C5D2187-589F-42FF-A2C8-7F964A9C3262}" dt="2022-01-18T14:11:37.254" v="490"/>
-        <pc:sldMkLst>
-          <pc:docMk/>
-          <pc:sldMk cId="3458864927" sldId="322"/>
-        </pc:sldMkLst>
-      </pc:sldChg>
-      <pc:sldChg chg="addSp delSp modSp add mod modAnim chgLayout">
-        <pc:chgData name="Khattab, Sherif" userId="c83b1e15-36f3-4f46-aceb-05aac24c545e" providerId="ADAL" clId="{8C5D2187-589F-42FF-A2C8-7F964A9C3262}" dt="2022-01-18T14:03:36.698" v="251" actId="20577"/>
-        <pc:sldMkLst>
-          <pc:docMk/>
-          <pc:sldMk cId="1600251031" sldId="324"/>
-        </pc:sldMkLst>
-        <pc:spChg chg="add mod ord">
-          <ac:chgData name="Khattab, Sherif" userId="c83b1e15-36f3-4f46-aceb-05aac24c545e" providerId="ADAL" clId="{8C5D2187-589F-42FF-A2C8-7F964A9C3262}" dt="2022-01-18T14:03:36.698" v="251" actId="20577"/>
-          <ac:spMkLst>
-            <pc:docMk/>
-            <pc:sldMk cId="1600251031" sldId="324"/>
-            <ac:spMk id="2" creationId="{56B73807-FEFC-460C-B70D-90AF733E85E0}"/>
-          </ac:spMkLst>
-        </pc:spChg>
-        <pc:spChg chg="mod ord">
-          <ac:chgData name="Khattab, Sherif" userId="c83b1e15-36f3-4f46-aceb-05aac24c545e" providerId="ADAL" clId="{8C5D2187-589F-42FF-A2C8-7F964A9C3262}" dt="2022-01-18T14:02:05.773" v="161" actId="700"/>
-          <ac:spMkLst>
-            <pc:docMk/>
-            <pc:sldMk cId="1600251031" sldId="324"/>
-            <ac:spMk id="24" creationId="{39DA5595-35A6-EF4C-A674-D955A9DDF867}"/>
-          </ac:spMkLst>
-        </pc:spChg>
-        <pc:spChg chg="mod ord">
-          <ac:chgData name="Khattab, Sherif" userId="c83b1e15-36f3-4f46-aceb-05aac24c545e" providerId="ADAL" clId="{8C5D2187-589F-42FF-A2C8-7F964A9C3262}" dt="2022-01-18T14:02:05.773" v="161" actId="700"/>
-          <ac:spMkLst>
-            <pc:docMk/>
-            <pc:sldMk cId="1600251031" sldId="324"/>
-            <ac:spMk id="25" creationId="{D21BF80B-2C7E-944E-B2A9-604706C7B598}"/>
-          </ac:spMkLst>
-        </pc:spChg>
-        <pc:spChg chg="add mod">
-          <ac:chgData name="Khattab, Sherif" userId="c83b1e15-36f3-4f46-aceb-05aac24c545e" providerId="ADAL" clId="{8C5D2187-589F-42FF-A2C8-7F964A9C3262}" dt="2022-01-18T14:02:42.411" v="221" actId="1076"/>
-          <ac:spMkLst>
-            <pc:docMk/>
-            <pc:sldMk cId="1600251031" sldId="324"/>
-            <ac:spMk id="26" creationId="{6F4118CB-9CC5-4D50-879B-978E70D2A4D3}"/>
-          </ac:spMkLst>
-        </pc:spChg>
-        <pc:spChg chg="mod ord">
-          <ac:chgData name="Khattab, Sherif" userId="c83b1e15-36f3-4f46-aceb-05aac24c545e" providerId="ADAL" clId="{8C5D2187-589F-42FF-A2C8-7F964A9C3262}" dt="2022-01-18T14:02:05.773" v="161" actId="700"/>
-          <ac:spMkLst>
-            <pc:docMk/>
-            <pc:sldMk cId="1600251031" sldId="324"/>
-            <ac:spMk id="92162" creationId="{4BC23600-A1B0-CF42-B178-92570A01C5A5}"/>
-          </ac:spMkLst>
-        </pc:spChg>
-        <pc:spChg chg="del mod">
-          <ac:chgData name="Khattab, Sherif" userId="c83b1e15-36f3-4f46-aceb-05aac24c545e" providerId="ADAL" clId="{8C5D2187-589F-42FF-A2C8-7F964A9C3262}" dt="2022-01-18T13:59:15.002" v="141" actId="478"/>
-          <ac:spMkLst>
-            <pc:docMk/>
-            <pc:sldMk cId="1600251031" sldId="324"/>
-            <ac:spMk id="92163" creationId="{41618587-B6C8-BF48-9EA9-7FB4861CFE9E}"/>
-          </ac:spMkLst>
-        </pc:spChg>
-        <pc:spChg chg="mod">
-          <ac:chgData name="Khattab, Sherif" userId="c83b1e15-36f3-4f46-aceb-05aac24c545e" providerId="ADAL" clId="{8C5D2187-589F-42FF-A2C8-7F964A9C3262}" dt="2022-01-18T14:03:22.786" v="239" actId="20577"/>
-          <ac:spMkLst>
-            <pc:docMk/>
-            <pc:sldMk cId="1600251031" sldId="324"/>
-            <ac:spMk id="92164" creationId="{ACD12ADF-1EA0-D34B-808B-38CAF60C17F3}"/>
-          </ac:spMkLst>
-        </pc:spChg>
-        <pc:spChg chg="mod">
-          <ac:chgData name="Khattab, Sherif" userId="c83b1e15-36f3-4f46-aceb-05aac24c545e" providerId="ADAL" clId="{8C5D2187-589F-42FF-A2C8-7F964A9C3262}" dt="2022-01-18T14:03:26.138" v="242" actId="20577"/>
-          <ac:spMkLst>
-            <pc:docMk/>
-            <pc:sldMk cId="1600251031" sldId="324"/>
-            <ac:spMk id="92165" creationId="{9439A42A-3F21-0648-BC3F-07B6A82098C4}"/>
-          </ac:spMkLst>
-        </pc:spChg>
-        <pc:spChg chg="mod">
-          <ac:chgData name="Khattab, Sherif" userId="c83b1e15-36f3-4f46-aceb-05aac24c545e" providerId="ADAL" clId="{8C5D2187-589F-42FF-A2C8-7F964A9C3262}" dt="2022-01-18T14:03:24.929" v="241" actId="20577"/>
-          <ac:spMkLst>
-            <pc:docMk/>
-            <pc:sldMk cId="1600251031" sldId="324"/>
-            <ac:spMk id="92166" creationId="{B2ED59DD-556C-9C49-9FD2-B218D857438B}"/>
-          </ac:spMkLst>
-        </pc:spChg>
-        <pc:spChg chg="mod">
-          <ac:chgData name="Khattab, Sherif" userId="c83b1e15-36f3-4f46-aceb-05aac24c545e" providerId="ADAL" clId="{8C5D2187-589F-42FF-A2C8-7F964A9C3262}" dt="2022-01-18T14:03:01.068" v="227" actId="20577"/>
-          <ac:spMkLst>
-            <pc:docMk/>
-            <pc:sldMk cId="1600251031" sldId="324"/>
-            <ac:spMk id="92167" creationId="{8EC897F1-E41B-B84F-9F29-E443122289F2}"/>
-          </ac:spMkLst>
-        </pc:spChg>
-        <pc:spChg chg="mod">
-          <ac:chgData name="Khattab, Sherif" userId="c83b1e15-36f3-4f46-aceb-05aac24c545e" providerId="ADAL" clId="{8C5D2187-589F-42FF-A2C8-7F964A9C3262}" dt="2022-01-18T14:03:03.983" v="229" actId="20577"/>
-          <ac:spMkLst>
-            <pc:docMk/>
-            <pc:sldMk cId="1600251031" sldId="324"/>
-            <ac:spMk id="92168" creationId="{4B132B3D-5BEB-B44F-B493-A443B95F13ED}"/>
-          </ac:spMkLst>
-        </pc:spChg>
-        <pc:spChg chg="mod">
-          <ac:chgData name="Khattab, Sherif" userId="c83b1e15-36f3-4f46-aceb-05aac24c545e" providerId="ADAL" clId="{8C5D2187-589F-42FF-A2C8-7F964A9C3262}" dt="2022-01-18T14:03:06.606" v="230" actId="20577"/>
-          <ac:spMkLst>
-            <pc:docMk/>
-            <pc:sldMk cId="1600251031" sldId="324"/>
-            <ac:spMk id="92169" creationId="{D987503E-7626-7A47-A8C2-3E7BB92586CE}"/>
-          </ac:spMkLst>
-        </pc:spChg>
-        <pc:spChg chg="mod">
-          <ac:chgData name="Khattab, Sherif" userId="c83b1e15-36f3-4f46-aceb-05aac24c545e" providerId="ADAL" clId="{8C5D2187-589F-42FF-A2C8-7F964A9C3262}" dt="2022-01-18T14:02:42.411" v="221" actId="1076"/>
-          <ac:spMkLst>
-            <pc:docMk/>
-            <pc:sldMk cId="1600251031" sldId="324"/>
-            <ac:spMk id="92170" creationId="{7A150112-9B83-6245-A4B8-A172DF8CE324}"/>
-          </ac:spMkLst>
-        </pc:spChg>
-        <pc:spChg chg="del">
-          <ac:chgData name="Khattab, Sherif" userId="c83b1e15-36f3-4f46-aceb-05aac24c545e" providerId="ADAL" clId="{8C5D2187-589F-42FF-A2C8-7F964A9C3262}" dt="2022-01-18T13:58:28.584" v="131" actId="478"/>
-          <ac:spMkLst>
-            <pc:docMk/>
-            <pc:sldMk cId="1600251031" sldId="324"/>
-            <ac:spMk id="92171" creationId="{1E10AABA-148B-F143-8A63-E2A35A0BB147}"/>
-          </ac:spMkLst>
-        </pc:spChg>
-        <pc:spChg chg="mod">
-          <ac:chgData name="Khattab, Sherif" userId="c83b1e15-36f3-4f46-aceb-05aac24c545e" providerId="ADAL" clId="{8C5D2187-589F-42FF-A2C8-7F964A9C3262}" dt="2022-01-18T14:02:42.411" v="221" actId="1076"/>
-          <ac:spMkLst>
-            <pc:docMk/>
-            <pc:sldMk cId="1600251031" sldId="324"/>
-            <ac:spMk id="92172" creationId="{0E669325-442A-C745-960D-F98831D5DBB2}"/>
-          </ac:spMkLst>
-        </pc:spChg>
-        <pc:spChg chg="mod">
-          <ac:chgData name="Khattab, Sherif" userId="c83b1e15-36f3-4f46-aceb-05aac24c545e" providerId="ADAL" clId="{8C5D2187-589F-42FF-A2C8-7F964A9C3262}" dt="2022-01-18T14:02:42.411" v="221" actId="1076"/>
-          <ac:spMkLst>
-            <pc:docMk/>
-            <pc:sldMk cId="1600251031" sldId="324"/>
-            <ac:spMk id="92173" creationId="{B03A6FDF-602E-C14E-BC6B-5DF5C66F2970}"/>
-          </ac:spMkLst>
-        </pc:spChg>
-        <pc:spChg chg="mod">
-          <ac:chgData name="Khattab, Sherif" userId="c83b1e15-36f3-4f46-aceb-05aac24c545e" providerId="ADAL" clId="{8C5D2187-589F-42FF-A2C8-7F964A9C3262}" dt="2022-01-18T14:02:42.411" v="221" actId="1076"/>
-          <ac:spMkLst>
-            <pc:docMk/>
-            <pc:sldMk cId="1600251031" sldId="324"/>
-            <ac:spMk id="92174" creationId="{206B0F38-D167-2348-8192-4C3EF0995146}"/>
-          </ac:spMkLst>
-        </pc:spChg>
-        <pc:spChg chg="mod">
-          <ac:chgData name="Khattab, Sherif" userId="c83b1e15-36f3-4f46-aceb-05aac24c545e" providerId="ADAL" clId="{8C5D2187-589F-42FF-A2C8-7F964A9C3262}" dt="2022-01-18T14:02:42.411" v="221" actId="1076"/>
-          <ac:spMkLst>
-            <pc:docMk/>
-            <pc:sldMk cId="1600251031" sldId="324"/>
-            <ac:spMk id="92175" creationId="{78C36BC3-70E6-1444-A705-3168AB24C35A}"/>
-          </ac:spMkLst>
-        </pc:spChg>
-        <pc:spChg chg="mod">
-          <ac:chgData name="Khattab, Sherif" userId="c83b1e15-36f3-4f46-aceb-05aac24c545e" providerId="ADAL" clId="{8C5D2187-589F-42FF-A2C8-7F964A9C3262}" dt="2022-01-18T14:03:08.596" v="231" actId="20577"/>
-          <ac:spMkLst>
-            <pc:docMk/>
-            <pc:sldMk cId="1600251031" sldId="324"/>
-            <ac:spMk id="92176" creationId="{D818FBE8-19CC-8746-AC28-8D0D17BC8099}"/>
-          </ac:spMkLst>
-        </pc:spChg>
-        <pc:spChg chg="mod">
-          <ac:chgData name="Khattab, Sherif" userId="c83b1e15-36f3-4f46-aceb-05aac24c545e" providerId="ADAL" clId="{8C5D2187-589F-42FF-A2C8-7F964A9C3262}" dt="2022-01-18T14:03:16.107" v="236" actId="20577"/>
-          <ac:spMkLst>
-            <pc:docMk/>
-            <pc:sldMk cId="1600251031" sldId="324"/>
-            <ac:spMk id="92177" creationId="{5E9B37C1-494E-694B-8A21-9F75AFE80B99}"/>
-          </ac:spMkLst>
-        </pc:spChg>
-        <pc:spChg chg="mod">
-          <ac:chgData name="Khattab, Sherif" userId="c83b1e15-36f3-4f46-aceb-05aac24c545e" providerId="ADAL" clId="{8C5D2187-589F-42FF-A2C8-7F964A9C3262}" dt="2022-01-18T14:03:18.477" v="237" actId="20577"/>
-          <ac:spMkLst>
-            <pc:docMk/>
-            <pc:sldMk cId="1600251031" sldId="324"/>
-            <ac:spMk id="92178" creationId="{ED87EB31-832F-9647-B724-DEF29B7FEA66}"/>
-          </ac:spMkLst>
-        </pc:spChg>
-        <pc:spChg chg="mod">
-          <ac:chgData name="Khattab, Sherif" userId="c83b1e15-36f3-4f46-aceb-05aac24c545e" providerId="ADAL" clId="{8C5D2187-589F-42FF-A2C8-7F964A9C3262}" dt="2022-01-18T14:03:10.796" v="232" actId="20577"/>
-          <ac:spMkLst>
-            <pc:docMk/>
-            <pc:sldMk cId="1600251031" sldId="324"/>
-            <ac:spMk id="92179" creationId="{B2201D02-5232-644F-B842-AB57B41A98C5}"/>
-          </ac:spMkLst>
-        </pc:spChg>
-        <pc:spChg chg="mod">
-          <ac:chgData name="Khattab, Sherif" userId="c83b1e15-36f3-4f46-aceb-05aac24c545e" providerId="ADAL" clId="{8C5D2187-589F-42FF-A2C8-7F964A9C3262}" dt="2022-01-18T14:03:13.738" v="234" actId="20577"/>
-          <ac:spMkLst>
-            <pc:docMk/>
-            <pc:sldMk cId="1600251031" sldId="324"/>
-            <ac:spMk id="92180" creationId="{0538DC99-9D70-9048-A4F8-969A8A9E75EA}"/>
-          </ac:spMkLst>
-        </pc:spChg>
-        <pc:spChg chg="mod">
-          <ac:chgData name="Khattab, Sherif" userId="c83b1e15-36f3-4f46-aceb-05aac24c545e" providerId="ADAL" clId="{8C5D2187-589F-42FF-A2C8-7F964A9C3262}" dt="2022-01-18T14:03:20.946" v="238" actId="20577"/>
-          <ac:spMkLst>
-            <pc:docMk/>
-            <pc:sldMk cId="1600251031" sldId="324"/>
-            <ac:spMk id="92181" creationId="{0A024BF3-A991-A542-86B4-C22F8F5B945C}"/>
-          </ac:spMkLst>
-        </pc:spChg>
-        <pc:spChg chg="mod">
-          <ac:chgData name="Khattab, Sherif" userId="c83b1e15-36f3-4f46-aceb-05aac24c545e" providerId="ADAL" clId="{8C5D2187-589F-42FF-A2C8-7F964A9C3262}" dt="2022-01-18T14:02:42.411" v="221" actId="1076"/>
-          <ac:spMkLst>
-            <pc:docMk/>
-            <pc:sldMk cId="1600251031" sldId="324"/>
-            <ac:spMk id="92182" creationId="{B6E46919-7927-DF4D-B2F3-64C418498E27}"/>
-          </ac:spMkLst>
-        </pc:spChg>
-        <pc:spChg chg="mod">
-          <ac:chgData name="Khattab, Sherif" userId="c83b1e15-36f3-4f46-aceb-05aac24c545e" providerId="ADAL" clId="{8C5D2187-589F-42FF-A2C8-7F964A9C3262}" dt="2022-01-18T14:02:42.411" v="221" actId="1076"/>
-          <ac:spMkLst>
-            <pc:docMk/>
-            <pc:sldMk cId="1600251031" sldId="324"/>
-            <ac:spMk id="92183" creationId="{A1231468-C8F0-C84B-BAE2-5BB1477E0428}"/>
-          </ac:spMkLst>
-        </pc:spChg>
-      </pc:sldChg>
-      <pc:sldChg chg="add del">
-        <pc:chgData name="Khattab, Sherif" userId="c83b1e15-36f3-4f46-aceb-05aac24c545e" providerId="ADAL" clId="{8C5D2187-589F-42FF-A2C8-7F964A9C3262}" dt="2022-01-18T13:57:05.708" v="89" actId="2696"/>
-        <pc:sldMkLst>
-          <pc:docMk/>
-          <pc:sldMk cId="3292918179" sldId="324"/>
-        </pc:sldMkLst>
-      </pc:sldChg>
-      <pc:sldChg chg="add del">
-        <pc:chgData name="Khattab, Sherif" userId="c83b1e15-36f3-4f46-aceb-05aac24c545e" providerId="ADAL" clId="{8C5D2187-589F-42FF-A2C8-7F964A9C3262}" dt="2022-01-18T13:57:28.759" v="119"/>
-        <pc:sldMkLst>
-          <pc:docMk/>
-          <pc:sldMk cId="3562442158" sldId="324"/>
-        </pc:sldMkLst>
-      </pc:sldChg>
-      <pc:sldChg chg="add del">
-        <pc:chgData name="Khattab, Sherif" userId="c83b1e15-36f3-4f46-aceb-05aac24c545e" providerId="ADAL" clId="{8C5D2187-589F-42FF-A2C8-7F964A9C3262}" dt="2022-01-18T13:57:05.708" v="89" actId="2696"/>
-        <pc:sldMkLst>
-          <pc:docMk/>
-          <pc:sldMk cId="434376579" sldId="363"/>
-        </pc:sldMkLst>
-      </pc:sldChg>
-      <pc:sldChg chg="add del">
-        <pc:chgData name="Khattab, Sherif" userId="c83b1e15-36f3-4f46-aceb-05aac24c545e" providerId="ADAL" clId="{8C5D2187-589F-42FF-A2C8-7F964A9C3262}" dt="2022-01-18T13:57:28.759" v="119"/>
-        <pc:sldMkLst>
-          <pc:docMk/>
-          <pc:sldMk cId="3054857398" sldId="363"/>
-        </pc:sldMkLst>
-      </pc:sldChg>
-      <pc:sldChg chg="add del">
-        <pc:chgData name="Khattab, Sherif" userId="c83b1e15-36f3-4f46-aceb-05aac24c545e" providerId="ADAL" clId="{8C5D2187-589F-42FF-A2C8-7F964A9C3262}" dt="2022-01-18T15:56:07.687" v="1036" actId="47"/>
-        <pc:sldMkLst>
-          <pc:docMk/>
-          <pc:sldMk cId="3081768285" sldId="363"/>
-        </pc:sldMkLst>
-      </pc:sldChg>
-      <pc:sldChg chg="addSp modSp add del mod">
-        <pc:chgData name="Khattab, Sherif" userId="c83b1e15-36f3-4f46-aceb-05aac24c545e" providerId="ADAL" clId="{8C5D2187-589F-42FF-A2C8-7F964A9C3262}" dt="2022-01-18T14:13:37.745" v="623" actId="20577"/>
-        <pc:sldMkLst>
-          <pc:docMk/>
-          <pc:sldMk cId="815621424" sldId="364"/>
-        </pc:sldMkLst>
-        <pc:spChg chg="mod">
-          <ac:chgData name="Khattab, Sherif" userId="c83b1e15-36f3-4f46-aceb-05aac24c545e" providerId="ADAL" clId="{8C5D2187-589F-42FF-A2C8-7F964A9C3262}" dt="2022-01-18T14:13:37.745" v="623" actId="20577"/>
-          <ac:spMkLst>
-            <pc:docMk/>
-            <pc:sldMk cId="815621424" sldId="364"/>
-            <ac:spMk id="93187" creationId="{83249007-0AB0-EB49-9417-995673C1CEF5}"/>
-          </ac:spMkLst>
-        </pc:spChg>
-        <pc:spChg chg="mod">
-          <ac:chgData name="Khattab, Sherif" userId="c83b1e15-36f3-4f46-aceb-05aac24c545e" providerId="ADAL" clId="{8C5D2187-589F-42FF-A2C8-7F964A9C3262}" dt="2022-01-18T14:12:56.269" v="551" actId="1076"/>
-          <ac:spMkLst>
-            <pc:docMk/>
-            <pc:sldMk cId="815621424" sldId="364"/>
-            <ac:spMk id="93188" creationId="{C3F6E6DB-6322-6D44-B41C-6936656CB466}"/>
-          </ac:spMkLst>
-        </pc:spChg>
-        <pc:spChg chg="mod">
-          <ac:chgData name="Khattab, Sherif" userId="c83b1e15-36f3-4f46-aceb-05aac24c545e" providerId="ADAL" clId="{8C5D2187-589F-42FF-A2C8-7F964A9C3262}" dt="2022-01-18T14:12:56.269" v="551" actId="1076"/>
-          <ac:spMkLst>
-            <pc:docMk/>
-            <pc:sldMk cId="815621424" sldId="364"/>
-            <ac:spMk id="93189" creationId="{D4F7248B-AA16-974E-A65D-88D581D5EEDB}"/>
-          </ac:spMkLst>
-        </pc:spChg>
-        <pc:spChg chg="mod">
-          <ac:chgData name="Khattab, Sherif" userId="c83b1e15-36f3-4f46-aceb-05aac24c545e" providerId="ADAL" clId="{8C5D2187-589F-42FF-A2C8-7F964A9C3262}" dt="2022-01-18T14:13:12.159" v="565" actId="20577"/>
-          <ac:spMkLst>
-            <pc:docMk/>
-            <pc:sldMk cId="815621424" sldId="364"/>
-            <ac:spMk id="93192" creationId="{BFFAF5CB-55FB-DE4B-8871-CFD3AA5B4FB2}"/>
-          </ac:spMkLst>
-        </pc:spChg>
-        <pc:spChg chg="mod">
-          <ac:chgData name="Khattab, Sherif" userId="c83b1e15-36f3-4f46-aceb-05aac24c545e" providerId="ADAL" clId="{8C5D2187-589F-42FF-A2C8-7F964A9C3262}" dt="2022-01-18T14:12:56.269" v="551" actId="1076"/>
-          <ac:spMkLst>
-            <pc:docMk/>
-            <pc:sldMk cId="815621424" sldId="364"/>
-            <ac:spMk id="93193" creationId="{68DEBAA7-0648-614B-B1B9-E2B1FC703D89}"/>
-          </ac:spMkLst>
-        </pc:spChg>
-        <pc:spChg chg="mod">
-          <ac:chgData name="Khattab, Sherif" userId="c83b1e15-36f3-4f46-aceb-05aac24c545e" providerId="ADAL" clId="{8C5D2187-589F-42FF-A2C8-7F964A9C3262}" dt="2022-01-18T14:12:56.269" v="551" actId="1076"/>
-          <ac:spMkLst>
-            <pc:docMk/>
-            <pc:sldMk cId="815621424" sldId="364"/>
-            <ac:spMk id="93194" creationId="{B70D9D52-BAF2-A045-922A-608B34CDB5F5}"/>
-          </ac:spMkLst>
-        </pc:spChg>
-        <pc:spChg chg="mod">
-          <ac:chgData name="Khattab, Sherif" userId="c83b1e15-36f3-4f46-aceb-05aac24c545e" providerId="ADAL" clId="{8C5D2187-589F-42FF-A2C8-7F964A9C3262}" dt="2022-01-18T14:12:56.269" v="551" actId="1076"/>
-          <ac:spMkLst>
-            <pc:docMk/>
-            <pc:sldMk cId="815621424" sldId="364"/>
-            <ac:spMk id="93195" creationId="{7FABC8D9-EF36-4A48-B048-2BABAC42574F}"/>
-          </ac:spMkLst>
-        </pc:spChg>
-        <pc:spChg chg="mod">
-          <ac:chgData name="Khattab, Sherif" userId="c83b1e15-36f3-4f46-aceb-05aac24c545e" providerId="ADAL" clId="{8C5D2187-589F-42FF-A2C8-7F964A9C3262}" dt="2022-01-18T14:12:56.269" v="551" actId="1076"/>
-          <ac:spMkLst>
-            <pc:docMk/>
-            <pc:sldMk cId="815621424" sldId="364"/>
-            <ac:spMk id="93196" creationId="{4DCB7AA6-E34C-CA48-9478-90BEDDE193D4}"/>
-          </ac:spMkLst>
-        </pc:spChg>
-        <pc:spChg chg="mod">
-          <ac:chgData name="Khattab, Sherif" userId="c83b1e15-36f3-4f46-aceb-05aac24c545e" providerId="ADAL" clId="{8C5D2187-589F-42FF-A2C8-7F964A9C3262}" dt="2022-01-18T14:12:56.269" v="551" actId="1076"/>
-          <ac:spMkLst>
-            <pc:docMk/>
-            <pc:sldMk cId="815621424" sldId="364"/>
-            <ac:spMk id="93197" creationId="{243BB3C5-F175-D94D-BB93-AD7301147852}"/>
-          </ac:spMkLst>
-        </pc:spChg>
-        <pc:spChg chg="mod">
-          <ac:chgData name="Khattab, Sherif" userId="c83b1e15-36f3-4f46-aceb-05aac24c545e" providerId="ADAL" clId="{8C5D2187-589F-42FF-A2C8-7F964A9C3262}" dt="2022-01-18T14:13:01.708" v="554" actId="20577"/>
-          <ac:spMkLst>
-            <pc:docMk/>
-            <pc:sldMk cId="815621424" sldId="364"/>
-            <ac:spMk id="93198" creationId="{1FF452C2-8432-7A46-9489-7768F5F4611D}"/>
-          </ac:spMkLst>
-        </pc:spChg>
-        <pc:spChg chg="mod">
-          <ac:chgData name="Khattab, Sherif" userId="c83b1e15-36f3-4f46-aceb-05aac24c545e" providerId="ADAL" clId="{8C5D2187-589F-42FF-A2C8-7F964A9C3262}" dt="2022-01-18T14:13:09.050" v="562" actId="20577"/>
-          <ac:spMkLst>
-            <pc:docMk/>
-            <pc:sldMk cId="815621424" sldId="364"/>
-            <ac:spMk id="93199" creationId="{6CB830A3-5275-A04F-B7E0-09F4720CCA7B}"/>
-          </ac:spMkLst>
-        </pc:spChg>
-        <pc:spChg chg="mod">
-          <ac:chgData name="Khattab, Sherif" userId="c83b1e15-36f3-4f46-aceb-05aac24c545e" providerId="ADAL" clId="{8C5D2187-589F-42FF-A2C8-7F964A9C3262}" dt="2022-01-18T14:13:16.139" v="568" actId="20577"/>
-          <ac:spMkLst>
-            <pc:docMk/>
-            <pc:sldMk cId="815621424" sldId="364"/>
-            <ac:spMk id="93202" creationId="{F0F3F60F-9EA9-4140-8863-94A522409904}"/>
-          </ac:spMkLst>
-        </pc:spChg>
-        <pc:spChg chg="mod">
-          <ac:chgData name="Khattab, Sherif" userId="c83b1e15-36f3-4f46-aceb-05aac24c545e" providerId="ADAL" clId="{8C5D2187-589F-42FF-A2C8-7F964A9C3262}" dt="2022-01-18T14:12:56.269" v="551" actId="1076"/>
-          <ac:spMkLst>
-            <pc:docMk/>
-            <pc:sldMk cId="815621424" sldId="364"/>
-            <ac:spMk id="93204" creationId="{D8DD440F-E90D-8045-88CA-C2DFAEDA0A44}"/>
-          </ac:spMkLst>
-        </pc:spChg>
-        <pc:spChg chg="mod">
-          <ac:chgData name="Khattab, Sherif" userId="c83b1e15-36f3-4f46-aceb-05aac24c545e" providerId="ADAL" clId="{8C5D2187-589F-42FF-A2C8-7F964A9C3262}" dt="2022-01-18T14:13:04.343" v="557" actId="20577"/>
-          <ac:spMkLst>
-            <pc:docMk/>
-            <pc:sldMk cId="815621424" sldId="364"/>
-            <ac:spMk id="93205" creationId="{944A616F-A465-E446-9D19-2B75EAB0CCA2}"/>
-          </ac:spMkLst>
-        </pc:spChg>
-        <pc:spChg chg="mod">
-          <ac:chgData name="Khattab, Sherif" userId="c83b1e15-36f3-4f46-aceb-05aac24c545e" providerId="ADAL" clId="{8C5D2187-589F-42FF-A2C8-7F964A9C3262}" dt="2022-01-18T14:13:19.689" v="571" actId="20577"/>
-          <ac:spMkLst>
-            <pc:docMk/>
-            <pc:sldMk cId="815621424" sldId="364"/>
-            <ac:spMk id="93207" creationId="{4A12CAD2-CB36-5043-A78F-4765686F228F}"/>
-          </ac:spMkLst>
-        </pc:spChg>
-        <pc:spChg chg="mod">
-          <ac:chgData name="Khattab, Sherif" userId="c83b1e15-36f3-4f46-aceb-05aac24c545e" providerId="ADAL" clId="{8C5D2187-589F-42FF-A2C8-7F964A9C3262}" dt="2022-01-18T14:12:56.269" v="551" actId="1076"/>
-          <ac:spMkLst>
-            <pc:docMk/>
-            <pc:sldMk cId="815621424" sldId="364"/>
-            <ac:spMk id="93209" creationId="{B16CDE04-5431-FF42-9E7B-BF5EFC1FB095}"/>
-          </ac:spMkLst>
-        </pc:spChg>
-        <pc:grpChg chg="add mod">
-          <ac:chgData name="Khattab, Sherif" userId="c83b1e15-36f3-4f46-aceb-05aac24c545e" providerId="ADAL" clId="{8C5D2187-589F-42FF-A2C8-7F964A9C3262}" dt="2022-01-18T14:12:56.269" v="551" actId="1076"/>
-          <ac:grpSpMkLst>
-            <pc:docMk/>
-            <pc:sldMk cId="815621424" sldId="364"/>
-            <ac:grpSpMk id="2" creationId="{F5EB84BB-E6B5-444B-9F5C-3EC05879A091}"/>
-          </ac:grpSpMkLst>
-        </pc:grpChg>
-        <pc:cxnChg chg="mod">
-          <ac:chgData name="Khattab, Sherif" userId="c83b1e15-36f3-4f46-aceb-05aac24c545e" providerId="ADAL" clId="{8C5D2187-589F-42FF-A2C8-7F964A9C3262}" dt="2022-01-18T14:12:56.269" v="551" actId="1076"/>
-          <ac:cxnSpMkLst>
-            <pc:docMk/>
-            <pc:sldMk cId="815621424" sldId="364"/>
-            <ac:cxnSpMk id="93190" creationId="{29C3C522-9B74-CB4D-A6A0-356CECD0BA19}"/>
-          </ac:cxnSpMkLst>
-        </pc:cxnChg>
-        <pc:cxnChg chg="mod">
-          <ac:chgData name="Khattab, Sherif" userId="c83b1e15-36f3-4f46-aceb-05aac24c545e" providerId="ADAL" clId="{8C5D2187-589F-42FF-A2C8-7F964A9C3262}" dt="2022-01-18T14:12:56.269" v="551" actId="1076"/>
-          <ac:cxnSpMkLst>
-            <pc:docMk/>
-            <pc:sldMk cId="815621424" sldId="364"/>
-            <ac:cxnSpMk id="93191" creationId="{794A80B4-0F9A-5C4E-8A01-53A1C2AAC944}"/>
-          </ac:cxnSpMkLst>
-        </pc:cxnChg>
-        <pc:cxnChg chg="mod">
-          <ac:chgData name="Khattab, Sherif" userId="c83b1e15-36f3-4f46-aceb-05aac24c545e" providerId="ADAL" clId="{8C5D2187-589F-42FF-A2C8-7F964A9C3262}" dt="2022-01-18T14:13:09.050" v="562" actId="20577"/>
-          <ac:cxnSpMkLst>
-            <pc:docMk/>
-            <pc:sldMk cId="815621424" sldId="364"/>
-            <ac:cxnSpMk id="93200" creationId="{3F3D0FB7-3D7C-BB46-9654-58CD1990FB02}"/>
-          </ac:cxnSpMkLst>
-        </pc:cxnChg>
-        <pc:cxnChg chg="mod">
-          <ac:chgData name="Khattab, Sherif" userId="c83b1e15-36f3-4f46-aceb-05aac24c545e" providerId="ADAL" clId="{8C5D2187-589F-42FF-A2C8-7F964A9C3262}" dt="2022-01-18T14:12:56.269" v="551" actId="1076"/>
-          <ac:cxnSpMkLst>
-            <pc:docMk/>
-            <pc:sldMk cId="815621424" sldId="364"/>
-            <ac:cxnSpMk id="93201" creationId="{7B2424DD-5AA5-294D-9FD2-145034A1C9BA}"/>
-          </ac:cxnSpMkLst>
-        </pc:cxnChg>
-        <pc:cxnChg chg="mod">
-          <ac:chgData name="Khattab, Sherif" userId="c83b1e15-36f3-4f46-aceb-05aac24c545e" providerId="ADAL" clId="{8C5D2187-589F-42FF-A2C8-7F964A9C3262}" dt="2022-01-18T14:12:56.269" v="551" actId="1076"/>
-          <ac:cxnSpMkLst>
-            <pc:docMk/>
-            <pc:sldMk cId="815621424" sldId="364"/>
-            <ac:cxnSpMk id="93203" creationId="{6E5DEFF4-78F5-3343-96CE-6821A6D6BB0E}"/>
-          </ac:cxnSpMkLst>
-        </pc:cxnChg>
-        <pc:cxnChg chg="mod">
-          <ac:chgData name="Khattab, Sherif" userId="c83b1e15-36f3-4f46-aceb-05aac24c545e" providerId="ADAL" clId="{8C5D2187-589F-42FF-A2C8-7F964A9C3262}" dt="2022-01-18T14:12:56.269" v="551" actId="1076"/>
-          <ac:cxnSpMkLst>
-            <pc:docMk/>
-            <pc:sldMk cId="815621424" sldId="364"/>
-            <ac:cxnSpMk id="93206" creationId="{BB868173-395E-4C4F-ACFF-6355020360DE}"/>
-          </ac:cxnSpMkLst>
-        </pc:cxnChg>
-        <pc:cxnChg chg="mod">
-          <ac:chgData name="Khattab, Sherif" userId="c83b1e15-36f3-4f46-aceb-05aac24c545e" providerId="ADAL" clId="{8C5D2187-589F-42FF-A2C8-7F964A9C3262}" dt="2022-01-18T14:12:56.269" v="551" actId="1076"/>
-          <ac:cxnSpMkLst>
-            <pc:docMk/>
-            <pc:sldMk cId="815621424" sldId="364"/>
-            <ac:cxnSpMk id="93208" creationId="{27E62FBA-35CF-F247-9B99-656FDC7DDDAE}"/>
-          </ac:cxnSpMkLst>
-        </pc:cxnChg>
-        <pc:cxnChg chg="mod">
-          <ac:chgData name="Khattab, Sherif" userId="c83b1e15-36f3-4f46-aceb-05aac24c545e" providerId="ADAL" clId="{8C5D2187-589F-42FF-A2C8-7F964A9C3262}" dt="2022-01-18T14:12:56.269" v="551" actId="1076"/>
-          <ac:cxnSpMkLst>
-            <pc:docMk/>
-            <pc:sldMk cId="815621424" sldId="364"/>
-            <ac:cxnSpMk id="93210" creationId="{EAFAA533-0983-134C-95A7-C3A56B6DA543}"/>
-          </ac:cxnSpMkLst>
-        </pc:cxnChg>
-      </pc:sldChg>
-      <pc:sldChg chg="modSp add del mod modAnim">
-        <pc:chgData name="Khattab, Sherif" userId="c83b1e15-36f3-4f46-aceb-05aac24c545e" providerId="ADAL" clId="{8C5D2187-589F-42FF-A2C8-7F964A9C3262}" dt="2022-01-18T14:15:33.299" v="842"/>
-        <pc:sldMkLst>
-          <pc:docMk/>
-          <pc:sldMk cId="2251973667" sldId="367"/>
-        </pc:sldMkLst>
-        <pc:spChg chg="mod">
-          <ac:chgData name="Khattab, Sherif" userId="c83b1e15-36f3-4f46-aceb-05aac24c545e" providerId="ADAL" clId="{8C5D2187-589F-42FF-A2C8-7F964A9C3262}" dt="2022-01-18T14:15:27.689" v="840" actId="20577"/>
-          <ac:spMkLst>
-            <pc:docMk/>
-            <pc:sldMk cId="2251973667" sldId="367"/>
-            <ac:spMk id="98307" creationId="{6AF066B1-89F4-4E4D-8ABF-40AC813F6866}"/>
-          </ac:spMkLst>
-        </pc:spChg>
-      </pc:sldChg>
-      <pc:sldChg chg="add del">
-        <pc:chgData name="Khattab, Sherif" userId="c83b1e15-36f3-4f46-aceb-05aac24c545e" providerId="ADAL" clId="{8C5D2187-589F-42FF-A2C8-7F964A9C3262}" dt="2022-01-18T05:32:25.916" v="85"/>
-        <pc:sldMkLst>
-          <pc:docMk/>
-          <pc:sldMk cId="3138501136" sldId="368"/>
-        </pc:sldMkLst>
-      </pc:sldChg>
-      <pc:sldChg chg="add del">
-        <pc:chgData name="Khattab, Sherif" userId="c83b1e15-36f3-4f46-aceb-05aac24c545e" providerId="ADAL" clId="{8C5D2187-589F-42FF-A2C8-7F964A9C3262}" dt="2022-01-18T15:56:32.971" v="1037" actId="2696"/>
-        <pc:sldMkLst>
-          <pc:docMk/>
-          <pc:sldMk cId="3210992163" sldId="369"/>
-        </pc:sldMkLst>
-      </pc:sldChg>
-      <pc:sldChg chg="add del">
-        <pc:chgData name="Khattab, Sherif" userId="c83b1e15-36f3-4f46-aceb-05aac24c545e" providerId="ADAL" clId="{8C5D2187-589F-42FF-A2C8-7F964A9C3262}" dt="2022-01-18T15:56:32.971" v="1037" actId="2696"/>
-        <pc:sldMkLst>
-          <pc:docMk/>
-          <pc:sldMk cId="4013065491" sldId="370"/>
-        </pc:sldMkLst>
-      </pc:sldChg>
-      <pc:sldChg chg="add del">
-        <pc:chgData name="Khattab, Sherif" userId="c83b1e15-36f3-4f46-aceb-05aac24c545e" providerId="ADAL" clId="{8C5D2187-589F-42FF-A2C8-7F964A9C3262}" dt="2022-01-18T15:56:32.971" v="1037" actId="2696"/>
-        <pc:sldMkLst>
-          <pc:docMk/>
-          <pc:sldMk cId="3848335379" sldId="372"/>
-        </pc:sldMkLst>
-      </pc:sldChg>
-      <pc:sldChg chg="add del">
-        <pc:chgData name="Khattab, Sherif" userId="c83b1e15-36f3-4f46-aceb-05aac24c545e" providerId="ADAL" clId="{8C5D2187-589F-42FF-A2C8-7F964A9C3262}" dt="2022-01-18T15:56:32.971" v="1037" actId="2696"/>
-        <pc:sldMkLst>
-          <pc:docMk/>
-          <pc:sldMk cId="3161117264" sldId="373"/>
-        </pc:sldMkLst>
-      </pc:sldChg>
-      <pc:sldChg chg="add del">
-        <pc:chgData name="Khattab, Sherif" userId="c83b1e15-36f3-4f46-aceb-05aac24c545e" providerId="ADAL" clId="{8C5D2187-589F-42FF-A2C8-7F964A9C3262}" dt="2022-01-18T15:56:32.971" v="1037" actId="2696"/>
-        <pc:sldMkLst>
-          <pc:docMk/>
-          <pc:sldMk cId="583513582" sldId="377"/>
-        </pc:sldMkLst>
-      </pc:sldChg>
-      <pc:sldChg chg="modSp mod">
-        <pc:chgData name="Khattab, Sherif" userId="c83b1e15-36f3-4f46-aceb-05aac24c545e" providerId="ADAL" clId="{8C5D2187-589F-42FF-A2C8-7F964A9C3262}" dt="2022-01-18T13:57:18.371" v="117" actId="20577"/>
-        <pc:sldMkLst>
-          <pc:docMk/>
-          <pc:sldMk cId="1330366002" sldId="454"/>
-        </pc:sldMkLst>
-        <pc:spChg chg="mod">
-          <ac:chgData name="Khattab, Sherif" userId="c83b1e15-36f3-4f46-aceb-05aac24c545e" providerId="ADAL" clId="{8C5D2187-589F-42FF-A2C8-7F964A9C3262}" dt="2022-01-18T13:57:18.371" v="117" actId="20577"/>
-          <ac:spMkLst>
-            <pc:docMk/>
-            <pc:sldMk cId="1330366002" sldId="454"/>
-            <ac:spMk id="3" creationId="{00000000-0000-0000-0000-000000000000}"/>
-          </ac:spMkLst>
-        </pc:spChg>
-      </pc:sldChg>
-      <pc:sldChg chg="del">
-        <pc:chgData name="Khattab, Sherif" userId="c83b1e15-36f3-4f46-aceb-05aac24c545e" providerId="ADAL" clId="{8C5D2187-589F-42FF-A2C8-7F964A9C3262}" dt="2022-01-18T05:28:48.008" v="60" actId="47"/>
-        <pc:sldMkLst>
-          <pc:docMk/>
-          <pc:sldMk cId="1573008784" sldId="464"/>
-        </pc:sldMkLst>
-      </pc:sldChg>
-      <pc:sldChg chg="modSp mod">
-        <pc:chgData name="Khattab, Sherif" userId="c83b1e15-36f3-4f46-aceb-05aac24c545e" providerId="ADAL" clId="{8C5D2187-589F-42FF-A2C8-7F964A9C3262}" dt="2022-01-18T14:22:01.108" v="1035" actId="20577"/>
-        <pc:sldMkLst>
-          <pc:docMk/>
-          <pc:sldMk cId="3151947439" sldId="496"/>
-        </pc:sldMkLst>
-        <pc:spChg chg="mod">
-          <ac:chgData name="Khattab, Sherif" userId="c83b1e15-36f3-4f46-aceb-05aac24c545e" providerId="ADAL" clId="{8C5D2187-589F-42FF-A2C8-7F964A9C3262}" dt="2022-01-18T14:22:01.108" v="1035" actId="20577"/>
-          <ac:spMkLst>
-            <pc:docMk/>
-            <pc:sldMk cId="3151947439" sldId="496"/>
-            <ac:spMk id="3" creationId="{2466C52D-9A48-4683-BE7F-268D8DB7FAAD}"/>
-          </ac:spMkLst>
-        </pc:spChg>
-      </pc:sldChg>
-      <pc:sldChg chg="add del">
-        <pc:chgData name="Khattab, Sherif" userId="c83b1e15-36f3-4f46-aceb-05aac24c545e" providerId="ADAL" clId="{8C5D2187-589F-42FF-A2C8-7F964A9C3262}" dt="2022-01-18T15:56:32.971" v="1037" actId="2696"/>
-        <pc:sldMkLst>
-          <pc:docMk/>
-          <pc:sldMk cId="2782489002" sldId="497"/>
-        </pc:sldMkLst>
-      </pc:sldChg>
-      <pc:sldChg chg="add del">
-        <pc:chgData name="Khattab, Sherif" userId="c83b1e15-36f3-4f46-aceb-05aac24c545e" providerId="ADAL" clId="{8C5D2187-589F-42FF-A2C8-7F964A9C3262}" dt="2022-01-18T05:30:23.443" v="68"/>
-        <pc:sldMkLst>
-          <pc:docMk/>
-          <pc:sldMk cId="3429514563" sldId="500"/>
-        </pc:sldMkLst>
-      </pc:sldChg>
-      <pc:sldChg chg="add del">
-        <pc:chgData name="Khattab, Sherif" userId="c83b1e15-36f3-4f46-aceb-05aac24c545e" providerId="ADAL" clId="{8C5D2187-589F-42FF-A2C8-7F964A9C3262}" dt="2022-01-18T14:10:49.547" v="487" actId="2696"/>
-        <pc:sldMkLst>
-          <pc:docMk/>
-          <pc:sldMk cId="3419089429" sldId="501"/>
-        </pc:sldMkLst>
-      </pc:sldChg>
-      <pc:sldChg chg="add del">
-        <pc:chgData name="Khattab, Sherif" userId="c83b1e15-36f3-4f46-aceb-05aac24c545e" providerId="ADAL" clId="{8C5D2187-589F-42FF-A2C8-7F964A9C3262}" dt="2022-01-18T05:30:25.799" v="69" actId="47"/>
-        <pc:sldMkLst>
-          <pc:docMk/>
-          <pc:sldMk cId="2898433613" sldId="502"/>
-        </pc:sldMkLst>
-      </pc:sldChg>
-      <pc:sldChg chg="add del">
-        <pc:chgData name="Khattab, Sherif" userId="c83b1e15-36f3-4f46-aceb-05aac24c545e" providerId="ADAL" clId="{8C5D2187-589F-42FF-A2C8-7F964A9C3262}" dt="2022-01-18T14:10:36.567" v="486" actId="2696"/>
-        <pc:sldMkLst>
-          <pc:docMk/>
-          <pc:sldMk cId="4120720973" sldId="503"/>
-        </pc:sldMkLst>
-      </pc:sldChg>
-      <pc:sldChg chg="modSp mod modAnim">
-        <pc:chgData name="Khattab, Sherif" userId="c83b1e15-36f3-4f46-aceb-05aac24c545e" providerId="ADAL" clId="{8C5D2187-589F-42FF-A2C8-7F964A9C3262}" dt="2022-01-18T14:21:32.876" v="976" actId="20577"/>
-        <pc:sldMkLst>
-          <pc:docMk/>
-          <pc:sldMk cId="1234025283" sldId="506"/>
-        </pc:sldMkLst>
-        <pc:spChg chg="mod">
-          <ac:chgData name="Khattab, Sherif" userId="c83b1e15-36f3-4f46-aceb-05aac24c545e" providerId="ADAL" clId="{8C5D2187-589F-42FF-A2C8-7F964A9C3262}" dt="2022-01-18T14:21:32.876" v="976" actId="20577"/>
-          <ac:spMkLst>
-            <pc:docMk/>
-            <pc:sldMk cId="1234025283" sldId="506"/>
-            <ac:spMk id="2" creationId="{32F5BBB6-959F-40E6-A20C-5445412B2CA8}"/>
-          </ac:spMkLst>
-        </pc:spChg>
-        <pc:spChg chg="mod">
-          <ac:chgData name="Khattab, Sherif" userId="c83b1e15-36f3-4f46-aceb-05aac24c545e" providerId="ADAL" clId="{8C5D2187-589F-42FF-A2C8-7F964A9C3262}" dt="2022-01-18T14:21:22.435" v="966" actId="6549"/>
-          <ac:spMkLst>
-            <pc:docMk/>
-            <pc:sldMk cId="1234025283" sldId="506"/>
-            <ac:spMk id="3" creationId="{52C9B747-BBAE-4E18-B791-34054CFE0707}"/>
-          </ac:spMkLst>
-        </pc:spChg>
-      </pc:sldChg>
-      <pc:sldChg chg="del">
-        <pc:chgData name="Khattab, Sherif" userId="c83b1e15-36f3-4f46-aceb-05aac24c545e" providerId="ADAL" clId="{8C5D2187-589F-42FF-A2C8-7F964A9C3262}" dt="2022-01-18T05:28:52.035" v="61" actId="47"/>
-        <pc:sldMkLst>
-          <pc:docMk/>
-          <pc:sldMk cId="3555990920" sldId="507"/>
-        </pc:sldMkLst>
-      </pc:sldChg>
-      <pc:sldChg chg="add del">
-        <pc:chgData name="Khattab, Sherif" userId="c83b1e15-36f3-4f46-aceb-05aac24c545e" providerId="ADAL" clId="{8C5D2187-589F-42FF-A2C8-7F964A9C3262}" dt="2022-01-18T14:10:36.567" v="486" actId="2696"/>
-        <pc:sldMkLst>
-          <pc:docMk/>
-          <pc:sldMk cId="2093362943" sldId="508"/>
-        </pc:sldMkLst>
-      </pc:sldChg>
-      <pc:sldChg chg="modSp add del mod modAnim">
-        <pc:chgData name="Khattab, Sherif" userId="c83b1e15-36f3-4f46-aceb-05aac24c545e" providerId="ADAL" clId="{8C5D2187-589F-42FF-A2C8-7F964A9C3262}" dt="2022-01-18T14:09:55.345" v="485" actId="5793"/>
-        <pc:sldMkLst>
-          <pc:docMk/>
-          <pc:sldMk cId="16015564" sldId="511"/>
-        </pc:sldMkLst>
-        <pc:spChg chg="mod">
-          <ac:chgData name="Khattab, Sherif" userId="c83b1e15-36f3-4f46-aceb-05aac24c545e" providerId="ADAL" clId="{8C5D2187-589F-42FF-A2C8-7F964A9C3262}" dt="2022-01-18T14:09:55.345" v="485" actId="5793"/>
-          <ac:spMkLst>
-            <pc:docMk/>
-            <pc:sldMk cId="16015564" sldId="511"/>
-            <ac:spMk id="3" creationId="{1B269645-6BAD-5B49-B01C-B9F7DC557FF1}"/>
-          </ac:spMkLst>
-        </pc:spChg>
-      </pc:sldChg>
-      <pc:sldChg chg="add del">
-        <pc:chgData name="Khattab, Sherif" userId="c83b1e15-36f3-4f46-aceb-05aac24c545e" providerId="ADAL" clId="{8C5D2187-589F-42FF-A2C8-7F964A9C3262}" dt="2022-01-18T14:11:04.671" v="488" actId="2696"/>
-        <pc:sldMkLst>
-          <pc:docMk/>
-          <pc:sldMk cId="2021183208" sldId="512"/>
-        </pc:sldMkLst>
-      </pc:sldChg>
-      <pc:sldChg chg="add del">
-        <pc:chgData name="Khattab, Sherif" userId="c83b1e15-36f3-4f46-aceb-05aac24c545e" providerId="ADAL" clId="{8C5D2187-589F-42FF-A2C8-7F964A9C3262}" dt="2022-01-18T14:11:37.254" v="490"/>
-        <pc:sldMkLst>
-          <pc:docMk/>
-          <pc:sldMk cId="2706134058" sldId="512"/>
-        </pc:sldMkLst>
-      </pc:sldChg>
-      <pc:sldChg chg="add del">
-        <pc:chgData name="Khattab, Sherif" userId="c83b1e15-36f3-4f46-aceb-05aac24c545e" providerId="ADAL" clId="{8C5D2187-589F-42FF-A2C8-7F964A9C3262}" dt="2022-01-18T15:56:32.971" v="1037" actId="2696"/>
-        <pc:sldMkLst>
-          <pc:docMk/>
-          <pc:sldMk cId="2743959136" sldId="512"/>
-        </pc:sldMkLst>
-      </pc:sldChg>
-      <pc:sldChg chg="add del">
-        <pc:chgData name="Khattab, Sherif" userId="c83b1e15-36f3-4f46-aceb-05aac24c545e" providerId="ADAL" clId="{8C5D2187-589F-42FF-A2C8-7F964A9C3262}" dt="2022-01-18T05:30:58.855" v="77" actId="47"/>
-        <pc:sldMkLst>
-          <pc:docMk/>
-          <pc:sldMk cId="3495055628" sldId="513"/>
-        </pc:sldMkLst>
-      </pc:sldChg>
-      <pc:sldChg chg="add del">
-        <pc:chgData name="Khattab, Sherif" userId="c83b1e15-36f3-4f46-aceb-05aac24c545e" providerId="ADAL" clId="{8C5D2187-589F-42FF-A2C8-7F964A9C3262}" dt="2022-01-18T15:56:32.971" v="1037" actId="2696"/>
-        <pc:sldMkLst>
-          <pc:docMk/>
-          <pc:sldMk cId="3948097611" sldId="515"/>
-        </pc:sldMkLst>
-      </pc:sldChg>
-      <pc:sldChg chg="add del">
-        <pc:chgData name="Khattab, Sherif" userId="c83b1e15-36f3-4f46-aceb-05aac24c545e" providerId="ADAL" clId="{8C5D2187-589F-42FF-A2C8-7F964A9C3262}" dt="2022-01-18T14:10:36.567" v="486" actId="2696"/>
-        <pc:sldMkLst>
-          <pc:docMk/>
-          <pc:sldMk cId="1845419114" sldId="517"/>
-        </pc:sldMkLst>
-      </pc:sldChg>
-      <pc:sldChg chg="add del">
-        <pc:chgData name="Khattab, Sherif" userId="c83b1e15-36f3-4f46-aceb-05aac24c545e" providerId="ADAL" clId="{8C5D2187-589F-42FF-A2C8-7F964A9C3262}" dt="2022-01-18T14:10:36.567" v="486" actId="2696"/>
-        <pc:sldMkLst>
-          <pc:docMk/>
-          <pc:sldMk cId="2804781805" sldId="518"/>
-        </pc:sldMkLst>
-      </pc:sldChg>
-      <pc:sldChg chg="add del">
-        <pc:chgData name="Khattab, Sherif" userId="c83b1e15-36f3-4f46-aceb-05aac24c545e" providerId="ADAL" clId="{8C5D2187-589F-42FF-A2C8-7F964A9C3262}" dt="2022-01-18T14:10:36.567" v="486" actId="2696"/>
-        <pc:sldMkLst>
-          <pc:docMk/>
-          <pc:sldMk cId="1525193433" sldId="519"/>
-        </pc:sldMkLst>
-      </pc:sldChg>
-      <pc:sldChg chg="add">
-        <pc:chgData name="Khattab, Sherif" userId="c83b1e15-36f3-4f46-aceb-05aac24c545e" providerId="ADAL" clId="{8C5D2187-589F-42FF-A2C8-7F964A9C3262}" dt="2022-01-18T14:15:50.284" v="846"/>
-        <pc:sldMkLst>
-          <pc:docMk/>
-          <pc:sldMk cId="252952564" sldId="531"/>
-        </pc:sldMkLst>
-      </pc:sldChg>
-      <pc:sldChg chg="add del">
-        <pc:chgData name="Khattab, Sherif" userId="c83b1e15-36f3-4f46-aceb-05aac24c545e" providerId="ADAL" clId="{8C5D2187-589F-42FF-A2C8-7F964A9C3262}" dt="2022-01-18T14:15:50.267" v="845"/>
-        <pc:sldMkLst>
-          <pc:docMk/>
-          <pc:sldMk cId="2161405932" sldId="531"/>
-        </pc:sldMkLst>
-      </pc:sldChg>
-      <pc:sldChg chg="add del">
-        <pc:chgData name="Khattab, Sherif" userId="c83b1e15-36f3-4f46-aceb-05aac24c545e" providerId="ADAL" clId="{8C5D2187-589F-42FF-A2C8-7F964A9C3262}" dt="2022-01-18T14:15:42.636" v="843" actId="2696"/>
-        <pc:sldMkLst>
-          <pc:docMk/>
-          <pc:sldMk cId="2276284397" sldId="531"/>
-        </pc:sldMkLst>
-      </pc:sldChg>
-      <pc:sldChg chg="modSp add del mod modAnim">
-        <pc:chgData name="Khattab, Sherif" userId="c83b1e15-36f3-4f46-aceb-05aac24c545e" providerId="ADAL" clId="{8C5D2187-589F-42FF-A2C8-7F964A9C3262}" dt="2022-01-18T15:56:32.971" v="1037" actId="2696"/>
-        <pc:sldMkLst>
-          <pc:docMk/>
-          <pc:sldMk cId="715489830" sldId="532"/>
-        </pc:sldMkLst>
-        <pc:spChg chg="mod">
-          <ac:chgData name="Khattab, Sherif" userId="c83b1e15-36f3-4f46-aceb-05aac24c545e" providerId="ADAL" clId="{8C5D2187-589F-42FF-A2C8-7F964A9C3262}" dt="2022-01-18T14:17:03.627" v="876" actId="113"/>
-          <ac:spMkLst>
-            <pc:docMk/>
-            <pc:sldMk cId="715489830" sldId="532"/>
-            <ac:spMk id="99330" creationId="{1FD61C16-1735-DD40-B974-BFE9976EA2BC}"/>
-          </ac:spMkLst>
-        </pc:spChg>
-        <pc:spChg chg="mod">
-          <ac:chgData name="Khattab, Sherif" userId="c83b1e15-36f3-4f46-aceb-05aac24c545e" providerId="ADAL" clId="{8C5D2187-589F-42FF-A2C8-7F964A9C3262}" dt="2022-01-18T14:17:11.393" v="878" actId="113"/>
-          <ac:spMkLst>
-            <pc:docMk/>
-            <pc:sldMk cId="715489830" sldId="532"/>
-            <ac:spMk id="99331" creationId="{D16F5D4E-51CD-3642-A8BA-7B877D890D72}"/>
-          </ac:spMkLst>
-        </pc:spChg>
-        <pc:spChg chg="mod">
-          <ac:chgData name="Khattab, Sherif" userId="c83b1e15-36f3-4f46-aceb-05aac24c545e" providerId="ADAL" clId="{8C5D2187-589F-42FF-A2C8-7F964A9C3262}" dt="2022-01-18T14:16:44.337" v="871" actId="20577"/>
-          <ac:spMkLst>
-            <pc:docMk/>
-            <pc:sldMk cId="715489830" sldId="532"/>
-            <ac:spMk id="99334" creationId="{8F2D5176-7566-274B-9774-BC0B18321A89}"/>
-          </ac:spMkLst>
-        </pc:spChg>
-      </pc:sldChg>
-      <pc:sldChg chg="add del">
-        <pc:chgData name="Khattab, Sherif" userId="c83b1e15-36f3-4f46-aceb-05aac24c545e" providerId="ADAL" clId="{8C5D2187-589F-42FF-A2C8-7F964A9C3262}" dt="2022-01-18T15:56:32.971" v="1037" actId="2696"/>
-        <pc:sldMkLst>
-          <pc:docMk/>
-          <pc:sldMk cId="4123278128" sldId="533"/>
-        </pc:sldMkLst>
-      </pc:sldChg>
-      <pc:sldChg chg="add del">
-        <pc:chgData name="Khattab, Sherif" userId="c83b1e15-36f3-4f46-aceb-05aac24c545e" providerId="ADAL" clId="{8C5D2187-589F-42FF-A2C8-7F964A9C3262}" dt="2022-01-18T15:56:32.971" v="1037" actId="2696"/>
-        <pc:sldMkLst>
-          <pc:docMk/>
-          <pc:sldMk cId="2414223724" sldId="534"/>
-        </pc:sldMkLst>
-      </pc:sldChg>
-      <pc:sldChg chg="add del">
-        <pc:chgData name="Khattab, Sherif" userId="c83b1e15-36f3-4f46-aceb-05aac24c545e" providerId="ADAL" clId="{8C5D2187-589F-42FF-A2C8-7F964A9C3262}" dt="2022-01-18T15:56:32.971" v="1037" actId="2696"/>
-        <pc:sldMkLst>
-          <pc:docMk/>
-          <pc:sldMk cId="3177405103" sldId="535"/>
-        </pc:sldMkLst>
-      </pc:sldChg>
-      <pc:sldChg chg="add del">
-        <pc:chgData name="Khattab, Sherif" userId="c83b1e15-36f3-4f46-aceb-05aac24c545e" providerId="ADAL" clId="{8C5D2187-589F-42FF-A2C8-7F964A9C3262}" dt="2022-01-18T15:56:32.971" v="1037" actId="2696"/>
-        <pc:sldMkLst>
-          <pc:docMk/>
-          <pc:sldMk cId="3742099282" sldId="536"/>
-        </pc:sldMkLst>
-      </pc:sldChg>
-      <pc:sldChg chg="modSp new mod modAnim">
-        <pc:chgData name="Khattab, Sherif" userId="c83b1e15-36f3-4f46-aceb-05aac24c545e" providerId="ADAL" clId="{8C5D2187-589F-42FF-A2C8-7F964A9C3262}" dt="2022-01-18T14:04:44.856" v="305" actId="20577"/>
-        <pc:sldMkLst>
-          <pc:docMk/>
-          <pc:sldMk cId="3304114053" sldId="537"/>
-        </pc:sldMkLst>
-        <pc:spChg chg="mod">
-          <ac:chgData name="Khattab, Sherif" userId="c83b1e15-36f3-4f46-aceb-05aac24c545e" providerId="ADAL" clId="{8C5D2187-589F-42FF-A2C8-7F964A9C3262}" dt="2022-01-18T14:04:07.587" v="270" actId="20577"/>
-          <ac:spMkLst>
-            <pc:docMk/>
-            <pc:sldMk cId="3304114053" sldId="537"/>
-            <ac:spMk id="2" creationId="{FA19DBFB-E8B9-4FA8-B855-7781AE92DA94}"/>
-          </ac:spMkLst>
-        </pc:spChg>
-        <pc:spChg chg="mod">
-          <ac:chgData name="Khattab, Sherif" userId="c83b1e15-36f3-4f46-aceb-05aac24c545e" providerId="ADAL" clId="{8C5D2187-589F-42FF-A2C8-7F964A9C3262}" dt="2022-01-18T14:04:44.856" v="305" actId="20577"/>
-          <ac:spMkLst>
-            <pc:docMk/>
-            <pc:sldMk cId="3304114053" sldId="537"/>
-            <ac:spMk id="3" creationId="{89D2FF9B-9B3F-404C-B16F-5831B9F31A79}"/>
-          </ac:spMkLst>
-        </pc:spChg>
-      </pc:sldChg>
-      <pc:sldChg chg="modSp new mod">
-        <pc:chgData name="Khattab, Sherif" userId="c83b1e15-36f3-4f46-aceb-05aac24c545e" providerId="ADAL" clId="{8C5D2187-589F-42FF-A2C8-7F964A9C3262}" dt="2022-01-18T14:06:55.992" v="472" actId="20577"/>
-        <pc:sldMkLst>
-          <pc:docMk/>
-          <pc:sldMk cId="2200363595" sldId="538"/>
-        </pc:sldMkLst>
-        <pc:spChg chg="mod">
-          <ac:chgData name="Khattab, Sherif" userId="c83b1e15-36f3-4f46-aceb-05aac24c545e" providerId="ADAL" clId="{8C5D2187-589F-42FF-A2C8-7F964A9C3262}" dt="2022-01-18T14:05:50.699" v="331" actId="20577"/>
-          <ac:spMkLst>
-            <pc:docMk/>
-            <pc:sldMk cId="2200363595" sldId="538"/>
-            <ac:spMk id="2" creationId="{40F95D76-57CE-4092-A08F-CFACA393DA4C}"/>
-          </ac:spMkLst>
-        </pc:spChg>
-        <pc:spChg chg="mod">
-          <ac:chgData name="Khattab, Sherif" userId="c83b1e15-36f3-4f46-aceb-05aac24c545e" providerId="ADAL" clId="{8C5D2187-589F-42FF-A2C8-7F964A9C3262}" dt="2022-01-18T14:06:55.992" v="472" actId="20577"/>
-          <ac:spMkLst>
-            <pc:docMk/>
-            <pc:sldMk cId="2200363595" sldId="538"/>
-            <ac:spMk id="3" creationId="{1346E588-5E03-4DCE-96E8-655E6A55EDF8}"/>
-          </ac:spMkLst>
-        </pc:spChg>
-      </pc:sldChg>
-      <pc:sldChg chg="modSp new mod modAnim">
-        <pc:chgData name="Khattab, Sherif" userId="c83b1e15-36f3-4f46-aceb-05aac24c545e" providerId="ADAL" clId="{8C5D2187-589F-42FF-A2C8-7F964A9C3262}" dt="2022-01-18T14:14:33.878" v="732"/>
-        <pc:sldMkLst>
-          <pc:docMk/>
-          <pc:sldMk cId="2816125074" sldId="539"/>
-        </pc:sldMkLst>
-        <pc:spChg chg="mod">
-          <ac:chgData name="Khattab, Sherif" userId="c83b1e15-36f3-4f46-aceb-05aac24c545e" providerId="ADAL" clId="{8C5D2187-589F-42FF-A2C8-7F964A9C3262}" dt="2022-01-18T14:14:04.639" v="664" actId="20577"/>
-          <ac:spMkLst>
-            <pc:docMk/>
-            <pc:sldMk cId="2816125074" sldId="539"/>
-            <ac:spMk id="2" creationId="{915C5C63-6CD3-443E-BDE2-0028D92C0EE6}"/>
-          </ac:spMkLst>
-        </pc:spChg>
-        <pc:spChg chg="mod">
-          <ac:chgData name="Khattab, Sherif" userId="c83b1e15-36f3-4f46-aceb-05aac24c545e" providerId="ADAL" clId="{8C5D2187-589F-42FF-A2C8-7F964A9C3262}" dt="2022-01-18T14:14:23.075" v="730" actId="20577"/>
-          <ac:spMkLst>
-            <pc:docMk/>
-            <pc:sldMk cId="2816125074" sldId="539"/>
-            <ac:spMk id="3" creationId="{08A86A1A-7DED-4A49-9C40-70D6D4EA4C8A}"/>
-          </ac:spMkLst>
-        </pc:spChg>
       </pc:sldChg>
     </pc:docChg>
   </pc:docChgLst>
@@ -6092,40 +7293,1467 @@
     </pc:docChg>
   </pc:docChgLst>
   <pc:docChgLst>
-    <pc:chgData name="Khattab, Sherif" userId="c83b1e15-36f3-4f46-aceb-05aac24c545e" providerId="ADAL" clId="{73EE9CC4-D3DC-EF46-A48C-45E1B855EE49}"/>
+    <pc:chgData name="Khattab, Sherif" userId="c83b1e15-36f3-4f46-aceb-05aac24c545e" providerId="ADAL" clId="{D89D42D0-3336-4939-8D6E-2DC313C66EC9}"/>
+    <pc:docChg chg="modSld">
+      <pc:chgData name="Khattab, Sherif" userId="c83b1e15-36f3-4f46-aceb-05aac24c545e" providerId="ADAL" clId="{D89D42D0-3336-4939-8D6E-2DC313C66EC9}" dt="2023-01-12T18:45:34.971" v="5" actId="1076"/>
+      <pc:docMkLst>
+        <pc:docMk/>
+      </pc:docMkLst>
+      <pc:sldChg chg="addSp modSp mod">
+        <pc:chgData name="Khattab, Sherif" userId="c83b1e15-36f3-4f46-aceb-05aac24c545e" providerId="ADAL" clId="{D89D42D0-3336-4939-8D6E-2DC313C66EC9}" dt="2023-01-12T18:45:34.971" v="5" actId="1076"/>
+        <pc:sldMkLst>
+          <pc:docMk/>
+          <pc:sldMk cId="1330366002" sldId="454"/>
+        </pc:sldMkLst>
+        <pc:spChg chg="mod">
+          <ac:chgData name="Khattab, Sherif" userId="c83b1e15-36f3-4f46-aceb-05aac24c545e" providerId="ADAL" clId="{D89D42D0-3336-4939-8D6E-2DC313C66EC9}" dt="2023-01-12T18:45:29.265" v="1" actId="20577"/>
+          <ac:spMkLst>
+            <pc:docMk/>
+            <pc:sldMk cId="1330366002" sldId="454"/>
+            <ac:spMk id="2" creationId="{00000000-0000-0000-0000-000000000000}"/>
+          </ac:spMkLst>
+        </pc:spChg>
+        <pc:spChg chg="mod">
+          <ac:chgData name="Khattab, Sherif" userId="c83b1e15-36f3-4f46-aceb-05aac24c545e" providerId="ADAL" clId="{D89D42D0-3336-4939-8D6E-2DC313C66EC9}" dt="2023-01-12T18:45:31.115" v="3" actId="20577"/>
+          <ac:spMkLst>
+            <pc:docMk/>
+            <pc:sldMk cId="1330366002" sldId="454"/>
+            <ac:spMk id="3" creationId="{00000000-0000-0000-0000-000000000000}"/>
+          </ac:spMkLst>
+        </pc:spChg>
+        <pc:picChg chg="add mod">
+          <ac:chgData name="Khattab, Sherif" userId="c83b1e15-36f3-4f46-aceb-05aac24c545e" providerId="ADAL" clId="{D89D42D0-3336-4939-8D6E-2DC313C66EC9}" dt="2023-01-12T18:45:34.971" v="5" actId="1076"/>
+          <ac:picMkLst>
+            <pc:docMk/>
+            <pc:sldMk cId="1330366002" sldId="454"/>
+            <ac:picMk id="5" creationId="{6F744459-D981-1283-8383-4307CD0D2591}"/>
+          </ac:picMkLst>
+        </pc:picChg>
+      </pc:sldChg>
+    </pc:docChg>
+  </pc:docChgLst>
+  <pc:docChgLst>
+    <pc:chgData name="Khattab, Sherif" userId="c83b1e15-36f3-4f46-aceb-05aac24c545e" providerId="ADAL" clId="{BA7E1913-A6F0-C848-94D5-CEC45678B150}"/>
     <pc:docChg chg="addSld modSld">
-      <pc:chgData name="Khattab, Sherif" userId="c83b1e15-36f3-4f46-aceb-05aac24c545e" providerId="ADAL" clId="{73EE9CC4-D3DC-EF46-A48C-45E1B855EE49}" dt="2021-09-01T16:31:22.886" v="1"/>
+      <pc:chgData name="Khattab, Sherif" userId="c83b1e15-36f3-4f46-aceb-05aac24c545e" providerId="ADAL" clId="{BA7E1913-A6F0-C848-94D5-CEC45678B150}" dt="2021-01-20T03:36:45.256" v="0"/>
+      <pc:docMkLst>
+        <pc:docMk/>
+      </pc:docMkLst>
+      <pc:sldChg chg="add">
+        <pc:chgData name="Khattab, Sherif" userId="c83b1e15-36f3-4f46-aceb-05aac24c545e" providerId="ADAL" clId="{BA7E1913-A6F0-C848-94D5-CEC45678B150}" dt="2021-01-20T03:36:45.256" v="0"/>
+        <pc:sldMkLst>
+          <pc:docMk/>
+          <pc:sldMk cId="2329144619" sldId="445"/>
+        </pc:sldMkLst>
+      </pc:sldChg>
+      <pc:sldChg chg="add">
+        <pc:chgData name="Khattab, Sherif" userId="c83b1e15-36f3-4f46-aceb-05aac24c545e" providerId="ADAL" clId="{BA7E1913-A6F0-C848-94D5-CEC45678B150}" dt="2021-01-20T03:36:45.256" v="0"/>
+        <pc:sldMkLst>
+          <pc:docMk/>
+          <pc:sldMk cId="1783368962" sldId="448"/>
+        </pc:sldMkLst>
+      </pc:sldChg>
+      <pc:sldChg chg="add">
+        <pc:chgData name="Khattab, Sherif" userId="c83b1e15-36f3-4f46-aceb-05aac24c545e" providerId="ADAL" clId="{BA7E1913-A6F0-C848-94D5-CEC45678B150}" dt="2021-01-20T03:36:45.256" v="0"/>
+        <pc:sldMkLst>
+          <pc:docMk/>
+          <pc:sldMk cId="2276002102" sldId="451"/>
+        </pc:sldMkLst>
+      </pc:sldChg>
+      <pc:sldChg chg="modSp">
+        <pc:chgData name="Khattab, Sherif" userId="c83b1e15-36f3-4f46-aceb-05aac24c545e" providerId="ADAL" clId="{BA7E1913-A6F0-C848-94D5-CEC45678B150}" dt="2021-01-20T03:36:45.256" v="0"/>
+        <pc:sldMkLst>
+          <pc:docMk/>
+          <pc:sldMk cId="1025764700" sldId="471"/>
+        </pc:sldMkLst>
+        <pc:spChg chg="mod">
+          <ac:chgData name="Khattab, Sherif" userId="c83b1e15-36f3-4f46-aceb-05aac24c545e" providerId="ADAL" clId="{BA7E1913-A6F0-C848-94D5-CEC45678B150}" dt="2021-01-20T03:36:45.256" v="0"/>
+          <ac:spMkLst>
+            <pc:docMk/>
+            <pc:sldMk cId="1025764700" sldId="471"/>
+            <ac:spMk id="2" creationId="{002C4211-0128-449E-9D1F-69BC748F2810}"/>
+          </ac:spMkLst>
+        </pc:spChg>
+        <pc:spChg chg="mod">
+          <ac:chgData name="Khattab, Sherif" userId="c83b1e15-36f3-4f46-aceb-05aac24c545e" providerId="ADAL" clId="{BA7E1913-A6F0-C848-94D5-CEC45678B150}" dt="2021-01-20T03:36:45.256" v="0"/>
+          <ac:spMkLst>
+            <pc:docMk/>
+            <pc:sldMk cId="1025764700" sldId="471"/>
+            <ac:spMk id="4" creationId="{2E01187D-8C39-467D-8FD2-B6E79B15F5CB}"/>
+          </ac:spMkLst>
+        </pc:spChg>
+        <pc:spChg chg="mod">
+          <ac:chgData name="Khattab, Sherif" userId="c83b1e15-36f3-4f46-aceb-05aac24c545e" providerId="ADAL" clId="{BA7E1913-A6F0-C848-94D5-CEC45678B150}" dt="2021-01-20T03:36:45.256" v="0"/>
+          <ac:spMkLst>
+            <pc:docMk/>
+            <pc:sldMk cId="1025764700" sldId="471"/>
+            <ac:spMk id="5121" creationId="{7512BAA4-EBB3-4158-9546-24CBE50F6439}"/>
+          </ac:spMkLst>
+        </pc:spChg>
+        <pc:spChg chg="mod">
+          <ac:chgData name="Khattab, Sherif" userId="c83b1e15-36f3-4f46-aceb-05aac24c545e" providerId="ADAL" clId="{BA7E1913-A6F0-C848-94D5-CEC45678B150}" dt="2021-01-20T03:36:45.256" v="0"/>
+          <ac:spMkLst>
+            <pc:docMk/>
+            <pc:sldMk cId="1025764700" sldId="471"/>
+            <ac:spMk id="5122" creationId="{23997D45-6B1B-416E-BB06-0DAFD6B2DE75}"/>
+          </ac:spMkLst>
+        </pc:spChg>
+        <pc:grpChg chg="mod">
+          <ac:chgData name="Khattab, Sherif" userId="c83b1e15-36f3-4f46-aceb-05aac24c545e" providerId="ADAL" clId="{BA7E1913-A6F0-C848-94D5-CEC45678B150}" dt="2021-01-20T03:36:45.256" v="0"/>
+          <ac:grpSpMkLst>
+            <pc:docMk/>
+            <pc:sldMk cId="1025764700" sldId="471"/>
+            <ac:grpSpMk id="1" creationId="{00000000-0000-0000-0000-000000000000}"/>
+          </ac:grpSpMkLst>
+        </pc:grpChg>
+        <pc:graphicFrameChg chg="mod">
+          <ac:chgData name="Khattab, Sherif" userId="c83b1e15-36f3-4f46-aceb-05aac24c545e" providerId="ADAL" clId="{BA7E1913-A6F0-C848-94D5-CEC45678B150}" dt="2021-01-20T03:36:45.256" v="0"/>
+          <ac:graphicFrameMkLst>
+            <pc:docMk/>
+            <pc:sldMk cId="1025764700" sldId="471"/>
+            <ac:graphicFrameMk id="5123" creationId="{21D7AF36-DB7D-4E96-B4D0-2E733D24C464}"/>
+          </ac:graphicFrameMkLst>
+        </pc:graphicFrameChg>
+      </pc:sldChg>
+      <pc:sldChg chg="modSp">
+        <pc:chgData name="Khattab, Sherif" userId="c83b1e15-36f3-4f46-aceb-05aac24c545e" providerId="ADAL" clId="{BA7E1913-A6F0-C848-94D5-CEC45678B150}" dt="2021-01-20T03:36:45.256" v="0"/>
+        <pc:sldMkLst>
+          <pc:docMk/>
+          <pc:sldMk cId="3109107092" sldId="472"/>
+        </pc:sldMkLst>
+        <pc:spChg chg="mod">
+          <ac:chgData name="Khattab, Sherif" userId="c83b1e15-36f3-4f46-aceb-05aac24c545e" providerId="ADAL" clId="{BA7E1913-A6F0-C848-94D5-CEC45678B150}" dt="2021-01-20T03:36:45.256" v="0"/>
+          <ac:spMkLst>
+            <pc:docMk/>
+            <pc:sldMk cId="3109107092" sldId="472"/>
+            <ac:spMk id="3" creationId="{30AEF3C6-7EA7-449A-9293-E3ED9F2886F9}"/>
+          </ac:spMkLst>
+        </pc:spChg>
+        <pc:spChg chg="mod">
+          <ac:chgData name="Khattab, Sherif" userId="c83b1e15-36f3-4f46-aceb-05aac24c545e" providerId="ADAL" clId="{BA7E1913-A6F0-C848-94D5-CEC45678B150}" dt="2021-01-20T03:36:45.256" v="0"/>
+          <ac:spMkLst>
+            <pc:docMk/>
+            <pc:sldMk cId="3109107092" sldId="472"/>
+            <ac:spMk id="5" creationId="{86D334BE-F1A0-401C-A7A6-E8399DADA66A}"/>
+          </ac:spMkLst>
+        </pc:spChg>
+        <pc:spChg chg="mod">
+          <ac:chgData name="Khattab, Sherif" userId="c83b1e15-36f3-4f46-aceb-05aac24c545e" providerId="ADAL" clId="{BA7E1913-A6F0-C848-94D5-CEC45678B150}" dt="2021-01-20T03:36:45.256" v="0"/>
+          <ac:spMkLst>
+            <pc:docMk/>
+            <pc:sldMk cId="3109107092" sldId="472"/>
+            <ac:spMk id="7" creationId="{E5F29704-03AA-B747-A2ED-5B8027B1EDEB}"/>
+          </ac:spMkLst>
+        </pc:spChg>
+        <pc:spChg chg="mod">
+          <ac:chgData name="Khattab, Sherif" userId="c83b1e15-36f3-4f46-aceb-05aac24c545e" providerId="ADAL" clId="{BA7E1913-A6F0-C848-94D5-CEC45678B150}" dt="2021-01-20T03:36:45.256" v="0"/>
+          <ac:spMkLst>
+            <pc:docMk/>
+            <pc:sldMk cId="3109107092" sldId="472"/>
+            <ac:spMk id="6146" creationId="{5AEA12F1-A345-4E80-B81B-BB7F54B720F7}"/>
+          </ac:spMkLst>
+        </pc:spChg>
+        <pc:grpChg chg="mod">
+          <ac:chgData name="Khattab, Sherif" userId="c83b1e15-36f3-4f46-aceb-05aac24c545e" providerId="ADAL" clId="{BA7E1913-A6F0-C848-94D5-CEC45678B150}" dt="2021-01-20T03:36:45.256" v="0"/>
+          <ac:grpSpMkLst>
+            <pc:docMk/>
+            <pc:sldMk cId="3109107092" sldId="472"/>
+            <ac:grpSpMk id="1" creationId="{00000000-0000-0000-0000-000000000000}"/>
+          </ac:grpSpMkLst>
+        </pc:grpChg>
+        <pc:graphicFrameChg chg="mod">
+          <ac:chgData name="Khattab, Sherif" userId="c83b1e15-36f3-4f46-aceb-05aac24c545e" providerId="ADAL" clId="{BA7E1913-A6F0-C848-94D5-CEC45678B150}" dt="2021-01-20T03:36:45.256" v="0"/>
+          <ac:graphicFrameMkLst>
+            <pc:docMk/>
+            <pc:sldMk cId="3109107092" sldId="472"/>
+            <ac:graphicFrameMk id="6145" creationId="{1F7F153F-0046-48A7-AF42-071F4C813482}"/>
+          </ac:graphicFrameMkLst>
+        </pc:graphicFrameChg>
+      </pc:sldChg>
+      <pc:sldChg chg="modSp">
+        <pc:chgData name="Khattab, Sherif" userId="c83b1e15-36f3-4f46-aceb-05aac24c545e" providerId="ADAL" clId="{BA7E1913-A6F0-C848-94D5-CEC45678B150}" dt="2021-01-20T03:36:45.256" v="0"/>
+        <pc:sldMkLst>
+          <pc:docMk/>
+          <pc:sldMk cId="4038969182" sldId="477"/>
+        </pc:sldMkLst>
+        <pc:spChg chg="mod">
+          <ac:chgData name="Khattab, Sherif" userId="c83b1e15-36f3-4f46-aceb-05aac24c545e" providerId="ADAL" clId="{BA7E1913-A6F0-C848-94D5-CEC45678B150}" dt="2021-01-20T03:36:45.256" v="0"/>
+          <ac:spMkLst>
+            <pc:docMk/>
+            <pc:sldMk cId="4038969182" sldId="477"/>
+            <ac:spMk id="2" creationId="{FC2F5822-FB95-4FA7-8814-7A9973030216}"/>
+          </ac:spMkLst>
+        </pc:spChg>
+        <pc:spChg chg="mod">
+          <ac:chgData name="Khattab, Sherif" userId="c83b1e15-36f3-4f46-aceb-05aac24c545e" providerId="ADAL" clId="{BA7E1913-A6F0-C848-94D5-CEC45678B150}" dt="2021-01-20T03:36:45.256" v="0"/>
+          <ac:spMkLst>
+            <pc:docMk/>
+            <pc:sldMk cId="4038969182" sldId="477"/>
+            <ac:spMk id="4" creationId="{AC512AFF-6A18-4D49-A4E6-2CC1827AA033}"/>
+          </ac:spMkLst>
+        </pc:spChg>
+        <pc:spChg chg="mod">
+          <ac:chgData name="Khattab, Sherif" userId="c83b1e15-36f3-4f46-aceb-05aac24c545e" providerId="ADAL" clId="{BA7E1913-A6F0-C848-94D5-CEC45678B150}" dt="2021-01-20T03:36:45.256" v="0"/>
+          <ac:spMkLst>
+            <pc:docMk/>
+            <pc:sldMk cId="4038969182" sldId="477"/>
+            <ac:spMk id="16385" creationId="{6A11D2B9-CA45-4A0D-B509-8257E2D9B94F}"/>
+          </ac:spMkLst>
+        </pc:spChg>
+        <pc:spChg chg="mod">
+          <ac:chgData name="Khattab, Sherif" userId="c83b1e15-36f3-4f46-aceb-05aac24c545e" providerId="ADAL" clId="{BA7E1913-A6F0-C848-94D5-CEC45678B150}" dt="2021-01-20T03:36:45.256" v="0"/>
+          <ac:spMkLst>
+            <pc:docMk/>
+            <pc:sldMk cId="4038969182" sldId="477"/>
+            <ac:spMk id="16386" creationId="{2EE14E1C-57AD-4AA5-8D97-EF494DA8A5A6}"/>
+          </ac:spMkLst>
+        </pc:spChg>
+        <pc:grpChg chg="mod">
+          <ac:chgData name="Khattab, Sherif" userId="c83b1e15-36f3-4f46-aceb-05aac24c545e" providerId="ADAL" clId="{BA7E1913-A6F0-C848-94D5-CEC45678B150}" dt="2021-01-20T03:36:45.256" v="0"/>
+          <ac:grpSpMkLst>
+            <pc:docMk/>
+            <pc:sldMk cId="4038969182" sldId="477"/>
+            <ac:grpSpMk id="1" creationId="{00000000-0000-0000-0000-000000000000}"/>
+          </ac:grpSpMkLst>
+        </pc:grpChg>
+        <pc:graphicFrameChg chg="mod">
+          <ac:chgData name="Khattab, Sherif" userId="c83b1e15-36f3-4f46-aceb-05aac24c545e" providerId="ADAL" clId="{BA7E1913-A6F0-C848-94D5-CEC45678B150}" dt="2021-01-20T03:36:45.256" v="0"/>
+          <ac:graphicFrameMkLst>
+            <pc:docMk/>
+            <pc:sldMk cId="4038969182" sldId="477"/>
+            <ac:graphicFrameMk id="16387" creationId="{AF2F8ED8-16A1-4F89-BDB6-8C2730B36B52}"/>
+          </ac:graphicFrameMkLst>
+        </pc:graphicFrameChg>
+      </pc:sldChg>
+      <pc:sldChg chg="modSp">
+        <pc:chgData name="Khattab, Sherif" userId="c83b1e15-36f3-4f46-aceb-05aac24c545e" providerId="ADAL" clId="{BA7E1913-A6F0-C848-94D5-CEC45678B150}" dt="2021-01-20T03:36:45.256" v="0"/>
+        <pc:sldMkLst>
+          <pc:docMk/>
+          <pc:sldMk cId="873856523" sldId="479"/>
+        </pc:sldMkLst>
+        <pc:spChg chg="mod">
+          <ac:chgData name="Khattab, Sherif" userId="c83b1e15-36f3-4f46-aceb-05aac24c545e" providerId="ADAL" clId="{BA7E1913-A6F0-C848-94D5-CEC45678B150}" dt="2021-01-20T03:36:45.256" v="0"/>
+          <ac:spMkLst>
+            <pc:docMk/>
+            <pc:sldMk cId="873856523" sldId="479"/>
+            <ac:spMk id="2" creationId="{0EA6D591-B53C-496E-AC8A-4A137C95CFED}"/>
+          </ac:spMkLst>
+        </pc:spChg>
+        <pc:spChg chg="mod">
+          <ac:chgData name="Khattab, Sherif" userId="c83b1e15-36f3-4f46-aceb-05aac24c545e" providerId="ADAL" clId="{BA7E1913-A6F0-C848-94D5-CEC45678B150}" dt="2021-01-20T03:36:45.256" v="0"/>
+          <ac:spMkLst>
+            <pc:docMk/>
+            <pc:sldMk cId="873856523" sldId="479"/>
+            <ac:spMk id="4" creationId="{ED98CD1B-CC0F-4183-9A7A-D761866A6186}"/>
+          </ac:spMkLst>
+        </pc:spChg>
+        <pc:spChg chg="mod">
+          <ac:chgData name="Khattab, Sherif" userId="c83b1e15-36f3-4f46-aceb-05aac24c545e" providerId="ADAL" clId="{BA7E1913-A6F0-C848-94D5-CEC45678B150}" dt="2021-01-20T03:36:45.256" v="0"/>
+          <ac:spMkLst>
+            <pc:docMk/>
+            <pc:sldMk cId="873856523" sldId="479"/>
+            <ac:spMk id="18433" creationId="{E3607FC9-A77A-4CEC-B201-FD6943B401ED}"/>
+          </ac:spMkLst>
+        </pc:spChg>
+        <pc:spChg chg="mod">
+          <ac:chgData name="Khattab, Sherif" userId="c83b1e15-36f3-4f46-aceb-05aac24c545e" providerId="ADAL" clId="{BA7E1913-A6F0-C848-94D5-CEC45678B150}" dt="2021-01-20T03:36:45.256" v="0"/>
+          <ac:spMkLst>
+            <pc:docMk/>
+            <pc:sldMk cId="873856523" sldId="479"/>
+            <ac:spMk id="18434" creationId="{A670C1CC-C98F-4983-9392-1D866C0F5D42}"/>
+          </ac:spMkLst>
+        </pc:spChg>
+        <pc:grpChg chg="mod">
+          <ac:chgData name="Khattab, Sherif" userId="c83b1e15-36f3-4f46-aceb-05aac24c545e" providerId="ADAL" clId="{BA7E1913-A6F0-C848-94D5-CEC45678B150}" dt="2021-01-20T03:36:45.256" v="0"/>
+          <ac:grpSpMkLst>
+            <pc:docMk/>
+            <pc:sldMk cId="873856523" sldId="479"/>
+            <ac:grpSpMk id="1" creationId="{00000000-0000-0000-0000-000000000000}"/>
+          </ac:grpSpMkLst>
+        </pc:grpChg>
+        <pc:graphicFrameChg chg="mod">
+          <ac:chgData name="Khattab, Sherif" userId="c83b1e15-36f3-4f46-aceb-05aac24c545e" providerId="ADAL" clId="{BA7E1913-A6F0-C848-94D5-CEC45678B150}" dt="2021-01-20T03:36:45.256" v="0"/>
+          <ac:graphicFrameMkLst>
+            <pc:docMk/>
+            <pc:sldMk cId="873856523" sldId="479"/>
+            <ac:graphicFrameMk id="18435" creationId="{E649380A-CE1F-4021-A060-3DE112829840}"/>
+          </ac:graphicFrameMkLst>
+        </pc:graphicFrameChg>
+      </pc:sldChg>
+      <pc:sldChg chg="modSp">
+        <pc:chgData name="Khattab, Sherif" userId="c83b1e15-36f3-4f46-aceb-05aac24c545e" providerId="ADAL" clId="{BA7E1913-A6F0-C848-94D5-CEC45678B150}" dt="2021-01-20T03:36:45.256" v="0"/>
+        <pc:sldMkLst>
+          <pc:docMk/>
+          <pc:sldMk cId="1560930406" sldId="482"/>
+        </pc:sldMkLst>
+        <pc:spChg chg="mod">
+          <ac:chgData name="Khattab, Sherif" userId="c83b1e15-36f3-4f46-aceb-05aac24c545e" providerId="ADAL" clId="{BA7E1913-A6F0-C848-94D5-CEC45678B150}" dt="2021-01-20T03:36:45.256" v="0"/>
+          <ac:spMkLst>
+            <pc:docMk/>
+            <pc:sldMk cId="1560930406" sldId="482"/>
+            <ac:spMk id="2" creationId="{DF0F4013-0B68-4D88-865A-4FC3176C8654}"/>
+          </ac:spMkLst>
+        </pc:spChg>
+        <pc:spChg chg="mod">
+          <ac:chgData name="Khattab, Sherif" userId="c83b1e15-36f3-4f46-aceb-05aac24c545e" providerId="ADAL" clId="{BA7E1913-A6F0-C848-94D5-CEC45678B150}" dt="2021-01-20T03:36:45.256" v="0"/>
+          <ac:spMkLst>
+            <pc:docMk/>
+            <pc:sldMk cId="1560930406" sldId="482"/>
+            <ac:spMk id="4" creationId="{EC2FC32F-B9CD-4D1A-AE2B-0825BE055635}"/>
+          </ac:spMkLst>
+        </pc:spChg>
+        <pc:spChg chg="mod">
+          <ac:chgData name="Khattab, Sherif" userId="c83b1e15-36f3-4f46-aceb-05aac24c545e" providerId="ADAL" clId="{BA7E1913-A6F0-C848-94D5-CEC45678B150}" dt="2021-01-20T03:36:45.256" v="0"/>
+          <ac:spMkLst>
+            <pc:docMk/>
+            <pc:sldMk cId="1560930406" sldId="482"/>
+            <ac:spMk id="23553" creationId="{E59624D1-FEEB-4340-9651-13DD586B53A9}"/>
+          </ac:spMkLst>
+        </pc:spChg>
+        <pc:spChg chg="mod">
+          <ac:chgData name="Khattab, Sherif" userId="c83b1e15-36f3-4f46-aceb-05aac24c545e" providerId="ADAL" clId="{BA7E1913-A6F0-C848-94D5-CEC45678B150}" dt="2021-01-20T03:36:45.256" v="0"/>
+          <ac:spMkLst>
+            <pc:docMk/>
+            <pc:sldMk cId="1560930406" sldId="482"/>
+            <ac:spMk id="23554" creationId="{352A19DE-2E99-4131-8018-428EB1D381D8}"/>
+          </ac:spMkLst>
+        </pc:spChg>
+        <pc:grpChg chg="mod">
+          <ac:chgData name="Khattab, Sherif" userId="c83b1e15-36f3-4f46-aceb-05aac24c545e" providerId="ADAL" clId="{BA7E1913-A6F0-C848-94D5-CEC45678B150}" dt="2021-01-20T03:36:45.256" v="0"/>
+          <ac:grpSpMkLst>
+            <pc:docMk/>
+            <pc:sldMk cId="1560930406" sldId="482"/>
+            <ac:grpSpMk id="1" creationId="{00000000-0000-0000-0000-000000000000}"/>
+          </ac:grpSpMkLst>
+        </pc:grpChg>
+        <pc:graphicFrameChg chg="mod">
+          <ac:chgData name="Khattab, Sherif" userId="c83b1e15-36f3-4f46-aceb-05aac24c545e" providerId="ADAL" clId="{BA7E1913-A6F0-C848-94D5-CEC45678B150}" dt="2021-01-20T03:36:45.256" v="0"/>
+          <ac:graphicFrameMkLst>
+            <pc:docMk/>
+            <pc:sldMk cId="1560930406" sldId="482"/>
+            <ac:graphicFrameMk id="23555" creationId="{72BCA54F-0328-4938-A740-EE2040664901}"/>
+          </ac:graphicFrameMkLst>
+        </pc:graphicFrameChg>
+      </pc:sldChg>
+      <pc:sldChg chg="modSp">
+        <pc:chgData name="Khattab, Sherif" userId="c83b1e15-36f3-4f46-aceb-05aac24c545e" providerId="ADAL" clId="{BA7E1913-A6F0-C848-94D5-CEC45678B150}" dt="2021-01-20T03:36:45.256" v="0"/>
+        <pc:sldMkLst>
+          <pc:docMk/>
+          <pc:sldMk cId="1948397067" sldId="484"/>
+        </pc:sldMkLst>
+        <pc:spChg chg="mod">
+          <ac:chgData name="Khattab, Sherif" userId="c83b1e15-36f3-4f46-aceb-05aac24c545e" providerId="ADAL" clId="{BA7E1913-A6F0-C848-94D5-CEC45678B150}" dt="2021-01-20T03:36:45.256" v="0"/>
+          <ac:spMkLst>
+            <pc:docMk/>
+            <pc:sldMk cId="1948397067" sldId="484"/>
+            <ac:spMk id="3" creationId="{8EEA02BE-54EF-4DED-8936-3DDE41ED48F3}"/>
+          </ac:spMkLst>
+        </pc:spChg>
+        <pc:spChg chg="mod">
+          <ac:chgData name="Khattab, Sherif" userId="c83b1e15-36f3-4f46-aceb-05aac24c545e" providerId="ADAL" clId="{BA7E1913-A6F0-C848-94D5-CEC45678B150}" dt="2021-01-20T03:36:45.256" v="0"/>
+          <ac:spMkLst>
+            <pc:docMk/>
+            <pc:sldMk cId="1948397067" sldId="484"/>
+            <ac:spMk id="5" creationId="{DE1FD728-0EB3-4F5A-B200-1BF20173728C}"/>
+          </ac:spMkLst>
+        </pc:spChg>
+        <pc:spChg chg="mod">
+          <ac:chgData name="Khattab, Sherif" userId="c83b1e15-36f3-4f46-aceb-05aac24c545e" providerId="ADAL" clId="{BA7E1913-A6F0-C848-94D5-CEC45678B150}" dt="2021-01-20T03:36:45.256" v="0"/>
+          <ac:spMkLst>
+            <pc:docMk/>
+            <pc:sldMk cId="1948397067" sldId="484"/>
+            <ac:spMk id="7" creationId="{8A225AA0-21AD-A843-A4E3-3C82E24A7D11}"/>
+          </ac:spMkLst>
+        </pc:spChg>
+        <pc:spChg chg="mod">
+          <ac:chgData name="Khattab, Sherif" userId="c83b1e15-36f3-4f46-aceb-05aac24c545e" providerId="ADAL" clId="{BA7E1913-A6F0-C848-94D5-CEC45678B150}" dt="2021-01-20T03:36:45.256" v="0"/>
+          <ac:spMkLst>
+            <pc:docMk/>
+            <pc:sldMk cId="1948397067" sldId="484"/>
+            <ac:spMk id="25601" creationId="{5E2E26B9-79A1-4156-BA81-69E66E0DF0CE}"/>
+          </ac:spMkLst>
+        </pc:spChg>
+        <pc:grpChg chg="mod">
+          <ac:chgData name="Khattab, Sherif" userId="c83b1e15-36f3-4f46-aceb-05aac24c545e" providerId="ADAL" clId="{BA7E1913-A6F0-C848-94D5-CEC45678B150}" dt="2021-01-20T03:36:45.256" v="0"/>
+          <ac:grpSpMkLst>
+            <pc:docMk/>
+            <pc:sldMk cId="1948397067" sldId="484"/>
+            <ac:grpSpMk id="1" creationId="{00000000-0000-0000-0000-000000000000}"/>
+          </ac:grpSpMkLst>
+        </pc:grpChg>
+        <pc:graphicFrameChg chg="mod">
+          <ac:chgData name="Khattab, Sherif" userId="c83b1e15-36f3-4f46-aceb-05aac24c545e" providerId="ADAL" clId="{BA7E1913-A6F0-C848-94D5-CEC45678B150}" dt="2021-01-20T03:36:45.256" v="0"/>
+          <ac:graphicFrameMkLst>
+            <pc:docMk/>
+            <pc:sldMk cId="1948397067" sldId="484"/>
+            <ac:graphicFrameMk id="25602" creationId="{D681AA8F-570B-452A-9EE8-6BAD95C0CB2A}"/>
+          </ac:graphicFrameMkLst>
+        </pc:graphicFrameChg>
+      </pc:sldChg>
+      <pc:sldChg chg="modSp">
+        <pc:chgData name="Khattab, Sherif" userId="c83b1e15-36f3-4f46-aceb-05aac24c545e" providerId="ADAL" clId="{BA7E1913-A6F0-C848-94D5-CEC45678B150}" dt="2021-01-20T03:36:45.256" v="0"/>
+        <pc:sldMkLst>
+          <pc:docMk/>
+          <pc:sldMk cId="1363323927" sldId="488"/>
+        </pc:sldMkLst>
+        <pc:spChg chg="mod">
+          <ac:chgData name="Khattab, Sherif" userId="c83b1e15-36f3-4f46-aceb-05aac24c545e" providerId="ADAL" clId="{BA7E1913-A6F0-C848-94D5-CEC45678B150}" dt="2021-01-20T03:36:45.256" v="0"/>
+          <ac:spMkLst>
+            <pc:docMk/>
+            <pc:sldMk cId="1363323927" sldId="488"/>
+            <ac:spMk id="2" creationId="{D1784F0E-0CE3-4DF2-BF5E-AC961DED9AD5}"/>
+          </ac:spMkLst>
+        </pc:spChg>
+        <pc:spChg chg="mod">
+          <ac:chgData name="Khattab, Sherif" userId="c83b1e15-36f3-4f46-aceb-05aac24c545e" providerId="ADAL" clId="{BA7E1913-A6F0-C848-94D5-CEC45678B150}" dt="2021-01-20T03:36:45.256" v="0"/>
+          <ac:spMkLst>
+            <pc:docMk/>
+            <pc:sldMk cId="1363323927" sldId="488"/>
+            <ac:spMk id="4" creationId="{EDE852BE-9DBB-4B9F-96D6-41502235E65B}"/>
+          </ac:spMkLst>
+        </pc:spChg>
+        <pc:spChg chg="mod">
+          <ac:chgData name="Khattab, Sherif" userId="c83b1e15-36f3-4f46-aceb-05aac24c545e" providerId="ADAL" clId="{BA7E1913-A6F0-C848-94D5-CEC45678B150}" dt="2021-01-20T03:36:45.256" v="0"/>
+          <ac:spMkLst>
+            <pc:docMk/>
+            <pc:sldMk cId="1363323927" sldId="488"/>
+            <ac:spMk id="29697" creationId="{28E17C06-9C26-4EA2-A8CB-9E266E08CFC9}"/>
+          </ac:spMkLst>
+        </pc:spChg>
+        <pc:spChg chg="mod">
+          <ac:chgData name="Khattab, Sherif" userId="c83b1e15-36f3-4f46-aceb-05aac24c545e" providerId="ADAL" clId="{BA7E1913-A6F0-C848-94D5-CEC45678B150}" dt="2021-01-20T03:36:45.256" v="0"/>
+          <ac:spMkLst>
+            <pc:docMk/>
+            <pc:sldMk cId="1363323927" sldId="488"/>
+            <ac:spMk id="29699" creationId="{9B87D08D-EF4A-454B-A132-2A933B33FADF}"/>
+          </ac:spMkLst>
+        </pc:spChg>
+        <pc:grpChg chg="mod">
+          <ac:chgData name="Khattab, Sherif" userId="c83b1e15-36f3-4f46-aceb-05aac24c545e" providerId="ADAL" clId="{BA7E1913-A6F0-C848-94D5-CEC45678B150}" dt="2021-01-20T03:36:45.256" v="0"/>
+          <ac:grpSpMkLst>
+            <pc:docMk/>
+            <pc:sldMk cId="1363323927" sldId="488"/>
+            <ac:grpSpMk id="1" creationId="{00000000-0000-0000-0000-000000000000}"/>
+          </ac:grpSpMkLst>
+        </pc:grpChg>
+        <pc:graphicFrameChg chg="mod">
+          <ac:chgData name="Khattab, Sherif" userId="c83b1e15-36f3-4f46-aceb-05aac24c545e" providerId="ADAL" clId="{BA7E1913-A6F0-C848-94D5-CEC45678B150}" dt="2021-01-20T03:36:45.256" v="0"/>
+          <ac:graphicFrameMkLst>
+            <pc:docMk/>
+            <pc:sldMk cId="1363323927" sldId="488"/>
+            <ac:graphicFrameMk id="29698" creationId="{5096B804-6DD5-4EA7-8B5D-E7C04AA4F65D}"/>
+          </ac:graphicFrameMkLst>
+        </pc:graphicFrameChg>
+      </pc:sldChg>
+      <pc:sldChg chg="modSp">
+        <pc:chgData name="Khattab, Sherif" userId="c83b1e15-36f3-4f46-aceb-05aac24c545e" providerId="ADAL" clId="{BA7E1913-A6F0-C848-94D5-CEC45678B150}" dt="2021-01-20T03:36:45.256" v="0"/>
+        <pc:sldMkLst>
+          <pc:docMk/>
+          <pc:sldMk cId="936409682" sldId="489"/>
+        </pc:sldMkLst>
+        <pc:spChg chg="mod">
+          <ac:chgData name="Khattab, Sherif" userId="c83b1e15-36f3-4f46-aceb-05aac24c545e" providerId="ADAL" clId="{BA7E1913-A6F0-C848-94D5-CEC45678B150}" dt="2021-01-20T03:36:45.256" v="0"/>
+          <ac:spMkLst>
+            <pc:docMk/>
+            <pc:sldMk cId="936409682" sldId="489"/>
+            <ac:spMk id="2" creationId="{150C62BB-E114-454B-85DB-53D764ED6038}"/>
+          </ac:spMkLst>
+        </pc:spChg>
+        <pc:spChg chg="mod">
+          <ac:chgData name="Khattab, Sherif" userId="c83b1e15-36f3-4f46-aceb-05aac24c545e" providerId="ADAL" clId="{BA7E1913-A6F0-C848-94D5-CEC45678B150}" dt="2021-01-20T03:36:45.256" v="0"/>
+          <ac:spMkLst>
+            <pc:docMk/>
+            <pc:sldMk cId="936409682" sldId="489"/>
+            <ac:spMk id="4" creationId="{8F548AA1-681E-4DA0-A9AF-6C8D550D5E08}"/>
+          </ac:spMkLst>
+        </pc:spChg>
+        <pc:spChg chg="mod">
+          <ac:chgData name="Khattab, Sherif" userId="c83b1e15-36f3-4f46-aceb-05aac24c545e" providerId="ADAL" clId="{BA7E1913-A6F0-C848-94D5-CEC45678B150}" dt="2021-01-20T03:36:45.256" v="0"/>
+          <ac:spMkLst>
+            <pc:docMk/>
+            <pc:sldMk cId="936409682" sldId="489"/>
+            <ac:spMk id="30721" creationId="{0A3F3B3A-9F5F-4801-AFED-E732F58A9EA2}"/>
+          </ac:spMkLst>
+        </pc:spChg>
+        <pc:spChg chg="mod">
+          <ac:chgData name="Khattab, Sherif" userId="c83b1e15-36f3-4f46-aceb-05aac24c545e" providerId="ADAL" clId="{BA7E1913-A6F0-C848-94D5-CEC45678B150}" dt="2021-01-20T03:36:45.256" v="0"/>
+          <ac:spMkLst>
+            <pc:docMk/>
+            <pc:sldMk cId="936409682" sldId="489"/>
+            <ac:spMk id="30722" creationId="{33C3E8B9-1772-47B4-9411-185F126423BA}"/>
+          </ac:spMkLst>
+        </pc:spChg>
+        <pc:grpChg chg="mod">
+          <ac:chgData name="Khattab, Sherif" userId="c83b1e15-36f3-4f46-aceb-05aac24c545e" providerId="ADAL" clId="{BA7E1913-A6F0-C848-94D5-CEC45678B150}" dt="2021-01-20T03:36:45.256" v="0"/>
+          <ac:grpSpMkLst>
+            <pc:docMk/>
+            <pc:sldMk cId="936409682" sldId="489"/>
+            <ac:grpSpMk id="1" creationId="{00000000-0000-0000-0000-000000000000}"/>
+          </ac:grpSpMkLst>
+        </pc:grpChg>
+        <pc:graphicFrameChg chg="mod">
+          <ac:chgData name="Khattab, Sherif" userId="c83b1e15-36f3-4f46-aceb-05aac24c545e" providerId="ADAL" clId="{BA7E1913-A6F0-C848-94D5-CEC45678B150}" dt="2021-01-20T03:36:45.256" v="0"/>
+          <ac:graphicFrameMkLst>
+            <pc:docMk/>
+            <pc:sldMk cId="936409682" sldId="489"/>
+            <ac:graphicFrameMk id="30723" creationId="{24ED8923-A61A-4244-A0FE-28542EDE5C2B}"/>
+          </ac:graphicFrameMkLst>
+        </pc:graphicFrameChg>
+      </pc:sldChg>
+      <pc:sldChg chg="modSp">
+        <pc:chgData name="Khattab, Sherif" userId="c83b1e15-36f3-4f46-aceb-05aac24c545e" providerId="ADAL" clId="{BA7E1913-A6F0-C848-94D5-CEC45678B150}" dt="2021-01-20T03:36:45.256" v="0"/>
+        <pc:sldMkLst>
+          <pc:docMk/>
+          <pc:sldMk cId="3447713174" sldId="494"/>
+        </pc:sldMkLst>
+        <pc:spChg chg="mod">
+          <ac:chgData name="Khattab, Sherif" userId="c83b1e15-36f3-4f46-aceb-05aac24c545e" providerId="ADAL" clId="{BA7E1913-A6F0-C848-94D5-CEC45678B150}" dt="2021-01-20T03:36:45.256" v="0"/>
+          <ac:spMkLst>
+            <pc:docMk/>
+            <pc:sldMk cId="3447713174" sldId="494"/>
+            <ac:spMk id="3" creationId="{68983252-D58B-4136-834E-912F539F00B6}"/>
+          </ac:spMkLst>
+        </pc:spChg>
+        <pc:spChg chg="mod">
+          <ac:chgData name="Khattab, Sherif" userId="c83b1e15-36f3-4f46-aceb-05aac24c545e" providerId="ADAL" clId="{BA7E1913-A6F0-C848-94D5-CEC45678B150}" dt="2021-01-20T03:36:45.256" v="0"/>
+          <ac:spMkLst>
+            <pc:docMk/>
+            <pc:sldMk cId="3447713174" sldId="494"/>
+            <ac:spMk id="5" creationId="{6E7E3CCF-4F96-45E6-B828-6AA5F067043A}"/>
+          </ac:spMkLst>
+        </pc:spChg>
+        <pc:spChg chg="mod">
+          <ac:chgData name="Khattab, Sherif" userId="c83b1e15-36f3-4f46-aceb-05aac24c545e" providerId="ADAL" clId="{BA7E1913-A6F0-C848-94D5-CEC45678B150}" dt="2021-01-20T03:36:45.256" v="0"/>
+          <ac:spMkLst>
+            <pc:docMk/>
+            <pc:sldMk cId="3447713174" sldId="494"/>
+            <ac:spMk id="7" creationId="{E82B22B3-1517-E346-9A8B-094A40D2FC5B}"/>
+          </ac:spMkLst>
+        </pc:spChg>
+        <pc:spChg chg="mod">
+          <ac:chgData name="Khattab, Sherif" userId="c83b1e15-36f3-4f46-aceb-05aac24c545e" providerId="ADAL" clId="{BA7E1913-A6F0-C848-94D5-CEC45678B150}" dt="2021-01-20T03:36:45.256" v="0"/>
+          <ac:spMkLst>
+            <pc:docMk/>
+            <pc:sldMk cId="3447713174" sldId="494"/>
+            <ac:spMk id="35841" creationId="{B48F48C8-3631-4F5F-8724-374B534CDB0D}"/>
+          </ac:spMkLst>
+        </pc:spChg>
+        <pc:grpChg chg="mod">
+          <ac:chgData name="Khattab, Sherif" userId="c83b1e15-36f3-4f46-aceb-05aac24c545e" providerId="ADAL" clId="{BA7E1913-A6F0-C848-94D5-CEC45678B150}" dt="2021-01-20T03:36:45.256" v="0"/>
+          <ac:grpSpMkLst>
+            <pc:docMk/>
+            <pc:sldMk cId="3447713174" sldId="494"/>
+            <ac:grpSpMk id="1" creationId="{00000000-0000-0000-0000-000000000000}"/>
+          </ac:grpSpMkLst>
+        </pc:grpChg>
+        <pc:graphicFrameChg chg="mod">
+          <ac:chgData name="Khattab, Sherif" userId="c83b1e15-36f3-4f46-aceb-05aac24c545e" providerId="ADAL" clId="{BA7E1913-A6F0-C848-94D5-CEC45678B150}" dt="2021-01-20T03:36:45.256" v="0"/>
+          <ac:graphicFrameMkLst>
+            <pc:docMk/>
+            <pc:sldMk cId="3447713174" sldId="494"/>
+            <ac:graphicFrameMk id="35842" creationId="{8D1701A4-A56B-439A-9B39-A560D76A3316}"/>
+          </ac:graphicFrameMkLst>
+        </pc:graphicFrameChg>
+      </pc:sldChg>
+      <pc:sldChg chg="modSp">
+        <pc:chgData name="Khattab, Sherif" userId="c83b1e15-36f3-4f46-aceb-05aac24c545e" providerId="ADAL" clId="{BA7E1913-A6F0-C848-94D5-CEC45678B150}" dt="2021-01-20T03:36:45.256" v="0"/>
+        <pc:sldMkLst>
+          <pc:docMk/>
+          <pc:sldMk cId="2129126942" sldId="495"/>
+        </pc:sldMkLst>
+        <pc:spChg chg="mod">
+          <ac:chgData name="Khattab, Sherif" userId="c83b1e15-36f3-4f46-aceb-05aac24c545e" providerId="ADAL" clId="{BA7E1913-A6F0-C848-94D5-CEC45678B150}" dt="2021-01-20T03:36:45.256" v="0"/>
+          <ac:spMkLst>
+            <pc:docMk/>
+            <pc:sldMk cId="2129126942" sldId="495"/>
+            <ac:spMk id="2" creationId="{B0EDE6F0-5E08-467B-A6AE-AA045809023A}"/>
+          </ac:spMkLst>
+        </pc:spChg>
+        <pc:spChg chg="mod">
+          <ac:chgData name="Khattab, Sherif" userId="c83b1e15-36f3-4f46-aceb-05aac24c545e" providerId="ADAL" clId="{BA7E1913-A6F0-C848-94D5-CEC45678B150}" dt="2021-01-20T03:36:45.256" v="0"/>
+          <ac:spMkLst>
+            <pc:docMk/>
+            <pc:sldMk cId="2129126942" sldId="495"/>
+            <ac:spMk id="4" creationId="{31048580-254B-4562-B07A-13FA9D7EEB7E}"/>
+          </ac:spMkLst>
+        </pc:spChg>
+        <pc:spChg chg="mod">
+          <ac:chgData name="Khattab, Sherif" userId="c83b1e15-36f3-4f46-aceb-05aac24c545e" providerId="ADAL" clId="{BA7E1913-A6F0-C848-94D5-CEC45678B150}" dt="2021-01-20T03:36:45.256" v="0"/>
+          <ac:spMkLst>
+            <pc:docMk/>
+            <pc:sldMk cId="2129126942" sldId="495"/>
+            <ac:spMk id="36865" creationId="{7EA33581-0FBA-4513-BC21-59EBD3254C34}"/>
+          </ac:spMkLst>
+        </pc:spChg>
+        <pc:spChg chg="mod">
+          <ac:chgData name="Khattab, Sherif" userId="c83b1e15-36f3-4f46-aceb-05aac24c545e" providerId="ADAL" clId="{BA7E1913-A6F0-C848-94D5-CEC45678B150}" dt="2021-01-20T03:36:45.256" v="0"/>
+          <ac:spMkLst>
+            <pc:docMk/>
+            <pc:sldMk cId="2129126942" sldId="495"/>
+            <ac:spMk id="36866" creationId="{D4B374AC-8E1B-4FB1-8CD1-E75C5A388926}"/>
+          </ac:spMkLst>
+        </pc:spChg>
+        <pc:grpChg chg="mod">
+          <ac:chgData name="Khattab, Sherif" userId="c83b1e15-36f3-4f46-aceb-05aac24c545e" providerId="ADAL" clId="{BA7E1913-A6F0-C848-94D5-CEC45678B150}" dt="2021-01-20T03:36:45.256" v="0"/>
+          <ac:grpSpMkLst>
+            <pc:docMk/>
+            <pc:sldMk cId="2129126942" sldId="495"/>
+            <ac:grpSpMk id="1" creationId="{00000000-0000-0000-0000-000000000000}"/>
+          </ac:grpSpMkLst>
+        </pc:grpChg>
+        <pc:graphicFrameChg chg="mod">
+          <ac:chgData name="Khattab, Sherif" userId="c83b1e15-36f3-4f46-aceb-05aac24c545e" providerId="ADAL" clId="{BA7E1913-A6F0-C848-94D5-CEC45678B150}" dt="2021-01-20T03:36:45.256" v="0"/>
+          <ac:graphicFrameMkLst>
+            <pc:docMk/>
+            <pc:sldMk cId="2129126942" sldId="495"/>
+            <ac:graphicFrameMk id="36867" creationId="{6EBD17C3-7239-4686-9A19-775BA4E9A6D5}"/>
+          </ac:graphicFrameMkLst>
+        </pc:graphicFrameChg>
+      </pc:sldChg>
+    </pc:docChg>
+  </pc:docChgLst>
+  <pc:docChgLst>
+    <pc:chgData name="Khattab, Sherif" userId="c83b1e15-36f3-4f46-aceb-05aac24c545e" providerId="ADAL" clId="{79D9A848-63DC-C04B-A37B-45CD4B398B25}"/>
+    <pc:docChg chg="sldOrd">
+      <pc:chgData name="Khattab, Sherif" userId="c83b1e15-36f3-4f46-aceb-05aac24c545e" providerId="ADAL" clId="{79D9A848-63DC-C04B-A37B-45CD4B398B25}" dt="2020-10-07T03:45:55.390" v="0" actId="20578"/>
+      <pc:docMkLst>
+        <pc:docMk/>
+      </pc:docMkLst>
+      <pc:sldChg chg="ord">
+        <pc:chgData name="Khattab, Sherif" userId="c83b1e15-36f3-4f46-aceb-05aac24c545e" providerId="ADAL" clId="{79D9A848-63DC-C04B-A37B-45CD4B398B25}" dt="2020-10-07T03:45:55.390" v="0" actId="20578"/>
+        <pc:sldMkLst>
+          <pc:docMk/>
+          <pc:sldMk cId="434376579" sldId="363"/>
+        </pc:sldMkLst>
+      </pc:sldChg>
+    </pc:docChg>
+  </pc:docChgLst>
+  <pc:docChgLst>
+    <pc:chgData name="Khattab, Sherif" userId="c83b1e15-36f3-4f46-aceb-05aac24c545e" providerId="ADAL" clId="{FE92C68B-4A2B-491A-802D-9A016E970098}"/>
+    <pc:docChg chg="addSld modSld">
+      <pc:chgData name="Khattab, Sherif" userId="c83b1e15-36f3-4f46-aceb-05aac24c545e" providerId="ADAL" clId="{FE92C68B-4A2B-491A-802D-9A016E970098}" dt="2021-01-21T02:52:14.809" v="71" actId="20577"/>
+      <pc:docMkLst>
+        <pc:docMk/>
+      </pc:docMkLst>
+      <pc:sldChg chg="modSp mod">
+        <pc:chgData name="Khattab, Sherif" userId="c83b1e15-36f3-4f46-aceb-05aac24c545e" providerId="ADAL" clId="{FE92C68B-4A2B-491A-802D-9A016E970098}" dt="2021-01-21T02:51:24.200" v="12" actId="20577"/>
+        <pc:sldMkLst>
+          <pc:docMk/>
+          <pc:sldMk cId="1330366002" sldId="454"/>
+        </pc:sldMkLst>
+        <pc:spChg chg="mod">
+          <ac:chgData name="Khattab, Sherif" userId="c83b1e15-36f3-4f46-aceb-05aac24c545e" providerId="ADAL" clId="{FE92C68B-4A2B-491A-802D-9A016E970098}" dt="2021-01-21T02:51:24.200" v="12" actId="20577"/>
+          <ac:spMkLst>
+            <pc:docMk/>
+            <pc:sldMk cId="1330366002" sldId="454"/>
+            <ac:spMk id="3" creationId="{00000000-0000-0000-0000-000000000000}"/>
+          </ac:spMkLst>
+        </pc:spChg>
+      </pc:sldChg>
+      <pc:sldChg chg="modSp new mod">
+        <pc:chgData name="Khattab, Sherif" userId="c83b1e15-36f3-4f46-aceb-05aac24c545e" providerId="ADAL" clId="{FE92C68B-4A2B-491A-802D-9A016E970098}" dt="2021-01-21T02:52:14.809" v="71" actId="20577"/>
+        <pc:sldMkLst>
+          <pc:docMk/>
+          <pc:sldMk cId="702367729" sldId="496"/>
+        </pc:sldMkLst>
+        <pc:spChg chg="mod">
+          <ac:chgData name="Khattab, Sherif" userId="c83b1e15-36f3-4f46-aceb-05aac24c545e" providerId="ADAL" clId="{FE92C68B-4A2B-491A-802D-9A016E970098}" dt="2021-01-21T02:51:45.117" v="26" actId="20577"/>
+          <ac:spMkLst>
+            <pc:docMk/>
+            <pc:sldMk cId="702367729" sldId="496"/>
+            <ac:spMk id="2" creationId="{AB9EA720-F5B4-463B-B14C-1970BB85B2C8}"/>
+          </ac:spMkLst>
+        </pc:spChg>
+        <pc:spChg chg="mod">
+          <ac:chgData name="Khattab, Sherif" userId="c83b1e15-36f3-4f46-aceb-05aac24c545e" providerId="ADAL" clId="{FE92C68B-4A2B-491A-802D-9A016E970098}" dt="2021-01-21T02:52:14.809" v="71" actId="20577"/>
+          <ac:spMkLst>
+            <pc:docMk/>
+            <pc:sldMk cId="702367729" sldId="496"/>
+            <ac:spMk id="3" creationId="{2466C52D-9A48-4683-BE7F-268D8DB7FAAD}"/>
+          </ac:spMkLst>
+        </pc:spChg>
+      </pc:sldChg>
+    </pc:docChg>
+  </pc:docChgLst>
+  <pc:docChgLst>
+    <pc:chgData name="Khattab, Sherif" userId="c83b1e15-36f3-4f46-aceb-05aac24c545e" providerId="ADAL" clId="{EE78B4C3-BA47-2B47-8B84-4022815E3587}"/>
+    <pc:docChg chg="addSld delSld modSld">
+      <pc:chgData name="Khattab, Sherif" userId="c83b1e15-36f3-4f46-aceb-05aac24c545e" providerId="ADAL" clId="{EE78B4C3-BA47-2B47-8B84-4022815E3587}" dt="2019-05-14T13:34:18.851" v="46"/>
       <pc:docMkLst>
         <pc:docMk/>
       </pc:docMkLst>
       <pc:sldChg chg="modSp">
-        <pc:chgData name="Khattab, Sherif" userId="c83b1e15-36f3-4f46-aceb-05aac24c545e" providerId="ADAL" clId="{73EE9CC4-D3DC-EF46-A48C-45E1B855EE49}" dt="2021-09-01T06:15:24.312" v="0"/>
-        <pc:sldMkLst>
-          <pc:docMk/>
-          <pc:sldMk cId="1330366002" sldId="454"/>
+        <pc:chgData name="Khattab, Sherif" userId="c83b1e15-36f3-4f46-aceb-05aac24c545e" providerId="ADAL" clId="{EE78B4C3-BA47-2B47-8B84-4022815E3587}" dt="2019-05-14T13:28:04.131" v="18" actId="20577"/>
+        <pc:sldMkLst>
+          <pc:docMk/>
+          <pc:sldMk cId="0" sldId="256"/>
         </pc:sldMkLst>
         <pc:spChg chg="mod">
-          <ac:chgData name="Khattab, Sherif" userId="c83b1e15-36f3-4f46-aceb-05aac24c545e" providerId="ADAL" clId="{73EE9CC4-D3DC-EF46-A48C-45E1B855EE49}" dt="2021-09-01T06:15:24.312" v="0"/>
-          <ac:spMkLst>
-            <pc:docMk/>
-            <pc:sldMk cId="1330366002" sldId="454"/>
+          <ac:chgData name="Khattab, Sherif" userId="c83b1e15-36f3-4f46-aceb-05aac24c545e" providerId="ADAL" clId="{EE78B4C3-BA47-2B47-8B84-4022815E3587}" dt="2019-05-14T13:28:04.131" v="18" actId="20577"/>
+          <ac:spMkLst>
+            <pc:docMk/>
+            <pc:sldMk cId="0" sldId="256"/>
+            <ac:spMk id="2" creationId="{00000000-0000-0000-0000-000000000000}"/>
+          </ac:spMkLst>
+        </pc:spChg>
+      </pc:sldChg>
+      <pc:sldChg chg="delSp">
+        <pc:chgData name="Khattab, Sherif" userId="c83b1e15-36f3-4f46-aceb-05aac24c545e" providerId="ADAL" clId="{EE78B4C3-BA47-2B47-8B84-4022815E3587}" dt="2019-05-14T13:30:07.468" v="20"/>
+        <pc:sldMkLst>
+          <pc:docMk/>
+          <pc:sldMk cId="1004035158" sldId="259"/>
+        </pc:sldMkLst>
+        <pc:spChg chg="del">
+          <ac:chgData name="Khattab, Sherif" userId="c83b1e15-36f3-4f46-aceb-05aac24c545e" providerId="ADAL" clId="{EE78B4C3-BA47-2B47-8B84-4022815E3587}" dt="2019-05-14T13:30:07.468" v="20"/>
+          <ac:spMkLst>
+            <pc:docMk/>
+            <pc:sldMk cId="1004035158" sldId="259"/>
+            <ac:spMk id="2" creationId="{00000000-0000-0000-0000-000000000000}"/>
+          </ac:spMkLst>
+        </pc:spChg>
+      </pc:sldChg>
+      <pc:sldChg chg="delSp">
+        <pc:chgData name="Khattab, Sherif" userId="c83b1e15-36f3-4f46-aceb-05aac24c545e" providerId="ADAL" clId="{EE78B4C3-BA47-2B47-8B84-4022815E3587}" dt="2019-05-14T13:30:07.468" v="20"/>
+        <pc:sldMkLst>
+          <pc:docMk/>
+          <pc:sldMk cId="1444142485" sldId="261"/>
+        </pc:sldMkLst>
+        <pc:spChg chg="del">
+          <ac:chgData name="Khattab, Sherif" userId="c83b1e15-36f3-4f46-aceb-05aac24c545e" providerId="ADAL" clId="{EE78B4C3-BA47-2B47-8B84-4022815E3587}" dt="2019-05-14T13:30:07.468" v="20"/>
+          <ac:spMkLst>
+            <pc:docMk/>
+            <pc:sldMk cId="1444142485" sldId="261"/>
             <ac:spMk id="3" creationId="{00000000-0000-0000-0000-000000000000}"/>
           </ac:spMkLst>
         </pc:spChg>
       </pc:sldChg>
-      <pc:sldChg chg="add">
-        <pc:chgData name="Khattab, Sherif" userId="c83b1e15-36f3-4f46-aceb-05aac24c545e" providerId="ADAL" clId="{73EE9CC4-D3DC-EF46-A48C-45E1B855EE49}" dt="2021-09-01T16:31:22.886" v="1"/>
-        <pc:sldMkLst>
-          <pc:docMk/>
-          <pc:sldMk cId="3060777694" sldId="497"/>
-        </pc:sldMkLst>
-      </pc:sldChg>
-      <pc:sldChg chg="add">
-        <pc:chgData name="Khattab, Sherif" userId="c83b1e15-36f3-4f46-aceb-05aac24c545e" providerId="ADAL" clId="{73EE9CC4-D3DC-EF46-A48C-45E1B855EE49}" dt="2021-09-01T16:31:22.886" v="1"/>
-        <pc:sldMkLst>
-          <pc:docMk/>
-          <pc:sldMk cId="4242221972" sldId="503"/>
-        </pc:sldMkLst>
+      <pc:sldChg chg="delSp">
+        <pc:chgData name="Khattab, Sherif" userId="c83b1e15-36f3-4f46-aceb-05aac24c545e" providerId="ADAL" clId="{EE78B4C3-BA47-2B47-8B84-4022815E3587}" dt="2019-05-14T13:30:07.468" v="20"/>
+        <pc:sldMkLst>
+          <pc:docMk/>
+          <pc:sldMk cId="516417489" sldId="262"/>
+        </pc:sldMkLst>
+        <pc:spChg chg="del">
+          <ac:chgData name="Khattab, Sherif" userId="c83b1e15-36f3-4f46-aceb-05aac24c545e" providerId="ADAL" clId="{EE78B4C3-BA47-2B47-8B84-4022815E3587}" dt="2019-05-14T13:30:07.468" v="20"/>
+          <ac:spMkLst>
+            <pc:docMk/>
+            <pc:sldMk cId="516417489" sldId="262"/>
+            <ac:spMk id="2" creationId="{00000000-0000-0000-0000-000000000000}"/>
+          </ac:spMkLst>
+        </pc:spChg>
+      </pc:sldChg>
+      <pc:sldChg chg="delSp">
+        <pc:chgData name="Khattab, Sherif" userId="c83b1e15-36f3-4f46-aceb-05aac24c545e" providerId="ADAL" clId="{EE78B4C3-BA47-2B47-8B84-4022815E3587}" dt="2019-05-14T13:30:07.468" v="20"/>
+        <pc:sldMkLst>
+          <pc:docMk/>
+          <pc:sldMk cId="561583903" sldId="263"/>
+        </pc:sldMkLst>
+        <pc:spChg chg="del">
+          <ac:chgData name="Khattab, Sherif" userId="c83b1e15-36f3-4f46-aceb-05aac24c545e" providerId="ADAL" clId="{EE78B4C3-BA47-2B47-8B84-4022815E3587}" dt="2019-05-14T13:30:07.468" v="20"/>
+          <ac:spMkLst>
+            <pc:docMk/>
+            <pc:sldMk cId="561583903" sldId="263"/>
+            <ac:spMk id="3" creationId="{00000000-0000-0000-0000-000000000000}"/>
+          </ac:spMkLst>
+        </pc:spChg>
+      </pc:sldChg>
+      <pc:sldChg chg="delSp">
+        <pc:chgData name="Khattab, Sherif" userId="c83b1e15-36f3-4f46-aceb-05aac24c545e" providerId="ADAL" clId="{EE78B4C3-BA47-2B47-8B84-4022815E3587}" dt="2019-05-14T13:30:07.468" v="20"/>
+        <pc:sldMkLst>
+          <pc:docMk/>
+          <pc:sldMk cId="982315759" sldId="264"/>
+        </pc:sldMkLst>
+        <pc:spChg chg="del">
+          <ac:chgData name="Khattab, Sherif" userId="c83b1e15-36f3-4f46-aceb-05aac24c545e" providerId="ADAL" clId="{EE78B4C3-BA47-2B47-8B84-4022815E3587}" dt="2019-05-14T13:30:07.468" v="20"/>
+          <ac:spMkLst>
+            <pc:docMk/>
+            <pc:sldMk cId="982315759" sldId="264"/>
+            <ac:spMk id="2" creationId="{00000000-0000-0000-0000-000000000000}"/>
+          </ac:spMkLst>
+        </pc:spChg>
+      </pc:sldChg>
+      <pc:sldChg chg="delSp modSp">
+        <pc:chgData name="Khattab, Sherif" userId="c83b1e15-36f3-4f46-aceb-05aac24c545e" providerId="ADAL" clId="{EE78B4C3-BA47-2B47-8B84-4022815E3587}" dt="2019-05-14T13:30:35.317" v="37" actId="20577"/>
+        <pc:sldMkLst>
+          <pc:docMk/>
+          <pc:sldMk cId="423130617" sldId="265"/>
+        </pc:sldMkLst>
+        <pc:spChg chg="del">
+          <ac:chgData name="Khattab, Sherif" userId="c83b1e15-36f3-4f46-aceb-05aac24c545e" providerId="ADAL" clId="{EE78B4C3-BA47-2B47-8B84-4022815E3587}" dt="2019-05-14T13:30:07.468" v="20"/>
+          <ac:spMkLst>
+            <pc:docMk/>
+            <pc:sldMk cId="423130617" sldId="265"/>
+            <ac:spMk id="3" creationId="{00000000-0000-0000-0000-000000000000}"/>
+          </ac:spMkLst>
+        </pc:spChg>
+        <pc:spChg chg="mod">
+          <ac:chgData name="Khattab, Sherif" userId="c83b1e15-36f3-4f46-aceb-05aac24c545e" providerId="ADAL" clId="{EE78B4C3-BA47-2B47-8B84-4022815E3587}" dt="2019-05-14T13:30:35.317" v="37" actId="20577"/>
+          <ac:spMkLst>
+            <pc:docMk/>
+            <pc:sldMk cId="423130617" sldId="265"/>
+            <ac:spMk id="12290" creationId="{00000000-0000-0000-0000-000000000000}"/>
+          </ac:spMkLst>
+        </pc:spChg>
+      </pc:sldChg>
+      <pc:sldChg chg="delSp">
+        <pc:chgData name="Khattab, Sherif" userId="c83b1e15-36f3-4f46-aceb-05aac24c545e" providerId="ADAL" clId="{EE78B4C3-BA47-2B47-8B84-4022815E3587}" dt="2019-05-14T13:30:07.468" v="20"/>
+        <pc:sldMkLst>
+          <pc:docMk/>
+          <pc:sldMk cId="661211275" sldId="267"/>
+        </pc:sldMkLst>
+        <pc:spChg chg="del">
+          <ac:chgData name="Khattab, Sherif" userId="c83b1e15-36f3-4f46-aceb-05aac24c545e" providerId="ADAL" clId="{EE78B4C3-BA47-2B47-8B84-4022815E3587}" dt="2019-05-14T13:30:07.468" v="20"/>
+          <ac:spMkLst>
+            <pc:docMk/>
+            <pc:sldMk cId="661211275" sldId="267"/>
+            <ac:spMk id="2" creationId="{00000000-0000-0000-0000-000000000000}"/>
+          </ac:spMkLst>
+        </pc:spChg>
+      </pc:sldChg>
+      <pc:sldChg chg="delSp">
+        <pc:chgData name="Khattab, Sherif" userId="c83b1e15-36f3-4f46-aceb-05aac24c545e" providerId="ADAL" clId="{EE78B4C3-BA47-2B47-8B84-4022815E3587}" dt="2019-05-14T13:30:07.468" v="20"/>
+        <pc:sldMkLst>
+          <pc:docMk/>
+          <pc:sldMk cId="1897509347" sldId="268"/>
+        </pc:sldMkLst>
+        <pc:spChg chg="del">
+          <ac:chgData name="Khattab, Sherif" userId="c83b1e15-36f3-4f46-aceb-05aac24c545e" providerId="ADAL" clId="{EE78B4C3-BA47-2B47-8B84-4022815E3587}" dt="2019-05-14T13:30:07.468" v="20"/>
+          <ac:spMkLst>
+            <pc:docMk/>
+            <pc:sldMk cId="1897509347" sldId="268"/>
+            <ac:spMk id="2" creationId="{00000000-0000-0000-0000-000000000000}"/>
+          </ac:spMkLst>
+        </pc:spChg>
+      </pc:sldChg>
+      <pc:sldChg chg="delSp">
+        <pc:chgData name="Khattab, Sherif" userId="c83b1e15-36f3-4f46-aceb-05aac24c545e" providerId="ADAL" clId="{EE78B4C3-BA47-2B47-8B84-4022815E3587}" dt="2019-05-14T13:30:07.468" v="20"/>
+        <pc:sldMkLst>
+          <pc:docMk/>
+          <pc:sldMk cId="1042310649" sldId="269"/>
+        </pc:sldMkLst>
+        <pc:spChg chg="del">
+          <ac:chgData name="Khattab, Sherif" userId="c83b1e15-36f3-4f46-aceb-05aac24c545e" providerId="ADAL" clId="{EE78B4C3-BA47-2B47-8B84-4022815E3587}" dt="2019-05-14T13:30:07.468" v="20"/>
+          <ac:spMkLst>
+            <pc:docMk/>
+            <pc:sldMk cId="1042310649" sldId="269"/>
+            <ac:spMk id="3" creationId="{00000000-0000-0000-0000-000000000000}"/>
+          </ac:spMkLst>
+        </pc:spChg>
+      </pc:sldChg>
+      <pc:sldChg chg="delSp">
+        <pc:chgData name="Khattab, Sherif" userId="c83b1e15-36f3-4f46-aceb-05aac24c545e" providerId="ADAL" clId="{EE78B4C3-BA47-2B47-8B84-4022815E3587}" dt="2019-05-14T13:30:07.468" v="20"/>
+        <pc:sldMkLst>
+          <pc:docMk/>
+          <pc:sldMk cId="703361262" sldId="270"/>
+        </pc:sldMkLst>
+        <pc:spChg chg="del">
+          <ac:chgData name="Khattab, Sherif" userId="c83b1e15-36f3-4f46-aceb-05aac24c545e" providerId="ADAL" clId="{EE78B4C3-BA47-2B47-8B84-4022815E3587}" dt="2019-05-14T13:30:07.468" v="20"/>
+          <ac:spMkLst>
+            <pc:docMk/>
+            <pc:sldMk cId="703361262" sldId="270"/>
+            <ac:spMk id="3" creationId="{00000000-0000-0000-0000-000000000000}"/>
+          </ac:spMkLst>
+        </pc:spChg>
+      </pc:sldChg>
+      <pc:sldChg chg="delSp">
+        <pc:chgData name="Khattab, Sherif" userId="c83b1e15-36f3-4f46-aceb-05aac24c545e" providerId="ADAL" clId="{EE78B4C3-BA47-2B47-8B84-4022815E3587}" dt="2019-05-14T13:30:07.468" v="20"/>
+        <pc:sldMkLst>
+          <pc:docMk/>
+          <pc:sldMk cId="1436808390" sldId="271"/>
+        </pc:sldMkLst>
+        <pc:spChg chg="del">
+          <ac:chgData name="Khattab, Sherif" userId="c83b1e15-36f3-4f46-aceb-05aac24c545e" providerId="ADAL" clId="{EE78B4C3-BA47-2B47-8B84-4022815E3587}" dt="2019-05-14T13:30:07.468" v="20"/>
+          <ac:spMkLst>
+            <pc:docMk/>
+            <pc:sldMk cId="1436808390" sldId="271"/>
+            <ac:spMk id="2" creationId="{00000000-0000-0000-0000-000000000000}"/>
+          </ac:spMkLst>
+        </pc:spChg>
+      </pc:sldChg>
+      <pc:sldChg chg="delSp">
+        <pc:chgData name="Khattab, Sherif" userId="c83b1e15-36f3-4f46-aceb-05aac24c545e" providerId="ADAL" clId="{EE78B4C3-BA47-2B47-8B84-4022815E3587}" dt="2019-05-14T13:30:07.468" v="20"/>
+        <pc:sldMkLst>
+          <pc:docMk/>
+          <pc:sldMk cId="1301683851" sldId="272"/>
+        </pc:sldMkLst>
+        <pc:spChg chg="del">
+          <ac:chgData name="Khattab, Sherif" userId="c83b1e15-36f3-4f46-aceb-05aac24c545e" providerId="ADAL" clId="{EE78B4C3-BA47-2B47-8B84-4022815E3587}" dt="2019-05-14T13:30:07.468" v="20"/>
+          <ac:spMkLst>
+            <pc:docMk/>
+            <pc:sldMk cId="1301683851" sldId="272"/>
+            <ac:spMk id="3" creationId="{00000000-0000-0000-0000-000000000000}"/>
+          </ac:spMkLst>
+        </pc:spChg>
+      </pc:sldChg>
+      <pc:sldChg chg="delSp">
+        <pc:chgData name="Khattab, Sherif" userId="c83b1e15-36f3-4f46-aceb-05aac24c545e" providerId="ADAL" clId="{EE78B4C3-BA47-2B47-8B84-4022815E3587}" dt="2019-05-14T13:30:07.468" v="20"/>
+        <pc:sldMkLst>
+          <pc:docMk/>
+          <pc:sldMk cId="55302999" sldId="274"/>
+        </pc:sldMkLst>
+        <pc:spChg chg="del">
+          <ac:chgData name="Khattab, Sherif" userId="c83b1e15-36f3-4f46-aceb-05aac24c545e" providerId="ADAL" clId="{EE78B4C3-BA47-2B47-8B84-4022815E3587}" dt="2019-05-14T13:30:07.468" v="20"/>
+          <ac:spMkLst>
+            <pc:docMk/>
+            <pc:sldMk cId="55302999" sldId="274"/>
+            <ac:spMk id="2" creationId="{00000000-0000-0000-0000-000000000000}"/>
+          </ac:spMkLst>
+        </pc:spChg>
+      </pc:sldChg>
+      <pc:sldChg chg="delSp">
+        <pc:chgData name="Khattab, Sherif" userId="c83b1e15-36f3-4f46-aceb-05aac24c545e" providerId="ADAL" clId="{EE78B4C3-BA47-2B47-8B84-4022815E3587}" dt="2019-05-14T13:30:07.468" v="20"/>
+        <pc:sldMkLst>
+          <pc:docMk/>
+          <pc:sldMk cId="2064114192" sldId="276"/>
+        </pc:sldMkLst>
+        <pc:spChg chg="del">
+          <ac:chgData name="Khattab, Sherif" userId="c83b1e15-36f3-4f46-aceb-05aac24c545e" providerId="ADAL" clId="{EE78B4C3-BA47-2B47-8B84-4022815E3587}" dt="2019-05-14T13:30:07.468" v="20"/>
+          <ac:spMkLst>
+            <pc:docMk/>
+            <pc:sldMk cId="2064114192" sldId="276"/>
+            <ac:spMk id="2" creationId="{00000000-0000-0000-0000-000000000000}"/>
+          </ac:spMkLst>
+        </pc:spChg>
+      </pc:sldChg>
+      <pc:sldChg chg="delSp">
+        <pc:chgData name="Khattab, Sherif" userId="c83b1e15-36f3-4f46-aceb-05aac24c545e" providerId="ADAL" clId="{EE78B4C3-BA47-2B47-8B84-4022815E3587}" dt="2019-05-14T13:30:07.468" v="20"/>
+        <pc:sldMkLst>
+          <pc:docMk/>
+          <pc:sldMk cId="1000435174" sldId="278"/>
+        </pc:sldMkLst>
+        <pc:spChg chg="del">
+          <ac:chgData name="Khattab, Sherif" userId="c83b1e15-36f3-4f46-aceb-05aac24c545e" providerId="ADAL" clId="{EE78B4C3-BA47-2B47-8B84-4022815E3587}" dt="2019-05-14T13:30:07.468" v="20"/>
+          <ac:spMkLst>
+            <pc:docMk/>
+            <pc:sldMk cId="1000435174" sldId="278"/>
+            <ac:spMk id="2" creationId="{00000000-0000-0000-0000-000000000000}"/>
+          </ac:spMkLst>
+        </pc:spChg>
+      </pc:sldChg>
+      <pc:sldChg chg="delSp">
+        <pc:chgData name="Khattab, Sherif" userId="c83b1e15-36f3-4f46-aceb-05aac24c545e" providerId="ADAL" clId="{EE78B4C3-BA47-2B47-8B84-4022815E3587}" dt="2019-05-14T13:30:07.468" v="20"/>
+        <pc:sldMkLst>
+          <pc:docMk/>
+          <pc:sldMk cId="2080017563" sldId="279"/>
+        </pc:sldMkLst>
+        <pc:spChg chg="del">
+          <ac:chgData name="Khattab, Sherif" userId="c83b1e15-36f3-4f46-aceb-05aac24c545e" providerId="ADAL" clId="{EE78B4C3-BA47-2B47-8B84-4022815E3587}" dt="2019-05-14T13:30:07.468" v="20"/>
+          <ac:spMkLst>
+            <pc:docMk/>
+            <pc:sldMk cId="2080017563" sldId="279"/>
+            <ac:spMk id="3" creationId="{00000000-0000-0000-0000-000000000000}"/>
+          </ac:spMkLst>
+        </pc:spChg>
+      </pc:sldChg>
+      <pc:sldChg chg="delSp">
+        <pc:chgData name="Khattab, Sherif" userId="c83b1e15-36f3-4f46-aceb-05aac24c545e" providerId="ADAL" clId="{EE78B4C3-BA47-2B47-8B84-4022815E3587}" dt="2019-05-14T13:30:07.468" v="20"/>
+        <pc:sldMkLst>
+          <pc:docMk/>
+          <pc:sldMk cId="1445345591" sldId="281"/>
+        </pc:sldMkLst>
+        <pc:spChg chg="del">
+          <ac:chgData name="Khattab, Sherif" userId="c83b1e15-36f3-4f46-aceb-05aac24c545e" providerId="ADAL" clId="{EE78B4C3-BA47-2B47-8B84-4022815E3587}" dt="2019-05-14T13:30:07.468" v="20"/>
+          <ac:spMkLst>
+            <pc:docMk/>
+            <pc:sldMk cId="1445345591" sldId="281"/>
+            <ac:spMk id="2" creationId="{00000000-0000-0000-0000-000000000000}"/>
+          </ac:spMkLst>
+        </pc:spChg>
+      </pc:sldChg>
+      <pc:sldChg chg="delSp">
+        <pc:chgData name="Khattab, Sherif" userId="c83b1e15-36f3-4f46-aceb-05aac24c545e" providerId="ADAL" clId="{EE78B4C3-BA47-2B47-8B84-4022815E3587}" dt="2019-05-14T13:30:07.468" v="20"/>
+        <pc:sldMkLst>
+          <pc:docMk/>
+          <pc:sldMk cId="306268545" sldId="282"/>
+        </pc:sldMkLst>
+        <pc:spChg chg="del">
+          <ac:chgData name="Khattab, Sherif" userId="c83b1e15-36f3-4f46-aceb-05aac24c545e" providerId="ADAL" clId="{EE78B4C3-BA47-2B47-8B84-4022815E3587}" dt="2019-05-14T13:30:07.468" v="20"/>
+          <ac:spMkLst>
+            <pc:docMk/>
+            <pc:sldMk cId="306268545" sldId="282"/>
+            <ac:spMk id="2" creationId="{00000000-0000-0000-0000-000000000000}"/>
+          </ac:spMkLst>
+        </pc:spChg>
+      </pc:sldChg>
+      <pc:sldChg chg="delSp add">
+        <pc:chgData name="Khattab, Sherif" userId="c83b1e15-36f3-4f46-aceb-05aac24c545e" providerId="ADAL" clId="{EE78B4C3-BA47-2B47-8B84-4022815E3587}" dt="2019-05-14T13:34:18.851" v="46"/>
+        <pc:sldMkLst>
+          <pc:docMk/>
+          <pc:sldMk cId="2710637777" sldId="322"/>
+        </pc:sldMkLst>
+        <pc:spChg chg="del">
+          <ac:chgData name="Khattab, Sherif" userId="c83b1e15-36f3-4f46-aceb-05aac24c545e" providerId="ADAL" clId="{EE78B4C3-BA47-2B47-8B84-4022815E3587}" dt="2019-05-14T13:34:18.851" v="46"/>
+          <ac:spMkLst>
+            <pc:docMk/>
+            <pc:sldMk cId="2710637777" sldId="322"/>
+            <ac:spMk id="6" creationId="{0700C6EC-DCCB-614E-A0F4-3418D2D78AC7}"/>
+          </ac:spMkLst>
+        </pc:spChg>
+      </pc:sldChg>
+      <pc:sldChg chg="delSp add">
+        <pc:chgData name="Khattab, Sherif" userId="c83b1e15-36f3-4f46-aceb-05aac24c545e" providerId="ADAL" clId="{EE78B4C3-BA47-2B47-8B84-4022815E3587}" dt="2019-05-14T13:34:18.851" v="46"/>
+        <pc:sldMkLst>
+          <pc:docMk/>
+          <pc:sldMk cId="3292918179" sldId="324"/>
+        </pc:sldMkLst>
+        <pc:spChg chg="del">
+          <ac:chgData name="Khattab, Sherif" userId="c83b1e15-36f3-4f46-aceb-05aac24c545e" providerId="ADAL" clId="{EE78B4C3-BA47-2B47-8B84-4022815E3587}" dt="2019-05-14T13:34:18.851" v="46"/>
+          <ac:spMkLst>
+            <pc:docMk/>
+            <pc:sldMk cId="3292918179" sldId="324"/>
+            <ac:spMk id="26" creationId="{3729950E-4F02-6B44-A5A4-B6238ABBD35B}"/>
+          </ac:spMkLst>
+        </pc:spChg>
+      </pc:sldChg>
+      <pc:sldChg chg="delSp add">
+        <pc:chgData name="Khattab, Sherif" userId="c83b1e15-36f3-4f46-aceb-05aac24c545e" providerId="ADAL" clId="{EE78B4C3-BA47-2B47-8B84-4022815E3587}" dt="2019-05-14T13:34:18.851" v="46"/>
+        <pc:sldMkLst>
+          <pc:docMk/>
+          <pc:sldMk cId="355119911" sldId="338"/>
+        </pc:sldMkLst>
+        <pc:spChg chg="del">
+          <ac:chgData name="Khattab, Sherif" userId="c83b1e15-36f3-4f46-aceb-05aac24c545e" providerId="ADAL" clId="{EE78B4C3-BA47-2B47-8B84-4022815E3587}" dt="2019-05-14T13:34:18.851" v="46"/>
+          <ac:spMkLst>
+            <pc:docMk/>
+            <pc:sldMk cId="355119911" sldId="338"/>
+            <ac:spMk id="7" creationId="{AC4B9F18-B1E5-C341-B953-6D96BAA0EB6C}"/>
+          </ac:spMkLst>
+        </pc:spChg>
+      </pc:sldChg>
+      <pc:sldChg chg="delSp add">
+        <pc:chgData name="Khattab, Sherif" userId="c83b1e15-36f3-4f46-aceb-05aac24c545e" providerId="ADAL" clId="{EE78B4C3-BA47-2B47-8B84-4022815E3587}" dt="2019-05-14T13:34:18.851" v="46"/>
+        <pc:sldMkLst>
+          <pc:docMk/>
+          <pc:sldMk cId="4223572414" sldId="339"/>
+        </pc:sldMkLst>
+        <pc:spChg chg="del">
+          <ac:chgData name="Khattab, Sherif" userId="c83b1e15-36f3-4f46-aceb-05aac24c545e" providerId="ADAL" clId="{EE78B4C3-BA47-2B47-8B84-4022815E3587}" dt="2019-05-14T13:34:18.851" v="46"/>
+          <ac:spMkLst>
+            <pc:docMk/>
+            <pc:sldMk cId="4223572414" sldId="339"/>
+            <ac:spMk id="6" creationId="{48879884-318D-6C49-B6B8-463E617B85F1}"/>
+          </ac:spMkLst>
+        </pc:spChg>
+      </pc:sldChg>
+      <pc:sldChg chg="delSp add">
+        <pc:chgData name="Khattab, Sherif" userId="c83b1e15-36f3-4f46-aceb-05aac24c545e" providerId="ADAL" clId="{EE78B4C3-BA47-2B47-8B84-4022815E3587}" dt="2019-05-14T13:34:18.851" v="46"/>
+        <pc:sldMkLst>
+          <pc:docMk/>
+          <pc:sldMk cId="470668490" sldId="340"/>
+        </pc:sldMkLst>
+        <pc:spChg chg="del">
+          <ac:chgData name="Khattab, Sherif" userId="c83b1e15-36f3-4f46-aceb-05aac24c545e" providerId="ADAL" clId="{EE78B4C3-BA47-2B47-8B84-4022815E3587}" dt="2019-05-14T13:34:18.851" v="46"/>
+          <ac:spMkLst>
+            <pc:docMk/>
+            <pc:sldMk cId="470668490" sldId="340"/>
+            <ac:spMk id="6" creationId="{32D0E818-62B1-0A49-9CFC-1DC58F40FEBE}"/>
+          </ac:spMkLst>
+        </pc:spChg>
+      </pc:sldChg>
+      <pc:sldChg chg="delSp add">
+        <pc:chgData name="Khattab, Sherif" userId="c83b1e15-36f3-4f46-aceb-05aac24c545e" providerId="ADAL" clId="{EE78B4C3-BA47-2B47-8B84-4022815E3587}" dt="2019-05-14T13:34:18.851" v="46"/>
+        <pc:sldMkLst>
+          <pc:docMk/>
+          <pc:sldMk cId="1205868326" sldId="341"/>
+        </pc:sldMkLst>
+        <pc:spChg chg="del">
+          <ac:chgData name="Khattab, Sherif" userId="c83b1e15-36f3-4f46-aceb-05aac24c545e" providerId="ADAL" clId="{EE78B4C3-BA47-2B47-8B84-4022815E3587}" dt="2019-05-14T13:34:18.851" v="46"/>
+          <ac:spMkLst>
+            <pc:docMk/>
+            <pc:sldMk cId="1205868326" sldId="341"/>
+            <ac:spMk id="6" creationId="{918B0854-EAA5-9D49-9ED0-EA7684377156}"/>
+          </ac:spMkLst>
+        </pc:spChg>
+      </pc:sldChg>
+      <pc:sldChg chg="delSp add">
+        <pc:chgData name="Khattab, Sherif" userId="c83b1e15-36f3-4f46-aceb-05aac24c545e" providerId="ADAL" clId="{EE78B4C3-BA47-2B47-8B84-4022815E3587}" dt="2019-05-14T13:34:18.851" v="46"/>
+        <pc:sldMkLst>
+          <pc:docMk/>
+          <pc:sldMk cId="1806563943" sldId="342"/>
+        </pc:sldMkLst>
+        <pc:spChg chg="del">
+          <ac:chgData name="Khattab, Sherif" userId="c83b1e15-36f3-4f46-aceb-05aac24c545e" providerId="ADAL" clId="{EE78B4C3-BA47-2B47-8B84-4022815E3587}" dt="2019-05-14T13:34:18.851" v="46"/>
+          <ac:spMkLst>
+            <pc:docMk/>
+            <pc:sldMk cId="1806563943" sldId="342"/>
+            <ac:spMk id="9" creationId="{712AC7F1-3CB0-3140-8620-EAE2154DEBDF}"/>
+          </ac:spMkLst>
+        </pc:spChg>
+      </pc:sldChg>
+      <pc:sldChg chg="delSp add">
+        <pc:chgData name="Khattab, Sherif" userId="c83b1e15-36f3-4f46-aceb-05aac24c545e" providerId="ADAL" clId="{EE78B4C3-BA47-2B47-8B84-4022815E3587}" dt="2019-05-14T13:34:18.851" v="46"/>
+        <pc:sldMkLst>
+          <pc:docMk/>
+          <pc:sldMk cId="1167711490" sldId="343"/>
+        </pc:sldMkLst>
+        <pc:spChg chg="del">
+          <ac:chgData name="Khattab, Sherif" userId="c83b1e15-36f3-4f46-aceb-05aac24c545e" providerId="ADAL" clId="{EE78B4C3-BA47-2B47-8B84-4022815E3587}" dt="2019-05-14T13:34:18.851" v="46"/>
+          <ac:spMkLst>
+            <pc:docMk/>
+            <pc:sldMk cId="1167711490" sldId="343"/>
+            <ac:spMk id="9" creationId="{7277E941-6A46-A141-896C-8CF8D763337C}"/>
+          </ac:spMkLst>
+        </pc:spChg>
+      </pc:sldChg>
+      <pc:sldChg chg="delSp add">
+        <pc:chgData name="Khattab, Sherif" userId="c83b1e15-36f3-4f46-aceb-05aac24c545e" providerId="ADAL" clId="{EE78B4C3-BA47-2B47-8B84-4022815E3587}" dt="2019-05-14T13:34:18.851" v="46"/>
+        <pc:sldMkLst>
+          <pc:docMk/>
+          <pc:sldMk cId="1271999567" sldId="349"/>
+        </pc:sldMkLst>
+        <pc:spChg chg="del">
+          <ac:chgData name="Khattab, Sherif" userId="c83b1e15-36f3-4f46-aceb-05aac24c545e" providerId="ADAL" clId="{EE78B4C3-BA47-2B47-8B84-4022815E3587}" dt="2019-05-14T13:34:18.851" v="46"/>
+          <ac:spMkLst>
+            <pc:docMk/>
+            <pc:sldMk cId="1271999567" sldId="349"/>
+            <ac:spMk id="8" creationId="{7BD79B2E-E2F2-FE40-AF15-AA838FE67060}"/>
+          </ac:spMkLst>
+        </pc:spChg>
+      </pc:sldChg>
+      <pc:sldChg chg="delSp add">
+        <pc:chgData name="Khattab, Sherif" userId="c83b1e15-36f3-4f46-aceb-05aac24c545e" providerId="ADAL" clId="{EE78B4C3-BA47-2B47-8B84-4022815E3587}" dt="2019-05-14T13:34:18.851" v="46"/>
+        <pc:sldMkLst>
+          <pc:docMk/>
+          <pc:sldMk cId="434376579" sldId="363"/>
+        </pc:sldMkLst>
+        <pc:spChg chg="del">
+          <ac:chgData name="Khattab, Sherif" userId="c83b1e15-36f3-4f46-aceb-05aac24c545e" providerId="ADAL" clId="{EE78B4C3-BA47-2B47-8B84-4022815E3587}" dt="2019-05-14T13:34:18.851" v="46"/>
+          <ac:spMkLst>
+            <pc:docMk/>
+            <pc:sldMk cId="434376579" sldId="363"/>
+            <ac:spMk id="15" creationId="{1190D209-83D1-A548-8C7B-C35DE4396F91}"/>
+          </ac:spMkLst>
+        </pc:spChg>
+      </pc:sldChg>
+      <pc:sldChg chg="delSp add">
+        <pc:chgData name="Khattab, Sherif" userId="c83b1e15-36f3-4f46-aceb-05aac24c545e" providerId="ADAL" clId="{EE78B4C3-BA47-2B47-8B84-4022815E3587}" dt="2019-05-14T13:34:18.851" v="46"/>
+        <pc:sldMkLst>
+          <pc:docMk/>
+          <pc:sldMk cId="815621424" sldId="364"/>
+        </pc:sldMkLst>
+        <pc:spChg chg="del">
+          <ac:chgData name="Khattab, Sherif" userId="c83b1e15-36f3-4f46-aceb-05aac24c545e" providerId="ADAL" clId="{EE78B4C3-BA47-2B47-8B84-4022815E3587}" dt="2019-05-14T13:34:18.851" v="46"/>
+          <ac:spMkLst>
+            <pc:docMk/>
+            <pc:sldMk cId="815621424" sldId="364"/>
+            <ac:spMk id="29" creationId="{6D10D6C8-49C6-BE4E-9E3F-EEC76AE056AA}"/>
+          </ac:spMkLst>
+        </pc:spChg>
+      </pc:sldChg>
+      <pc:sldChg chg="delSp add">
+        <pc:chgData name="Khattab, Sherif" userId="c83b1e15-36f3-4f46-aceb-05aac24c545e" providerId="ADAL" clId="{EE78B4C3-BA47-2B47-8B84-4022815E3587}" dt="2019-05-14T13:34:18.851" v="46"/>
+        <pc:sldMkLst>
+          <pc:docMk/>
+          <pc:sldMk cId="1934104099" sldId="365"/>
+        </pc:sldMkLst>
+        <pc:spChg chg="del">
+          <ac:chgData name="Khattab, Sherif" userId="c83b1e15-36f3-4f46-aceb-05aac24c545e" providerId="ADAL" clId="{EE78B4C3-BA47-2B47-8B84-4022815E3587}" dt="2019-05-14T13:34:18.851" v="46"/>
+          <ac:spMkLst>
+            <pc:docMk/>
+            <pc:sldMk cId="1934104099" sldId="365"/>
+            <ac:spMk id="10" creationId="{87886125-1D5E-014B-A276-636801877DB6}"/>
+          </ac:spMkLst>
+        </pc:spChg>
+      </pc:sldChg>
+      <pc:sldChg chg="delSp add">
+        <pc:chgData name="Khattab, Sherif" userId="c83b1e15-36f3-4f46-aceb-05aac24c545e" providerId="ADAL" clId="{EE78B4C3-BA47-2B47-8B84-4022815E3587}" dt="2019-05-14T13:34:18.851" v="46"/>
+        <pc:sldMkLst>
+          <pc:docMk/>
+          <pc:sldMk cId="2782429159" sldId="366"/>
+        </pc:sldMkLst>
+        <pc:spChg chg="del">
+          <ac:chgData name="Khattab, Sherif" userId="c83b1e15-36f3-4f46-aceb-05aac24c545e" providerId="ADAL" clId="{EE78B4C3-BA47-2B47-8B84-4022815E3587}" dt="2019-05-14T13:34:18.851" v="46"/>
+          <ac:spMkLst>
+            <pc:docMk/>
+            <pc:sldMk cId="2782429159" sldId="366"/>
+            <ac:spMk id="6" creationId="{35E278D3-0A71-264A-B99D-056EBFA58F06}"/>
+          </ac:spMkLst>
+        </pc:spChg>
+      </pc:sldChg>
+      <pc:sldChg chg="delSp add">
+        <pc:chgData name="Khattab, Sherif" userId="c83b1e15-36f3-4f46-aceb-05aac24c545e" providerId="ADAL" clId="{EE78B4C3-BA47-2B47-8B84-4022815E3587}" dt="2019-05-14T13:34:18.851" v="46"/>
+        <pc:sldMkLst>
+          <pc:docMk/>
+          <pc:sldMk cId="2251973667" sldId="367"/>
+        </pc:sldMkLst>
+        <pc:spChg chg="del">
+          <ac:chgData name="Khattab, Sherif" userId="c83b1e15-36f3-4f46-aceb-05aac24c545e" providerId="ADAL" clId="{EE78B4C3-BA47-2B47-8B84-4022815E3587}" dt="2019-05-14T13:34:18.851" v="46"/>
+          <ac:spMkLst>
+            <pc:docMk/>
+            <pc:sldMk cId="2251973667" sldId="367"/>
+            <ac:spMk id="6" creationId="{156F37D5-7C3B-D446-B495-19F8366B5AD6}"/>
+          </ac:spMkLst>
+        </pc:spChg>
+      </pc:sldChg>
+      <pc:sldChg chg="delSp add">
+        <pc:chgData name="Khattab, Sherif" userId="c83b1e15-36f3-4f46-aceb-05aac24c545e" providerId="ADAL" clId="{EE78B4C3-BA47-2B47-8B84-4022815E3587}" dt="2019-05-14T13:34:18.851" v="46"/>
+        <pc:sldMkLst>
+          <pc:docMk/>
+          <pc:sldMk cId="3138501136" sldId="368"/>
+        </pc:sldMkLst>
+        <pc:spChg chg="del">
+          <ac:chgData name="Khattab, Sherif" userId="c83b1e15-36f3-4f46-aceb-05aac24c545e" providerId="ADAL" clId="{EE78B4C3-BA47-2B47-8B84-4022815E3587}" dt="2019-05-14T13:34:18.851" v="46"/>
+          <ac:spMkLst>
+            <pc:docMk/>
+            <pc:sldMk cId="3138501136" sldId="368"/>
+            <ac:spMk id="9" creationId="{2996EA4B-3DC2-9F42-B065-0840F656E48E}"/>
+          </ac:spMkLst>
+        </pc:spChg>
+      </pc:sldChg>
+      <pc:sldChg chg="delSp add">
+        <pc:chgData name="Khattab, Sherif" userId="c83b1e15-36f3-4f46-aceb-05aac24c545e" providerId="ADAL" clId="{EE78B4C3-BA47-2B47-8B84-4022815E3587}" dt="2019-05-14T13:34:18.851" v="46"/>
+        <pc:sldMkLst>
+          <pc:docMk/>
+          <pc:sldMk cId="3210992163" sldId="369"/>
+        </pc:sldMkLst>
+        <pc:spChg chg="del">
+          <ac:chgData name="Khattab, Sherif" userId="c83b1e15-36f3-4f46-aceb-05aac24c545e" providerId="ADAL" clId="{EE78B4C3-BA47-2B47-8B84-4022815E3587}" dt="2019-05-14T13:34:18.851" v="46"/>
+          <ac:spMkLst>
+            <pc:docMk/>
+            <pc:sldMk cId="3210992163" sldId="369"/>
+            <ac:spMk id="6" creationId="{B0B02CAE-6A9B-A441-9498-BF8F3DB626EB}"/>
+          </ac:spMkLst>
+        </pc:spChg>
+      </pc:sldChg>
+      <pc:sldChg chg="delSp add">
+        <pc:chgData name="Khattab, Sherif" userId="c83b1e15-36f3-4f46-aceb-05aac24c545e" providerId="ADAL" clId="{EE78B4C3-BA47-2B47-8B84-4022815E3587}" dt="2019-05-14T13:34:18.851" v="46"/>
+        <pc:sldMkLst>
+          <pc:docMk/>
+          <pc:sldMk cId="4013065491" sldId="370"/>
+        </pc:sldMkLst>
+        <pc:spChg chg="del">
+          <ac:chgData name="Khattab, Sherif" userId="c83b1e15-36f3-4f46-aceb-05aac24c545e" providerId="ADAL" clId="{EE78B4C3-BA47-2B47-8B84-4022815E3587}" dt="2019-05-14T13:34:18.851" v="46"/>
+          <ac:spMkLst>
+            <pc:docMk/>
+            <pc:sldMk cId="4013065491" sldId="370"/>
+            <ac:spMk id="8" creationId="{D0EF7B2F-C2A6-4E4A-BA48-98165068EB9D}"/>
+          </ac:spMkLst>
+        </pc:spChg>
+      </pc:sldChg>
+      <pc:sldChg chg="delSp add">
+        <pc:chgData name="Khattab, Sherif" userId="c83b1e15-36f3-4f46-aceb-05aac24c545e" providerId="ADAL" clId="{EE78B4C3-BA47-2B47-8B84-4022815E3587}" dt="2019-05-14T13:34:18.851" v="46"/>
+        <pc:sldMkLst>
+          <pc:docMk/>
+          <pc:sldMk cId="2592968416" sldId="371"/>
+        </pc:sldMkLst>
+        <pc:spChg chg="del">
+          <ac:chgData name="Khattab, Sherif" userId="c83b1e15-36f3-4f46-aceb-05aac24c545e" providerId="ADAL" clId="{EE78B4C3-BA47-2B47-8B84-4022815E3587}" dt="2019-05-14T13:34:18.851" v="46"/>
+          <ac:spMkLst>
+            <pc:docMk/>
+            <pc:sldMk cId="2592968416" sldId="371"/>
+            <ac:spMk id="8" creationId="{61F73BD1-10AC-B146-B4D6-4D1B879CEAE3}"/>
+          </ac:spMkLst>
+        </pc:spChg>
+      </pc:sldChg>
+      <pc:sldChg chg="delSp add">
+        <pc:chgData name="Khattab, Sherif" userId="c83b1e15-36f3-4f46-aceb-05aac24c545e" providerId="ADAL" clId="{EE78B4C3-BA47-2B47-8B84-4022815E3587}" dt="2019-05-14T13:34:18.851" v="46"/>
+        <pc:sldMkLst>
+          <pc:docMk/>
+          <pc:sldMk cId="3848335379" sldId="372"/>
+        </pc:sldMkLst>
+        <pc:spChg chg="del">
+          <ac:chgData name="Khattab, Sherif" userId="c83b1e15-36f3-4f46-aceb-05aac24c545e" providerId="ADAL" clId="{EE78B4C3-BA47-2B47-8B84-4022815E3587}" dt="2019-05-14T13:34:18.851" v="46"/>
+          <ac:spMkLst>
+            <pc:docMk/>
+            <pc:sldMk cId="3848335379" sldId="372"/>
+            <ac:spMk id="9" creationId="{A9CB262F-7565-A04A-9FDE-A27BCA955EC0}"/>
+          </ac:spMkLst>
+        </pc:spChg>
+      </pc:sldChg>
+      <pc:sldChg chg="delSp add">
+        <pc:chgData name="Khattab, Sherif" userId="c83b1e15-36f3-4f46-aceb-05aac24c545e" providerId="ADAL" clId="{EE78B4C3-BA47-2B47-8B84-4022815E3587}" dt="2019-05-14T13:34:18.851" v="46"/>
+        <pc:sldMkLst>
+          <pc:docMk/>
+          <pc:sldMk cId="3161117264" sldId="373"/>
+        </pc:sldMkLst>
+        <pc:spChg chg="del">
+          <ac:chgData name="Khattab, Sherif" userId="c83b1e15-36f3-4f46-aceb-05aac24c545e" providerId="ADAL" clId="{EE78B4C3-BA47-2B47-8B84-4022815E3587}" dt="2019-05-14T13:34:18.851" v="46"/>
+          <ac:spMkLst>
+            <pc:docMk/>
+            <pc:sldMk cId="3161117264" sldId="373"/>
+            <ac:spMk id="6" creationId="{E9F1DC46-4FA4-D444-A7D6-705144867080}"/>
+          </ac:spMkLst>
+        </pc:spChg>
+      </pc:sldChg>
+      <pc:sldChg chg="delSp add">
+        <pc:chgData name="Khattab, Sherif" userId="c83b1e15-36f3-4f46-aceb-05aac24c545e" providerId="ADAL" clId="{EE78B4C3-BA47-2B47-8B84-4022815E3587}" dt="2019-05-14T13:34:18.851" v="46"/>
+        <pc:sldMkLst>
+          <pc:docMk/>
+          <pc:sldMk cId="1542066946" sldId="374"/>
+        </pc:sldMkLst>
+        <pc:spChg chg="del">
+          <ac:chgData name="Khattab, Sherif" userId="c83b1e15-36f3-4f46-aceb-05aac24c545e" providerId="ADAL" clId="{EE78B4C3-BA47-2B47-8B84-4022815E3587}" dt="2019-05-14T13:34:18.851" v="46"/>
+          <ac:spMkLst>
+            <pc:docMk/>
+            <pc:sldMk cId="1542066946" sldId="374"/>
+            <ac:spMk id="6" creationId="{D50D1AE2-A719-F648-ABE5-1D2605CF399A}"/>
+          </ac:spMkLst>
+        </pc:spChg>
+      </pc:sldChg>
+      <pc:sldChg chg="delSp add">
+        <pc:chgData name="Khattab, Sherif" userId="c83b1e15-36f3-4f46-aceb-05aac24c545e" providerId="ADAL" clId="{EE78B4C3-BA47-2B47-8B84-4022815E3587}" dt="2019-05-14T13:34:18.851" v="46"/>
+        <pc:sldMkLst>
+          <pc:docMk/>
+          <pc:sldMk cId="834112894" sldId="375"/>
+        </pc:sldMkLst>
+        <pc:spChg chg="del">
+          <ac:chgData name="Khattab, Sherif" userId="c83b1e15-36f3-4f46-aceb-05aac24c545e" providerId="ADAL" clId="{EE78B4C3-BA47-2B47-8B84-4022815E3587}" dt="2019-05-14T13:34:18.851" v="46"/>
+          <ac:spMkLst>
+            <pc:docMk/>
+            <pc:sldMk cId="834112894" sldId="375"/>
+            <ac:spMk id="6" creationId="{429B8308-B899-EF4A-97A6-3EEDF546FBBB}"/>
+          </ac:spMkLst>
+        </pc:spChg>
+      </pc:sldChg>
+      <pc:sldChg chg="delSp add">
+        <pc:chgData name="Khattab, Sherif" userId="c83b1e15-36f3-4f46-aceb-05aac24c545e" providerId="ADAL" clId="{EE78B4C3-BA47-2B47-8B84-4022815E3587}" dt="2019-05-14T13:34:18.851" v="46"/>
+        <pc:sldMkLst>
+          <pc:docMk/>
+          <pc:sldMk cId="1165577892" sldId="376"/>
+        </pc:sldMkLst>
+        <pc:spChg chg="del">
+          <ac:chgData name="Khattab, Sherif" userId="c83b1e15-36f3-4f46-aceb-05aac24c545e" providerId="ADAL" clId="{EE78B4C3-BA47-2B47-8B84-4022815E3587}" dt="2019-05-14T13:34:18.851" v="46"/>
+          <ac:spMkLst>
+            <pc:docMk/>
+            <pc:sldMk cId="1165577892" sldId="376"/>
+            <ac:spMk id="42" creationId="{27F42901-D1CE-084B-9E38-96413317B8CF}"/>
+          </ac:spMkLst>
+        </pc:spChg>
+      </pc:sldChg>
+      <pc:sldChg chg="delSp add">
+        <pc:chgData name="Khattab, Sherif" userId="c83b1e15-36f3-4f46-aceb-05aac24c545e" providerId="ADAL" clId="{EE78B4C3-BA47-2B47-8B84-4022815E3587}" dt="2019-05-14T13:34:18.851" v="46"/>
+        <pc:sldMkLst>
+          <pc:docMk/>
+          <pc:sldMk cId="1942139729" sldId="377"/>
+        </pc:sldMkLst>
+        <pc:spChg chg="del">
+          <ac:chgData name="Khattab, Sherif" userId="c83b1e15-36f3-4f46-aceb-05aac24c545e" providerId="ADAL" clId="{EE78B4C3-BA47-2B47-8B84-4022815E3587}" dt="2019-05-14T13:34:18.851" v="46"/>
+          <ac:spMkLst>
+            <pc:docMk/>
+            <pc:sldMk cId="1942139729" sldId="377"/>
+            <ac:spMk id="9" creationId="{68716DFF-FDE6-F443-A890-77FBFB539BEB}"/>
+          </ac:spMkLst>
+        </pc:spChg>
+      </pc:sldChg>
+      <pc:sldChg chg="delSp add">
+        <pc:chgData name="Khattab, Sherif" userId="c83b1e15-36f3-4f46-aceb-05aac24c545e" providerId="ADAL" clId="{EE78B4C3-BA47-2B47-8B84-4022815E3587}" dt="2019-05-14T13:34:18.851" v="46"/>
+        <pc:sldMkLst>
+          <pc:docMk/>
+          <pc:sldMk cId="3990797458" sldId="378"/>
+        </pc:sldMkLst>
+        <pc:spChg chg="del">
+          <ac:chgData name="Khattab, Sherif" userId="c83b1e15-36f3-4f46-aceb-05aac24c545e" providerId="ADAL" clId="{EE78B4C3-BA47-2B47-8B84-4022815E3587}" dt="2019-05-14T13:34:18.851" v="46"/>
+          <ac:spMkLst>
+            <pc:docMk/>
+            <pc:sldMk cId="3990797458" sldId="378"/>
+            <ac:spMk id="6" creationId="{ADE8E4C1-F96E-1346-A961-80E2D6A49C9A}"/>
+          </ac:spMkLst>
+        </pc:spChg>
+      </pc:sldChg>
+      <pc:sldChg chg="delSp add">
+        <pc:chgData name="Khattab, Sherif" userId="c83b1e15-36f3-4f46-aceb-05aac24c545e" providerId="ADAL" clId="{EE78B4C3-BA47-2B47-8B84-4022815E3587}" dt="2019-05-14T13:34:18.851" v="46"/>
+        <pc:sldMkLst>
+          <pc:docMk/>
+          <pc:sldMk cId="2736486443" sldId="379"/>
+        </pc:sldMkLst>
+        <pc:spChg chg="del">
+          <ac:chgData name="Khattab, Sherif" userId="c83b1e15-36f3-4f46-aceb-05aac24c545e" providerId="ADAL" clId="{EE78B4C3-BA47-2B47-8B84-4022815E3587}" dt="2019-05-14T13:34:18.851" v="46"/>
+          <ac:spMkLst>
+            <pc:docMk/>
+            <pc:sldMk cId="2736486443" sldId="379"/>
+            <ac:spMk id="9" creationId="{68630AFF-8EA0-D641-8FA2-6949259437AD}"/>
+          </ac:spMkLst>
+        </pc:spChg>
+      </pc:sldChg>
+      <pc:sldChg chg="delSp add">
+        <pc:chgData name="Khattab, Sherif" userId="c83b1e15-36f3-4f46-aceb-05aac24c545e" providerId="ADAL" clId="{EE78B4C3-BA47-2B47-8B84-4022815E3587}" dt="2019-05-14T13:34:18.851" v="46"/>
+        <pc:sldMkLst>
+          <pc:docMk/>
+          <pc:sldMk cId="541381985" sldId="380"/>
+        </pc:sldMkLst>
+        <pc:spChg chg="del">
+          <ac:chgData name="Khattab, Sherif" userId="c83b1e15-36f3-4f46-aceb-05aac24c545e" providerId="ADAL" clId="{EE78B4C3-BA47-2B47-8B84-4022815E3587}" dt="2019-05-14T13:34:18.851" v="46"/>
+          <ac:spMkLst>
+            <pc:docMk/>
+            <pc:sldMk cId="541381985" sldId="380"/>
+            <ac:spMk id="25" creationId="{4D20C47B-3C18-E64F-95ED-21B263511FAD}"/>
+          </ac:spMkLst>
+        </pc:spChg>
+      </pc:sldChg>
+      <pc:sldChg chg="delSp add">
+        <pc:chgData name="Khattab, Sherif" userId="c83b1e15-36f3-4f46-aceb-05aac24c545e" providerId="ADAL" clId="{EE78B4C3-BA47-2B47-8B84-4022815E3587}" dt="2019-05-14T13:34:18.851" v="46"/>
+        <pc:sldMkLst>
+          <pc:docMk/>
+          <pc:sldMk cId="2235897330" sldId="381"/>
+        </pc:sldMkLst>
+        <pc:spChg chg="del">
+          <ac:chgData name="Khattab, Sherif" userId="c83b1e15-36f3-4f46-aceb-05aac24c545e" providerId="ADAL" clId="{EE78B4C3-BA47-2B47-8B84-4022815E3587}" dt="2019-05-14T13:34:18.851" v="46"/>
+          <ac:spMkLst>
+            <pc:docMk/>
+            <pc:sldMk cId="2235897330" sldId="381"/>
+            <ac:spMk id="8" creationId="{9D3BDADA-F567-BD4E-9F02-7C5462E120E7}"/>
+          </ac:spMkLst>
+        </pc:spChg>
+      </pc:sldChg>
+      <pc:sldChg chg="delSp add">
+        <pc:chgData name="Khattab, Sherif" userId="c83b1e15-36f3-4f46-aceb-05aac24c545e" providerId="ADAL" clId="{EE78B4C3-BA47-2B47-8B84-4022815E3587}" dt="2019-05-14T13:34:18.851" v="46"/>
+        <pc:sldMkLst>
+          <pc:docMk/>
+          <pc:sldMk cId="3360044446" sldId="382"/>
+        </pc:sldMkLst>
+        <pc:spChg chg="del">
+          <ac:chgData name="Khattab, Sherif" userId="c83b1e15-36f3-4f46-aceb-05aac24c545e" providerId="ADAL" clId="{EE78B4C3-BA47-2B47-8B84-4022815E3587}" dt="2019-05-14T13:34:18.851" v="46"/>
+          <ac:spMkLst>
+            <pc:docMk/>
+            <pc:sldMk cId="3360044446" sldId="382"/>
+            <ac:spMk id="8" creationId="{90688045-CAEF-334F-9E8D-5DE392BB31B7}"/>
+          </ac:spMkLst>
+        </pc:spChg>
+      </pc:sldChg>
+      <pc:sldChg chg="delSp add">
+        <pc:chgData name="Khattab, Sherif" userId="c83b1e15-36f3-4f46-aceb-05aac24c545e" providerId="ADAL" clId="{EE78B4C3-BA47-2B47-8B84-4022815E3587}" dt="2019-05-14T13:34:18.851" v="46"/>
+        <pc:sldMkLst>
+          <pc:docMk/>
+          <pc:sldMk cId="1954384084" sldId="383"/>
+        </pc:sldMkLst>
+        <pc:spChg chg="del">
+          <ac:chgData name="Khattab, Sherif" userId="c83b1e15-36f3-4f46-aceb-05aac24c545e" providerId="ADAL" clId="{EE78B4C3-BA47-2B47-8B84-4022815E3587}" dt="2019-05-14T13:34:18.851" v="46"/>
+          <ac:spMkLst>
+            <pc:docMk/>
+            <pc:sldMk cId="1954384084" sldId="383"/>
+            <ac:spMk id="8" creationId="{307391A8-557A-8A4A-8E68-85B54349ED8F}"/>
+          </ac:spMkLst>
+        </pc:spChg>
+      </pc:sldChg>
+      <pc:sldChg chg="delSp add">
+        <pc:chgData name="Khattab, Sherif" userId="c83b1e15-36f3-4f46-aceb-05aac24c545e" providerId="ADAL" clId="{EE78B4C3-BA47-2B47-8B84-4022815E3587}" dt="2019-05-14T13:34:18.851" v="46"/>
+        <pc:sldMkLst>
+          <pc:docMk/>
+          <pc:sldMk cId="220759689" sldId="384"/>
+        </pc:sldMkLst>
+        <pc:spChg chg="del">
+          <ac:chgData name="Khattab, Sherif" userId="c83b1e15-36f3-4f46-aceb-05aac24c545e" providerId="ADAL" clId="{EE78B4C3-BA47-2B47-8B84-4022815E3587}" dt="2019-05-14T13:34:18.851" v="46"/>
+          <ac:spMkLst>
+            <pc:docMk/>
+            <pc:sldMk cId="220759689" sldId="384"/>
+            <ac:spMk id="6" creationId="{E1DC0099-5926-8C42-9144-C73482BF1FE7}"/>
+          </ac:spMkLst>
+        </pc:spChg>
+      </pc:sldChg>
+      <pc:sldChg chg="delSp add">
+        <pc:chgData name="Khattab, Sherif" userId="c83b1e15-36f3-4f46-aceb-05aac24c545e" providerId="ADAL" clId="{EE78B4C3-BA47-2B47-8B84-4022815E3587}" dt="2019-05-14T13:34:18.851" v="46"/>
+        <pc:sldMkLst>
+          <pc:docMk/>
+          <pc:sldMk cId="2809799376" sldId="385"/>
+        </pc:sldMkLst>
+        <pc:spChg chg="del">
+          <ac:chgData name="Khattab, Sherif" userId="c83b1e15-36f3-4f46-aceb-05aac24c545e" providerId="ADAL" clId="{EE78B4C3-BA47-2B47-8B84-4022815E3587}" dt="2019-05-14T13:34:18.851" v="46"/>
+          <ac:spMkLst>
+            <pc:docMk/>
+            <pc:sldMk cId="2809799376" sldId="385"/>
+            <ac:spMk id="8" creationId="{0E14A1DC-F2CD-F64B-A516-0E10067BD269}"/>
+          </ac:spMkLst>
+        </pc:spChg>
       </pc:sldChg>
     </pc:docChg>
   </pc:docChgLst>
@@ -6624,1831 +9252,78 @@
     </pc:docChg>
   </pc:docChgLst>
   <pc:docChgLst>
-    <pc:chgData name="Khattab, Sherif" userId="c83b1e15-36f3-4f46-aceb-05aac24c545e" providerId="ADAL" clId="{00771379-563B-405F-813C-A6D6F2B0CDAD}"/>
-    <pc:docChg chg="modSld">
-      <pc:chgData name="Khattab, Sherif" userId="c83b1e15-36f3-4f46-aceb-05aac24c545e" providerId="ADAL" clId="{00771379-563B-405F-813C-A6D6F2B0CDAD}" dt="2020-09-08T04:21:57.867" v="3" actId="20577"/>
+    <pc:chgData name="Khattab, Sherif" userId="c83b1e15-36f3-4f46-aceb-05aac24c545e" providerId="ADAL" clId="{73EE9CC4-D3DC-EF46-A48C-45E1B855EE49}"/>
+    <pc:docChg chg="addSld modSld">
+      <pc:chgData name="Khattab, Sherif" userId="c83b1e15-36f3-4f46-aceb-05aac24c545e" providerId="ADAL" clId="{73EE9CC4-D3DC-EF46-A48C-45E1B855EE49}" dt="2021-09-01T16:31:22.886" v="1"/>
       <pc:docMkLst>
         <pc:docMk/>
       </pc:docMkLst>
-      <pc:sldChg chg="modSp mod">
-        <pc:chgData name="Khattab, Sherif" userId="c83b1e15-36f3-4f46-aceb-05aac24c545e" providerId="ADAL" clId="{00771379-563B-405F-813C-A6D6F2B0CDAD}" dt="2020-09-08T04:21:57.867" v="3" actId="20577"/>
+      <pc:sldChg chg="modSp">
+        <pc:chgData name="Khattab, Sherif" userId="c83b1e15-36f3-4f46-aceb-05aac24c545e" providerId="ADAL" clId="{73EE9CC4-D3DC-EF46-A48C-45E1B855EE49}" dt="2021-09-01T06:15:24.312" v="0"/>
         <pc:sldMkLst>
           <pc:docMk/>
           <pc:sldMk cId="1330366002" sldId="454"/>
         </pc:sldMkLst>
         <pc:spChg chg="mod">
-          <ac:chgData name="Khattab, Sherif" userId="c83b1e15-36f3-4f46-aceb-05aac24c545e" providerId="ADAL" clId="{00771379-563B-405F-813C-A6D6F2B0CDAD}" dt="2020-09-08T04:21:57.867" v="3" actId="20577"/>
+          <ac:chgData name="Khattab, Sherif" userId="c83b1e15-36f3-4f46-aceb-05aac24c545e" providerId="ADAL" clId="{73EE9CC4-D3DC-EF46-A48C-45E1B855EE49}" dt="2021-09-01T06:15:24.312" v="0"/>
           <ac:spMkLst>
             <pc:docMk/>
             <pc:sldMk cId="1330366002" sldId="454"/>
             <ac:spMk id="3" creationId="{00000000-0000-0000-0000-000000000000}"/>
           </ac:spMkLst>
         </pc:spChg>
+      </pc:sldChg>
+      <pc:sldChg chg="add">
+        <pc:chgData name="Khattab, Sherif" userId="c83b1e15-36f3-4f46-aceb-05aac24c545e" providerId="ADAL" clId="{73EE9CC4-D3DC-EF46-A48C-45E1B855EE49}" dt="2021-09-01T16:31:22.886" v="1"/>
+        <pc:sldMkLst>
+          <pc:docMk/>
+          <pc:sldMk cId="3060777694" sldId="497"/>
+        </pc:sldMkLst>
+      </pc:sldChg>
+      <pc:sldChg chg="add">
+        <pc:chgData name="Khattab, Sherif" userId="c83b1e15-36f3-4f46-aceb-05aac24c545e" providerId="ADAL" clId="{73EE9CC4-D3DC-EF46-A48C-45E1B855EE49}" dt="2021-09-01T16:31:22.886" v="1"/>
+        <pc:sldMkLst>
+          <pc:docMk/>
+          <pc:sldMk cId="4242221972" sldId="503"/>
+        </pc:sldMkLst>
       </pc:sldChg>
     </pc:docChg>
   </pc:docChgLst>
   <pc:docChgLst>
-    <pc:chgData name="Khattab, Sherif" userId="c83b1e15-36f3-4f46-aceb-05aac24c545e" providerId="ADAL" clId="{BA7E1913-A6F0-C848-94D5-CEC45678B150}"/>
-    <pc:docChg chg="addSld modSld">
-      <pc:chgData name="Khattab, Sherif" userId="c83b1e15-36f3-4f46-aceb-05aac24c545e" providerId="ADAL" clId="{BA7E1913-A6F0-C848-94D5-CEC45678B150}" dt="2021-01-20T03:36:45.256" v="0"/>
-      <pc:docMkLst>
-        <pc:docMk/>
-      </pc:docMkLst>
-      <pc:sldChg chg="add">
-        <pc:chgData name="Khattab, Sherif" userId="c83b1e15-36f3-4f46-aceb-05aac24c545e" providerId="ADAL" clId="{BA7E1913-A6F0-C848-94D5-CEC45678B150}" dt="2021-01-20T03:36:45.256" v="0"/>
-        <pc:sldMkLst>
-          <pc:docMk/>
-          <pc:sldMk cId="2329144619" sldId="445"/>
-        </pc:sldMkLst>
-      </pc:sldChg>
-      <pc:sldChg chg="add">
-        <pc:chgData name="Khattab, Sherif" userId="c83b1e15-36f3-4f46-aceb-05aac24c545e" providerId="ADAL" clId="{BA7E1913-A6F0-C848-94D5-CEC45678B150}" dt="2021-01-20T03:36:45.256" v="0"/>
-        <pc:sldMkLst>
-          <pc:docMk/>
-          <pc:sldMk cId="1783368962" sldId="448"/>
-        </pc:sldMkLst>
-      </pc:sldChg>
-      <pc:sldChg chg="add">
-        <pc:chgData name="Khattab, Sherif" userId="c83b1e15-36f3-4f46-aceb-05aac24c545e" providerId="ADAL" clId="{BA7E1913-A6F0-C848-94D5-CEC45678B150}" dt="2021-01-20T03:36:45.256" v="0"/>
-        <pc:sldMkLst>
-          <pc:docMk/>
-          <pc:sldMk cId="2276002102" sldId="451"/>
-        </pc:sldMkLst>
-      </pc:sldChg>
-      <pc:sldChg chg="modSp">
-        <pc:chgData name="Khattab, Sherif" userId="c83b1e15-36f3-4f46-aceb-05aac24c545e" providerId="ADAL" clId="{BA7E1913-A6F0-C848-94D5-CEC45678B150}" dt="2021-01-20T03:36:45.256" v="0"/>
-        <pc:sldMkLst>
-          <pc:docMk/>
-          <pc:sldMk cId="1025764700" sldId="471"/>
-        </pc:sldMkLst>
-        <pc:spChg chg="mod">
-          <ac:chgData name="Khattab, Sherif" userId="c83b1e15-36f3-4f46-aceb-05aac24c545e" providerId="ADAL" clId="{BA7E1913-A6F0-C848-94D5-CEC45678B150}" dt="2021-01-20T03:36:45.256" v="0"/>
-          <ac:spMkLst>
-            <pc:docMk/>
-            <pc:sldMk cId="1025764700" sldId="471"/>
-            <ac:spMk id="2" creationId="{002C4211-0128-449E-9D1F-69BC748F2810}"/>
-          </ac:spMkLst>
-        </pc:spChg>
-        <pc:spChg chg="mod">
-          <ac:chgData name="Khattab, Sherif" userId="c83b1e15-36f3-4f46-aceb-05aac24c545e" providerId="ADAL" clId="{BA7E1913-A6F0-C848-94D5-CEC45678B150}" dt="2021-01-20T03:36:45.256" v="0"/>
-          <ac:spMkLst>
-            <pc:docMk/>
-            <pc:sldMk cId="1025764700" sldId="471"/>
-            <ac:spMk id="4" creationId="{2E01187D-8C39-467D-8FD2-B6E79B15F5CB}"/>
-          </ac:spMkLst>
-        </pc:spChg>
-        <pc:spChg chg="mod">
-          <ac:chgData name="Khattab, Sherif" userId="c83b1e15-36f3-4f46-aceb-05aac24c545e" providerId="ADAL" clId="{BA7E1913-A6F0-C848-94D5-CEC45678B150}" dt="2021-01-20T03:36:45.256" v="0"/>
-          <ac:spMkLst>
-            <pc:docMk/>
-            <pc:sldMk cId="1025764700" sldId="471"/>
-            <ac:spMk id="5121" creationId="{7512BAA4-EBB3-4158-9546-24CBE50F6439}"/>
-          </ac:spMkLst>
-        </pc:spChg>
-        <pc:spChg chg="mod">
-          <ac:chgData name="Khattab, Sherif" userId="c83b1e15-36f3-4f46-aceb-05aac24c545e" providerId="ADAL" clId="{BA7E1913-A6F0-C848-94D5-CEC45678B150}" dt="2021-01-20T03:36:45.256" v="0"/>
-          <ac:spMkLst>
-            <pc:docMk/>
-            <pc:sldMk cId="1025764700" sldId="471"/>
-            <ac:spMk id="5122" creationId="{23997D45-6B1B-416E-BB06-0DAFD6B2DE75}"/>
-          </ac:spMkLst>
-        </pc:spChg>
-        <pc:grpChg chg="mod">
-          <ac:chgData name="Khattab, Sherif" userId="c83b1e15-36f3-4f46-aceb-05aac24c545e" providerId="ADAL" clId="{BA7E1913-A6F0-C848-94D5-CEC45678B150}" dt="2021-01-20T03:36:45.256" v="0"/>
-          <ac:grpSpMkLst>
-            <pc:docMk/>
-            <pc:sldMk cId="1025764700" sldId="471"/>
-            <ac:grpSpMk id="1" creationId="{00000000-0000-0000-0000-000000000000}"/>
-          </ac:grpSpMkLst>
-        </pc:grpChg>
-        <pc:graphicFrameChg chg="mod">
-          <ac:chgData name="Khattab, Sherif" userId="c83b1e15-36f3-4f46-aceb-05aac24c545e" providerId="ADAL" clId="{BA7E1913-A6F0-C848-94D5-CEC45678B150}" dt="2021-01-20T03:36:45.256" v="0"/>
-          <ac:graphicFrameMkLst>
-            <pc:docMk/>
-            <pc:sldMk cId="1025764700" sldId="471"/>
-            <ac:graphicFrameMk id="5123" creationId="{21D7AF36-DB7D-4E96-B4D0-2E733D24C464}"/>
-          </ac:graphicFrameMkLst>
-        </pc:graphicFrameChg>
-      </pc:sldChg>
-      <pc:sldChg chg="modSp">
-        <pc:chgData name="Khattab, Sherif" userId="c83b1e15-36f3-4f46-aceb-05aac24c545e" providerId="ADAL" clId="{BA7E1913-A6F0-C848-94D5-CEC45678B150}" dt="2021-01-20T03:36:45.256" v="0"/>
-        <pc:sldMkLst>
-          <pc:docMk/>
-          <pc:sldMk cId="3109107092" sldId="472"/>
-        </pc:sldMkLst>
-        <pc:spChg chg="mod">
-          <ac:chgData name="Khattab, Sherif" userId="c83b1e15-36f3-4f46-aceb-05aac24c545e" providerId="ADAL" clId="{BA7E1913-A6F0-C848-94D5-CEC45678B150}" dt="2021-01-20T03:36:45.256" v="0"/>
-          <ac:spMkLst>
-            <pc:docMk/>
-            <pc:sldMk cId="3109107092" sldId="472"/>
-            <ac:spMk id="3" creationId="{30AEF3C6-7EA7-449A-9293-E3ED9F2886F9}"/>
-          </ac:spMkLst>
-        </pc:spChg>
-        <pc:spChg chg="mod">
-          <ac:chgData name="Khattab, Sherif" userId="c83b1e15-36f3-4f46-aceb-05aac24c545e" providerId="ADAL" clId="{BA7E1913-A6F0-C848-94D5-CEC45678B150}" dt="2021-01-20T03:36:45.256" v="0"/>
-          <ac:spMkLst>
-            <pc:docMk/>
-            <pc:sldMk cId="3109107092" sldId="472"/>
-            <ac:spMk id="5" creationId="{86D334BE-F1A0-401C-A7A6-E8399DADA66A}"/>
-          </ac:spMkLst>
-        </pc:spChg>
-        <pc:spChg chg="mod">
-          <ac:chgData name="Khattab, Sherif" userId="c83b1e15-36f3-4f46-aceb-05aac24c545e" providerId="ADAL" clId="{BA7E1913-A6F0-C848-94D5-CEC45678B150}" dt="2021-01-20T03:36:45.256" v="0"/>
-          <ac:spMkLst>
-            <pc:docMk/>
-            <pc:sldMk cId="3109107092" sldId="472"/>
-            <ac:spMk id="7" creationId="{E5F29704-03AA-B747-A2ED-5B8027B1EDEB}"/>
-          </ac:spMkLst>
-        </pc:spChg>
-        <pc:spChg chg="mod">
-          <ac:chgData name="Khattab, Sherif" userId="c83b1e15-36f3-4f46-aceb-05aac24c545e" providerId="ADAL" clId="{BA7E1913-A6F0-C848-94D5-CEC45678B150}" dt="2021-01-20T03:36:45.256" v="0"/>
-          <ac:spMkLst>
-            <pc:docMk/>
-            <pc:sldMk cId="3109107092" sldId="472"/>
-            <ac:spMk id="6146" creationId="{5AEA12F1-A345-4E80-B81B-BB7F54B720F7}"/>
-          </ac:spMkLst>
-        </pc:spChg>
-        <pc:grpChg chg="mod">
-          <ac:chgData name="Khattab, Sherif" userId="c83b1e15-36f3-4f46-aceb-05aac24c545e" providerId="ADAL" clId="{BA7E1913-A6F0-C848-94D5-CEC45678B150}" dt="2021-01-20T03:36:45.256" v="0"/>
-          <ac:grpSpMkLst>
-            <pc:docMk/>
-            <pc:sldMk cId="3109107092" sldId="472"/>
-            <ac:grpSpMk id="1" creationId="{00000000-0000-0000-0000-000000000000}"/>
-          </ac:grpSpMkLst>
-        </pc:grpChg>
-        <pc:graphicFrameChg chg="mod">
-          <ac:chgData name="Khattab, Sherif" userId="c83b1e15-36f3-4f46-aceb-05aac24c545e" providerId="ADAL" clId="{BA7E1913-A6F0-C848-94D5-CEC45678B150}" dt="2021-01-20T03:36:45.256" v="0"/>
-          <ac:graphicFrameMkLst>
-            <pc:docMk/>
-            <pc:sldMk cId="3109107092" sldId="472"/>
-            <ac:graphicFrameMk id="6145" creationId="{1F7F153F-0046-48A7-AF42-071F4C813482}"/>
-          </ac:graphicFrameMkLst>
-        </pc:graphicFrameChg>
-      </pc:sldChg>
-      <pc:sldChg chg="modSp">
-        <pc:chgData name="Khattab, Sherif" userId="c83b1e15-36f3-4f46-aceb-05aac24c545e" providerId="ADAL" clId="{BA7E1913-A6F0-C848-94D5-CEC45678B150}" dt="2021-01-20T03:36:45.256" v="0"/>
-        <pc:sldMkLst>
-          <pc:docMk/>
-          <pc:sldMk cId="4038969182" sldId="477"/>
-        </pc:sldMkLst>
-        <pc:spChg chg="mod">
-          <ac:chgData name="Khattab, Sherif" userId="c83b1e15-36f3-4f46-aceb-05aac24c545e" providerId="ADAL" clId="{BA7E1913-A6F0-C848-94D5-CEC45678B150}" dt="2021-01-20T03:36:45.256" v="0"/>
-          <ac:spMkLst>
-            <pc:docMk/>
-            <pc:sldMk cId="4038969182" sldId="477"/>
-            <ac:spMk id="2" creationId="{FC2F5822-FB95-4FA7-8814-7A9973030216}"/>
-          </ac:spMkLst>
-        </pc:spChg>
-        <pc:spChg chg="mod">
-          <ac:chgData name="Khattab, Sherif" userId="c83b1e15-36f3-4f46-aceb-05aac24c545e" providerId="ADAL" clId="{BA7E1913-A6F0-C848-94D5-CEC45678B150}" dt="2021-01-20T03:36:45.256" v="0"/>
-          <ac:spMkLst>
-            <pc:docMk/>
-            <pc:sldMk cId="4038969182" sldId="477"/>
-            <ac:spMk id="4" creationId="{AC512AFF-6A18-4D49-A4E6-2CC1827AA033}"/>
-          </ac:spMkLst>
-        </pc:spChg>
-        <pc:spChg chg="mod">
-          <ac:chgData name="Khattab, Sherif" userId="c83b1e15-36f3-4f46-aceb-05aac24c545e" providerId="ADAL" clId="{BA7E1913-A6F0-C848-94D5-CEC45678B150}" dt="2021-01-20T03:36:45.256" v="0"/>
-          <ac:spMkLst>
-            <pc:docMk/>
-            <pc:sldMk cId="4038969182" sldId="477"/>
-            <ac:spMk id="16385" creationId="{6A11D2B9-CA45-4A0D-B509-8257E2D9B94F}"/>
-          </ac:spMkLst>
-        </pc:spChg>
-        <pc:spChg chg="mod">
-          <ac:chgData name="Khattab, Sherif" userId="c83b1e15-36f3-4f46-aceb-05aac24c545e" providerId="ADAL" clId="{BA7E1913-A6F0-C848-94D5-CEC45678B150}" dt="2021-01-20T03:36:45.256" v="0"/>
-          <ac:spMkLst>
-            <pc:docMk/>
-            <pc:sldMk cId="4038969182" sldId="477"/>
-            <ac:spMk id="16386" creationId="{2EE14E1C-57AD-4AA5-8D97-EF494DA8A5A6}"/>
-          </ac:spMkLst>
-        </pc:spChg>
-        <pc:grpChg chg="mod">
-          <ac:chgData name="Khattab, Sherif" userId="c83b1e15-36f3-4f46-aceb-05aac24c545e" providerId="ADAL" clId="{BA7E1913-A6F0-C848-94D5-CEC45678B150}" dt="2021-01-20T03:36:45.256" v="0"/>
-          <ac:grpSpMkLst>
-            <pc:docMk/>
-            <pc:sldMk cId="4038969182" sldId="477"/>
-            <ac:grpSpMk id="1" creationId="{00000000-0000-0000-0000-000000000000}"/>
-          </ac:grpSpMkLst>
-        </pc:grpChg>
-        <pc:graphicFrameChg chg="mod">
-          <ac:chgData name="Khattab, Sherif" userId="c83b1e15-36f3-4f46-aceb-05aac24c545e" providerId="ADAL" clId="{BA7E1913-A6F0-C848-94D5-CEC45678B150}" dt="2021-01-20T03:36:45.256" v="0"/>
-          <ac:graphicFrameMkLst>
-            <pc:docMk/>
-            <pc:sldMk cId="4038969182" sldId="477"/>
-            <ac:graphicFrameMk id="16387" creationId="{AF2F8ED8-16A1-4F89-BDB6-8C2730B36B52}"/>
-          </ac:graphicFrameMkLst>
-        </pc:graphicFrameChg>
-      </pc:sldChg>
-      <pc:sldChg chg="modSp">
-        <pc:chgData name="Khattab, Sherif" userId="c83b1e15-36f3-4f46-aceb-05aac24c545e" providerId="ADAL" clId="{BA7E1913-A6F0-C848-94D5-CEC45678B150}" dt="2021-01-20T03:36:45.256" v="0"/>
-        <pc:sldMkLst>
-          <pc:docMk/>
-          <pc:sldMk cId="873856523" sldId="479"/>
-        </pc:sldMkLst>
-        <pc:spChg chg="mod">
-          <ac:chgData name="Khattab, Sherif" userId="c83b1e15-36f3-4f46-aceb-05aac24c545e" providerId="ADAL" clId="{BA7E1913-A6F0-C848-94D5-CEC45678B150}" dt="2021-01-20T03:36:45.256" v="0"/>
-          <ac:spMkLst>
-            <pc:docMk/>
-            <pc:sldMk cId="873856523" sldId="479"/>
-            <ac:spMk id="2" creationId="{0EA6D591-B53C-496E-AC8A-4A137C95CFED}"/>
-          </ac:spMkLst>
-        </pc:spChg>
-        <pc:spChg chg="mod">
-          <ac:chgData name="Khattab, Sherif" userId="c83b1e15-36f3-4f46-aceb-05aac24c545e" providerId="ADAL" clId="{BA7E1913-A6F0-C848-94D5-CEC45678B150}" dt="2021-01-20T03:36:45.256" v="0"/>
-          <ac:spMkLst>
-            <pc:docMk/>
-            <pc:sldMk cId="873856523" sldId="479"/>
-            <ac:spMk id="4" creationId="{ED98CD1B-CC0F-4183-9A7A-D761866A6186}"/>
-          </ac:spMkLst>
-        </pc:spChg>
-        <pc:spChg chg="mod">
-          <ac:chgData name="Khattab, Sherif" userId="c83b1e15-36f3-4f46-aceb-05aac24c545e" providerId="ADAL" clId="{BA7E1913-A6F0-C848-94D5-CEC45678B150}" dt="2021-01-20T03:36:45.256" v="0"/>
-          <ac:spMkLst>
-            <pc:docMk/>
-            <pc:sldMk cId="873856523" sldId="479"/>
-            <ac:spMk id="18433" creationId="{E3607FC9-A77A-4CEC-B201-FD6943B401ED}"/>
-          </ac:spMkLst>
-        </pc:spChg>
-        <pc:spChg chg="mod">
-          <ac:chgData name="Khattab, Sherif" userId="c83b1e15-36f3-4f46-aceb-05aac24c545e" providerId="ADAL" clId="{BA7E1913-A6F0-C848-94D5-CEC45678B150}" dt="2021-01-20T03:36:45.256" v="0"/>
-          <ac:spMkLst>
-            <pc:docMk/>
-            <pc:sldMk cId="873856523" sldId="479"/>
-            <ac:spMk id="18434" creationId="{A670C1CC-C98F-4983-9392-1D866C0F5D42}"/>
-          </ac:spMkLst>
-        </pc:spChg>
-        <pc:grpChg chg="mod">
-          <ac:chgData name="Khattab, Sherif" userId="c83b1e15-36f3-4f46-aceb-05aac24c545e" providerId="ADAL" clId="{BA7E1913-A6F0-C848-94D5-CEC45678B150}" dt="2021-01-20T03:36:45.256" v="0"/>
-          <ac:grpSpMkLst>
-            <pc:docMk/>
-            <pc:sldMk cId="873856523" sldId="479"/>
-            <ac:grpSpMk id="1" creationId="{00000000-0000-0000-0000-000000000000}"/>
-          </ac:grpSpMkLst>
-        </pc:grpChg>
-        <pc:graphicFrameChg chg="mod">
-          <ac:chgData name="Khattab, Sherif" userId="c83b1e15-36f3-4f46-aceb-05aac24c545e" providerId="ADAL" clId="{BA7E1913-A6F0-C848-94D5-CEC45678B150}" dt="2021-01-20T03:36:45.256" v="0"/>
-          <ac:graphicFrameMkLst>
-            <pc:docMk/>
-            <pc:sldMk cId="873856523" sldId="479"/>
-            <ac:graphicFrameMk id="18435" creationId="{E649380A-CE1F-4021-A060-3DE112829840}"/>
-          </ac:graphicFrameMkLst>
-        </pc:graphicFrameChg>
-      </pc:sldChg>
-      <pc:sldChg chg="modSp">
-        <pc:chgData name="Khattab, Sherif" userId="c83b1e15-36f3-4f46-aceb-05aac24c545e" providerId="ADAL" clId="{BA7E1913-A6F0-C848-94D5-CEC45678B150}" dt="2021-01-20T03:36:45.256" v="0"/>
-        <pc:sldMkLst>
-          <pc:docMk/>
-          <pc:sldMk cId="1560930406" sldId="482"/>
-        </pc:sldMkLst>
-        <pc:spChg chg="mod">
-          <ac:chgData name="Khattab, Sherif" userId="c83b1e15-36f3-4f46-aceb-05aac24c545e" providerId="ADAL" clId="{BA7E1913-A6F0-C848-94D5-CEC45678B150}" dt="2021-01-20T03:36:45.256" v="0"/>
-          <ac:spMkLst>
-            <pc:docMk/>
-            <pc:sldMk cId="1560930406" sldId="482"/>
-            <ac:spMk id="2" creationId="{DF0F4013-0B68-4D88-865A-4FC3176C8654}"/>
-          </ac:spMkLst>
-        </pc:spChg>
-        <pc:spChg chg="mod">
-          <ac:chgData name="Khattab, Sherif" userId="c83b1e15-36f3-4f46-aceb-05aac24c545e" providerId="ADAL" clId="{BA7E1913-A6F0-C848-94D5-CEC45678B150}" dt="2021-01-20T03:36:45.256" v="0"/>
-          <ac:spMkLst>
-            <pc:docMk/>
-            <pc:sldMk cId="1560930406" sldId="482"/>
-            <ac:spMk id="4" creationId="{EC2FC32F-B9CD-4D1A-AE2B-0825BE055635}"/>
-          </ac:spMkLst>
-        </pc:spChg>
-        <pc:spChg chg="mod">
-          <ac:chgData name="Khattab, Sherif" userId="c83b1e15-36f3-4f46-aceb-05aac24c545e" providerId="ADAL" clId="{BA7E1913-A6F0-C848-94D5-CEC45678B150}" dt="2021-01-20T03:36:45.256" v="0"/>
-          <ac:spMkLst>
-            <pc:docMk/>
-            <pc:sldMk cId="1560930406" sldId="482"/>
-            <ac:spMk id="23553" creationId="{E59624D1-FEEB-4340-9651-13DD586B53A9}"/>
-          </ac:spMkLst>
-        </pc:spChg>
-        <pc:spChg chg="mod">
-          <ac:chgData name="Khattab, Sherif" userId="c83b1e15-36f3-4f46-aceb-05aac24c545e" providerId="ADAL" clId="{BA7E1913-A6F0-C848-94D5-CEC45678B150}" dt="2021-01-20T03:36:45.256" v="0"/>
-          <ac:spMkLst>
-            <pc:docMk/>
-            <pc:sldMk cId="1560930406" sldId="482"/>
-            <ac:spMk id="23554" creationId="{352A19DE-2E99-4131-8018-428EB1D381D8}"/>
-          </ac:spMkLst>
-        </pc:spChg>
-        <pc:grpChg chg="mod">
-          <ac:chgData name="Khattab, Sherif" userId="c83b1e15-36f3-4f46-aceb-05aac24c545e" providerId="ADAL" clId="{BA7E1913-A6F0-C848-94D5-CEC45678B150}" dt="2021-01-20T03:36:45.256" v="0"/>
-          <ac:grpSpMkLst>
-            <pc:docMk/>
-            <pc:sldMk cId="1560930406" sldId="482"/>
-            <ac:grpSpMk id="1" creationId="{00000000-0000-0000-0000-000000000000}"/>
-          </ac:grpSpMkLst>
-        </pc:grpChg>
-        <pc:graphicFrameChg chg="mod">
-          <ac:chgData name="Khattab, Sherif" userId="c83b1e15-36f3-4f46-aceb-05aac24c545e" providerId="ADAL" clId="{BA7E1913-A6F0-C848-94D5-CEC45678B150}" dt="2021-01-20T03:36:45.256" v="0"/>
-          <ac:graphicFrameMkLst>
-            <pc:docMk/>
-            <pc:sldMk cId="1560930406" sldId="482"/>
-            <ac:graphicFrameMk id="23555" creationId="{72BCA54F-0328-4938-A740-EE2040664901}"/>
-          </ac:graphicFrameMkLst>
-        </pc:graphicFrameChg>
-      </pc:sldChg>
-      <pc:sldChg chg="modSp">
-        <pc:chgData name="Khattab, Sherif" userId="c83b1e15-36f3-4f46-aceb-05aac24c545e" providerId="ADAL" clId="{BA7E1913-A6F0-C848-94D5-CEC45678B150}" dt="2021-01-20T03:36:45.256" v="0"/>
-        <pc:sldMkLst>
-          <pc:docMk/>
-          <pc:sldMk cId="1948397067" sldId="484"/>
-        </pc:sldMkLst>
-        <pc:spChg chg="mod">
-          <ac:chgData name="Khattab, Sherif" userId="c83b1e15-36f3-4f46-aceb-05aac24c545e" providerId="ADAL" clId="{BA7E1913-A6F0-C848-94D5-CEC45678B150}" dt="2021-01-20T03:36:45.256" v="0"/>
-          <ac:spMkLst>
-            <pc:docMk/>
-            <pc:sldMk cId="1948397067" sldId="484"/>
-            <ac:spMk id="3" creationId="{8EEA02BE-54EF-4DED-8936-3DDE41ED48F3}"/>
-          </ac:spMkLst>
-        </pc:spChg>
-        <pc:spChg chg="mod">
-          <ac:chgData name="Khattab, Sherif" userId="c83b1e15-36f3-4f46-aceb-05aac24c545e" providerId="ADAL" clId="{BA7E1913-A6F0-C848-94D5-CEC45678B150}" dt="2021-01-20T03:36:45.256" v="0"/>
-          <ac:spMkLst>
-            <pc:docMk/>
-            <pc:sldMk cId="1948397067" sldId="484"/>
-            <ac:spMk id="5" creationId="{DE1FD728-0EB3-4F5A-B200-1BF20173728C}"/>
-          </ac:spMkLst>
-        </pc:spChg>
-        <pc:spChg chg="mod">
-          <ac:chgData name="Khattab, Sherif" userId="c83b1e15-36f3-4f46-aceb-05aac24c545e" providerId="ADAL" clId="{BA7E1913-A6F0-C848-94D5-CEC45678B150}" dt="2021-01-20T03:36:45.256" v="0"/>
-          <ac:spMkLst>
-            <pc:docMk/>
-            <pc:sldMk cId="1948397067" sldId="484"/>
-            <ac:spMk id="7" creationId="{8A225AA0-21AD-A843-A4E3-3C82E24A7D11}"/>
-          </ac:spMkLst>
-        </pc:spChg>
-        <pc:spChg chg="mod">
-          <ac:chgData name="Khattab, Sherif" userId="c83b1e15-36f3-4f46-aceb-05aac24c545e" providerId="ADAL" clId="{BA7E1913-A6F0-C848-94D5-CEC45678B150}" dt="2021-01-20T03:36:45.256" v="0"/>
-          <ac:spMkLst>
-            <pc:docMk/>
-            <pc:sldMk cId="1948397067" sldId="484"/>
-            <ac:spMk id="25601" creationId="{5E2E26B9-79A1-4156-BA81-69E66E0DF0CE}"/>
-          </ac:spMkLst>
-        </pc:spChg>
-        <pc:grpChg chg="mod">
-          <ac:chgData name="Khattab, Sherif" userId="c83b1e15-36f3-4f46-aceb-05aac24c545e" providerId="ADAL" clId="{BA7E1913-A6F0-C848-94D5-CEC45678B150}" dt="2021-01-20T03:36:45.256" v="0"/>
-          <ac:grpSpMkLst>
-            <pc:docMk/>
-            <pc:sldMk cId="1948397067" sldId="484"/>
-            <ac:grpSpMk id="1" creationId="{00000000-0000-0000-0000-000000000000}"/>
-          </ac:grpSpMkLst>
-        </pc:grpChg>
-        <pc:graphicFrameChg chg="mod">
-          <ac:chgData name="Khattab, Sherif" userId="c83b1e15-36f3-4f46-aceb-05aac24c545e" providerId="ADAL" clId="{BA7E1913-A6F0-C848-94D5-CEC45678B150}" dt="2021-01-20T03:36:45.256" v="0"/>
-          <ac:graphicFrameMkLst>
-            <pc:docMk/>
-            <pc:sldMk cId="1948397067" sldId="484"/>
-            <ac:graphicFrameMk id="25602" creationId="{D681AA8F-570B-452A-9EE8-6BAD95C0CB2A}"/>
-          </ac:graphicFrameMkLst>
-        </pc:graphicFrameChg>
-      </pc:sldChg>
-      <pc:sldChg chg="modSp">
-        <pc:chgData name="Khattab, Sherif" userId="c83b1e15-36f3-4f46-aceb-05aac24c545e" providerId="ADAL" clId="{BA7E1913-A6F0-C848-94D5-CEC45678B150}" dt="2021-01-20T03:36:45.256" v="0"/>
-        <pc:sldMkLst>
-          <pc:docMk/>
-          <pc:sldMk cId="1363323927" sldId="488"/>
-        </pc:sldMkLst>
-        <pc:spChg chg="mod">
-          <ac:chgData name="Khattab, Sherif" userId="c83b1e15-36f3-4f46-aceb-05aac24c545e" providerId="ADAL" clId="{BA7E1913-A6F0-C848-94D5-CEC45678B150}" dt="2021-01-20T03:36:45.256" v="0"/>
-          <ac:spMkLst>
-            <pc:docMk/>
-            <pc:sldMk cId="1363323927" sldId="488"/>
-            <ac:spMk id="2" creationId="{D1784F0E-0CE3-4DF2-BF5E-AC961DED9AD5}"/>
-          </ac:spMkLst>
-        </pc:spChg>
-        <pc:spChg chg="mod">
-          <ac:chgData name="Khattab, Sherif" userId="c83b1e15-36f3-4f46-aceb-05aac24c545e" providerId="ADAL" clId="{BA7E1913-A6F0-C848-94D5-CEC45678B150}" dt="2021-01-20T03:36:45.256" v="0"/>
-          <ac:spMkLst>
-            <pc:docMk/>
-            <pc:sldMk cId="1363323927" sldId="488"/>
-            <ac:spMk id="4" creationId="{EDE852BE-9DBB-4B9F-96D6-41502235E65B}"/>
-          </ac:spMkLst>
-        </pc:spChg>
-        <pc:spChg chg="mod">
-          <ac:chgData name="Khattab, Sherif" userId="c83b1e15-36f3-4f46-aceb-05aac24c545e" providerId="ADAL" clId="{BA7E1913-A6F0-C848-94D5-CEC45678B150}" dt="2021-01-20T03:36:45.256" v="0"/>
-          <ac:spMkLst>
-            <pc:docMk/>
-            <pc:sldMk cId="1363323927" sldId="488"/>
-            <ac:spMk id="29697" creationId="{28E17C06-9C26-4EA2-A8CB-9E266E08CFC9}"/>
-          </ac:spMkLst>
-        </pc:spChg>
-        <pc:spChg chg="mod">
-          <ac:chgData name="Khattab, Sherif" userId="c83b1e15-36f3-4f46-aceb-05aac24c545e" providerId="ADAL" clId="{BA7E1913-A6F0-C848-94D5-CEC45678B150}" dt="2021-01-20T03:36:45.256" v="0"/>
-          <ac:spMkLst>
-            <pc:docMk/>
-            <pc:sldMk cId="1363323927" sldId="488"/>
-            <ac:spMk id="29699" creationId="{9B87D08D-EF4A-454B-A132-2A933B33FADF}"/>
-          </ac:spMkLst>
-        </pc:spChg>
-        <pc:grpChg chg="mod">
-          <ac:chgData name="Khattab, Sherif" userId="c83b1e15-36f3-4f46-aceb-05aac24c545e" providerId="ADAL" clId="{BA7E1913-A6F0-C848-94D5-CEC45678B150}" dt="2021-01-20T03:36:45.256" v="0"/>
-          <ac:grpSpMkLst>
-            <pc:docMk/>
-            <pc:sldMk cId="1363323927" sldId="488"/>
-            <ac:grpSpMk id="1" creationId="{00000000-0000-0000-0000-000000000000}"/>
-          </ac:grpSpMkLst>
-        </pc:grpChg>
-        <pc:graphicFrameChg chg="mod">
-          <ac:chgData name="Khattab, Sherif" userId="c83b1e15-36f3-4f46-aceb-05aac24c545e" providerId="ADAL" clId="{BA7E1913-A6F0-C848-94D5-CEC45678B150}" dt="2021-01-20T03:36:45.256" v="0"/>
-          <ac:graphicFrameMkLst>
-            <pc:docMk/>
-            <pc:sldMk cId="1363323927" sldId="488"/>
-            <ac:graphicFrameMk id="29698" creationId="{5096B804-6DD5-4EA7-8B5D-E7C04AA4F65D}"/>
-          </ac:graphicFrameMkLst>
-        </pc:graphicFrameChg>
-      </pc:sldChg>
-      <pc:sldChg chg="modSp">
-        <pc:chgData name="Khattab, Sherif" userId="c83b1e15-36f3-4f46-aceb-05aac24c545e" providerId="ADAL" clId="{BA7E1913-A6F0-C848-94D5-CEC45678B150}" dt="2021-01-20T03:36:45.256" v="0"/>
-        <pc:sldMkLst>
-          <pc:docMk/>
-          <pc:sldMk cId="936409682" sldId="489"/>
-        </pc:sldMkLst>
-        <pc:spChg chg="mod">
-          <ac:chgData name="Khattab, Sherif" userId="c83b1e15-36f3-4f46-aceb-05aac24c545e" providerId="ADAL" clId="{BA7E1913-A6F0-C848-94D5-CEC45678B150}" dt="2021-01-20T03:36:45.256" v="0"/>
-          <ac:spMkLst>
-            <pc:docMk/>
-            <pc:sldMk cId="936409682" sldId="489"/>
-            <ac:spMk id="2" creationId="{150C62BB-E114-454B-85DB-53D764ED6038}"/>
-          </ac:spMkLst>
-        </pc:spChg>
-        <pc:spChg chg="mod">
-          <ac:chgData name="Khattab, Sherif" userId="c83b1e15-36f3-4f46-aceb-05aac24c545e" providerId="ADAL" clId="{BA7E1913-A6F0-C848-94D5-CEC45678B150}" dt="2021-01-20T03:36:45.256" v="0"/>
-          <ac:spMkLst>
-            <pc:docMk/>
-            <pc:sldMk cId="936409682" sldId="489"/>
-            <ac:spMk id="4" creationId="{8F548AA1-681E-4DA0-A9AF-6C8D550D5E08}"/>
-          </ac:spMkLst>
-        </pc:spChg>
-        <pc:spChg chg="mod">
-          <ac:chgData name="Khattab, Sherif" userId="c83b1e15-36f3-4f46-aceb-05aac24c545e" providerId="ADAL" clId="{BA7E1913-A6F0-C848-94D5-CEC45678B150}" dt="2021-01-20T03:36:45.256" v="0"/>
-          <ac:spMkLst>
-            <pc:docMk/>
-            <pc:sldMk cId="936409682" sldId="489"/>
-            <ac:spMk id="30721" creationId="{0A3F3B3A-9F5F-4801-AFED-E732F58A9EA2}"/>
-          </ac:spMkLst>
-        </pc:spChg>
-        <pc:spChg chg="mod">
-          <ac:chgData name="Khattab, Sherif" userId="c83b1e15-36f3-4f46-aceb-05aac24c545e" providerId="ADAL" clId="{BA7E1913-A6F0-C848-94D5-CEC45678B150}" dt="2021-01-20T03:36:45.256" v="0"/>
-          <ac:spMkLst>
-            <pc:docMk/>
-            <pc:sldMk cId="936409682" sldId="489"/>
-            <ac:spMk id="30722" creationId="{33C3E8B9-1772-47B4-9411-185F126423BA}"/>
-          </ac:spMkLst>
-        </pc:spChg>
-        <pc:grpChg chg="mod">
-          <ac:chgData name="Khattab, Sherif" userId="c83b1e15-36f3-4f46-aceb-05aac24c545e" providerId="ADAL" clId="{BA7E1913-A6F0-C848-94D5-CEC45678B150}" dt="2021-01-20T03:36:45.256" v="0"/>
-          <ac:grpSpMkLst>
-            <pc:docMk/>
-            <pc:sldMk cId="936409682" sldId="489"/>
-            <ac:grpSpMk id="1" creationId="{00000000-0000-0000-0000-000000000000}"/>
-          </ac:grpSpMkLst>
-        </pc:grpChg>
-        <pc:graphicFrameChg chg="mod">
-          <ac:chgData name="Khattab, Sherif" userId="c83b1e15-36f3-4f46-aceb-05aac24c545e" providerId="ADAL" clId="{BA7E1913-A6F0-C848-94D5-CEC45678B150}" dt="2021-01-20T03:36:45.256" v="0"/>
-          <ac:graphicFrameMkLst>
-            <pc:docMk/>
-            <pc:sldMk cId="936409682" sldId="489"/>
-            <ac:graphicFrameMk id="30723" creationId="{24ED8923-A61A-4244-A0FE-28542EDE5C2B}"/>
-          </ac:graphicFrameMkLst>
-        </pc:graphicFrameChg>
-      </pc:sldChg>
-      <pc:sldChg chg="modSp">
-        <pc:chgData name="Khattab, Sherif" userId="c83b1e15-36f3-4f46-aceb-05aac24c545e" providerId="ADAL" clId="{BA7E1913-A6F0-C848-94D5-CEC45678B150}" dt="2021-01-20T03:36:45.256" v="0"/>
-        <pc:sldMkLst>
-          <pc:docMk/>
-          <pc:sldMk cId="3447713174" sldId="494"/>
-        </pc:sldMkLst>
-        <pc:spChg chg="mod">
-          <ac:chgData name="Khattab, Sherif" userId="c83b1e15-36f3-4f46-aceb-05aac24c545e" providerId="ADAL" clId="{BA7E1913-A6F0-C848-94D5-CEC45678B150}" dt="2021-01-20T03:36:45.256" v="0"/>
-          <ac:spMkLst>
-            <pc:docMk/>
-            <pc:sldMk cId="3447713174" sldId="494"/>
-            <ac:spMk id="3" creationId="{68983252-D58B-4136-834E-912F539F00B6}"/>
-          </ac:spMkLst>
-        </pc:spChg>
-        <pc:spChg chg="mod">
-          <ac:chgData name="Khattab, Sherif" userId="c83b1e15-36f3-4f46-aceb-05aac24c545e" providerId="ADAL" clId="{BA7E1913-A6F0-C848-94D5-CEC45678B150}" dt="2021-01-20T03:36:45.256" v="0"/>
-          <ac:spMkLst>
-            <pc:docMk/>
-            <pc:sldMk cId="3447713174" sldId="494"/>
-            <ac:spMk id="5" creationId="{6E7E3CCF-4F96-45E6-B828-6AA5F067043A}"/>
-          </ac:spMkLst>
-        </pc:spChg>
-        <pc:spChg chg="mod">
-          <ac:chgData name="Khattab, Sherif" userId="c83b1e15-36f3-4f46-aceb-05aac24c545e" providerId="ADAL" clId="{BA7E1913-A6F0-C848-94D5-CEC45678B150}" dt="2021-01-20T03:36:45.256" v="0"/>
-          <ac:spMkLst>
-            <pc:docMk/>
-            <pc:sldMk cId="3447713174" sldId="494"/>
-            <ac:spMk id="7" creationId="{E82B22B3-1517-E346-9A8B-094A40D2FC5B}"/>
-          </ac:spMkLst>
-        </pc:spChg>
-        <pc:spChg chg="mod">
-          <ac:chgData name="Khattab, Sherif" userId="c83b1e15-36f3-4f46-aceb-05aac24c545e" providerId="ADAL" clId="{BA7E1913-A6F0-C848-94D5-CEC45678B150}" dt="2021-01-20T03:36:45.256" v="0"/>
-          <ac:spMkLst>
-            <pc:docMk/>
-            <pc:sldMk cId="3447713174" sldId="494"/>
-            <ac:spMk id="35841" creationId="{B48F48C8-3631-4F5F-8724-374B534CDB0D}"/>
-          </ac:spMkLst>
-        </pc:spChg>
-        <pc:grpChg chg="mod">
-          <ac:chgData name="Khattab, Sherif" userId="c83b1e15-36f3-4f46-aceb-05aac24c545e" providerId="ADAL" clId="{BA7E1913-A6F0-C848-94D5-CEC45678B150}" dt="2021-01-20T03:36:45.256" v="0"/>
-          <ac:grpSpMkLst>
-            <pc:docMk/>
-            <pc:sldMk cId="3447713174" sldId="494"/>
-            <ac:grpSpMk id="1" creationId="{00000000-0000-0000-0000-000000000000}"/>
-          </ac:grpSpMkLst>
-        </pc:grpChg>
-        <pc:graphicFrameChg chg="mod">
-          <ac:chgData name="Khattab, Sherif" userId="c83b1e15-36f3-4f46-aceb-05aac24c545e" providerId="ADAL" clId="{BA7E1913-A6F0-C848-94D5-CEC45678B150}" dt="2021-01-20T03:36:45.256" v="0"/>
-          <ac:graphicFrameMkLst>
-            <pc:docMk/>
-            <pc:sldMk cId="3447713174" sldId="494"/>
-            <ac:graphicFrameMk id="35842" creationId="{8D1701A4-A56B-439A-9B39-A560D76A3316}"/>
-          </ac:graphicFrameMkLst>
-        </pc:graphicFrameChg>
-      </pc:sldChg>
-      <pc:sldChg chg="modSp">
-        <pc:chgData name="Khattab, Sherif" userId="c83b1e15-36f3-4f46-aceb-05aac24c545e" providerId="ADAL" clId="{BA7E1913-A6F0-C848-94D5-CEC45678B150}" dt="2021-01-20T03:36:45.256" v="0"/>
-        <pc:sldMkLst>
-          <pc:docMk/>
-          <pc:sldMk cId="2129126942" sldId="495"/>
-        </pc:sldMkLst>
-        <pc:spChg chg="mod">
-          <ac:chgData name="Khattab, Sherif" userId="c83b1e15-36f3-4f46-aceb-05aac24c545e" providerId="ADAL" clId="{BA7E1913-A6F0-C848-94D5-CEC45678B150}" dt="2021-01-20T03:36:45.256" v="0"/>
-          <ac:spMkLst>
-            <pc:docMk/>
-            <pc:sldMk cId="2129126942" sldId="495"/>
-            <ac:spMk id="2" creationId="{B0EDE6F0-5E08-467B-A6AE-AA045809023A}"/>
-          </ac:spMkLst>
-        </pc:spChg>
-        <pc:spChg chg="mod">
-          <ac:chgData name="Khattab, Sherif" userId="c83b1e15-36f3-4f46-aceb-05aac24c545e" providerId="ADAL" clId="{BA7E1913-A6F0-C848-94D5-CEC45678B150}" dt="2021-01-20T03:36:45.256" v="0"/>
-          <ac:spMkLst>
-            <pc:docMk/>
-            <pc:sldMk cId="2129126942" sldId="495"/>
-            <ac:spMk id="4" creationId="{31048580-254B-4562-B07A-13FA9D7EEB7E}"/>
-          </ac:spMkLst>
-        </pc:spChg>
-        <pc:spChg chg="mod">
-          <ac:chgData name="Khattab, Sherif" userId="c83b1e15-36f3-4f46-aceb-05aac24c545e" providerId="ADAL" clId="{BA7E1913-A6F0-C848-94D5-CEC45678B150}" dt="2021-01-20T03:36:45.256" v="0"/>
-          <ac:spMkLst>
-            <pc:docMk/>
-            <pc:sldMk cId="2129126942" sldId="495"/>
-            <ac:spMk id="36865" creationId="{7EA33581-0FBA-4513-BC21-59EBD3254C34}"/>
-          </ac:spMkLst>
-        </pc:spChg>
-        <pc:spChg chg="mod">
-          <ac:chgData name="Khattab, Sherif" userId="c83b1e15-36f3-4f46-aceb-05aac24c545e" providerId="ADAL" clId="{BA7E1913-A6F0-C848-94D5-CEC45678B150}" dt="2021-01-20T03:36:45.256" v="0"/>
-          <ac:spMkLst>
-            <pc:docMk/>
-            <pc:sldMk cId="2129126942" sldId="495"/>
-            <ac:spMk id="36866" creationId="{D4B374AC-8E1B-4FB1-8CD1-E75C5A388926}"/>
-          </ac:spMkLst>
-        </pc:spChg>
-        <pc:grpChg chg="mod">
-          <ac:chgData name="Khattab, Sherif" userId="c83b1e15-36f3-4f46-aceb-05aac24c545e" providerId="ADAL" clId="{BA7E1913-A6F0-C848-94D5-CEC45678B150}" dt="2021-01-20T03:36:45.256" v="0"/>
-          <ac:grpSpMkLst>
-            <pc:docMk/>
-            <pc:sldMk cId="2129126942" sldId="495"/>
-            <ac:grpSpMk id="1" creationId="{00000000-0000-0000-0000-000000000000}"/>
-          </ac:grpSpMkLst>
-        </pc:grpChg>
-        <pc:graphicFrameChg chg="mod">
-          <ac:chgData name="Khattab, Sherif" userId="c83b1e15-36f3-4f46-aceb-05aac24c545e" providerId="ADAL" clId="{BA7E1913-A6F0-C848-94D5-CEC45678B150}" dt="2021-01-20T03:36:45.256" v="0"/>
-          <ac:graphicFrameMkLst>
-            <pc:docMk/>
-            <pc:sldMk cId="2129126942" sldId="495"/>
-            <ac:graphicFrameMk id="36867" creationId="{6EBD17C3-7239-4686-9A19-775BA4E9A6D5}"/>
-          </ac:graphicFrameMkLst>
-        </pc:graphicFrameChg>
-      </pc:sldChg>
-    </pc:docChg>
-  </pc:docChgLst>
-  <pc:docChgLst>
-    <pc:chgData name="Khattab, Sherif" userId="c83b1e15-36f3-4f46-aceb-05aac24c545e" providerId="ADAL" clId="{E6EB0EA7-2544-4CF1-A7D6-AFF5E9AECA5D}"/>
-    <pc:docChg chg="addSld delSld modSld modMainMaster">
-      <pc:chgData name="Khattab, Sherif" userId="c83b1e15-36f3-4f46-aceb-05aac24c545e" providerId="ADAL" clId="{E6EB0EA7-2544-4CF1-A7D6-AFF5E9AECA5D}" dt="2020-05-14T17:16:25.708" v="6"/>
+    <pc:chgData name="Khattab, Sherif" userId="c83b1e15-36f3-4f46-aceb-05aac24c545e" providerId="ADAL" clId="{7C93500A-9C02-1B4B-B507-B54B52B20BD8}"/>
+    <pc:docChg chg="delSld">
+      <pc:chgData name="Khattab, Sherif" userId="c83b1e15-36f3-4f46-aceb-05aac24c545e" providerId="ADAL" clId="{7C93500A-9C02-1B4B-B507-B54B52B20BD8}" dt="2022-01-13T13:28:26.358" v="0" actId="2696"/>
       <pc:docMkLst>
         <pc:docMk/>
       </pc:docMkLst>
       <pc:sldChg chg="del">
-        <pc:chgData name="Khattab, Sherif" userId="c83b1e15-36f3-4f46-aceb-05aac24c545e" providerId="ADAL" clId="{E6EB0EA7-2544-4CF1-A7D6-AFF5E9AECA5D}" dt="2020-05-14T17:10:07.728" v="1" actId="47"/>
-        <pc:sldMkLst>
-          <pc:docMk/>
-          <pc:sldMk cId="0" sldId="256"/>
-        </pc:sldMkLst>
-      </pc:sldChg>
-      <pc:sldChg chg="modSp">
-        <pc:chgData name="Khattab, Sherif" userId="c83b1e15-36f3-4f46-aceb-05aac24c545e" providerId="ADAL" clId="{E6EB0EA7-2544-4CF1-A7D6-AFF5E9AECA5D}" dt="2020-05-14T17:16:25.708" v="6"/>
-        <pc:sldMkLst>
-          <pc:docMk/>
-          <pc:sldMk cId="2710637777" sldId="322"/>
-        </pc:sldMkLst>
-        <pc:spChg chg="mod">
-          <ac:chgData name="Khattab, Sherif" userId="c83b1e15-36f3-4f46-aceb-05aac24c545e" providerId="ADAL" clId="{E6EB0EA7-2544-4CF1-A7D6-AFF5E9AECA5D}" dt="2020-05-14T17:16:25.708" v="6"/>
-          <ac:spMkLst>
-            <pc:docMk/>
-            <pc:sldMk cId="2710637777" sldId="322"/>
-            <ac:spMk id="4" creationId="{98D70E46-AD06-A84D-A403-48FFDDB68BC6}"/>
-          </ac:spMkLst>
-        </pc:spChg>
-        <pc:spChg chg="mod">
-          <ac:chgData name="Khattab, Sherif" userId="c83b1e15-36f3-4f46-aceb-05aac24c545e" providerId="ADAL" clId="{E6EB0EA7-2544-4CF1-A7D6-AFF5E9AECA5D}" dt="2020-05-14T17:16:25.708" v="6"/>
-          <ac:spMkLst>
-            <pc:docMk/>
-            <pc:sldMk cId="2710637777" sldId="322"/>
-            <ac:spMk id="5" creationId="{68F74981-ADDA-9144-ACB5-CE4649DD2D8F}"/>
-          </ac:spMkLst>
-        </pc:spChg>
-        <pc:spChg chg="mod">
-          <ac:chgData name="Khattab, Sherif" userId="c83b1e15-36f3-4f46-aceb-05aac24c545e" providerId="ADAL" clId="{E6EB0EA7-2544-4CF1-A7D6-AFF5E9AECA5D}" dt="2020-05-14T17:16:25.708" v="6"/>
-          <ac:spMkLst>
-            <pc:docMk/>
-            <pc:sldMk cId="2710637777" sldId="322"/>
-            <ac:spMk id="90114" creationId="{308C4648-C13A-A547-ABA8-14DA70E0773D}"/>
-          </ac:spMkLst>
-        </pc:spChg>
-        <pc:spChg chg="mod">
-          <ac:chgData name="Khattab, Sherif" userId="c83b1e15-36f3-4f46-aceb-05aac24c545e" providerId="ADAL" clId="{E6EB0EA7-2544-4CF1-A7D6-AFF5E9AECA5D}" dt="2020-05-14T17:16:25.708" v="6"/>
-          <ac:spMkLst>
-            <pc:docMk/>
-            <pc:sldMk cId="2710637777" sldId="322"/>
-            <ac:spMk id="90115" creationId="{691666FD-EDA0-044F-A826-5F64B00DC362}"/>
-          </ac:spMkLst>
-        </pc:spChg>
-      </pc:sldChg>
-      <pc:sldChg chg="modSp">
-        <pc:chgData name="Khattab, Sherif" userId="c83b1e15-36f3-4f46-aceb-05aac24c545e" providerId="ADAL" clId="{E6EB0EA7-2544-4CF1-A7D6-AFF5E9AECA5D}" dt="2020-05-14T17:16:25.708" v="6"/>
-        <pc:sldMkLst>
-          <pc:docMk/>
-          <pc:sldMk cId="3292918179" sldId="324"/>
-        </pc:sldMkLst>
-        <pc:spChg chg="mod">
-          <ac:chgData name="Khattab, Sherif" userId="c83b1e15-36f3-4f46-aceb-05aac24c545e" providerId="ADAL" clId="{E6EB0EA7-2544-4CF1-A7D6-AFF5E9AECA5D}" dt="2020-05-14T17:16:25.708" v="6"/>
-          <ac:spMkLst>
-            <pc:docMk/>
-            <pc:sldMk cId="3292918179" sldId="324"/>
-            <ac:spMk id="24" creationId="{39DA5595-35A6-EF4C-A674-D955A9DDF867}"/>
-          </ac:spMkLst>
-        </pc:spChg>
-        <pc:spChg chg="mod">
-          <ac:chgData name="Khattab, Sherif" userId="c83b1e15-36f3-4f46-aceb-05aac24c545e" providerId="ADAL" clId="{E6EB0EA7-2544-4CF1-A7D6-AFF5E9AECA5D}" dt="2020-05-14T17:16:25.708" v="6"/>
-          <ac:spMkLst>
-            <pc:docMk/>
-            <pc:sldMk cId="3292918179" sldId="324"/>
-            <ac:spMk id="25" creationId="{D21BF80B-2C7E-944E-B2A9-604706C7B598}"/>
-          </ac:spMkLst>
-        </pc:spChg>
-        <pc:spChg chg="mod">
-          <ac:chgData name="Khattab, Sherif" userId="c83b1e15-36f3-4f46-aceb-05aac24c545e" providerId="ADAL" clId="{E6EB0EA7-2544-4CF1-A7D6-AFF5E9AECA5D}" dt="2020-05-14T17:16:25.708" v="6"/>
-          <ac:spMkLst>
-            <pc:docMk/>
-            <pc:sldMk cId="3292918179" sldId="324"/>
-            <ac:spMk id="92162" creationId="{4BC23600-A1B0-CF42-B178-92570A01C5A5}"/>
-          </ac:spMkLst>
-        </pc:spChg>
-      </pc:sldChg>
-      <pc:sldChg chg="modSp">
-        <pc:chgData name="Khattab, Sherif" userId="c83b1e15-36f3-4f46-aceb-05aac24c545e" providerId="ADAL" clId="{E6EB0EA7-2544-4CF1-A7D6-AFF5E9AECA5D}" dt="2020-05-14T17:16:25.708" v="6"/>
-        <pc:sldMkLst>
-          <pc:docMk/>
-          <pc:sldMk cId="355119911" sldId="338"/>
-        </pc:sldMkLst>
-        <pc:spChg chg="mod">
-          <ac:chgData name="Khattab, Sherif" userId="c83b1e15-36f3-4f46-aceb-05aac24c545e" providerId="ADAL" clId="{E6EB0EA7-2544-4CF1-A7D6-AFF5E9AECA5D}" dt="2020-05-14T17:16:25.708" v="6"/>
-          <ac:spMkLst>
-            <pc:docMk/>
-            <pc:sldMk cId="355119911" sldId="338"/>
-            <ac:spMk id="5" creationId="{9BF724B2-8DB6-E34D-92D7-DCA24F5F0C0D}"/>
-          </ac:spMkLst>
-        </pc:spChg>
-        <pc:spChg chg="mod">
-          <ac:chgData name="Khattab, Sherif" userId="c83b1e15-36f3-4f46-aceb-05aac24c545e" providerId="ADAL" clId="{E6EB0EA7-2544-4CF1-A7D6-AFF5E9AECA5D}" dt="2020-05-14T17:16:25.708" v="6"/>
-          <ac:spMkLst>
-            <pc:docMk/>
-            <pc:sldMk cId="355119911" sldId="338"/>
-            <ac:spMk id="6" creationId="{17F9517E-E98B-6746-8827-A9871727AF2B}"/>
-          </ac:spMkLst>
-        </pc:spChg>
-        <pc:spChg chg="mod">
-          <ac:chgData name="Khattab, Sherif" userId="c83b1e15-36f3-4f46-aceb-05aac24c545e" providerId="ADAL" clId="{E6EB0EA7-2544-4CF1-A7D6-AFF5E9AECA5D}" dt="2020-05-14T17:16:25.708" v="6"/>
-          <ac:spMkLst>
-            <pc:docMk/>
-            <pc:sldMk cId="355119911" sldId="338"/>
-            <ac:spMk id="106499" creationId="{ACBD2F3A-500A-1745-93B6-2D7243F6ECAD}"/>
-          </ac:spMkLst>
-        </pc:spChg>
-        <pc:spChg chg="mod">
-          <ac:chgData name="Khattab, Sherif" userId="c83b1e15-36f3-4f46-aceb-05aac24c545e" providerId="ADAL" clId="{E6EB0EA7-2544-4CF1-A7D6-AFF5E9AECA5D}" dt="2020-05-14T17:16:25.708" v="6"/>
-          <ac:spMkLst>
-            <pc:docMk/>
-            <pc:sldMk cId="355119911" sldId="338"/>
-            <ac:spMk id="106500" creationId="{C1A6B44F-6A6E-624E-A1A8-C1E38440BAFC}"/>
-          </ac:spMkLst>
-        </pc:spChg>
-      </pc:sldChg>
-      <pc:sldChg chg="modSp">
-        <pc:chgData name="Khattab, Sherif" userId="c83b1e15-36f3-4f46-aceb-05aac24c545e" providerId="ADAL" clId="{E6EB0EA7-2544-4CF1-A7D6-AFF5E9AECA5D}" dt="2020-05-14T17:16:25.708" v="6"/>
-        <pc:sldMkLst>
-          <pc:docMk/>
-          <pc:sldMk cId="4223572414" sldId="339"/>
-        </pc:sldMkLst>
-        <pc:spChg chg="mod">
-          <ac:chgData name="Khattab, Sherif" userId="c83b1e15-36f3-4f46-aceb-05aac24c545e" providerId="ADAL" clId="{E6EB0EA7-2544-4CF1-A7D6-AFF5E9AECA5D}" dt="2020-05-14T17:16:25.708" v="6"/>
-          <ac:spMkLst>
-            <pc:docMk/>
-            <pc:sldMk cId="4223572414" sldId="339"/>
-            <ac:spMk id="4" creationId="{D69010A4-1F91-904E-B3C8-1167C46C655B}"/>
-          </ac:spMkLst>
-        </pc:spChg>
-        <pc:spChg chg="mod">
-          <ac:chgData name="Khattab, Sherif" userId="c83b1e15-36f3-4f46-aceb-05aac24c545e" providerId="ADAL" clId="{E6EB0EA7-2544-4CF1-A7D6-AFF5E9AECA5D}" dt="2020-05-14T17:16:25.708" v="6"/>
-          <ac:spMkLst>
-            <pc:docMk/>
-            <pc:sldMk cId="4223572414" sldId="339"/>
-            <ac:spMk id="5" creationId="{9CD943DD-44DA-D14E-86E5-53D56F3B4693}"/>
-          </ac:spMkLst>
-        </pc:spChg>
-        <pc:spChg chg="mod">
-          <ac:chgData name="Khattab, Sherif" userId="c83b1e15-36f3-4f46-aceb-05aac24c545e" providerId="ADAL" clId="{E6EB0EA7-2544-4CF1-A7D6-AFF5E9AECA5D}" dt="2020-05-14T17:16:25.708" v="6"/>
-          <ac:spMkLst>
-            <pc:docMk/>
-            <pc:sldMk cId="4223572414" sldId="339"/>
-            <ac:spMk id="107522" creationId="{7F365B32-B892-9644-B8A9-4981039D7D56}"/>
-          </ac:spMkLst>
-        </pc:spChg>
-        <pc:spChg chg="mod">
-          <ac:chgData name="Khattab, Sherif" userId="c83b1e15-36f3-4f46-aceb-05aac24c545e" providerId="ADAL" clId="{E6EB0EA7-2544-4CF1-A7D6-AFF5E9AECA5D}" dt="2020-05-14T17:16:25.708" v="6"/>
-          <ac:spMkLst>
-            <pc:docMk/>
-            <pc:sldMk cId="4223572414" sldId="339"/>
-            <ac:spMk id="107523" creationId="{0F9697C6-2257-044C-8E34-AC62DE514C44}"/>
-          </ac:spMkLst>
-        </pc:spChg>
-      </pc:sldChg>
-      <pc:sldChg chg="modSp">
-        <pc:chgData name="Khattab, Sherif" userId="c83b1e15-36f3-4f46-aceb-05aac24c545e" providerId="ADAL" clId="{E6EB0EA7-2544-4CF1-A7D6-AFF5E9AECA5D}" dt="2020-05-14T17:16:25.708" v="6"/>
-        <pc:sldMkLst>
-          <pc:docMk/>
-          <pc:sldMk cId="470668490" sldId="340"/>
-        </pc:sldMkLst>
-        <pc:spChg chg="mod">
-          <ac:chgData name="Khattab, Sherif" userId="c83b1e15-36f3-4f46-aceb-05aac24c545e" providerId="ADAL" clId="{E6EB0EA7-2544-4CF1-A7D6-AFF5E9AECA5D}" dt="2020-05-14T17:16:25.708" v="6"/>
-          <ac:spMkLst>
-            <pc:docMk/>
-            <pc:sldMk cId="470668490" sldId="340"/>
-            <ac:spMk id="4" creationId="{29BFE3FF-96E0-4A48-9771-0902F36838F3}"/>
-          </ac:spMkLst>
-        </pc:spChg>
-        <pc:spChg chg="mod">
-          <ac:chgData name="Khattab, Sherif" userId="c83b1e15-36f3-4f46-aceb-05aac24c545e" providerId="ADAL" clId="{E6EB0EA7-2544-4CF1-A7D6-AFF5E9AECA5D}" dt="2020-05-14T17:16:25.708" v="6"/>
-          <ac:spMkLst>
-            <pc:docMk/>
-            <pc:sldMk cId="470668490" sldId="340"/>
-            <ac:spMk id="5" creationId="{85AFFB91-7C27-6641-9A78-BE1CCACB6DE8}"/>
-          </ac:spMkLst>
-        </pc:spChg>
-        <pc:spChg chg="mod">
-          <ac:chgData name="Khattab, Sherif" userId="c83b1e15-36f3-4f46-aceb-05aac24c545e" providerId="ADAL" clId="{E6EB0EA7-2544-4CF1-A7D6-AFF5E9AECA5D}" dt="2020-05-14T17:16:25.708" v="6"/>
-          <ac:spMkLst>
-            <pc:docMk/>
-            <pc:sldMk cId="470668490" sldId="340"/>
-            <ac:spMk id="108546" creationId="{96849A06-BBDF-C040-849E-A024B4FC255B}"/>
-          </ac:spMkLst>
-        </pc:spChg>
-        <pc:spChg chg="mod">
-          <ac:chgData name="Khattab, Sherif" userId="c83b1e15-36f3-4f46-aceb-05aac24c545e" providerId="ADAL" clId="{E6EB0EA7-2544-4CF1-A7D6-AFF5E9AECA5D}" dt="2020-05-14T17:16:25.708" v="6"/>
-          <ac:spMkLst>
-            <pc:docMk/>
-            <pc:sldMk cId="470668490" sldId="340"/>
-            <ac:spMk id="108547" creationId="{CC82A9AD-5F15-AB49-8F90-FE2C306DA419}"/>
-          </ac:spMkLst>
-        </pc:spChg>
-      </pc:sldChg>
-      <pc:sldChg chg="modSp">
-        <pc:chgData name="Khattab, Sherif" userId="c83b1e15-36f3-4f46-aceb-05aac24c545e" providerId="ADAL" clId="{E6EB0EA7-2544-4CF1-A7D6-AFF5E9AECA5D}" dt="2020-05-14T17:16:25.708" v="6"/>
-        <pc:sldMkLst>
-          <pc:docMk/>
-          <pc:sldMk cId="1205868326" sldId="341"/>
-        </pc:sldMkLst>
-        <pc:spChg chg="mod">
-          <ac:chgData name="Khattab, Sherif" userId="c83b1e15-36f3-4f46-aceb-05aac24c545e" providerId="ADAL" clId="{E6EB0EA7-2544-4CF1-A7D6-AFF5E9AECA5D}" dt="2020-05-14T17:16:25.708" v="6"/>
-          <ac:spMkLst>
-            <pc:docMk/>
-            <pc:sldMk cId="1205868326" sldId="341"/>
-            <ac:spMk id="4" creationId="{A5FE58C8-1460-C848-AB84-4F361A9896A1}"/>
-          </ac:spMkLst>
-        </pc:spChg>
-        <pc:spChg chg="mod">
-          <ac:chgData name="Khattab, Sherif" userId="c83b1e15-36f3-4f46-aceb-05aac24c545e" providerId="ADAL" clId="{E6EB0EA7-2544-4CF1-A7D6-AFF5E9AECA5D}" dt="2020-05-14T17:16:25.708" v="6"/>
-          <ac:spMkLst>
-            <pc:docMk/>
-            <pc:sldMk cId="1205868326" sldId="341"/>
-            <ac:spMk id="5" creationId="{F81FC055-C345-0D4E-990E-67395EA45FB7}"/>
-          </ac:spMkLst>
-        </pc:spChg>
-        <pc:spChg chg="mod">
-          <ac:chgData name="Khattab, Sherif" userId="c83b1e15-36f3-4f46-aceb-05aac24c545e" providerId="ADAL" clId="{E6EB0EA7-2544-4CF1-A7D6-AFF5E9AECA5D}" dt="2020-05-14T17:16:25.708" v="6"/>
-          <ac:spMkLst>
-            <pc:docMk/>
-            <pc:sldMk cId="1205868326" sldId="341"/>
-            <ac:spMk id="109570" creationId="{6A881214-C7A5-214A-8E7E-4D686B71DB5F}"/>
-          </ac:spMkLst>
-        </pc:spChg>
-        <pc:spChg chg="mod">
-          <ac:chgData name="Khattab, Sherif" userId="c83b1e15-36f3-4f46-aceb-05aac24c545e" providerId="ADAL" clId="{E6EB0EA7-2544-4CF1-A7D6-AFF5E9AECA5D}" dt="2020-05-14T17:16:25.708" v="6"/>
-          <ac:spMkLst>
-            <pc:docMk/>
-            <pc:sldMk cId="1205868326" sldId="341"/>
-            <ac:spMk id="109571" creationId="{EB65A8A9-691B-3D4F-B0AA-00914900DB3A}"/>
-          </ac:spMkLst>
-        </pc:spChg>
-      </pc:sldChg>
-      <pc:sldChg chg="modSp">
-        <pc:chgData name="Khattab, Sherif" userId="c83b1e15-36f3-4f46-aceb-05aac24c545e" providerId="ADAL" clId="{E6EB0EA7-2544-4CF1-A7D6-AFF5E9AECA5D}" dt="2020-05-14T17:16:25.708" v="6"/>
-        <pc:sldMkLst>
-          <pc:docMk/>
-          <pc:sldMk cId="1806563943" sldId="342"/>
-        </pc:sldMkLst>
-        <pc:spChg chg="mod">
-          <ac:chgData name="Khattab, Sherif" userId="c83b1e15-36f3-4f46-aceb-05aac24c545e" providerId="ADAL" clId="{E6EB0EA7-2544-4CF1-A7D6-AFF5E9AECA5D}" dt="2020-05-14T17:16:25.708" v="6"/>
-          <ac:spMkLst>
-            <pc:docMk/>
-            <pc:sldMk cId="1806563943" sldId="342"/>
-            <ac:spMk id="7" creationId="{6E9B925F-4BC9-934E-AB01-067F794B522E}"/>
-          </ac:spMkLst>
-        </pc:spChg>
-        <pc:spChg chg="mod">
-          <ac:chgData name="Khattab, Sherif" userId="c83b1e15-36f3-4f46-aceb-05aac24c545e" providerId="ADAL" clId="{E6EB0EA7-2544-4CF1-A7D6-AFF5E9AECA5D}" dt="2020-05-14T17:16:25.708" v="6"/>
-          <ac:spMkLst>
-            <pc:docMk/>
-            <pc:sldMk cId="1806563943" sldId="342"/>
-            <ac:spMk id="8" creationId="{0A731FB3-7935-8345-B6C7-AEE0B02240B9}"/>
-          </ac:spMkLst>
-        </pc:spChg>
-        <pc:spChg chg="mod">
-          <ac:chgData name="Khattab, Sherif" userId="c83b1e15-36f3-4f46-aceb-05aac24c545e" providerId="ADAL" clId="{E6EB0EA7-2544-4CF1-A7D6-AFF5E9AECA5D}" dt="2020-05-14T17:16:25.708" v="6"/>
-          <ac:spMkLst>
-            <pc:docMk/>
-            <pc:sldMk cId="1806563943" sldId="342"/>
-            <ac:spMk id="110597" creationId="{BDC36B20-DEF6-BF4D-B0E7-8F5461CE049F}"/>
-          </ac:spMkLst>
-        </pc:spChg>
-        <pc:spChg chg="mod">
-          <ac:chgData name="Khattab, Sherif" userId="c83b1e15-36f3-4f46-aceb-05aac24c545e" providerId="ADAL" clId="{E6EB0EA7-2544-4CF1-A7D6-AFF5E9AECA5D}" dt="2020-05-14T17:16:25.708" v="6"/>
-          <ac:spMkLst>
-            <pc:docMk/>
-            <pc:sldMk cId="1806563943" sldId="342"/>
-            <ac:spMk id="110598" creationId="{58C40865-3753-A447-9770-211D098125F8}"/>
-          </ac:spMkLst>
-        </pc:spChg>
-      </pc:sldChg>
-      <pc:sldChg chg="modSp">
-        <pc:chgData name="Khattab, Sherif" userId="c83b1e15-36f3-4f46-aceb-05aac24c545e" providerId="ADAL" clId="{E6EB0EA7-2544-4CF1-A7D6-AFF5E9AECA5D}" dt="2020-05-14T17:16:25.708" v="6"/>
-        <pc:sldMkLst>
-          <pc:docMk/>
-          <pc:sldMk cId="1167711490" sldId="343"/>
-        </pc:sldMkLst>
-        <pc:spChg chg="mod">
-          <ac:chgData name="Khattab, Sherif" userId="c83b1e15-36f3-4f46-aceb-05aac24c545e" providerId="ADAL" clId="{E6EB0EA7-2544-4CF1-A7D6-AFF5E9AECA5D}" dt="2020-05-14T17:16:25.708" v="6"/>
-          <ac:spMkLst>
-            <pc:docMk/>
-            <pc:sldMk cId="1167711490" sldId="343"/>
-            <ac:spMk id="7" creationId="{72500EF2-C006-2647-8CFD-300FA28B30EA}"/>
-          </ac:spMkLst>
-        </pc:spChg>
-        <pc:spChg chg="mod">
-          <ac:chgData name="Khattab, Sherif" userId="c83b1e15-36f3-4f46-aceb-05aac24c545e" providerId="ADAL" clId="{E6EB0EA7-2544-4CF1-A7D6-AFF5E9AECA5D}" dt="2020-05-14T17:16:25.708" v="6"/>
-          <ac:spMkLst>
-            <pc:docMk/>
-            <pc:sldMk cId="1167711490" sldId="343"/>
-            <ac:spMk id="8" creationId="{5513A82D-D95D-3B46-B415-F25C0E574B15}"/>
-          </ac:spMkLst>
-        </pc:spChg>
-        <pc:spChg chg="mod">
-          <ac:chgData name="Khattab, Sherif" userId="c83b1e15-36f3-4f46-aceb-05aac24c545e" providerId="ADAL" clId="{E6EB0EA7-2544-4CF1-A7D6-AFF5E9AECA5D}" dt="2020-05-14T17:16:25.708" v="6"/>
-          <ac:spMkLst>
-            <pc:docMk/>
-            <pc:sldMk cId="1167711490" sldId="343"/>
-            <ac:spMk id="111621" creationId="{98D1A996-CF96-BF4C-9178-C10B8182C328}"/>
-          </ac:spMkLst>
-        </pc:spChg>
-        <pc:spChg chg="mod">
-          <ac:chgData name="Khattab, Sherif" userId="c83b1e15-36f3-4f46-aceb-05aac24c545e" providerId="ADAL" clId="{E6EB0EA7-2544-4CF1-A7D6-AFF5E9AECA5D}" dt="2020-05-14T17:16:25.708" v="6"/>
-          <ac:spMkLst>
-            <pc:docMk/>
-            <pc:sldMk cId="1167711490" sldId="343"/>
-            <ac:spMk id="111622" creationId="{8B17F8A5-FE1E-5540-991C-590D33FA245A}"/>
-          </ac:spMkLst>
-        </pc:spChg>
-      </pc:sldChg>
-      <pc:sldChg chg="modSp">
-        <pc:chgData name="Khattab, Sherif" userId="c83b1e15-36f3-4f46-aceb-05aac24c545e" providerId="ADAL" clId="{E6EB0EA7-2544-4CF1-A7D6-AFF5E9AECA5D}" dt="2020-05-14T17:16:25.708" v="6"/>
-        <pc:sldMkLst>
-          <pc:docMk/>
-          <pc:sldMk cId="1271999567" sldId="349"/>
-        </pc:sldMkLst>
-        <pc:spChg chg="mod">
-          <ac:chgData name="Khattab, Sherif" userId="c83b1e15-36f3-4f46-aceb-05aac24c545e" providerId="ADAL" clId="{E6EB0EA7-2544-4CF1-A7D6-AFF5E9AECA5D}" dt="2020-05-14T17:16:25.708" v="6"/>
-          <ac:spMkLst>
-            <pc:docMk/>
-            <pc:sldMk cId="1271999567" sldId="349"/>
-            <ac:spMk id="2" creationId="{17A8AD5B-F689-B94F-A878-23B8A0273164}"/>
-          </ac:spMkLst>
-        </pc:spChg>
-        <pc:spChg chg="mod">
-          <ac:chgData name="Khattab, Sherif" userId="c83b1e15-36f3-4f46-aceb-05aac24c545e" providerId="ADAL" clId="{E6EB0EA7-2544-4CF1-A7D6-AFF5E9AECA5D}" dt="2020-05-14T17:16:25.708" v="6"/>
-          <ac:spMkLst>
-            <pc:docMk/>
-            <pc:sldMk cId="1271999567" sldId="349"/>
-            <ac:spMk id="6" creationId="{A88B15B3-238A-4746-829A-03A0FAA7FB19}"/>
-          </ac:spMkLst>
-        </pc:spChg>
-        <pc:spChg chg="mod">
-          <ac:chgData name="Khattab, Sherif" userId="c83b1e15-36f3-4f46-aceb-05aac24c545e" providerId="ADAL" clId="{E6EB0EA7-2544-4CF1-A7D6-AFF5E9AECA5D}" dt="2020-05-14T17:16:25.708" v="6"/>
-          <ac:spMkLst>
-            <pc:docMk/>
-            <pc:sldMk cId="1271999567" sldId="349"/>
-            <ac:spMk id="7" creationId="{D97A772E-AF56-8A43-8E21-10E9198972DA}"/>
-          </ac:spMkLst>
-        </pc:spChg>
-        <pc:spChg chg="mod">
-          <ac:chgData name="Khattab, Sherif" userId="c83b1e15-36f3-4f46-aceb-05aac24c545e" providerId="ADAL" clId="{E6EB0EA7-2544-4CF1-A7D6-AFF5E9AECA5D}" dt="2020-05-14T17:16:25.708" v="6"/>
-          <ac:spMkLst>
-            <pc:docMk/>
-            <pc:sldMk cId="1271999567" sldId="349"/>
-            <ac:spMk id="117762" creationId="{39807B7F-29D5-4E40-91D5-70F81AE81EDD}"/>
-          </ac:spMkLst>
-        </pc:spChg>
-      </pc:sldChg>
-      <pc:sldChg chg="modSp">
-        <pc:chgData name="Khattab, Sherif" userId="c83b1e15-36f3-4f46-aceb-05aac24c545e" providerId="ADAL" clId="{E6EB0EA7-2544-4CF1-A7D6-AFF5E9AECA5D}" dt="2020-05-14T17:16:25.708" v="6"/>
-        <pc:sldMkLst>
-          <pc:docMk/>
-          <pc:sldMk cId="434376579" sldId="363"/>
-        </pc:sldMkLst>
-        <pc:spChg chg="mod">
-          <ac:chgData name="Khattab, Sherif" userId="c83b1e15-36f3-4f46-aceb-05aac24c545e" providerId="ADAL" clId="{E6EB0EA7-2544-4CF1-A7D6-AFF5E9AECA5D}" dt="2020-05-14T17:16:25.708" v="6"/>
-          <ac:spMkLst>
-            <pc:docMk/>
-            <pc:sldMk cId="434376579" sldId="363"/>
-            <ac:spMk id="13" creationId="{399F8E88-2D61-7E41-B9E7-D5D16445265E}"/>
-          </ac:spMkLst>
-        </pc:spChg>
-        <pc:spChg chg="mod">
-          <ac:chgData name="Khattab, Sherif" userId="c83b1e15-36f3-4f46-aceb-05aac24c545e" providerId="ADAL" clId="{E6EB0EA7-2544-4CF1-A7D6-AFF5E9AECA5D}" dt="2020-05-14T17:16:25.708" v="6"/>
-          <ac:spMkLst>
-            <pc:docMk/>
-            <pc:sldMk cId="434376579" sldId="363"/>
-            <ac:spMk id="14" creationId="{1D9B0268-8DED-C745-8271-8B812DB10776}"/>
-          </ac:spMkLst>
-        </pc:spChg>
-        <pc:spChg chg="mod">
-          <ac:chgData name="Khattab, Sherif" userId="c83b1e15-36f3-4f46-aceb-05aac24c545e" providerId="ADAL" clId="{E6EB0EA7-2544-4CF1-A7D6-AFF5E9AECA5D}" dt="2020-05-14T17:16:25.708" v="6"/>
-          <ac:spMkLst>
-            <pc:docMk/>
-            <pc:sldMk cId="434376579" sldId="363"/>
-            <ac:spMk id="91148" creationId="{D182CBCC-E588-9C46-9A14-D3D8D1F9D94B}"/>
-          </ac:spMkLst>
-        </pc:spChg>
-      </pc:sldChg>
-      <pc:sldChg chg="modSp">
-        <pc:chgData name="Khattab, Sherif" userId="c83b1e15-36f3-4f46-aceb-05aac24c545e" providerId="ADAL" clId="{E6EB0EA7-2544-4CF1-A7D6-AFF5E9AECA5D}" dt="2020-05-14T17:16:25.708" v="6"/>
-        <pc:sldMkLst>
-          <pc:docMk/>
-          <pc:sldMk cId="815621424" sldId="364"/>
-        </pc:sldMkLst>
-        <pc:spChg chg="mod">
-          <ac:chgData name="Khattab, Sherif" userId="c83b1e15-36f3-4f46-aceb-05aac24c545e" providerId="ADAL" clId="{E6EB0EA7-2544-4CF1-A7D6-AFF5E9AECA5D}" dt="2020-05-14T17:16:25.708" v="6"/>
-          <ac:spMkLst>
-            <pc:docMk/>
-            <pc:sldMk cId="815621424" sldId="364"/>
-            <ac:spMk id="27" creationId="{667676E5-52CF-B949-92AA-54CEC4825EDD}"/>
-          </ac:spMkLst>
-        </pc:spChg>
-        <pc:spChg chg="mod">
-          <ac:chgData name="Khattab, Sherif" userId="c83b1e15-36f3-4f46-aceb-05aac24c545e" providerId="ADAL" clId="{E6EB0EA7-2544-4CF1-A7D6-AFF5E9AECA5D}" dt="2020-05-14T17:16:25.708" v="6"/>
-          <ac:spMkLst>
-            <pc:docMk/>
-            <pc:sldMk cId="815621424" sldId="364"/>
-            <ac:spMk id="28" creationId="{EC52B04B-D8AF-8643-A73A-7D7FBE25B1FC}"/>
-          </ac:spMkLst>
-        </pc:spChg>
-        <pc:spChg chg="mod">
-          <ac:chgData name="Khattab, Sherif" userId="c83b1e15-36f3-4f46-aceb-05aac24c545e" providerId="ADAL" clId="{E6EB0EA7-2544-4CF1-A7D6-AFF5E9AECA5D}" dt="2020-05-14T17:16:25.708" v="6"/>
-          <ac:spMkLst>
-            <pc:docMk/>
-            <pc:sldMk cId="815621424" sldId="364"/>
-            <ac:spMk id="93186" creationId="{E502F9E0-21A9-6844-A11A-A0680165B684}"/>
-          </ac:spMkLst>
-        </pc:spChg>
-        <pc:spChg chg="mod">
-          <ac:chgData name="Khattab, Sherif" userId="c83b1e15-36f3-4f46-aceb-05aac24c545e" providerId="ADAL" clId="{E6EB0EA7-2544-4CF1-A7D6-AFF5E9AECA5D}" dt="2020-05-14T17:16:25.708" v="6"/>
-          <ac:spMkLst>
-            <pc:docMk/>
-            <pc:sldMk cId="815621424" sldId="364"/>
-            <ac:spMk id="93187" creationId="{83249007-0AB0-EB49-9417-995673C1CEF5}"/>
-          </ac:spMkLst>
-        </pc:spChg>
-      </pc:sldChg>
-      <pc:sldChg chg="modSp">
-        <pc:chgData name="Khattab, Sherif" userId="c83b1e15-36f3-4f46-aceb-05aac24c545e" providerId="ADAL" clId="{E6EB0EA7-2544-4CF1-A7D6-AFF5E9AECA5D}" dt="2020-05-14T17:16:25.708" v="6"/>
-        <pc:sldMkLst>
-          <pc:docMk/>
-          <pc:sldMk cId="1934104099" sldId="365"/>
-        </pc:sldMkLst>
-        <pc:spChg chg="mod">
-          <ac:chgData name="Khattab, Sherif" userId="c83b1e15-36f3-4f46-aceb-05aac24c545e" providerId="ADAL" clId="{E6EB0EA7-2544-4CF1-A7D6-AFF5E9AECA5D}" dt="2020-05-14T17:16:25.708" v="6"/>
-          <ac:spMkLst>
-            <pc:docMk/>
-            <pc:sldMk cId="1934104099" sldId="365"/>
-            <ac:spMk id="8" creationId="{87B93D98-EEC5-C245-A824-29408C4F6AA9}"/>
-          </ac:spMkLst>
-        </pc:spChg>
-        <pc:spChg chg="mod">
-          <ac:chgData name="Khattab, Sherif" userId="c83b1e15-36f3-4f46-aceb-05aac24c545e" providerId="ADAL" clId="{E6EB0EA7-2544-4CF1-A7D6-AFF5E9AECA5D}" dt="2020-05-14T17:16:25.708" v="6"/>
-          <ac:spMkLst>
-            <pc:docMk/>
-            <pc:sldMk cId="1934104099" sldId="365"/>
-            <ac:spMk id="9" creationId="{97A00662-141E-7B4B-97ED-0FA4B9115725}"/>
-          </ac:spMkLst>
-        </pc:spChg>
-        <pc:spChg chg="mod">
-          <ac:chgData name="Khattab, Sherif" userId="c83b1e15-36f3-4f46-aceb-05aac24c545e" providerId="ADAL" clId="{E6EB0EA7-2544-4CF1-A7D6-AFF5E9AECA5D}" dt="2020-05-14T17:16:25.708" v="6"/>
-          <ac:spMkLst>
-            <pc:docMk/>
-            <pc:sldMk cId="1934104099" sldId="365"/>
-            <ac:spMk id="94210" creationId="{FD1747F8-31B5-1F41-BD48-CAFBB42D9534}"/>
-          </ac:spMkLst>
-        </pc:spChg>
-        <pc:spChg chg="mod">
-          <ac:chgData name="Khattab, Sherif" userId="c83b1e15-36f3-4f46-aceb-05aac24c545e" providerId="ADAL" clId="{E6EB0EA7-2544-4CF1-A7D6-AFF5E9AECA5D}" dt="2020-05-14T17:16:25.708" v="6"/>
-          <ac:spMkLst>
-            <pc:docMk/>
-            <pc:sldMk cId="1934104099" sldId="365"/>
-            <ac:spMk id="94211" creationId="{2F4C0CE7-B9FD-0E45-8A7B-DDDB3455B140}"/>
-          </ac:spMkLst>
-        </pc:spChg>
-      </pc:sldChg>
-      <pc:sldChg chg="modSp">
-        <pc:chgData name="Khattab, Sherif" userId="c83b1e15-36f3-4f46-aceb-05aac24c545e" providerId="ADAL" clId="{E6EB0EA7-2544-4CF1-A7D6-AFF5E9AECA5D}" dt="2020-05-14T17:16:25.708" v="6"/>
-        <pc:sldMkLst>
-          <pc:docMk/>
-          <pc:sldMk cId="2782429159" sldId="366"/>
-        </pc:sldMkLst>
-        <pc:spChg chg="mod">
-          <ac:chgData name="Khattab, Sherif" userId="c83b1e15-36f3-4f46-aceb-05aac24c545e" providerId="ADAL" clId="{E6EB0EA7-2544-4CF1-A7D6-AFF5E9AECA5D}" dt="2020-05-14T17:16:25.708" v="6"/>
-          <ac:spMkLst>
-            <pc:docMk/>
-            <pc:sldMk cId="2782429159" sldId="366"/>
-            <ac:spMk id="4" creationId="{27D16428-557C-2344-B354-75ACA52C8E36}"/>
-          </ac:spMkLst>
-        </pc:spChg>
-        <pc:spChg chg="mod">
-          <ac:chgData name="Khattab, Sherif" userId="c83b1e15-36f3-4f46-aceb-05aac24c545e" providerId="ADAL" clId="{E6EB0EA7-2544-4CF1-A7D6-AFF5E9AECA5D}" dt="2020-05-14T17:16:25.708" v="6"/>
-          <ac:spMkLst>
-            <pc:docMk/>
-            <pc:sldMk cId="2782429159" sldId="366"/>
-            <ac:spMk id="5" creationId="{9B92B5DB-B929-F947-BA57-49A11A6B5B28}"/>
-          </ac:spMkLst>
-        </pc:spChg>
-        <pc:spChg chg="mod">
-          <ac:chgData name="Khattab, Sherif" userId="c83b1e15-36f3-4f46-aceb-05aac24c545e" providerId="ADAL" clId="{E6EB0EA7-2544-4CF1-A7D6-AFF5E9AECA5D}" dt="2020-05-14T17:16:25.708" v="6"/>
-          <ac:spMkLst>
-            <pc:docMk/>
-            <pc:sldMk cId="2782429159" sldId="366"/>
-            <ac:spMk id="95234" creationId="{22679527-1C13-D745-AD6F-BECD21053034}"/>
-          </ac:spMkLst>
-        </pc:spChg>
-      </pc:sldChg>
-      <pc:sldChg chg="modSp">
-        <pc:chgData name="Khattab, Sherif" userId="c83b1e15-36f3-4f46-aceb-05aac24c545e" providerId="ADAL" clId="{E6EB0EA7-2544-4CF1-A7D6-AFF5E9AECA5D}" dt="2020-05-14T17:16:25.708" v="6"/>
-        <pc:sldMkLst>
-          <pc:docMk/>
-          <pc:sldMk cId="2251973667" sldId="367"/>
-        </pc:sldMkLst>
-        <pc:spChg chg="mod">
-          <ac:chgData name="Khattab, Sherif" userId="c83b1e15-36f3-4f46-aceb-05aac24c545e" providerId="ADAL" clId="{E6EB0EA7-2544-4CF1-A7D6-AFF5E9AECA5D}" dt="2020-05-14T17:16:25.708" v="6"/>
-          <ac:spMkLst>
-            <pc:docMk/>
-            <pc:sldMk cId="2251973667" sldId="367"/>
-            <ac:spMk id="4" creationId="{27AC079A-FDEE-5245-9DF2-0EA014E67F57}"/>
-          </ac:spMkLst>
-        </pc:spChg>
-        <pc:spChg chg="mod">
-          <ac:chgData name="Khattab, Sherif" userId="c83b1e15-36f3-4f46-aceb-05aac24c545e" providerId="ADAL" clId="{E6EB0EA7-2544-4CF1-A7D6-AFF5E9AECA5D}" dt="2020-05-14T17:16:25.708" v="6"/>
-          <ac:spMkLst>
-            <pc:docMk/>
-            <pc:sldMk cId="2251973667" sldId="367"/>
-            <ac:spMk id="5" creationId="{4BE14FC9-25DA-A545-BFFF-97AA43D9616B}"/>
-          </ac:spMkLst>
-        </pc:spChg>
-        <pc:spChg chg="mod">
-          <ac:chgData name="Khattab, Sherif" userId="c83b1e15-36f3-4f46-aceb-05aac24c545e" providerId="ADAL" clId="{E6EB0EA7-2544-4CF1-A7D6-AFF5E9AECA5D}" dt="2020-05-14T17:16:25.708" v="6"/>
-          <ac:spMkLst>
-            <pc:docMk/>
-            <pc:sldMk cId="2251973667" sldId="367"/>
-            <ac:spMk id="98306" creationId="{8383A26D-3C56-0042-8B6C-8FD1E0DFA250}"/>
-          </ac:spMkLst>
-        </pc:spChg>
-        <pc:spChg chg="mod">
-          <ac:chgData name="Khattab, Sherif" userId="c83b1e15-36f3-4f46-aceb-05aac24c545e" providerId="ADAL" clId="{E6EB0EA7-2544-4CF1-A7D6-AFF5E9AECA5D}" dt="2020-05-14T17:16:25.708" v="6"/>
-          <ac:spMkLst>
-            <pc:docMk/>
-            <pc:sldMk cId="2251973667" sldId="367"/>
-            <ac:spMk id="98307" creationId="{6AF066B1-89F4-4E4D-8ABF-40AC813F6866}"/>
-          </ac:spMkLst>
-        </pc:spChg>
-      </pc:sldChg>
-      <pc:sldChg chg="modSp">
-        <pc:chgData name="Khattab, Sherif" userId="c83b1e15-36f3-4f46-aceb-05aac24c545e" providerId="ADAL" clId="{E6EB0EA7-2544-4CF1-A7D6-AFF5E9AECA5D}" dt="2020-05-14T17:16:25.708" v="6"/>
-        <pc:sldMkLst>
-          <pc:docMk/>
-          <pc:sldMk cId="3138501136" sldId="368"/>
-        </pc:sldMkLst>
-        <pc:spChg chg="mod">
-          <ac:chgData name="Khattab, Sherif" userId="c83b1e15-36f3-4f46-aceb-05aac24c545e" providerId="ADAL" clId="{E6EB0EA7-2544-4CF1-A7D6-AFF5E9AECA5D}" dt="2020-05-14T17:16:25.708" v="6"/>
-          <ac:spMkLst>
-            <pc:docMk/>
-            <pc:sldMk cId="3138501136" sldId="368"/>
-            <ac:spMk id="7" creationId="{532CA168-7A4E-084D-AF13-F17DA4C99AF9}"/>
-          </ac:spMkLst>
-        </pc:spChg>
-        <pc:spChg chg="mod">
-          <ac:chgData name="Khattab, Sherif" userId="c83b1e15-36f3-4f46-aceb-05aac24c545e" providerId="ADAL" clId="{E6EB0EA7-2544-4CF1-A7D6-AFF5E9AECA5D}" dt="2020-05-14T17:16:25.708" v="6"/>
-          <ac:spMkLst>
-            <pc:docMk/>
-            <pc:sldMk cId="3138501136" sldId="368"/>
-            <ac:spMk id="8" creationId="{0C0EE1E8-F246-0344-879F-ACDF28735FC1}"/>
-          </ac:spMkLst>
-        </pc:spChg>
-        <pc:spChg chg="mod">
-          <ac:chgData name="Khattab, Sherif" userId="c83b1e15-36f3-4f46-aceb-05aac24c545e" providerId="ADAL" clId="{E6EB0EA7-2544-4CF1-A7D6-AFF5E9AECA5D}" dt="2020-05-14T17:16:25.708" v="6"/>
-          <ac:spMkLst>
-            <pc:docMk/>
-            <pc:sldMk cId="3138501136" sldId="368"/>
-            <ac:spMk id="99333" creationId="{6961FFD0-3136-6744-AF77-2A7A1A790F1E}"/>
-          </ac:spMkLst>
-        </pc:spChg>
-      </pc:sldChg>
-      <pc:sldChg chg="modSp">
-        <pc:chgData name="Khattab, Sherif" userId="c83b1e15-36f3-4f46-aceb-05aac24c545e" providerId="ADAL" clId="{E6EB0EA7-2544-4CF1-A7D6-AFF5E9AECA5D}" dt="2020-05-14T17:16:25.708" v="6"/>
-        <pc:sldMkLst>
-          <pc:docMk/>
-          <pc:sldMk cId="3210992163" sldId="369"/>
-        </pc:sldMkLst>
-        <pc:spChg chg="mod">
-          <ac:chgData name="Khattab, Sherif" userId="c83b1e15-36f3-4f46-aceb-05aac24c545e" providerId="ADAL" clId="{E6EB0EA7-2544-4CF1-A7D6-AFF5E9AECA5D}" dt="2020-05-14T17:16:25.708" v="6"/>
-          <ac:spMkLst>
-            <pc:docMk/>
-            <pc:sldMk cId="3210992163" sldId="369"/>
-            <ac:spMk id="4" creationId="{73DBA84E-7D96-E442-8FC3-A0C3749B1CC1}"/>
-          </ac:spMkLst>
-        </pc:spChg>
-        <pc:spChg chg="mod">
-          <ac:chgData name="Khattab, Sherif" userId="c83b1e15-36f3-4f46-aceb-05aac24c545e" providerId="ADAL" clId="{E6EB0EA7-2544-4CF1-A7D6-AFF5E9AECA5D}" dt="2020-05-14T17:16:25.708" v="6"/>
-          <ac:spMkLst>
-            <pc:docMk/>
-            <pc:sldMk cId="3210992163" sldId="369"/>
-            <ac:spMk id="5" creationId="{B9F1484A-3D19-CA4A-81F0-82E85A0AC7BB}"/>
-          </ac:spMkLst>
-        </pc:spChg>
-        <pc:spChg chg="mod">
-          <ac:chgData name="Khattab, Sherif" userId="c83b1e15-36f3-4f46-aceb-05aac24c545e" providerId="ADAL" clId="{E6EB0EA7-2544-4CF1-A7D6-AFF5E9AECA5D}" dt="2020-05-14T17:16:25.708" v="6"/>
-          <ac:spMkLst>
-            <pc:docMk/>
-            <pc:sldMk cId="3210992163" sldId="369"/>
-            <ac:spMk id="100354" creationId="{E957CE05-A4BD-144F-A0C4-0AAE7BD7009B}"/>
-          </ac:spMkLst>
-        </pc:spChg>
-        <pc:spChg chg="mod">
-          <ac:chgData name="Khattab, Sherif" userId="c83b1e15-36f3-4f46-aceb-05aac24c545e" providerId="ADAL" clId="{E6EB0EA7-2544-4CF1-A7D6-AFF5E9AECA5D}" dt="2020-05-14T17:16:25.708" v="6"/>
-          <ac:spMkLst>
-            <pc:docMk/>
-            <pc:sldMk cId="3210992163" sldId="369"/>
-            <ac:spMk id="100355" creationId="{0C36604A-A763-A345-B88E-8E6F2BF0C1FE}"/>
-          </ac:spMkLst>
-        </pc:spChg>
-      </pc:sldChg>
-      <pc:sldChg chg="modSp">
-        <pc:chgData name="Khattab, Sherif" userId="c83b1e15-36f3-4f46-aceb-05aac24c545e" providerId="ADAL" clId="{E6EB0EA7-2544-4CF1-A7D6-AFF5E9AECA5D}" dt="2020-05-14T17:16:25.708" v="6"/>
-        <pc:sldMkLst>
-          <pc:docMk/>
-          <pc:sldMk cId="4013065491" sldId="370"/>
-        </pc:sldMkLst>
-        <pc:spChg chg="mod">
-          <ac:chgData name="Khattab, Sherif" userId="c83b1e15-36f3-4f46-aceb-05aac24c545e" providerId="ADAL" clId="{E6EB0EA7-2544-4CF1-A7D6-AFF5E9AECA5D}" dt="2020-05-14T17:16:25.708" v="6"/>
-          <ac:spMkLst>
-            <pc:docMk/>
-            <pc:sldMk cId="4013065491" sldId="370"/>
-            <ac:spMk id="6" creationId="{B0B49E68-86D2-5744-ABD1-0A95627B1316}"/>
-          </ac:spMkLst>
-        </pc:spChg>
-        <pc:spChg chg="mod">
-          <ac:chgData name="Khattab, Sherif" userId="c83b1e15-36f3-4f46-aceb-05aac24c545e" providerId="ADAL" clId="{E6EB0EA7-2544-4CF1-A7D6-AFF5E9AECA5D}" dt="2020-05-14T17:16:25.708" v="6"/>
-          <ac:spMkLst>
-            <pc:docMk/>
-            <pc:sldMk cId="4013065491" sldId="370"/>
-            <ac:spMk id="7" creationId="{FD8B4B24-CAA8-9C41-A932-1538077BB231}"/>
-          </ac:spMkLst>
-        </pc:spChg>
-        <pc:spChg chg="mod">
-          <ac:chgData name="Khattab, Sherif" userId="c83b1e15-36f3-4f46-aceb-05aac24c545e" providerId="ADAL" clId="{E6EB0EA7-2544-4CF1-A7D6-AFF5E9AECA5D}" dt="2020-05-14T17:16:25.708" v="6"/>
-          <ac:spMkLst>
-            <pc:docMk/>
-            <pc:sldMk cId="4013065491" sldId="370"/>
-            <ac:spMk id="101378" creationId="{1C91B2E0-F076-D54D-8685-060CEC00A4EC}"/>
-          </ac:spMkLst>
-        </pc:spChg>
-      </pc:sldChg>
-      <pc:sldChg chg="modSp">
-        <pc:chgData name="Khattab, Sherif" userId="c83b1e15-36f3-4f46-aceb-05aac24c545e" providerId="ADAL" clId="{E6EB0EA7-2544-4CF1-A7D6-AFF5E9AECA5D}" dt="2020-05-14T17:16:25.708" v="6"/>
-        <pc:sldMkLst>
-          <pc:docMk/>
-          <pc:sldMk cId="2592968416" sldId="371"/>
-        </pc:sldMkLst>
-        <pc:spChg chg="mod">
-          <ac:chgData name="Khattab, Sherif" userId="c83b1e15-36f3-4f46-aceb-05aac24c545e" providerId="ADAL" clId="{E6EB0EA7-2544-4CF1-A7D6-AFF5E9AECA5D}" dt="2020-05-14T17:16:25.708" v="6"/>
-          <ac:spMkLst>
-            <pc:docMk/>
-            <pc:sldMk cId="2592968416" sldId="371"/>
-            <ac:spMk id="6" creationId="{04A613E7-574B-C34F-80DA-88C723B69E84}"/>
-          </ac:spMkLst>
-        </pc:spChg>
-        <pc:spChg chg="mod">
-          <ac:chgData name="Khattab, Sherif" userId="c83b1e15-36f3-4f46-aceb-05aac24c545e" providerId="ADAL" clId="{E6EB0EA7-2544-4CF1-A7D6-AFF5E9AECA5D}" dt="2020-05-14T17:16:25.708" v="6"/>
-          <ac:spMkLst>
-            <pc:docMk/>
-            <pc:sldMk cId="2592968416" sldId="371"/>
-            <ac:spMk id="7" creationId="{7CC2F7F6-93EA-AE4F-84CC-7374B32F503D}"/>
-          </ac:spMkLst>
-        </pc:spChg>
-        <pc:spChg chg="mod">
-          <ac:chgData name="Khattab, Sherif" userId="c83b1e15-36f3-4f46-aceb-05aac24c545e" providerId="ADAL" clId="{E6EB0EA7-2544-4CF1-A7D6-AFF5E9AECA5D}" dt="2020-05-14T17:16:25.708" v="6"/>
-          <ac:spMkLst>
-            <pc:docMk/>
-            <pc:sldMk cId="2592968416" sldId="371"/>
-            <ac:spMk id="102404" creationId="{6FDA00AC-6865-D94C-836F-7D9600078A83}"/>
-          </ac:spMkLst>
-        </pc:spChg>
-      </pc:sldChg>
-      <pc:sldChg chg="modSp">
-        <pc:chgData name="Khattab, Sherif" userId="c83b1e15-36f3-4f46-aceb-05aac24c545e" providerId="ADAL" clId="{E6EB0EA7-2544-4CF1-A7D6-AFF5E9AECA5D}" dt="2020-05-14T17:16:25.708" v="6"/>
-        <pc:sldMkLst>
-          <pc:docMk/>
-          <pc:sldMk cId="3848335379" sldId="372"/>
-        </pc:sldMkLst>
-        <pc:spChg chg="mod">
-          <ac:chgData name="Khattab, Sherif" userId="c83b1e15-36f3-4f46-aceb-05aac24c545e" providerId="ADAL" clId="{E6EB0EA7-2544-4CF1-A7D6-AFF5E9AECA5D}" dt="2020-05-14T17:16:25.708" v="6"/>
-          <ac:spMkLst>
-            <pc:docMk/>
-            <pc:sldMk cId="3848335379" sldId="372"/>
-            <ac:spMk id="7" creationId="{1C1CA73E-1E55-D244-B89B-B72382873627}"/>
-          </ac:spMkLst>
-        </pc:spChg>
-        <pc:spChg chg="mod">
-          <ac:chgData name="Khattab, Sherif" userId="c83b1e15-36f3-4f46-aceb-05aac24c545e" providerId="ADAL" clId="{E6EB0EA7-2544-4CF1-A7D6-AFF5E9AECA5D}" dt="2020-05-14T17:16:25.708" v="6"/>
-          <ac:spMkLst>
-            <pc:docMk/>
-            <pc:sldMk cId="3848335379" sldId="372"/>
-            <ac:spMk id="8" creationId="{79E131D4-95F6-D248-9154-AE15F551EEE7}"/>
-          </ac:spMkLst>
-        </pc:spChg>
-        <pc:spChg chg="mod">
-          <ac:chgData name="Khattab, Sherif" userId="c83b1e15-36f3-4f46-aceb-05aac24c545e" providerId="ADAL" clId="{E6EB0EA7-2544-4CF1-A7D6-AFF5E9AECA5D}" dt="2020-05-14T17:16:25.708" v="6"/>
-          <ac:spMkLst>
-            <pc:docMk/>
-            <pc:sldMk cId="3848335379" sldId="372"/>
-            <ac:spMk id="103429" creationId="{8D930911-1A6D-B54F-B76E-66809DD1728E}"/>
-          </ac:spMkLst>
-        </pc:spChg>
-        <pc:spChg chg="mod">
-          <ac:chgData name="Khattab, Sherif" userId="c83b1e15-36f3-4f46-aceb-05aac24c545e" providerId="ADAL" clId="{E6EB0EA7-2544-4CF1-A7D6-AFF5E9AECA5D}" dt="2020-05-14T17:16:25.708" v="6"/>
-          <ac:spMkLst>
-            <pc:docMk/>
-            <pc:sldMk cId="3848335379" sldId="372"/>
-            <ac:spMk id="103430" creationId="{0CA11B9E-1475-6C4F-9C95-B08141F31ADC}"/>
-          </ac:spMkLst>
-        </pc:spChg>
-      </pc:sldChg>
-      <pc:sldChg chg="modSp">
-        <pc:chgData name="Khattab, Sherif" userId="c83b1e15-36f3-4f46-aceb-05aac24c545e" providerId="ADAL" clId="{E6EB0EA7-2544-4CF1-A7D6-AFF5E9AECA5D}" dt="2020-05-14T17:16:25.708" v="6"/>
-        <pc:sldMkLst>
-          <pc:docMk/>
-          <pc:sldMk cId="3161117264" sldId="373"/>
-        </pc:sldMkLst>
-        <pc:spChg chg="mod">
-          <ac:chgData name="Khattab, Sherif" userId="c83b1e15-36f3-4f46-aceb-05aac24c545e" providerId="ADAL" clId="{E6EB0EA7-2544-4CF1-A7D6-AFF5E9AECA5D}" dt="2020-05-14T17:16:25.708" v="6"/>
-          <ac:spMkLst>
-            <pc:docMk/>
-            <pc:sldMk cId="3161117264" sldId="373"/>
-            <ac:spMk id="4" creationId="{D286E859-8EBE-914A-BE43-1BFE745BB03C}"/>
-          </ac:spMkLst>
-        </pc:spChg>
-        <pc:spChg chg="mod">
-          <ac:chgData name="Khattab, Sherif" userId="c83b1e15-36f3-4f46-aceb-05aac24c545e" providerId="ADAL" clId="{E6EB0EA7-2544-4CF1-A7D6-AFF5E9AECA5D}" dt="2020-05-14T17:16:25.708" v="6"/>
-          <ac:spMkLst>
-            <pc:docMk/>
-            <pc:sldMk cId="3161117264" sldId="373"/>
-            <ac:spMk id="5" creationId="{BB0DD3E4-3515-714D-878B-FD1CC73773E4}"/>
-          </ac:spMkLst>
-        </pc:spChg>
-        <pc:spChg chg="mod">
-          <ac:chgData name="Khattab, Sherif" userId="c83b1e15-36f3-4f46-aceb-05aac24c545e" providerId="ADAL" clId="{E6EB0EA7-2544-4CF1-A7D6-AFF5E9AECA5D}" dt="2020-05-14T17:16:25.708" v="6"/>
-          <ac:spMkLst>
-            <pc:docMk/>
-            <pc:sldMk cId="3161117264" sldId="373"/>
-            <ac:spMk id="104450" creationId="{EB53BFD2-2569-C440-A78C-F70A1D185BE8}"/>
-          </ac:spMkLst>
-        </pc:spChg>
-        <pc:spChg chg="mod">
-          <ac:chgData name="Khattab, Sherif" userId="c83b1e15-36f3-4f46-aceb-05aac24c545e" providerId="ADAL" clId="{E6EB0EA7-2544-4CF1-A7D6-AFF5E9AECA5D}" dt="2020-05-14T17:16:25.708" v="6"/>
-          <ac:spMkLst>
-            <pc:docMk/>
-            <pc:sldMk cId="3161117264" sldId="373"/>
-            <ac:spMk id="104451" creationId="{36A9E868-CE41-B547-B6C1-87C325B8A1FF}"/>
-          </ac:spMkLst>
-        </pc:spChg>
-      </pc:sldChg>
-      <pc:sldChg chg="modSp">
-        <pc:chgData name="Khattab, Sherif" userId="c83b1e15-36f3-4f46-aceb-05aac24c545e" providerId="ADAL" clId="{E6EB0EA7-2544-4CF1-A7D6-AFF5E9AECA5D}" dt="2020-05-14T17:16:25.708" v="6"/>
-        <pc:sldMkLst>
-          <pc:docMk/>
-          <pc:sldMk cId="1542066946" sldId="374"/>
-        </pc:sldMkLst>
-        <pc:spChg chg="mod">
-          <ac:chgData name="Khattab, Sherif" userId="c83b1e15-36f3-4f46-aceb-05aac24c545e" providerId="ADAL" clId="{E6EB0EA7-2544-4CF1-A7D6-AFF5E9AECA5D}" dt="2020-05-14T17:16:25.708" v="6"/>
-          <ac:spMkLst>
-            <pc:docMk/>
-            <pc:sldMk cId="1542066946" sldId="374"/>
-            <ac:spMk id="4" creationId="{EEDC933A-1F17-A24F-80B2-2B746C541E3D}"/>
-          </ac:spMkLst>
-        </pc:spChg>
-        <pc:spChg chg="mod">
-          <ac:chgData name="Khattab, Sherif" userId="c83b1e15-36f3-4f46-aceb-05aac24c545e" providerId="ADAL" clId="{E6EB0EA7-2544-4CF1-A7D6-AFF5E9AECA5D}" dt="2020-05-14T17:16:25.708" v="6"/>
-          <ac:spMkLst>
-            <pc:docMk/>
-            <pc:sldMk cId="1542066946" sldId="374"/>
-            <ac:spMk id="5" creationId="{309D0953-6635-1B4D-A779-9F44EE0705E6}"/>
-          </ac:spMkLst>
-        </pc:spChg>
-        <pc:spChg chg="mod">
-          <ac:chgData name="Khattab, Sherif" userId="c83b1e15-36f3-4f46-aceb-05aac24c545e" providerId="ADAL" clId="{E6EB0EA7-2544-4CF1-A7D6-AFF5E9AECA5D}" dt="2020-05-14T17:16:25.708" v="6"/>
-          <ac:spMkLst>
-            <pc:docMk/>
-            <pc:sldMk cId="1542066946" sldId="374"/>
-            <ac:spMk id="105474" creationId="{6E60B537-4E2B-3645-8740-E45FF319D167}"/>
-          </ac:spMkLst>
-        </pc:spChg>
-        <pc:spChg chg="mod">
-          <ac:chgData name="Khattab, Sherif" userId="c83b1e15-36f3-4f46-aceb-05aac24c545e" providerId="ADAL" clId="{E6EB0EA7-2544-4CF1-A7D6-AFF5E9AECA5D}" dt="2020-05-14T17:16:25.708" v="6"/>
-          <ac:spMkLst>
-            <pc:docMk/>
-            <pc:sldMk cId="1542066946" sldId="374"/>
-            <ac:spMk id="105475" creationId="{B2EA02B2-FF2F-E840-9115-9F46B908CC54}"/>
-          </ac:spMkLst>
-        </pc:spChg>
-      </pc:sldChg>
-      <pc:sldChg chg="modSp">
-        <pc:chgData name="Khattab, Sherif" userId="c83b1e15-36f3-4f46-aceb-05aac24c545e" providerId="ADAL" clId="{E6EB0EA7-2544-4CF1-A7D6-AFF5E9AECA5D}" dt="2020-05-14T17:16:25.708" v="6"/>
-        <pc:sldMkLst>
-          <pc:docMk/>
-          <pc:sldMk cId="834112894" sldId="375"/>
-        </pc:sldMkLst>
-        <pc:spChg chg="mod">
-          <ac:chgData name="Khattab, Sherif" userId="c83b1e15-36f3-4f46-aceb-05aac24c545e" providerId="ADAL" clId="{E6EB0EA7-2544-4CF1-A7D6-AFF5E9AECA5D}" dt="2020-05-14T17:16:25.708" v="6"/>
-          <ac:spMkLst>
-            <pc:docMk/>
-            <pc:sldMk cId="834112894" sldId="375"/>
-            <ac:spMk id="4" creationId="{31956E2C-E5A6-0647-BF42-137E615716E0}"/>
-          </ac:spMkLst>
-        </pc:spChg>
-        <pc:spChg chg="mod">
-          <ac:chgData name="Khattab, Sherif" userId="c83b1e15-36f3-4f46-aceb-05aac24c545e" providerId="ADAL" clId="{E6EB0EA7-2544-4CF1-A7D6-AFF5E9AECA5D}" dt="2020-05-14T17:16:25.708" v="6"/>
-          <ac:spMkLst>
-            <pc:docMk/>
-            <pc:sldMk cId="834112894" sldId="375"/>
-            <ac:spMk id="5" creationId="{B7C7726A-A27A-B54E-8233-121EE02C6ADC}"/>
-          </ac:spMkLst>
-        </pc:spChg>
-        <pc:spChg chg="mod">
-          <ac:chgData name="Khattab, Sherif" userId="c83b1e15-36f3-4f46-aceb-05aac24c545e" providerId="ADAL" clId="{E6EB0EA7-2544-4CF1-A7D6-AFF5E9AECA5D}" dt="2020-05-14T17:16:25.708" v="6"/>
-          <ac:spMkLst>
-            <pc:docMk/>
-            <pc:sldMk cId="834112894" sldId="375"/>
-            <ac:spMk id="112642" creationId="{838EA777-B608-8E4A-8B51-786B3BEF4E8D}"/>
-          </ac:spMkLst>
-        </pc:spChg>
-        <pc:spChg chg="mod">
-          <ac:chgData name="Khattab, Sherif" userId="c83b1e15-36f3-4f46-aceb-05aac24c545e" providerId="ADAL" clId="{E6EB0EA7-2544-4CF1-A7D6-AFF5E9AECA5D}" dt="2020-05-14T17:16:25.708" v="6"/>
-          <ac:spMkLst>
-            <pc:docMk/>
-            <pc:sldMk cId="834112894" sldId="375"/>
-            <ac:spMk id="112643" creationId="{362D90CE-C693-414D-B6F5-8829A4C95071}"/>
-          </ac:spMkLst>
-        </pc:spChg>
-      </pc:sldChg>
-      <pc:sldChg chg="modSp">
-        <pc:chgData name="Khattab, Sherif" userId="c83b1e15-36f3-4f46-aceb-05aac24c545e" providerId="ADAL" clId="{E6EB0EA7-2544-4CF1-A7D6-AFF5E9AECA5D}" dt="2020-05-14T17:16:25.708" v="6"/>
-        <pc:sldMkLst>
-          <pc:docMk/>
-          <pc:sldMk cId="1165577892" sldId="376"/>
-        </pc:sldMkLst>
-        <pc:spChg chg="mod">
-          <ac:chgData name="Khattab, Sherif" userId="c83b1e15-36f3-4f46-aceb-05aac24c545e" providerId="ADAL" clId="{E6EB0EA7-2544-4CF1-A7D6-AFF5E9AECA5D}" dt="2020-05-14T17:16:25.708" v="6"/>
-          <ac:spMkLst>
-            <pc:docMk/>
-            <pc:sldMk cId="1165577892" sldId="376"/>
-            <ac:spMk id="40" creationId="{67328B6C-4287-814A-93BF-39FD1F8937B2}"/>
-          </ac:spMkLst>
-        </pc:spChg>
-        <pc:spChg chg="mod">
-          <ac:chgData name="Khattab, Sherif" userId="c83b1e15-36f3-4f46-aceb-05aac24c545e" providerId="ADAL" clId="{E6EB0EA7-2544-4CF1-A7D6-AFF5E9AECA5D}" dt="2020-05-14T17:16:25.708" v="6"/>
-          <ac:spMkLst>
-            <pc:docMk/>
-            <pc:sldMk cId="1165577892" sldId="376"/>
-            <ac:spMk id="41" creationId="{8B2F9FDC-8F0A-CC49-98A2-71FB6688BA80}"/>
-          </ac:spMkLst>
-        </pc:spChg>
-        <pc:spChg chg="mod">
-          <ac:chgData name="Khattab, Sherif" userId="c83b1e15-36f3-4f46-aceb-05aac24c545e" providerId="ADAL" clId="{E6EB0EA7-2544-4CF1-A7D6-AFF5E9AECA5D}" dt="2020-05-14T17:16:25.708" v="6"/>
-          <ac:spMkLst>
-            <pc:docMk/>
-            <pc:sldMk cId="1165577892" sldId="376"/>
-            <ac:spMk id="113666" creationId="{75B0BB18-45FE-C145-86F9-5F2D13AD61F3}"/>
-          </ac:spMkLst>
-        </pc:spChg>
-        <pc:spChg chg="mod">
-          <ac:chgData name="Khattab, Sherif" userId="c83b1e15-36f3-4f46-aceb-05aac24c545e" providerId="ADAL" clId="{E6EB0EA7-2544-4CF1-A7D6-AFF5E9AECA5D}" dt="2020-05-14T17:16:25.708" v="6"/>
-          <ac:spMkLst>
-            <pc:docMk/>
-            <pc:sldMk cId="1165577892" sldId="376"/>
-            <ac:spMk id="113667" creationId="{53E09A75-9602-D845-8429-42B9F821B4BA}"/>
-          </ac:spMkLst>
-        </pc:spChg>
-      </pc:sldChg>
-      <pc:sldChg chg="modSp">
-        <pc:chgData name="Khattab, Sherif" userId="c83b1e15-36f3-4f46-aceb-05aac24c545e" providerId="ADAL" clId="{E6EB0EA7-2544-4CF1-A7D6-AFF5E9AECA5D}" dt="2020-05-14T17:16:25.708" v="6"/>
-        <pc:sldMkLst>
-          <pc:docMk/>
-          <pc:sldMk cId="583513582" sldId="377"/>
-        </pc:sldMkLst>
-        <pc:spChg chg="mod">
-          <ac:chgData name="Khattab, Sherif" userId="c83b1e15-36f3-4f46-aceb-05aac24c545e" providerId="ADAL" clId="{E6EB0EA7-2544-4CF1-A7D6-AFF5E9AECA5D}" dt="2020-05-14T17:16:25.708" v="6"/>
-          <ac:spMkLst>
-            <pc:docMk/>
-            <pc:sldMk cId="583513582" sldId="377"/>
-            <ac:spMk id="7" creationId="{0E336C6B-24E5-C547-995B-7595329F8449}"/>
-          </ac:spMkLst>
-        </pc:spChg>
-        <pc:spChg chg="mod">
-          <ac:chgData name="Khattab, Sherif" userId="c83b1e15-36f3-4f46-aceb-05aac24c545e" providerId="ADAL" clId="{E6EB0EA7-2544-4CF1-A7D6-AFF5E9AECA5D}" dt="2020-05-14T17:16:25.708" v="6"/>
-          <ac:spMkLst>
-            <pc:docMk/>
-            <pc:sldMk cId="583513582" sldId="377"/>
-            <ac:spMk id="8" creationId="{E0264D84-51E2-CF40-866C-B9902608A9A7}"/>
-          </ac:spMkLst>
-        </pc:spChg>
-        <pc:spChg chg="mod">
-          <ac:chgData name="Khattab, Sherif" userId="c83b1e15-36f3-4f46-aceb-05aac24c545e" providerId="ADAL" clId="{E6EB0EA7-2544-4CF1-A7D6-AFF5E9AECA5D}" dt="2020-05-14T17:16:25.708" v="6"/>
-          <ac:spMkLst>
-            <pc:docMk/>
-            <pc:sldMk cId="583513582" sldId="377"/>
-            <ac:spMk id="114693" creationId="{2AAD9DE3-45D5-A249-B337-D99D281826B9}"/>
-          </ac:spMkLst>
-        </pc:spChg>
-      </pc:sldChg>
-      <pc:sldChg chg="modSp">
-        <pc:chgData name="Khattab, Sherif" userId="c83b1e15-36f3-4f46-aceb-05aac24c545e" providerId="ADAL" clId="{E6EB0EA7-2544-4CF1-A7D6-AFF5E9AECA5D}" dt="2020-05-14T17:16:25.708" v="6"/>
-        <pc:sldMkLst>
-          <pc:docMk/>
-          <pc:sldMk cId="3990797458" sldId="378"/>
-        </pc:sldMkLst>
-        <pc:spChg chg="mod">
-          <ac:chgData name="Khattab, Sherif" userId="c83b1e15-36f3-4f46-aceb-05aac24c545e" providerId="ADAL" clId="{E6EB0EA7-2544-4CF1-A7D6-AFF5E9AECA5D}" dt="2020-05-14T17:16:25.708" v="6"/>
-          <ac:spMkLst>
-            <pc:docMk/>
-            <pc:sldMk cId="3990797458" sldId="378"/>
-            <ac:spMk id="4" creationId="{BD0C602E-3244-7347-8C4C-7141324C4D74}"/>
-          </ac:spMkLst>
-        </pc:spChg>
-        <pc:spChg chg="mod">
-          <ac:chgData name="Khattab, Sherif" userId="c83b1e15-36f3-4f46-aceb-05aac24c545e" providerId="ADAL" clId="{E6EB0EA7-2544-4CF1-A7D6-AFF5E9AECA5D}" dt="2020-05-14T17:16:25.708" v="6"/>
-          <ac:spMkLst>
-            <pc:docMk/>
-            <pc:sldMk cId="3990797458" sldId="378"/>
-            <ac:spMk id="5" creationId="{83641B87-BBB9-9941-85A4-F6E6D630A406}"/>
-          </ac:spMkLst>
-        </pc:spChg>
-        <pc:spChg chg="mod">
-          <ac:chgData name="Khattab, Sherif" userId="c83b1e15-36f3-4f46-aceb-05aac24c545e" providerId="ADAL" clId="{E6EB0EA7-2544-4CF1-A7D6-AFF5E9AECA5D}" dt="2020-05-14T17:16:25.708" v="6"/>
-          <ac:spMkLst>
-            <pc:docMk/>
-            <pc:sldMk cId="3990797458" sldId="378"/>
-            <ac:spMk id="115714" creationId="{662FDEC6-1A57-7A4E-BD61-B4C9C42FB107}"/>
-          </ac:spMkLst>
-        </pc:spChg>
-        <pc:spChg chg="mod">
-          <ac:chgData name="Khattab, Sherif" userId="c83b1e15-36f3-4f46-aceb-05aac24c545e" providerId="ADAL" clId="{E6EB0EA7-2544-4CF1-A7D6-AFF5E9AECA5D}" dt="2020-05-14T17:16:25.708" v="6"/>
-          <ac:spMkLst>
-            <pc:docMk/>
-            <pc:sldMk cId="3990797458" sldId="378"/>
-            <ac:spMk id="115715" creationId="{9CCF0D6A-3A12-D542-BC48-B9C95F39152F}"/>
-          </ac:spMkLst>
-        </pc:spChg>
-      </pc:sldChg>
-      <pc:sldChg chg="modSp">
-        <pc:chgData name="Khattab, Sherif" userId="c83b1e15-36f3-4f46-aceb-05aac24c545e" providerId="ADAL" clId="{E6EB0EA7-2544-4CF1-A7D6-AFF5E9AECA5D}" dt="2020-05-14T17:16:25.708" v="6"/>
-        <pc:sldMkLst>
-          <pc:docMk/>
-          <pc:sldMk cId="2736486443" sldId="379"/>
-        </pc:sldMkLst>
-        <pc:spChg chg="mod">
-          <ac:chgData name="Khattab, Sherif" userId="c83b1e15-36f3-4f46-aceb-05aac24c545e" providerId="ADAL" clId="{E6EB0EA7-2544-4CF1-A7D6-AFF5E9AECA5D}" dt="2020-05-14T17:16:25.708" v="6"/>
-          <ac:spMkLst>
-            <pc:docMk/>
-            <pc:sldMk cId="2736486443" sldId="379"/>
-            <ac:spMk id="7" creationId="{58C40539-46F0-494A-8163-8D5BF28501B8}"/>
-          </ac:spMkLst>
-        </pc:spChg>
-        <pc:spChg chg="mod">
-          <ac:chgData name="Khattab, Sherif" userId="c83b1e15-36f3-4f46-aceb-05aac24c545e" providerId="ADAL" clId="{E6EB0EA7-2544-4CF1-A7D6-AFF5E9AECA5D}" dt="2020-05-14T17:16:25.708" v="6"/>
-          <ac:spMkLst>
-            <pc:docMk/>
-            <pc:sldMk cId="2736486443" sldId="379"/>
-            <ac:spMk id="8" creationId="{FE005030-9F97-AB44-8CA9-4B4CEC2B226B}"/>
-          </ac:spMkLst>
-        </pc:spChg>
-        <pc:spChg chg="mod">
-          <ac:chgData name="Khattab, Sherif" userId="c83b1e15-36f3-4f46-aceb-05aac24c545e" providerId="ADAL" clId="{E6EB0EA7-2544-4CF1-A7D6-AFF5E9AECA5D}" dt="2020-05-14T17:16:25.708" v="6"/>
-          <ac:spMkLst>
-            <pc:docMk/>
-            <pc:sldMk cId="2736486443" sldId="379"/>
-            <ac:spMk id="116741" creationId="{61954CF2-0056-D24F-AC34-B313ACE689DF}"/>
-          </ac:spMkLst>
-        </pc:spChg>
-        <pc:spChg chg="mod">
-          <ac:chgData name="Khattab, Sherif" userId="c83b1e15-36f3-4f46-aceb-05aac24c545e" providerId="ADAL" clId="{E6EB0EA7-2544-4CF1-A7D6-AFF5E9AECA5D}" dt="2020-05-14T17:16:25.708" v="6"/>
-          <ac:spMkLst>
-            <pc:docMk/>
-            <pc:sldMk cId="2736486443" sldId="379"/>
-            <ac:spMk id="116742" creationId="{7FDA39D6-D460-F84C-B825-972ADE5DCF4A}"/>
-          </ac:spMkLst>
-        </pc:spChg>
-      </pc:sldChg>
-      <pc:sldChg chg="modSp">
-        <pc:chgData name="Khattab, Sherif" userId="c83b1e15-36f3-4f46-aceb-05aac24c545e" providerId="ADAL" clId="{E6EB0EA7-2544-4CF1-A7D6-AFF5E9AECA5D}" dt="2020-05-14T17:16:25.708" v="6"/>
-        <pc:sldMkLst>
-          <pc:docMk/>
-          <pc:sldMk cId="541381985" sldId="380"/>
-        </pc:sldMkLst>
-        <pc:spChg chg="mod">
-          <ac:chgData name="Khattab, Sherif" userId="c83b1e15-36f3-4f46-aceb-05aac24c545e" providerId="ADAL" clId="{E6EB0EA7-2544-4CF1-A7D6-AFF5E9AECA5D}" dt="2020-05-14T17:16:25.708" v="6"/>
-          <ac:spMkLst>
-            <pc:docMk/>
-            <pc:sldMk cId="541381985" sldId="380"/>
-            <ac:spMk id="23" creationId="{D8BAE81C-B76B-1043-9117-0845AC5B4638}"/>
-          </ac:spMkLst>
-        </pc:spChg>
-        <pc:spChg chg="mod">
-          <ac:chgData name="Khattab, Sherif" userId="c83b1e15-36f3-4f46-aceb-05aac24c545e" providerId="ADAL" clId="{E6EB0EA7-2544-4CF1-A7D6-AFF5E9AECA5D}" dt="2020-05-14T17:16:25.708" v="6"/>
-          <ac:spMkLst>
-            <pc:docMk/>
-            <pc:sldMk cId="541381985" sldId="380"/>
-            <ac:spMk id="24" creationId="{E12A7118-22DB-E24A-AC7D-671F01F34327}"/>
-          </ac:spMkLst>
-        </pc:spChg>
-        <pc:spChg chg="mod">
-          <ac:chgData name="Khattab, Sherif" userId="c83b1e15-36f3-4f46-aceb-05aac24c545e" providerId="ADAL" clId="{E6EB0EA7-2544-4CF1-A7D6-AFF5E9AECA5D}" dt="2020-05-14T17:16:25.708" v="6"/>
-          <ac:spMkLst>
-            <pc:docMk/>
-            <pc:sldMk cId="541381985" sldId="380"/>
-            <ac:spMk id="118786" creationId="{26D54543-5CF1-B947-A0EE-00F2D893EE94}"/>
-          </ac:spMkLst>
-        </pc:spChg>
-      </pc:sldChg>
-      <pc:sldChg chg="modSp">
-        <pc:chgData name="Khattab, Sherif" userId="c83b1e15-36f3-4f46-aceb-05aac24c545e" providerId="ADAL" clId="{E6EB0EA7-2544-4CF1-A7D6-AFF5E9AECA5D}" dt="2020-05-14T17:16:25.708" v="6"/>
-        <pc:sldMkLst>
-          <pc:docMk/>
-          <pc:sldMk cId="2235897330" sldId="381"/>
-        </pc:sldMkLst>
-        <pc:spChg chg="mod">
-          <ac:chgData name="Khattab, Sherif" userId="c83b1e15-36f3-4f46-aceb-05aac24c545e" providerId="ADAL" clId="{E6EB0EA7-2544-4CF1-A7D6-AFF5E9AECA5D}" dt="2020-05-14T17:16:25.708" v="6"/>
-          <ac:spMkLst>
-            <pc:docMk/>
-            <pc:sldMk cId="2235897330" sldId="381"/>
-            <ac:spMk id="6" creationId="{14AD1B91-AC10-B440-9C4C-C14AAC27D890}"/>
-          </ac:spMkLst>
-        </pc:spChg>
-        <pc:spChg chg="mod">
-          <ac:chgData name="Khattab, Sherif" userId="c83b1e15-36f3-4f46-aceb-05aac24c545e" providerId="ADAL" clId="{E6EB0EA7-2544-4CF1-A7D6-AFF5E9AECA5D}" dt="2020-05-14T17:16:25.708" v="6"/>
-          <ac:spMkLst>
-            <pc:docMk/>
-            <pc:sldMk cId="2235897330" sldId="381"/>
-            <ac:spMk id="7" creationId="{B9EE9886-5992-E94D-9C19-0A09959F63CE}"/>
-          </ac:spMkLst>
-        </pc:spChg>
-        <pc:spChg chg="mod">
-          <ac:chgData name="Khattab, Sherif" userId="c83b1e15-36f3-4f46-aceb-05aac24c545e" providerId="ADAL" clId="{E6EB0EA7-2544-4CF1-A7D6-AFF5E9AECA5D}" dt="2020-05-14T17:16:25.708" v="6"/>
-          <ac:spMkLst>
-            <pc:docMk/>
-            <pc:sldMk cId="2235897330" sldId="381"/>
-            <ac:spMk id="119812" creationId="{A73752DD-1D6A-F745-BB51-635DA198A402}"/>
-          </ac:spMkLst>
-        </pc:spChg>
-        <pc:spChg chg="mod">
-          <ac:chgData name="Khattab, Sherif" userId="c83b1e15-36f3-4f46-aceb-05aac24c545e" providerId="ADAL" clId="{E6EB0EA7-2544-4CF1-A7D6-AFF5E9AECA5D}" dt="2020-05-14T17:16:25.708" v="6"/>
-          <ac:spMkLst>
-            <pc:docMk/>
-            <pc:sldMk cId="2235897330" sldId="381"/>
-            <ac:spMk id="119813" creationId="{2D0E5FEC-FE0E-9048-B247-70B668077E38}"/>
-          </ac:spMkLst>
-        </pc:spChg>
-      </pc:sldChg>
-      <pc:sldChg chg="modSp">
-        <pc:chgData name="Khattab, Sherif" userId="c83b1e15-36f3-4f46-aceb-05aac24c545e" providerId="ADAL" clId="{E6EB0EA7-2544-4CF1-A7D6-AFF5E9AECA5D}" dt="2020-05-14T17:16:25.708" v="6"/>
-        <pc:sldMkLst>
-          <pc:docMk/>
-          <pc:sldMk cId="3360044446" sldId="382"/>
-        </pc:sldMkLst>
-        <pc:spChg chg="mod">
-          <ac:chgData name="Khattab, Sherif" userId="c83b1e15-36f3-4f46-aceb-05aac24c545e" providerId="ADAL" clId="{E6EB0EA7-2544-4CF1-A7D6-AFF5E9AECA5D}" dt="2020-05-14T17:16:25.708" v="6"/>
-          <ac:spMkLst>
-            <pc:docMk/>
-            <pc:sldMk cId="3360044446" sldId="382"/>
-            <ac:spMk id="6" creationId="{892037B0-DA9E-524E-9830-DB51F1E2FAD4}"/>
-          </ac:spMkLst>
-        </pc:spChg>
-        <pc:spChg chg="mod">
-          <ac:chgData name="Khattab, Sherif" userId="c83b1e15-36f3-4f46-aceb-05aac24c545e" providerId="ADAL" clId="{E6EB0EA7-2544-4CF1-A7D6-AFF5E9AECA5D}" dt="2020-05-14T17:16:25.708" v="6"/>
-          <ac:spMkLst>
-            <pc:docMk/>
-            <pc:sldMk cId="3360044446" sldId="382"/>
-            <ac:spMk id="7" creationId="{7AAA58F4-97D1-A64F-ABCD-20A52A9C827F}"/>
-          </ac:spMkLst>
-        </pc:spChg>
-        <pc:spChg chg="mod">
-          <ac:chgData name="Khattab, Sherif" userId="c83b1e15-36f3-4f46-aceb-05aac24c545e" providerId="ADAL" clId="{E6EB0EA7-2544-4CF1-A7D6-AFF5E9AECA5D}" dt="2020-05-14T17:16:25.708" v="6"/>
-          <ac:spMkLst>
-            <pc:docMk/>
-            <pc:sldMk cId="3360044446" sldId="382"/>
-            <ac:spMk id="120836" creationId="{88BA2802-16A1-694F-9A85-7A5E70F37E97}"/>
-          </ac:spMkLst>
-        </pc:spChg>
-      </pc:sldChg>
-      <pc:sldChg chg="modSp">
-        <pc:chgData name="Khattab, Sherif" userId="c83b1e15-36f3-4f46-aceb-05aac24c545e" providerId="ADAL" clId="{E6EB0EA7-2544-4CF1-A7D6-AFF5E9AECA5D}" dt="2020-05-14T17:16:25.708" v="6"/>
-        <pc:sldMkLst>
-          <pc:docMk/>
-          <pc:sldMk cId="1954384084" sldId="383"/>
-        </pc:sldMkLst>
-        <pc:spChg chg="mod">
-          <ac:chgData name="Khattab, Sherif" userId="c83b1e15-36f3-4f46-aceb-05aac24c545e" providerId="ADAL" clId="{E6EB0EA7-2544-4CF1-A7D6-AFF5E9AECA5D}" dt="2020-05-14T17:16:25.708" v="6"/>
-          <ac:spMkLst>
-            <pc:docMk/>
-            <pc:sldMk cId="1954384084" sldId="383"/>
-            <ac:spMk id="2" creationId="{C152C312-EE9A-B14C-81EE-6E9046ACD9F5}"/>
-          </ac:spMkLst>
-        </pc:spChg>
-        <pc:spChg chg="mod">
-          <ac:chgData name="Khattab, Sherif" userId="c83b1e15-36f3-4f46-aceb-05aac24c545e" providerId="ADAL" clId="{E6EB0EA7-2544-4CF1-A7D6-AFF5E9AECA5D}" dt="2020-05-14T17:16:25.708" v="6"/>
-          <ac:spMkLst>
-            <pc:docMk/>
-            <pc:sldMk cId="1954384084" sldId="383"/>
-            <ac:spMk id="6" creationId="{42655DCF-2496-8343-8285-CC501D3D933F}"/>
-          </ac:spMkLst>
-        </pc:spChg>
-        <pc:spChg chg="mod">
-          <ac:chgData name="Khattab, Sherif" userId="c83b1e15-36f3-4f46-aceb-05aac24c545e" providerId="ADAL" clId="{E6EB0EA7-2544-4CF1-A7D6-AFF5E9AECA5D}" dt="2020-05-14T17:16:25.708" v="6"/>
-          <ac:spMkLst>
-            <pc:docMk/>
-            <pc:sldMk cId="1954384084" sldId="383"/>
-            <ac:spMk id="7" creationId="{46F010D7-2CC3-2A4D-91D1-83C1FF96DE38}"/>
-          </ac:spMkLst>
-        </pc:spChg>
-        <pc:spChg chg="mod">
-          <ac:chgData name="Khattab, Sherif" userId="c83b1e15-36f3-4f46-aceb-05aac24c545e" providerId="ADAL" clId="{E6EB0EA7-2544-4CF1-A7D6-AFF5E9AECA5D}" dt="2020-05-14T17:16:25.708" v="6"/>
-          <ac:spMkLst>
-            <pc:docMk/>
-            <pc:sldMk cId="1954384084" sldId="383"/>
-            <ac:spMk id="121858" creationId="{996677B1-E9B9-7E43-80C2-5A0146DDFBD6}"/>
-          </ac:spMkLst>
-        </pc:spChg>
-      </pc:sldChg>
-      <pc:sldChg chg="modSp">
-        <pc:chgData name="Khattab, Sherif" userId="c83b1e15-36f3-4f46-aceb-05aac24c545e" providerId="ADAL" clId="{E6EB0EA7-2544-4CF1-A7D6-AFF5E9AECA5D}" dt="2020-05-14T17:16:25.708" v="6"/>
-        <pc:sldMkLst>
-          <pc:docMk/>
-          <pc:sldMk cId="220759689" sldId="384"/>
-        </pc:sldMkLst>
-        <pc:spChg chg="mod">
-          <ac:chgData name="Khattab, Sherif" userId="c83b1e15-36f3-4f46-aceb-05aac24c545e" providerId="ADAL" clId="{E6EB0EA7-2544-4CF1-A7D6-AFF5E9AECA5D}" dt="2020-05-14T17:16:25.708" v="6"/>
-          <ac:spMkLst>
-            <pc:docMk/>
-            <pc:sldMk cId="220759689" sldId="384"/>
-            <ac:spMk id="2" creationId="{CF207B98-521B-224F-9214-404C50F1BDD2}"/>
-          </ac:spMkLst>
-        </pc:spChg>
-        <pc:spChg chg="mod">
-          <ac:chgData name="Khattab, Sherif" userId="c83b1e15-36f3-4f46-aceb-05aac24c545e" providerId="ADAL" clId="{E6EB0EA7-2544-4CF1-A7D6-AFF5E9AECA5D}" dt="2020-05-14T17:16:25.708" v="6"/>
-          <ac:spMkLst>
-            <pc:docMk/>
-            <pc:sldMk cId="220759689" sldId="384"/>
-            <ac:spMk id="4" creationId="{CC9723C8-7544-8F48-9942-691DFD0E7709}"/>
-          </ac:spMkLst>
-        </pc:spChg>
-        <pc:spChg chg="mod">
-          <ac:chgData name="Khattab, Sherif" userId="c83b1e15-36f3-4f46-aceb-05aac24c545e" providerId="ADAL" clId="{E6EB0EA7-2544-4CF1-A7D6-AFF5E9AECA5D}" dt="2020-05-14T17:16:25.708" v="6"/>
-          <ac:spMkLst>
-            <pc:docMk/>
-            <pc:sldMk cId="220759689" sldId="384"/>
-            <ac:spMk id="5" creationId="{E6792081-A4F1-204D-89A2-A383EBF798DE}"/>
-          </ac:spMkLst>
-        </pc:spChg>
-        <pc:spChg chg="mod">
-          <ac:chgData name="Khattab, Sherif" userId="c83b1e15-36f3-4f46-aceb-05aac24c545e" providerId="ADAL" clId="{E6EB0EA7-2544-4CF1-A7D6-AFF5E9AECA5D}" dt="2020-05-14T17:16:25.708" v="6"/>
-          <ac:spMkLst>
-            <pc:docMk/>
-            <pc:sldMk cId="220759689" sldId="384"/>
-            <ac:spMk id="122883" creationId="{0E76E078-47E1-124A-A71A-BC95F0EC2D35}"/>
-          </ac:spMkLst>
-        </pc:spChg>
-      </pc:sldChg>
-      <pc:sldChg chg="modSp">
-        <pc:chgData name="Khattab, Sherif" userId="c83b1e15-36f3-4f46-aceb-05aac24c545e" providerId="ADAL" clId="{E6EB0EA7-2544-4CF1-A7D6-AFF5E9AECA5D}" dt="2020-05-14T17:16:25.708" v="6"/>
-        <pc:sldMkLst>
-          <pc:docMk/>
-          <pc:sldMk cId="2809799376" sldId="385"/>
-        </pc:sldMkLst>
-        <pc:spChg chg="mod">
-          <ac:chgData name="Khattab, Sherif" userId="c83b1e15-36f3-4f46-aceb-05aac24c545e" providerId="ADAL" clId="{E6EB0EA7-2544-4CF1-A7D6-AFF5E9AECA5D}" dt="2020-05-14T17:16:25.708" v="6"/>
-          <ac:spMkLst>
-            <pc:docMk/>
-            <pc:sldMk cId="2809799376" sldId="385"/>
-            <ac:spMk id="6" creationId="{5C0366B7-59B2-A44E-A41C-A7F29A0C0CA0}"/>
-          </ac:spMkLst>
-        </pc:spChg>
-        <pc:spChg chg="mod">
-          <ac:chgData name="Khattab, Sherif" userId="c83b1e15-36f3-4f46-aceb-05aac24c545e" providerId="ADAL" clId="{E6EB0EA7-2544-4CF1-A7D6-AFF5E9AECA5D}" dt="2020-05-14T17:16:25.708" v="6"/>
-          <ac:spMkLst>
-            <pc:docMk/>
-            <pc:sldMk cId="2809799376" sldId="385"/>
-            <ac:spMk id="7" creationId="{B7E9558F-D8D8-2248-A973-1E52834737CC}"/>
-          </ac:spMkLst>
-        </pc:spChg>
-        <pc:spChg chg="mod">
-          <ac:chgData name="Khattab, Sherif" userId="c83b1e15-36f3-4f46-aceb-05aac24c545e" providerId="ADAL" clId="{E6EB0EA7-2544-4CF1-A7D6-AFF5E9AECA5D}" dt="2020-05-14T17:16:25.708" v="6"/>
-          <ac:spMkLst>
-            <pc:docMk/>
-            <pc:sldMk cId="2809799376" sldId="385"/>
-            <ac:spMk id="123906" creationId="{C9706936-D7BB-8D41-95AD-F45EB6AAB603}"/>
-          </ac:spMkLst>
-        </pc:spChg>
-      </pc:sldChg>
-      <pc:sldChg chg="add">
-        <pc:chgData name="Khattab, Sherif" userId="c83b1e15-36f3-4f46-aceb-05aac24c545e" providerId="ADAL" clId="{E6EB0EA7-2544-4CF1-A7D6-AFF5E9AECA5D}" dt="2020-05-14T17:10:05.791" v="0"/>
-        <pc:sldMkLst>
-          <pc:docMk/>
-          <pc:sldMk cId="1330366002" sldId="454"/>
-        </pc:sldMkLst>
-      </pc:sldChg>
-      <pc:sldMasterChg chg="modSldLayout">
-        <pc:chgData name="Khattab, Sherif" userId="c83b1e15-36f3-4f46-aceb-05aac24c545e" providerId="ADAL" clId="{E6EB0EA7-2544-4CF1-A7D6-AFF5E9AECA5D}" dt="2020-05-14T17:11:02.329" v="5" actId="478"/>
-        <pc:sldMasterMkLst>
-          <pc:docMk/>
-          <pc:sldMasterMk cId="0" sldId="2147483648"/>
-        </pc:sldMasterMkLst>
-        <pc:sldLayoutChg chg="addSp delSp modSp">
-          <pc:chgData name="Khattab, Sherif" userId="c83b1e15-36f3-4f46-aceb-05aac24c545e" providerId="ADAL" clId="{E6EB0EA7-2544-4CF1-A7D6-AFF5E9AECA5D}" dt="2020-05-14T17:11:02.329" v="5" actId="478"/>
-          <pc:sldLayoutMkLst>
-            <pc:docMk/>
-            <pc:sldMasterMk cId="0" sldId="2147483648"/>
-            <pc:sldLayoutMk cId="75952674" sldId="2147483651"/>
-          </pc:sldLayoutMkLst>
-          <pc:spChg chg="mod">
-            <ac:chgData name="Khattab, Sherif" userId="c83b1e15-36f3-4f46-aceb-05aac24c545e" providerId="ADAL" clId="{E6EB0EA7-2544-4CF1-A7D6-AFF5E9AECA5D}" dt="2020-05-14T17:10:58.314" v="4" actId="207"/>
-            <ac:spMkLst>
-              <pc:docMk/>
-              <pc:sldMasterMk cId="0" sldId="2147483648"/>
-              <pc:sldLayoutMk cId="75952674" sldId="2147483651"/>
-              <ac:spMk id="2" creationId="{00000000-0000-0000-0000-000000000000}"/>
-            </ac:spMkLst>
-          </pc:spChg>
-          <pc:picChg chg="add del mod">
-            <ac:chgData name="Khattab, Sherif" userId="c83b1e15-36f3-4f46-aceb-05aac24c545e" providerId="ADAL" clId="{E6EB0EA7-2544-4CF1-A7D6-AFF5E9AECA5D}" dt="2020-05-14T17:11:02.329" v="5" actId="478"/>
-            <ac:picMkLst>
-              <pc:docMk/>
-              <pc:sldMasterMk cId="0" sldId="2147483648"/>
-              <pc:sldLayoutMk cId="75952674" sldId="2147483651"/>
-              <ac:picMk id="10" creationId="{CE32924D-DB3B-4207-A608-C0B94DD56D2C}"/>
-            </ac:picMkLst>
-          </pc:picChg>
-        </pc:sldLayoutChg>
-      </pc:sldMasterChg>
+        <pc:chgData name="Khattab, Sherif" userId="c83b1e15-36f3-4f46-aceb-05aac24c545e" providerId="ADAL" clId="{7C93500A-9C02-1B4B-B507-B54B52B20BD8}" dt="2022-01-13T13:28:26.358" v="0" actId="2696"/>
+        <pc:sldMkLst>
+          <pc:docMk/>
+          <pc:sldMk cId="2329144619" sldId="445"/>
+        </pc:sldMkLst>
+      </pc:sldChg>
+      <pc:sldChg chg="del">
+        <pc:chgData name="Khattab, Sherif" userId="c83b1e15-36f3-4f46-aceb-05aac24c545e" providerId="ADAL" clId="{7C93500A-9C02-1B4B-B507-B54B52B20BD8}" dt="2022-01-13T13:28:26.358" v="0" actId="2696"/>
+        <pc:sldMkLst>
+          <pc:docMk/>
+          <pc:sldMk cId="1783368962" sldId="448"/>
+        </pc:sldMkLst>
+      </pc:sldChg>
+      <pc:sldChg chg="del">
+        <pc:chgData name="Khattab, Sherif" userId="c83b1e15-36f3-4f46-aceb-05aac24c545e" providerId="ADAL" clId="{7C93500A-9C02-1B4B-B507-B54B52B20BD8}" dt="2022-01-13T13:28:26.358" v="0" actId="2696"/>
+        <pc:sldMkLst>
+          <pc:docMk/>
+          <pc:sldMk cId="2276002102" sldId="451"/>
+        </pc:sldMkLst>
+      </pc:sldChg>
+      <pc:sldChg chg="del">
+        <pc:chgData name="Khattab, Sherif" userId="c83b1e15-36f3-4f46-aceb-05aac24c545e" providerId="ADAL" clId="{7C93500A-9C02-1B4B-B507-B54B52B20BD8}" dt="2022-01-13T13:28:26.358" v="0" actId="2696"/>
+        <pc:sldMkLst>
+          <pc:docMk/>
+          <pc:sldMk cId="2284980282" sldId="463"/>
+        </pc:sldMkLst>
+      </pc:sldChg>
     </pc:docChg>
   </pc:docChgLst>
   <pc:docChgLst>
@@ -8930,841 +9805,6 @@
             <ac:spMk id="114694" creationId="{BBDAC104-BD98-9A47-A516-EE144AE2C4FF}"/>
           </ac:spMkLst>
         </pc:spChg>
-      </pc:sldChg>
-    </pc:docChg>
-  </pc:docChgLst>
-  <pc:docChgLst>
-    <pc:chgData name="Khattab, Sherif" userId="c83b1e15-36f3-4f46-aceb-05aac24c545e" providerId="ADAL" clId="{EE78B4C3-BA47-2B47-8B84-4022815E3587}"/>
-    <pc:docChg chg="addSld delSld modSld">
-      <pc:chgData name="Khattab, Sherif" userId="c83b1e15-36f3-4f46-aceb-05aac24c545e" providerId="ADAL" clId="{EE78B4C3-BA47-2B47-8B84-4022815E3587}" dt="2019-05-14T13:34:18.851" v="46"/>
-      <pc:docMkLst>
-        <pc:docMk/>
-      </pc:docMkLst>
-      <pc:sldChg chg="modSp">
-        <pc:chgData name="Khattab, Sherif" userId="c83b1e15-36f3-4f46-aceb-05aac24c545e" providerId="ADAL" clId="{EE78B4C3-BA47-2B47-8B84-4022815E3587}" dt="2019-05-14T13:28:04.131" v="18" actId="20577"/>
-        <pc:sldMkLst>
-          <pc:docMk/>
-          <pc:sldMk cId="0" sldId="256"/>
-        </pc:sldMkLst>
-        <pc:spChg chg="mod">
-          <ac:chgData name="Khattab, Sherif" userId="c83b1e15-36f3-4f46-aceb-05aac24c545e" providerId="ADAL" clId="{EE78B4C3-BA47-2B47-8B84-4022815E3587}" dt="2019-05-14T13:28:04.131" v="18" actId="20577"/>
-          <ac:spMkLst>
-            <pc:docMk/>
-            <pc:sldMk cId="0" sldId="256"/>
-            <ac:spMk id="2" creationId="{00000000-0000-0000-0000-000000000000}"/>
-          </ac:spMkLst>
-        </pc:spChg>
-      </pc:sldChg>
-      <pc:sldChg chg="delSp">
-        <pc:chgData name="Khattab, Sherif" userId="c83b1e15-36f3-4f46-aceb-05aac24c545e" providerId="ADAL" clId="{EE78B4C3-BA47-2B47-8B84-4022815E3587}" dt="2019-05-14T13:30:07.468" v="20"/>
-        <pc:sldMkLst>
-          <pc:docMk/>
-          <pc:sldMk cId="1004035158" sldId="259"/>
-        </pc:sldMkLst>
-        <pc:spChg chg="del">
-          <ac:chgData name="Khattab, Sherif" userId="c83b1e15-36f3-4f46-aceb-05aac24c545e" providerId="ADAL" clId="{EE78B4C3-BA47-2B47-8B84-4022815E3587}" dt="2019-05-14T13:30:07.468" v="20"/>
-          <ac:spMkLst>
-            <pc:docMk/>
-            <pc:sldMk cId="1004035158" sldId="259"/>
-            <ac:spMk id="2" creationId="{00000000-0000-0000-0000-000000000000}"/>
-          </ac:spMkLst>
-        </pc:spChg>
-      </pc:sldChg>
-      <pc:sldChg chg="delSp">
-        <pc:chgData name="Khattab, Sherif" userId="c83b1e15-36f3-4f46-aceb-05aac24c545e" providerId="ADAL" clId="{EE78B4C3-BA47-2B47-8B84-4022815E3587}" dt="2019-05-14T13:30:07.468" v="20"/>
-        <pc:sldMkLst>
-          <pc:docMk/>
-          <pc:sldMk cId="1444142485" sldId="261"/>
-        </pc:sldMkLst>
-        <pc:spChg chg="del">
-          <ac:chgData name="Khattab, Sherif" userId="c83b1e15-36f3-4f46-aceb-05aac24c545e" providerId="ADAL" clId="{EE78B4C3-BA47-2B47-8B84-4022815E3587}" dt="2019-05-14T13:30:07.468" v="20"/>
-          <ac:spMkLst>
-            <pc:docMk/>
-            <pc:sldMk cId="1444142485" sldId="261"/>
-            <ac:spMk id="3" creationId="{00000000-0000-0000-0000-000000000000}"/>
-          </ac:spMkLst>
-        </pc:spChg>
-      </pc:sldChg>
-      <pc:sldChg chg="delSp">
-        <pc:chgData name="Khattab, Sherif" userId="c83b1e15-36f3-4f46-aceb-05aac24c545e" providerId="ADAL" clId="{EE78B4C3-BA47-2B47-8B84-4022815E3587}" dt="2019-05-14T13:30:07.468" v="20"/>
-        <pc:sldMkLst>
-          <pc:docMk/>
-          <pc:sldMk cId="516417489" sldId="262"/>
-        </pc:sldMkLst>
-        <pc:spChg chg="del">
-          <ac:chgData name="Khattab, Sherif" userId="c83b1e15-36f3-4f46-aceb-05aac24c545e" providerId="ADAL" clId="{EE78B4C3-BA47-2B47-8B84-4022815E3587}" dt="2019-05-14T13:30:07.468" v="20"/>
-          <ac:spMkLst>
-            <pc:docMk/>
-            <pc:sldMk cId="516417489" sldId="262"/>
-            <ac:spMk id="2" creationId="{00000000-0000-0000-0000-000000000000}"/>
-          </ac:spMkLst>
-        </pc:spChg>
-      </pc:sldChg>
-      <pc:sldChg chg="delSp">
-        <pc:chgData name="Khattab, Sherif" userId="c83b1e15-36f3-4f46-aceb-05aac24c545e" providerId="ADAL" clId="{EE78B4C3-BA47-2B47-8B84-4022815E3587}" dt="2019-05-14T13:30:07.468" v="20"/>
-        <pc:sldMkLst>
-          <pc:docMk/>
-          <pc:sldMk cId="561583903" sldId="263"/>
-        </pc:sldMkLst>
-        <pc:spChg chg="del">
-          <ac:chgData name="Khattab, Sherif" userId="c83b1e15-36f3-4f46-aceb-05aac24c545e" providerId="ADAL" clId="{EE78B4C3-BA47-2B47-8B84-4022815E3587}" dt="2019-05-14T13:30:07.468" v="20"/>
-          <ac:spMkLst>
-            <pc:docMk/>
-            <pc:sldMk cId="561583903" sldId="263"/>
-            <ac:spMk id="3" creationId="{00000000-0000-0000-0000-000000000000}"/>
-          </ac:spMkLst>
-        </pc:spChg>
-      </pc:sldChg>
-      <pc:sldChg chg="delSp">
-        <pc:chgData name="Khattab, Sherif" userId="c83b1e15-36f3-4f46-aceb-05aac24c545e" providerId="ADAL" clId="{EE78B4C3-BA47-2B47-8B84-4022815E3587}" dt="2019-05-14T13:30:07.468" v="20"/>
-        <pc:sldMkLst>
-          <pc:docMk/>
-          <pc:sldMk cId="982315759" sldId="264"/>
-        </pc:sldMkLst>
-        <pc:spChg chg="del">
-          <ac:chgData name="Khattab, Sherif" userId="c83b1e15-36f3-4f46-aceb-05aac24c545e" providerId="ADAL" clId="{EE78B4C3-BA47-2B47-8B84-4022815E3587}" dt="2019-05-14T13:30:07.468" v="20"/>
-          <ac:spMkLst>
-            <pc:docMk/>
-            <pc:sldMk cId="982315759" sldId="264"/>
-            <ac:spMk id="2" creationId="{00000000-0000-0000-0000-000000000000}"/>
-          </ac:spMkLst>
-        </pc:spChg>
-      </pc:sldChg>
-      <pc:sldChg chg="delSp modSp">
-        <pc:chgData name="Khattab, Sherif" userId="c83b1e15-36f3-4f46-aceb-05aac24c545e" providerId="ADAL" clId="{EE78B4C3-BA47-2B47-8B84-4022815E3587}" dt="2019-05-14T13:30:35.317" v="37" actId="20577"/>
-        <pc:sldMkLst>
-          <pc:docMk/>
-          <pc:sldMk cId="423130617" sldId="265"/>
-        </pc:sldMkLst>
-        <pc:spChg chg="del">
-          <ac:chgData name="Khattab, Sherif" userId="c83b1e15-36f3-4f46-aceb-05aac24c545e" providerId="ADAL" clId="{EE78B4C3-BA47-2B47-8B84-4022815E3587}" dt="2019-05-14T13:30:07.468" v="20"/>
-          <ac:spMkLst>
-            <pc:docMk/>
-            <pc:sldMk cId="423130617" sldId="265"/>
-            <ac:spMk id="3" creationId="{00000000-0000-0000-0000-000000000000}"/>
-          </ac:spMkLst>
-        </pc:spChg>
-        <pc:spChg chg="mod">
-          <ac:chgData name="Khattab, Sherif" userId="c83b1e15-36f3-4f46-aceb-05aac24c545e" providerId="ADAL" clId="{EE78B4C3-BA47-2B47-8B84-4022815E3587}" dt="2019-05-14T13:30:35.317" v="37" actId="20577"/>
-          <ac:spMkLst>
-            <pc:docMk/>
-            <pc:sldMk cId="423130617" sldId="265"/>
-            <ac:spMk id="12290" creationId="{00000000-0000-0000-0000-000000000000}"/>
-          </ac:spMkLst>
-        </pc:spChg>
-      </pc:sldChg>
-      <pc:sldChg chg="delSp">
-        <pc:chgData name="Khattab, Sherif" userId="c83b1e15-36f3-4f46-aceb-05aac24c545e" providerId="ADAL" clId="{EE78B4C3-BA47-2B47-8B84-4022815E3587}" dt="2019-05-14T13:30:07.468" v="20"/>
-        <pc:sldMkLst>
-          <pc:docMk/>
-          <pc:sldMk cId="661211275" sldId="267"/>
-        </pc:sldMkLst>
-        <pc:spChg chg="del">
-          <ac:chgData name="Khattab, Sherif" userId="c83b1e15-36f3-4f46-aceb-05aac24c545e" providerId="ADAL" clId="{EE78B4C3-BA47-2B47-8B84-4022815E3587}" dt="2019-05-14T13:30:07.468" v="20"/>
-          <ac:spMkLst>
-            <pc:docMk/>
-            <pc:sldMk cId="661211275" sldId="267"/>
-            <ac:spMk id="2" creationId="{00000000-0000-0000-0000-000000000000}"/>
-          </ac:spMkLst>
-        </pc:spChg>
-      </pc:sldChg>
-      <pc:sldChg chg="delSp">
-        <pc:chgData name="Khattab, Sherif" userId="c83b1e15-36f3-4f46-aceb-05aac24c545e" providerId="ADAL" clId="{EE78B4C3-BA47-2B47-8B84-4022815E3587}" dt="2019-05-14T13:30:07.468" v="20"/>
-        <pc:sldMkLst>
-          <pc:docMk/>
-          <pc:sldMk cId="1897509347" sldId="268"/>
-        </pc:sldMkLst>
-        <pc:spChg chg="del">
-          <ac:chgData name="Khattab, Sherif" userId="c83b1e15-36f3-4f46-aceb-05aac24c545e" providerId="ADAL" clId="{EE78B4C3-BA47-2B47-8B84-4022815E3587}" dt="2019-05-14T13:30:07.468" v="20"/>
-          <ac:spMkLst>
-            <pc:docMk/>
-            <pc:sldMk cId="1897509347" sldId="268"/>
-            <ac:spMk id="2" creationId="{00000000-0000-0000-0000-000000000000}"/>
-          </ac:spMkLst>
-        </pc:spChg>
-      </pc:sldChg>
-      <pc:sldChg chg="delSp">
-        <pc:chgData name="Khattab, Sherif" userId="c83b1e15-36f3-4f46-aceb-05aac24c545e" providerId="ADAL" clId="{EE78B4C3-BA47-2B47-8B84-4022815E3587}" dt="2019-05-14T13:30:07.468" v="20"/>
-        <pc:sldMkLst>
-          <pc:docMk/>
-          <pc:sldMk cId="1042310649" sldId="269"/>
-        </pc:sldMkLst>
-        <pc:spChg chg="del">
-          <ac:chgData name="Khattab, Sherif" userId="c83b1e15-36f3-4f46-aceb-05aac24c545e" providerId="ADAL" clId="{EE78B4C3-BA47-2B47-8B84-4022815E3587}" dt="2019-05-14T13:30:07.468" v="20"/>
-          <ac:spMkLst>
-            <pc:docMk/>
-            <pc:sldMk cId="1042310649" sldId="269"/>
-            <ac:spMk id="3" creationId="{00000000-0000-0000-0000-000000000000}"/>
-          </ac:spMkLst>
-        </pc:spChg>
-      </pc:sldChg>
-      <pc:sldChg chg="delSp">
-        <pc:chgData name="Khattab, Sherif" userId="c83b1e15-36f3-4f46-aceb-05aac24c545e" providerId="ADAL" clId="{EE78B4C3-BA47-2B47-8B84-4022815E3587}" dt="2019-05-14T13:30:07.468" v="20"/>
-        <pc:sldMkLst>
-          <pc:docMk/>
-          <pc:sldMk cId="703361262" sldId="270"/>
-        </pc:sldMkLst>
-        <pc:spChg chg="del">
-          <ac:chgData name="Khattab, Sherif" userId="c83b1e15-36f3-4f46-aceb-05aac24c545e" providerId="ADAL" clId="{EE78B4C3-BA47-2B47-8B84-4022815E3587}" dt="2019-05-14T13:30:07.468" v="20"/>
-          <ac:spMkLst>
-            <pc:docMk/>
-            <pc:sldMk cId="703361262" sldId="270"/>
-            <ac:spMk id="3" creationId="{00000000-0000-0000-0000-000000000000}"/>
-          </ac:spMkLst>
-        </pc:spChg>
-      </pc:sldChg>
-      <pc:sldChg chg="delSp">
-        <pc:chgData name="Khattab, Sherif" userId="c83b1e15-36f3-4f46-aceb-05aac24c545e" providerId="ADAL" clId="{EE78B4C3-BA47-2B47-8B84-4022815E3587}" dt="2019-05-14T13:30:07.468" v="20"/>
-        <pc:sldMkLst>
-          <pc:docMk/>
-          <pc:sldMk cId="1436808390" sldId="271"/>
-        </pc:sldMkLst>
-        <pc:spChg chg="del">
-          <ac:chgData name="Khattab, Sherif" userId="c83b1e15-36f3-4f46-aceb-05aac24c545e" providerId="ADAL" clId="{EE78B4C3-BA47-2B47-8B84-4022815E3587}" dt="2019-05-14T13:30:07.468" v="20"/>
-          <ac:spMkLst>
-            <pc:docMk/>
-            <pc:sldMk cId="1436808390" sldId="271"/>
-            <ac:spMk id="2" creationId="{00000000-0000-0000-0000-000000000000}"/>
-          </ac:spMkLst>
-        </pc:spChg>
-      </pc:sldChg>
-      <pc:sldChg chg="delSp">
-        <pc:chgData name="Khattab, Sherif" userId="c83b1e15-36f3-4f46-aceb-05aac24c545e" providerId="ADAL" clId="{EE78B4C3-BA47-2B47-8B84-4022815E3587}" dt="2019-05-14T13:30:07.468" v="20"/>
-        <pc:sldMkLst>
-          <pc:docMk/>
-          <pc:sldMk cId="1301683851" sldId="272"/>
-        </pc:sldMkLst>
-        <pc:spChg chg="del">
-          <ac:chgData name="Khattab, Sherif" userId="c83b1e15-36f3-4f46-aceb-05aac24c545e" providerId="ADAL" clId="{EE78B4C3-BA47-2B47-8B84-4022815E3587}" dt="2019-05-14T13:30:07.468" v="20"/>
-          <ac:spMkLst>
-            <pc:docMk/>
-            <pc:sldMk cId="1301683851" sldId="272"/>
-            <ac:spMk id="3" creationId="{00000000-0000-0000-0000-000000000000}"/>
-          </ac:spMkLst>
-        </pc:spChg>
-      </pc:sldChg>
-      <pc:sldChg chg="delSp">
-        <pc:chgData name="Khattab, Sherif" userId="c83b1e15-36f3-4f46-aceb-05aac24c545e" providerId="ADAL" clId="{EE78B4C3-BA47-2B47-8B84-4022815E3587}" dt="2019-05-14T13:30:07.468" v="20"/>
-        <pc:sldMkLst>
-          <pc:docMk/>
-          <pc:sldMk cId="55302999" sldId="274"/>
-        </pc:sldMkLst>
-        <pc:spChg chg="del">
-          <ac:chgData name="Khattab, Sherif" userId="c83b1e15-36f3-4f46-aceb-05aac24c545e" providerId="ADAL" clId="{EE78B4C3-BA47-2B47-8B84-4022815E3587}" dt="2019-05-14T13:30:07.468" v="20"/>
-          <ac:spMkLst>
-            <pc:docMk/>
-            <pc:sldMk cId="55302999" sldId="274"/>
-            <ac:spMk id="2" creationId="{00000000-0000-0000-0000-000000000000}"/>
-          </ac:spMkLst>
-        </pc:spChg>
-      </pc:sldChg>
-      <pc:sldChg chg="delSp">
-        <pc:chgData name="Khattab, Sherif" userId="c83b1e15-36f3-4f46-aceb-05aac24c545e" providerId="ADAL" clId="{EE78B4C3-BA47-2B47-8B84-4022815E3587}" dt="2019-05-14T13:30:07.468" v="20"/>
-        <pc:sldMkLst>
-          <pc:docMk/>
-          <pc:sldMk cId="2064114192" sldId="276"/>
-        </pc:sldMkLst>
-        <pc:spChg chg="del">
-          <ac:chgData name="Khattab, Sherif" userId="c83b1e15-36f3-4f46-aceb-05aac24c545e" providerId="ADAL" clId="{EE78B4C3-BA47-2B47-8B84-4022815E3587}" dt="2019-05-14T13:30:07.468" v="20"/>
-          <ac:spMkLst>
-            <pc:docMk/>
-            <pc:sldMk cId="2064114192" sldId="276"/>
-            <ac:spMk id="2" creationId="{00000000-0000-0000-0000-000000000000}"/>
-          </ac:spMkLst>
-        </pc:spChg>
-      </pc:sldChg>
-      <pc:sldChg chg="delSp">
-        <pc:chgData name="Khattab, Sherif" userId="c83b1e15-36f3-4f46-aceb-05aac24c545e" providerId="ADAL" clId="{EE78B4C3-BA47-2B47-8B84-4022815E3587}" dt="2019-05-14T13:30:07.468" v="20"/>
-        <pc:sldMkLst>
-          <pc:docMk/>
-          <pc:sldMk cId="1000435174" sldId="278"/>
-        </pc:sldMkLst>
-        <pc:spChg chg="del">
-          <ac:chgData name="Khattab, Sherif" userId="c83b1e15-36f3-4f46-aceb-05aac24c545e" providerId="ADAL" clId="{EE78B4C3-BA47-2B47-8B84-4022815E3587}" dt="2019-05-14T13:30:07.468" v="20"/>
-          <ac:spMkLst>
-            <pc:docMk/>
-            <pc:sldMk cId="1000435174" sldId="278"/>
-            <ac:spMk id="2" creationId="{00000000-0000-0000-0000-000000000000}"/>
-          </ac:spMkLst>
-        </pc:spChg>
-      </pc:sldChg>
-      <pc:sldChg chg="delSp">
-        <pc:chgData name="Khattab, Sherif" userId="c83b1e15-36f3-4f46-aceb-05aac24c545e" providerId="ADAL" clId="{EE78B4C3-BA47-2B47-8B84-4022815E3587}" dt="2019-05-14T13:30:07.468" v="20"/>
-        <pc:sldMkLst>
-          <pc:docMk/>
-          <pc:sldMk cId="2080017563" sldId="279"/>
-        </pc:sldMkLst>
-        <pc:spChg chg="del">
-          <ac:chgData name="Khattab, Sherif" userId="c83b1e15-36f3-4f46-aceb-05aac24c545e" providerId="ADAL" clId="{EE78B4C3-BA47-2B47-8B84-4022815E3587}" dt="2019-05-14T13:30:07.468" v="20"/>
-          <ac:spMkLst>
-            <pc:docMk/>
-            <pc:sldMk cId="2080017563" sldId="279"/>
-            <ac:spMk id="3" creationId="{00000000-0000-0000-0000-000000000000}"/>
-          </ac:spMkLst>
-        </pc:spChg>
-      </pc:sldChg>
-      <pc:sldChg chg="delSp">
-        <pc:chgData name="Khattab, Sherif" userId="c83b1e15-36f3-4f46-aceb-05aac24c545e" providerId="ADAL" clId="{EE78B4C3-BA47-2B47-8B84-4022815E3587}" dt="2019-05-14T13:30:07.468" v="20"/>
-        <pc:sldMkLst>
-          <pc:docMk/>
-          <pc:sldMk cId="1445345591" sldId="281"/>
-        </pc:sldMkLst>
-        <pc:spChg chg="del">
-          <ac:chgData name="Khattab, Sherif" userId="c83b1e15-36f3-4f46-aceb-05aac24c545e" providerId="ADAL" clId="{EE78B4C3-BA47-2B47-8B84-4022815E3587}" dt="2019-05-14T13:30:07.468" v="20"/>
-          <ac:spMkLst>
-            <pc:docMk/>
-            <pc:sldMk cId="1445345591" sldId="281"/>
-            <ac:spMk id="2" creationId="{00000000-0000-0000-0000-000000000000}"/>
-          </ac:spMkLst>
-        </pc:spChg>
-      </pc:sldChg>
-      <pc:sldChg chg="delSp">
-        <pc:chgData name="Khattab, Sherif" userId="c83b1e15-36f3-4f46-aceb-05aac24c545e" providerId="ADAL" clId="{EE78B4C3-BA47-2B47-8B84-4022815E3587}" dt="2019-05-14T13:30:07.468" v="20"/>
-        <pc:sldMkLst>
-          <pc:docMk/>
-          <pc:sldMk cId="306268545" sldId="282"/>
-        </pc:sldMkLst>
-        <pc:spChg chg="del">
-          <ac:chgData name="Khattab, Sherif" userId="c83b1e15-36f3-4f46-aceb-05aac24c545e" providerId="ADAL" clId="{EE78B4C3-BA47-2B47-8B84-4022815E3587}" dt="2019-05-14T13:30:07.468" v="20"/>
-          <ac:spMkLst>
-            <pc:docMk/>
-            <pc:sldMk cId="306268545" sldId="282"/>
-            <ac:spMk id="2" creationId="{00000000-0000-0000-0000-000000000000}"/>
-          </ac:spMkLst>
-        </pc:spChg>
-      </pc:sldChg>
-      <pc:sldChg chg="delSp add">
-        <pc:chgData name="Khattab, Sherif" userId="c83b1e15-36f3-4f46-aceb-05aac24c545e" providerId="ADAL" clId="{EE78B4C3-BA47-2B47-8B84-4022815E3587}" dt="2019-05-14T13:34:18.851" v="46"/>
-        <pc:sldMkLst>
-          <pc:docMk/>
-          <pc:sldMk cId="2710637777" sldId="322"/>
-        </pc:sldMkLst>
-        <pc:spChg chg="del">
-          <ac:chgData name="Khattab, Sherif" userId="c83b1e15-36f3-4f46-aceb-05aac24c545e" providerId="ADAL" clId="{EE78B4C3-BA47-2B47-8B84-4022815E3587}" dt="2019-05-14T13:34:18.851" v="46"/>
-          <ac:spMkLst>
-            <pc:docMk/>
-            <pc:sldMk cId="2710637777" sldId="322"/>
-            <ac:spMk id="6" creationId="{0700C6EC-DCCB-614E-A0F4-3418D2D78AC7}"/>
-          </ac:spMkLst>
-        </pc:spChg>
-      </pc:sldChg>
-      <pc:sldChg chg="delSp add">
-        <pc:chgData name="Khattab, Sherif" userId="c83b1e15-36f3-4f46-aceb-05aac24c545e" providerId="ADAL" clId="{EE78B4C3-BA47-2B47-8B84-4022815E3587}" dt="2019-05-14T13:34:18.851" v="46"/>
-        <pc:sldMkLst>
-          <pc:docMk/>
-          <pc:sldMk cId="3292918179" sldId="324"/>
-        </pc:sldMkLst>
-        <pc:spChg chg="del">
-          <ac:chgData name="Khattab, Sherif" userId="c83b1e15-36f3-4f46-aceb-05aac24c545e" providerId="ADAL" clId="{EE78B4C3-BA47-2B47-8B84-4022815E3587}" dt="2019-05-14T13:34:18.851" v="46"/>
-          <ac:spMkLst>
-            <pc:docMk/>
-            <pc:sldMk cId="3292918179" sldId="324"/>
-            <ac:spMk id="26" creationId="{3729950E-4F02-6B44-A5A4-B6238ABBD35B}"/>
-          </ac:spMkLst>
-        </pc:spChg>
-      </pc:sldChg>
-      <pc:sldChg chg="delSp add">
-        <pc:chgData name="Khattab, Sherif" userId="c83b1e15-36f3-4f46-aceb-05aac24c545e" providerId="ADAL" clId="{EE78B4C3-BA47-2B47-8B84-4022815E3587}" dt="2019-05-14T13:34:18.851" v="46"/>
-        <pc:sldMkLst>
-          <pc:docMk/>
-          <pc:sldMk cId="355119911" sldId="338"/>
-        </pc:sldMkLst>
-        <pc:spChg chg="del">
-          <ac:chgData name="Khattab, Sherif" userId="c83b1e15-36f3-4f46-aceb-05aac24c545e" providerId="ADAL" clId="{EE78B4C3-BA47-2B47-8B84-4022815E3587}" dt="2019-05-14T13:34:18.851" v="46"/>
-          <ac:spMkLst>
-            <pc:docMk/>
-            <pc:sldMk cId="355119911" sldId="338"/>
-            <ac:spMk id="7" creationId="{AC4B9F18-B1E5-C341-B953-6D96BAA0EB6C}"/>
-          </ac:spMkLst>
-        </pc:spChg>
-      </pc:sldChg>
-      <pc:sldChg chg="delSp add">
-        <pc:chgData name="Khattab, Sherif" userId="c83b1e15-36f3-4f46-aceb-05aac24c545e" providerId="ADAL" clId="{EE78B4C3-BA47-2B47-8B84-4022815E3587}" dt="2019-05-14T13:34:18.851" v="46"/>
-        <pc:sldMkLst>
-          <pc:docMk/>
-          <pc:sldMk cId="4223572414" sldId="339"/>
-        </pc:sldMkLst>
-        <pc:spChg chg="del">
-          <ac:chgData name="Khattab, Sherif" userId="c83b1e15-36f3-4f46-aceb-05aac24c545e" providerId="ADAL" clId="{EE78B4C3-BA47-2B47-8B84-4022815E3587}" dt="2019-05-14T13:34:18.851" v="46"/>
-          <ac:spMkLst>
-            <pc:docMk/>
-            <pc:sldMk cId="4223572414" sldId="339"/>
-            <ac:spMk id="6" creationId="{48879884-318D-6C49-B6B8-463E617B85F1}"/>
-          </ac:spMkLst>
-        </pc:spChg>
-      </pc:sldChg>
-      <pc:sldChg chg="delSp add">
-        <pc:chgData name="Khattab, Sherif" userId="c83b1e15-36f3-4f46-aceb-05aac24c545e" providerId="ADAL" clId="{EE78B4C3-BA47-2B47-8B84-4022815E3587}" dt="2019-05-14T13:34:18.851" v="46"/>
-        <pc:sldMkLst>
-          <pc:docMk/>
-          <pc:sldMk cId="470668490" sldId="340"/>
-        </pc:sldMkLst>
-        <pc:spChg chg="del">
-          <ac:chgData name="Khattab, Sherif" userId="c83b1e15-36f3-4f46-aceb-05aac24c545e" providerId="ADAL" clId="{EE78B4C3-BA47-2B47-8B84-4022815E3587}" dt="2019-05-14T13:34:18.851" v="46"/>
-          <ac:spMkLst>
-            <pc:docMk/>
-            <pc:sldMk cId="470668490" sldId="340"/>
-            <ac:spMk id="6" creationId="{32D0E818-62B1-0A49-9CFC-1DC58F40FEBE}"/>
-          </ac:spMkLst>
-        </pc:spChg>
-      </pc:sldChg>
-      <pc:sldChg chg="delSp add">
-        <pc:chgData name="Khattab, Sherif" userId="c83b1e15-36f3-4f46-aceb-05aac24c545e" providerId="ADAL" clId="{EE78B4C3-BA47-2B47-8B84-4022815E3587}" dt="2019-05-14T13:34:18.851" v="46"/>
-        <pc:sldMkLst>
-          <pc:docMk/>
-          <pc:sldMk cId="1205868326" sldId="341"/>
-        </pc:sldMkLst>
-        <pc:spChg chg="del">
-          <ac:chgData name="Khattab, Sherif" userId="c83b1e15-36f3-4f46-aceb-05aac24c545e" providerId="ADAL" clId="{EE78B4C3-BA47-2B47-8B84-4022815E3587}" dt="2019-05-14T13:34:18.851" v="46"/>
-          <ac:spMkLst>
-            <pc:docMk/>
-            <pc:sldMk cId="1205868326" sldId="341"/>
-            <ac:spMk id="6" creationId="{918B0854-EAA5-9D49-9ED0-EA7684377156}"/>
-          </ac:spMkLst>
-        </pc:spChg>
-      </pc:sldChg>
-      <pc:sldChg chg="delSp add">
-        <pc:chgData name="Khattab, Sherif" userId="c83b1e15-36f3-4f46-aceb-05aac24c545e" providerId="ADAL" clId="{EE78B4C3-BA47-2B47-8B84-4022815E3587}" dt="2019-05-14T13:34:18.851" v="46"/>
-        <pc:sldMkLst>
-          <pc:docMk/>
-          <pc:sldMk cId="1806563943" sldId="342"/>
-        </pc:sldMkLst>
-        <pc:spChg chg="del">
-          <ac:chgData name="Khattab, Sherif" userId="c83b1e15-36f3-4f46-aceb-05aac24c545e" providerId="ADAL" clId="{EE78B4C3-BA47-2B47-8B84-4022815E3587}" dt="2019-05-14T13:34:18.851" v="46"/>
-          <ac:spMkLst>
-            <pc:docMk/>
-            <pc:sldMk cId="1806563943" sldId="342"/>
-            <ac:spMk id="9" creationId="{712AC7F1-3CB0-3140-8620-EAE2154DEBDF}"/>
-          </ac:spMkLst>
-        </pc:spChg>
-      </pc:sldChg>
-      <pc:sldChg chg="delSp add">
-        <pc:chgData name="Khattab, Sherif" userId="c83b1e15-36f3-4f46-aceb-05aac24c545e" providerId="ADAL" clId="{EE78B4C3-BA47-2B47-8B84-4022815E3587}" dt="2019-05-14T13:34:18.851" v="46"/>
-        <pc:sldMkLst>
-          <pc:docMk/>
-          <pc:sldMk cId="1167711490" sldId="343"/>
-        </pc:sldMkLst>
-        <pc:spChg chg="del">
-          <ac:chgData name="Khattab, Sherif" userId="c83b1e15-36f3-4f46-aceb-05aac24c545e" providerId="ADAL" clId="{EE78B4C3-BA47-2B47-8B84-4022815E3587}" dt="2019-05-14T13:34:18.851" v="46"/>
-          <ac:spMkLst>
-            <pc:docMk/>
-            <pc:sldMk cId="1167711490" sldId="343"/>
-            <ac:spMk id="9" creationId="{7277E941-6A46-A141-896C-8CF8D763337C}"/>
-          </ac:spMkLst>
-        </pc:spChg>
-      </pc:sldChg>
-      <pc:sldChg chg="delSp add">
-        <pc:chgData name="Khattab, Sherif" userId="c83b1e15-36f3-4f46-aceb-05aac24c545e" providerId="ADAL" clId="{EE78B4C3-BA47-2B47-8B84-4022815E3587}" dt="2019-05-14T13:34:18.851" v="46"/>
-        <pc:sldMkLst>
-          <pc:docMk/>
-          <pc:sldMk cId="1271999567" sldId="349"/>
-        </pc:sldMkLst>
-        <pc:spChg chg="del">
-          <ac:chgData name="Khattab, Sherif" userId="c83b1e15-36f3-4f46-aceb-05aac24c545e" providerId="ADAL" clId="{EE78B4C3-BA47-2B47-8B84-4022815E3587}" dt="2019-05-14T13:34:18.851" v="46"/>
-          <ac:spMkLst>
-            <pc:docMk/>
-            <pc:sldMk cId="1271999567" sldId="349"/>
-            <ac:spMk id="8" creationId="{7BD79B2E-E2F2-FE40-AF15-AA838FE67060}"/>
-          </ac:spMkLst>
-        </pc:spChg>
-      </pc:sldChg>
-      <pc:sldChg chg="delSp add">
-        <pc:chgData name="Khattab, Sherif" userId="c83b1e15-36f3-4f46-aceb-05aac24c545e" providerId="ADAL" clId="{EE78B4C3-BA47-2B47-8B84-4022815E3587}" dt="2019-05-14T13:34:18.851" v="46"/>
-        <pc:sldMkLst>
-          <pc:docMk/>
-          <pc:sldMk cId="434376579" sldId="363"/>
-        </pc:sldMkLst>
-        <pc:spChg chg="del">
-          <ac:chgData name="Khattab, Sherif" userId="c83b1e15-36f3-4f46-aceb-05aac24c545e" providerId="ADAL" clId="{EE78B4C3-BA47-2B47-8B84-4022815E3587}" dt="2019-05-14T13:34:18.851" v="46"/>
-          <ac:spMkLst>
-            <pc:docMk/>
-            <pc:sldMk cId="434376579" sldId="363"/>
-            <ac:spMk id="15" creationId="{1190D209-83D1-A548-8C7B-C35DE4396F91}"/>
-          </ac:spMkLst>
-        </pc:spChg>
-      </pc:sldChg>
-      <pc:sldChg chg="delSp add">
-        <pc:chgData name="Khattab, Sherif" userId="c83b1e15-36f3-4f46-aceb-05aac24c545e" providerId="ADAL" clId="{EE78B4C3-BA47-2B47-8B84-4022815E3587}" dt="2019-05-14T13:34:18.851" v="46"/>
-        <pc:sldMkLst>
-          <pc:docMk/>
-          <pc:sldMk cId="815621424" sldId="364"/>
-        </pc:sldMkLst>
-        <pc:spChg chg="del">
-          <ac:chgData name="Khattab, Sherif" userId="c83b1e15-36f3-4f46-aceb-05aac24c545e" providerId="ADAL" clId="{EE78B4C3-BA47-2B47-8B84-4022815E3587}" dt="2019-05-14T13:34:18.851" v="46"/>
-          <ac:spMkLst>
-            <pc:docMk/>
-            <pc:sldMk cId="815621424" sldId="364"/>
-            <ac:spMk id="29" creationId="{6D10D6C8-49C6-BE4E-9E3F-EEC76AE056AA}"/>
-          </ac:spMkLst>
-        </pc:spChg>
-      </pc:sldChg>
-      <pc:sldChg chg="delSp add">
-        <pc:chgData name="Khattab, Sherif" userId="c83b1e15-36f3-4f46-aceb-05aac24c545e" providerId="ADAL" clId="{EE78B4C3-BA47-2B47-8B84-4022815E3587}" dt="2019-05-14T13:34:18.851" v="46"/>
-        <pc:sldMkLst>
-          <pc:docMk/>
-          <pc:sldMk cId="1934104099" sldId="365"/>
-        </pc:sldMkLst>
-        <pc:spChg chg="del">
-          <ac:chgData name="Khattab, Sherif" userId="c83b1e15-36f3-4f46-aceb-05aac24c545e" providerId="ADAL" clId="{EE78B4C3-BA47-2B47-8B84-4022815E3587}" dt="2019-05-14T13:34:18.851" v="46"/>
-          <ac:spMkLst>
-            <pc:docMk/>
-            <pc:sldMk cId="1934104099" sldId="365"/>
-            <ac:spMk id="10" creationId="{87886125-1D5E-014B-A276-636801877DB6}"/>
-          </ac:spMkLst>
-        </pc:spChg>
-      </pc:sldChg>
-      <pc:sldChg chg="delSp add">
-        <pc:chgData name="Khattab, Sherif" userId="c83b1e15-36f3-4f46-aceb-05aac24c545e" providerId="ADAL" clId="{EE78B4C3-BA47-2B47-8B84-4022815E3587}" dt="2019-05-14T13:34:18.851" v="46"/>
-        <pc:sldMkLst>
-          <pc:docMk/>
-          <pc:sldMk cId="2782429159" sldId="366"/>
-        </pc:sldMkLst>
-        <pc:spChg chg="del">
-          <ac:chgData name="Khattab, Sherif" userId="c83b1e15-36f3-4f46-aceb-05aac24c545e" providerId="ADAL" clId="{EE78B4C3-BA47-2B47-8B84-4022815E3587}" dt="2019-05-14T13:34:18.851" v="46"/>
-          <ac:spMkLst>
-            <pc:docMk/>
-            <pc:sldMk cId="2782429159" sldId="366"/>
-            <ac:spMk id="6" creationId="{35E278D3-0A71-264A-B99D-056EBFA58F06}"/>
-          </ac:spMkLst>
-        </pc:spChg>
-      </pc:sldChg>
-      <pc:sldChg chg="delSp add">
-        <pc:chgData name="Khattab, Sherif" userId="c83b1e15-36f3-4f46-aceb-05aac24c545e" providerId="ADAL" clId="{EE78B4C3-BA47-2B47-8B84-4022815E3587}" dt="2019-05-14T13:34:18.851" v="46"/>
-        <pc:sldMkLst>
-          <pc:docMk/>
-          <pc:sldMk cId="2251973667" sldId="367"/>
-        </pc:sldMkLst>
-        <pc:spChg chg="del">
-          <ac:chgData name="Khattab, Sherif" userId="c83b1e15-36f3-4f46-aceb-05aac24c545e" providerId="ADAL" clId="{EE78B4C3-BA47-2B47-8B84-4022815E3587}" dt="2019-05-14T13:34:18.851" v="46"/>
-          <ac:spMkLst>
-            <pc:docMk/>
-            <pc:sldMk cId="2251973667" sldId="367"/>
-            <ac:spMk id="6" creationId="{156F37D5-7C3B-D446-B495-19F8366B5AD6}"/>
-          </ac:spMkLst>
-        </pc:spChg>
-      </pc:sldChg>
-      <pc:sldChg chg="delSp add">
-        <pc:chgData name="Khattab, Sherif" userId="c83b1e15-36f3-4f46-aceb-05aac24c545e" providerId="ADAL" clId="{EE78B4C3-BA47-2B47-8B84-4022815E3587}" dt="2019-05-14T13:34:18.851" v="46"/>
-        <pc:sldMkLst>
-          <pc:docMk/>
-          <pc:sldMk cId="3138501136" sldId="368"/>
-        </pc:sldMkLst>
-        <pc:spChg chg="del">
-          <ac:chgData name="Khattab, Sherif" userId="c83b1e15-36f3-4f46-aceb-05aac24c545e" providerId="ADAL" clId="{EE78B4C3-BA47-2B47-8B84-4022815E3587}" dt="2019-05-14T13:34:18.851" v="46"/>
-          <ac:spMkLst>
-            <pc:docMk/>
-            <pc:sldMk cId="3138501136" sldId="368"/>
-            <ac:spMk id="9" creationId="{2996EA4B-3DC2-9F42-B065-0840F656E48E}"/>
-          </ac:spMkLst>
-        </pc:spChg>
-      </pc:sldChg>
-      <pc:sldChg chg="delSp add">
-        <pc:chgData name="Khattab, Sherif" userId="c83b1e15-36f3-4f46-aceb-05aac24c545e" providerId="ADAL" clId="{EE78B4C3-BA47-2B47-8B84-4022815E3587}" dt="2019-05-14T13:34:18.851" v="46"/>
-        <pc:sldMkLst>
-          <pc:docMk/>
-          <pc:sldMk cId="3210992163" sldId="369"/>
-        </pc:sldMkLst>
-        <pc:spChg chg="del">
-          <ac:chgData name="Khattab, Sherif" userId="c83b1e15-36f3-4f46-aceb-05aac24c545e" providerId="ADAL" clId="{EE78B4C3-BA47-2B47-8B84-4022815E3587}" dt="2019-05-14T13:34:18.851" v="46"/>
-          <ac:spMkLst>
-            <pc:docMk/>
-            <pc:sldMk cId="3210992163" sldId="369"/>
-            <ac:spMk id="6" creationId="{B0B02CAE-6A9B-A441-9498-BF8F3DB626EB}"/>
-          </ac:spMkLst>
-        </pc:spChg>
-      </pc:sldChg>
-      <pc:sldChg chg="delSp add">
-        <pc:chgData name="Khattab, Sherif" userId="c83b1e15-36f3-4f46-aceb-05aac24c545e" providerId="ADAL" clId="{EE78B4C3-BA47-2B47-8B84-4022815E3587}" dt="2019-05-14T13:34:18.851" v="46"/>
-        <pc:sldMkLst>
-          <pc:docMk/>
-          <pc:sldMk cId="4013065491" sldId="370"/>
-        </pc:sldMkLst>
-        <pc:spChg chg="del">
-          <ac:chgData name="Khattab, Sherif" userId="c83b1e15-36f3-4f46-aceb-05aac24c545e" providerId="ADAL" clId="{EE78B4C3-BA47-2B47-8B84-4022815E3587}" dt="2019-05-14T13:34:18.851" v="46"/>
-          <ac:spMkLst>
-            <pc:docMk/>
-            <pc:sldMk cId="4013065491" sldId="370"/>
-            <ac:spMk id="8" creationId="{D0EF7B2F-C2A6-4E4A-BA48-98165068EB9D}"/>
-          </ac:spMkLst>
-        </pc:spChg>
-      </pc:sldChg>
-      <pc:sldChg chg="delSp add">
-        <pc:chgData name="Khattab, Sherif" userId="c83b1e15-36f3-4f46-aceb-05aac24c545e" providerId="ADAL" clId="{EE78B4C3-BA47-2B47-8B84-4022815E3587}" dt="2019-05-14T13:34:18.851" v="46"/>
-        <pc:sldMkLst>
-          <pc:docMk/>
-          <pc:sldMk cId="2592968416" sldId="371"/>
-        </pc:sldMkLst>
-        <pc:spChg chg="del">
-          <ac:chgData name="Khattab, Sherif" userId="c83b1e15-36f3-4f46-aceb-05aac24c545e" providerId="ADAL" clId="{EE78B4C3-BA47-2B47-8B84-4022815E3587}" dt="2019-05-14T13:34:18.851" v="46"/>
-          <ac:spMkLst>
-            <pc:docMk/>
-            <pc:sldMk cId="2592968416" sldId="371"/>
-            <ac:spMk id="8" creationId="{61F73BD1-10AC-B146-B4D6-4D1B879CEAE3}"/>
-          </ac:spMkLst>
-        </pc:spChg>
-      </pc:sldChg>
-      <pc:sldChg chg="delSp add">
-        <pc:chgData name="Khattab, Sherif" userId="c83b1e15-36f3-4f46-aceb-05aac24c545e" providerId="ADAL" clId="{EE78B4C3-BA47-2B47-8B84-4022815E3587}" dt="2019-05-14T13:34:18.851" v="46"/>
-        <pc:sldMkLst>
-          <pc:docMk/>
-          <pc:sldMk cId="3848335379" sldId="372"/>
-        </pc:sldMkLst>
-        <pc:spChg chg="del">
-          <ac:chgData name="Khattab, Sherif" userId="c83b1e15-36f3-4f46-aceb-05aac24c545e" providerId="ADAL" clId="{EE78B4C3-BA47-2B47-8B84-4022815E3587}" dt="2019-05-14T13:34:18.851" v="46"/>
-          <ac:spMkLst>
-            <pc:docMk/>
-            <pc:sldMk cId="3848335379" sldId="372"/>
-            <ac:spMk id="9" creationId="{A9CB262F-7565-A04A-9FDE-A27BCA955EC0}"/>
-          </ac:spMkLst>
-        </pc:spChg>
-      </pc:sldChg>
-      <pc:sldChg chg="delSp add">
-        <pc:chgData name="Khattab, Sherif" userId="c83b1e15-36f3-4f46-aceb-05aac24c545e" providerId="ADAL" clId="{EE78B4C3-BA47-2B47-8B84-4022815E3587}" dt="2019-05-14T13:34:18.851" v="46"/>
-        <pc:sldMkLst>
-          <pc:docMk/>
-          <pc:sldMk cId="3161117264" sldId="373"/>
-        </pc:sldMkLst>
-        <pc:spChg chg="del">
-          <ac:chgData name="Khattab, Sherif" userId="c83b1e15-36f3-4f46-aceb-05aac24c545e" providerId="ADAL" clId="{EE78B4C3-BA47-2B47-8B84-4022815E3587}" dt="2019-05-14T13:34:18.851" v="46"/>
-          <ac:spMkLst>
-            <pc:docMk/>
-            <pc:sldMk cId="3161117264" sldId="373"/>
-            <ac:spMk id="6" creationId="{E9F1DC46-4FA4-D444-A7D6-705144867080}"/>
-          </ac:spMkLst>
-        </pc:spChg>
-      </pc:sldChg>
-      <pc:sldChg chg="delSp add">
-        <pc:chgData name="Khattab, Sherif" userId="c83b1e15-36f3-4f46-aceb-05aac24c545e" providerId="ADAL" clId="{EE78B4C3-BA47-2B47-8B84-4022815E3587}" dt="2019-05-14T13:34:18.851" v="46"/>
-        <pc:sldMkLst>
-          <pc:docMk/>
-          <pc:sldMk cId="1542066946" sldId="374"/>
-        </pc:sldMkLst>
-        <pc:spChg chg="del">
-          <ac:chgData name="Khattab, Sherif" userId="c83b1e15-36f3-4f46-aceb-05aac24c545e" providerId="ADAL" clId="{EE78B4C3-BA47-2B47-8B84-4022815E3587}" dt="2019-05-14T13:34:18.851" v="46"/>
-          <ac:spMkLst>
-            <pc:docMk/>
-            <pc:sldMk cId="1542066946" sldId="374"/>
-            <ac:spMk id="6" creationId="{D50D1AE2-A719-F648-ABE5-1D2605CF399A}"/>
-          </ac:spMkLst>
-        </pc:spChg>
-      </pc:sldChg>
-      <pc:sldChg chg="delSp add">
-        <pc:chgData name="Khattab, Sherif" userId="c83b1e15-36f3-4f46-aceb-05aac24c545e" providerId="ADAL" clId="{EE78B4C3-BA47-2B47-8B84-4022815E3587}" dt="2019-05-14T13:34:18.851" v="46"/>
-        <pc:sldMkLst>
-          <pc:docMk/>
-          <pc:sldMk cId="834112894" sldId="375"/>
-        </pc:sldMkLst>
-        <pc:spChg chg="del">
-          <ac:chgData name="Khattab, Sherif" userId="c83b1e15-36f3-4f46-aceb-05aac24c545e" providerId="ADAL" clId="{EE78B4C3-BA47-2B47-8B84-4022815E3587}" dt="2019-05-14T13:34:18.851" v="46"/>
-          <ac:spMkLst>
-            <pc:docMk/>
-            <pc:sldMk cId="834112894" sldId="375"/>
-            <ac:spMk id="6" creationId="{429B8308-B899-EF4A-97A6-3EEDF546FBBB}"/>
-          </ac:spMkLst>
-        </pc:spChg>
-      </pc:sldChg>
-      <pc:sldChg chg="delSp add">
-        <pc:chgData name="Khattab, Sherif" userId="c83b1e15-36f3-4f46-aceb-05aac24c545e" providerId="ADAL" clId="{EE78B4C3-BA47-2B47-8B84-4022815E3587}" dt="2019-05-14T13:34:18.851" v="46"/>
-        <pc:sldMkLst>
-          <pc:docMk/>
-          <pc:sldMk cId="1165577892" sldId="376"/>
-        </pc:sldMkLst>
-        <pc:spChg chg="del">
-          <ac:chgData name="Khattab, Sherif" userId="c83b1e15-36f3-4f46-aceb-05aac24c545e" providerId="ADAL" clId="{EE78B4C3-BA47-2B47-8B84-4022815E3587}" dt="2019-05-14T13:34:18.851" v="46"/>
-          <ac:spMkLst>
-            <pc:docMk/>
-            <pc:sldMk cId="1165577892" sldId="376"/>
-            <ac:spMk id="42" creationId="{27F42901-D1CE-084B-9E38-96413317B8CF}"/>
-          </ac:spMkLst>
-        </pc:spChg>
-      </pc:sldChg>
-      <pc:sldChg chg="delSp add">
-        <pc:chgData name="Khattab, Sherif" userId="c83b1e15-36f3-4f46-aceb-05aac24c545e" providerId="ADAL" clId="{EE78B4C3-BA47-2B47-8B84-4022815E3587}" dt="2019-05-14T13:34:18.851" v="46"/>
-        <pc:sldMkLst>
-          <pc:docMk/>
-          <pc:sldMk cId="1942139729" sldId="377"/>
-        </pc:sldMkLst>
-        <pc:spChg chg="del">
-          <ac:chgData name="Khattab, Sherif" userId="c83b1e15-36f3-4f46-aceb-05aac24c545e" providerId="ADAL" clId="{EE78B4C3-BA47-2B47-8B84-4022815E3587}" dt="2019-05-14T13:34:18.851" v="46"/>
-          <ac:spMkLst>
-            <pc:docMk/>
-            <pc:sldMk cId="1942139729" sldId="377"/>
-            <ac:spMk id="9" creationId="{68716DFF-FDE6-F443-A890-77FBFB539BEB}"/>
-          </ac:spMkLst>
-        </pc:spChg>
-      </pc:sldChg>
-      <pc:sldChg chg="delSp add">
-        <pc:chgData name="Khattab, Sherif" userId="c83b1e15-36f3-4f46-aceb-05aac24c545e" providerId="ADAL" clId="{EE78B4C3-BA47-2B47-8B84-4022815E3587}" dt="2019-05-14T13:34:18.851" v="46"/>
-        <pc:sldMkLst>
-          <pc:docMk/>
-          <pc:sldMk cId="3990797458" sldId="378"/>
-        </pc:sldMkLst>
-        <pc:spChg chg="del">
-          <ac:chgData name="Khattab, Sherif" userId="c83b1e15-36f3-4f46-aceb-05aac24c545e" providerId="ADAL" clId="{EE78B4C3-BA47-2B47-8B84-4022815E3587}" dt="2019-05-14T13:34:18.851" v="46"/>
-          <ac:spMkLst>
-            <pc:docMk/>
-            <pc:sldMk cId="3990797458" sldId="378"/>
-            <ac:spMk id="6" creationId="{ADE8E4C1-F96E-1346-A961-80E2D6A49C9A}"/>
-          </ac:spMkLst>
-        </pc:spChg>
-      </pc:sldChg>
-      <pc:sldChg chg="delSp add">
-        <pc:chgData name="Khattab, Sherif" userId="c83b1e15-36f3-4f46-aceb-05aac24c545e" providerId="ADAL" clId="{EE78B4C3-BA47-2B47-8B84-4022815E3587}" dt="2019-05-14T13:34:18.851" v="46"/>
-        <pc:sldMkLst>
-          <pc:docMk/>
-          <pc:sldMk cId="2736486443" sldId="379"/>
-        </pc:sldMkLst>
-        <pc:spChg chg="del">
-          <ac:chgData name="Khattab, Sherif" userId="c83b1e15-36f3-4f46-aceb-05aac24c545e" providerId="ADAL" clId="{EE78B4C3-BA47-2B47-8B84-4022815E3587}" dt="2019-05-14T13:34:18.851" v="46"/>
-          <ac:spMkLst>
-            <pc:docMk/>
-            <pc:sldMk cId="2736486443" sldId="379"/>
-            <ac:spMk id="9" creationId="{68630AFF-8EA0-D641-8FA2-6949259437AD}"/>
-          </ac:spMkLst>
-        </pc:spChg>
-      </pc:sldChg>
-      <pc:sldChg chg="delSp add">
-        <pc:chgData name="Khattab, Sherif" userId="c83b1e15-36f3-4f46-aceb-05aac24c545e" providerId="ADAL" clId="{EE78B4C3-BA47-2B47-8B84-4022815E3587}" dt="2019-05-14T13:34:18.851" v="46"/>
-        <pc:sldMkLst>
-          <pc:docMk/>
-          <pc:sldMk cId="541381985" sldId="380"/>
-        </pc:sldMkLst>
-        <pc:spChg chg="del">
-          <ac:chgData name="Khattab, Sherif" userId="c83b1e15-36f3-4f46-aceb-05aac24c545e" providerId="ADAL" clId="{EE78B4C3-BA47-2B47-8B84-4022815E3587}" dt="2019-05-14T13:34:18.851" v="46"/>
-          <ac:spMkLst>
-            <pc:docMk/>
-            <pc:sldMk cId="541381985" sldId="380"/>
-            <ac:spMk id="25" creationId="{4D20C47B-3C18-E64F-95ED-21B263511FAD}"/>
-          </ac:spMkLst>
-        </pc:spChg>
-      </pc:sldChg>
-      <pc:sldChg chg="delSp add">
-        <pc:chgData name="Khattab, Sherif" userId="c83b1e15-36f3-4f46-aceb-05aac24c545e" providerId="ADAL" clId="{EE78B4C3-BA47-2B47-8B84-4022815E3587}" dt="2019-05-14T13:34:18.851" v="46"/>
-        <pc:sldMkLst>
-          <pc:docMk/>
-          <pc:sldMk cId="2235897330" sldId="381"/>
-        </pc:sldMkLst>
-        <pc:spChg chg="del">
-          <ac:chgData name="Khattab, Sherif" userId="c83b1e15-36f3-4f46-aceb-05aac24c545e" providerId="ADAL" clId="{EE78B4C3-BA47-2B47-8B84-4022815E3587}" dt="2019-05-14T13:34:18.851" v="46"/>
-          <ac:spMkLst>
-            <pc:docMk/>
-            <pc:sldMk cId="2235897330" sldId="381"/>
-            <ac:spMk id="8" creationId="{9D3BDADA-F567-BD4E-9F02-7C5462E120E7}"/>
-          </ac:spMkLst>
-        </pc:spChg>
-      </pc:sldChg>
-      <pc:sldChg chg="delSp add">
-        <pc:chgData name="Khattab, Sherif" userId="c83b1e15-36f3-4f46-aceb-05aac24c545e" providerId="ADAL" clId="{EE78B4C3-BA47-2B47-8B84-4022815E3587}" dt="2019-05-14T13:34:18.851" v="46"/>
-        <pc:sldMkLst>
-          <pc:docMk/>
-          <pc:sldMk cId="3360044446" sldId="382"/>
-        </pc:sldMkLst>
-        <pc:spChg chg="del">
-          <ac:chgData name="Khattab, Sherif" userId="c83b1e15-36f3-4f46-aceb-05aac24c545e" providerId="ADAL" clId="{EE78B4C3-BA47-2B47-8B84-4022815E3587}" dt="2019-05-14T13:34:18.851" v="46"/>
-          <ac:spMkLst>
-            <pc:docMk/>
-            <pc:sldMk cId="3360044446" sldId="382"/>
-            <ac:spMk id="8" creationId="{90688045-CAEF-334F-9E8D-5DE392BB31B7}"/>
-          </ac:spMkLst>
-        </pc:spChg>
-      </pc:sldChg>
-      <pc:sldChg chg="delSp add">
-        <pc:chgData name="Khattab, Sherif" userId="c83b1e15-36f3-4f46-aceb-05aac24c545e" providerId="ADAL" clId="{EE78B4C3-BA47-2B47-8B84-4022815E3587}" dt="2019-05-14T13:34:18.851" v="46"/>
-        <pc:sldMkLst>
-          <pc:docMk/>
-          <pc:sldMk cId="1954384084" sldId="383"/>
-        </pc:sldMkLst>
-        <pc:spChg chg="del">
-          <ac:chgData name="Khattab, Sherif" userId="c83b1e15-36f3-4f46-aceb-05aac24c545e" providerId="ADAL" clId="{EE78B4C3-BA47-2B47-8B84-4022815E3587}" dt="2019-05-14T13:34:18.851" v="46"/>
-          <ac:spMkLst>
-            <pc:docMk/>
-            <pc:sldMk cId="1954384084" sldId="383"/>
-            <ac:spMk id="8" creationId="{307391A8-557A-8A4A-8E68-85B54349ED8F}"/>
-          </ac:spMkLst>
-        </pc:spChg>
-      </pc:sldChg>
-      <pc:sldChg chg="delSp add">
-        <pc:chgData name="Khattab, Sherif" userId="c83b1e15-36f3-4f46-aceb-05aac24c545e" providerId="ADAL" clId="{EE78B4C3-BA47-2B47-8B84-4022815E3587}" dt="2019-05-14T13:34:18.851" v="46"/>
-        <pc:sldMkLst>
-          <pc:docMk/>
-          <pc:sldMk cId="220759689" sldId="384"/>
-        </pc:sldMkLst>
-        <pc:spChg chg="del">
-          <ac:chgData name="Khattab, Sherif" userId="c83b1e15-36f3-4f46-aceb-05aac24c545e" providerId="ADAL" clId="{EE78B4C3-BA47-2B47-8B84-4022815E3587}" dt="2019-05-14T13:34:18.851" v="46"/>
-          <ac:spMkLst>
-            <pc:docMk/>
-            <pc:sldMk cId="220759689" sldId="384"/>
-            <ac:spMk id="6" creationId="{E1DC0099-5926-8C42-9144-C73482BF1FE7}"/>
-          </ac:spMkLst>
-        </pc:spChg>
-      </pc:sldChg>
-      <pc:sldChg chg="delSp add">
-        <pc:chgData name="Khattab, Sherif" userId="c83b1e15-36f3-4f46-aceb-05aac24c545e" providerId="ADAL" clId="{EE78B4C3-BA47-2B47-8B84-4022815E3587}" dt="2019-05-14T13:34:18.851" v="46"/>
-        <pc:sldMkLst>
-          <pc:docMk/>
-          <pc:sldMk cId="2809799376" sldId="385"/>
-        </pc:sldMkLst>
-        <pc:spChg chg="del">
-          <ac:chgData name="Khattab, Sherif" userId="c83b1e15-36f3-4f46-aceb-05aac24c545e" providerId="ADAL" clId="{EE78B4C3-BA47-2B47-8B84-4022815E3587}" dt="2019-05-14T13:34:18.851" v="46"/>
-          <ac:spMkLst>
-            <pc:docMk/>
-            <pc:sldMk cId="2809799376" sldId="385"/>
-            <ac:spMk id="8" creationId="{0E14A1DC-F2CD-F64B-A516-0E10067BD269}"/>
-          </ac:spMkLst>
-        </pc:spChg>
-      </pc:sldChg>
-    </pc:docChg>
-  </pc:docChgLst>
-  <pc:docChgLst>
-    <pc:chgData name="Khattab, Sherif" userId="c83b1e15-36f3-4f46-aceb-05aac24c545e" providerId="ADAL" clId="{79D9A848-63DC-C04B-A37B-45CD4B398B25}"/>
-    <pc:docChg chg="sldOrd">
-      <pc:chgData name="Khattab, Sherif" userId="c83b1e15-36f3-4f46-aceb-05aac24c545e" providerId="ADAL" clId="{79D9A848-63DC-C04B-A37B-45CD4B398B25}" dt="2020-10-07T03:45:55.390" v="0" actId="20578"/>
-      <pc:docMkLst>
-        <pc:docMk/>
-      </pc:docMkLst>
-      <pc:sldChg chg="ord">
-        <pc:chgData name="Khattab, Sherif" userId="c83b1e15-36f3-4f46-aceb-05aac24c545e" providerId="ADAL" clId="{79D9A848-63DC-C04B-A37B-45CD4B398B25}" dt="2020-10-07T03:45:55.390" v="0" actId="20578"/>
-        <pc:sldMkLst>
-          <pc:docMk/>
-          <pc:sldMk cId="434376579" sldId="363"/>
-        </pc:sldMkLst>
-      </pc:sldChg>
-    </pc:docChg>
-  </pc:docChgLst>
-  <pc:docChgLst>
-    <pc:chgData name="Khattab, Sherif" userId="c83b1e15-36f3-4f46-aceb-05aac24c545e" providerId="ADAL" clId="{7C93500A-9C02-1B4B-B507-B54B52B20BD8}"/>
-    <pc:docChg chg="delSld">
-      <pc:chgData name="Khattab, Sherif" userId="c83b1e15-36f3-4f46-aceb-05aac24c545e" providerId="ADAL" clId="{7C93500A-9C02-1B4B-B507-B54B52B20BD8}" dt="2022-01-13T13:28:26.358" v="0" actId="2696"/>
-      <pc:docMkLst>
-        <pc:docMk/>
-      </pc:docMkLst>
-      <pc:sldChg chg="del">
-        <pc:chgData name="Khattab, Sherif" userId="c83b1e15-36f3-4f46-aceb-05aac24c545e" providerId="ADAL" clId="{7C93500A-9C02-1B4B-B507-B54B52B20BD8}" dt="2022-01-13T13:28:26.358" v="0" actId="2696"/>
-        <pc:sldMkLst>
-          <pc:docMk/>
-          <pc:sldMk cId="2329144619" sldId="445"/>
-        </pc:sldMkLst>
-      </pc:sldChg>
-      <pc:sldChg chg="del">
-        <pc:chgData name="Khattab, Sherif" userId="c83b1e15-36f3-4f46-aceb-05aac24c545e" providerId="ADAL" clId="{7C93500A-9C02-1B4B-B507-B54B52B20BD8}" dt="2022-01-13T13:28:26.358" v="0" actId="2696"/>
-        <pc:sldMkLst>
-          <pc:docMk/>
-          <pc:sldMk cId="1783368962" sldId="448"/>
-        </pc:sldMkLst>
-      </pc:sldChg>
-      <pc:sldChg chg="del">
-        <pc:chgData name="Khattab, Sherif" userId="c83b1e15-36f3-4f46-aceb-05aac24c545e" providerId="ADAL" clId="{7C93500A-9C02-1B4B-B507-B54B52B20BD8}" dt="2022-01-13T13:28:26.358" v="0" actId="2696"/>
-        <pc:sldMkLst>
-          <pc:docMk/>
-          <pc:sldMk cId="2276002102" sldId="451"/>
-        </pc:sldMkLst>
-      </pc:sldChg>
-      <pc:sldChg chg="del">
-        <pc:chgData name="Khattab, Sherif" userId="c83b1e15-36f3-4f46-aceb-05aac24c545e" providerId="ADAL" clId="{7C93500A-9C02-1B4B-B507-B54B52B20BD8}" dt="2022-01-13T13:28:26.358" v="0" actId="2696"/>
-        <pc:sldMkLst>
-          <pc:docMk/>
-          <pc:sldMk cId="2284980282" sldId="463"/>
-        </pc:sldMkLst>
       </pc:sldChg>
     </pc:docChg>
   </pc:docChgLst>
@@ -11530,7 +11570,7 @@
               </a14:hiddenLine>
             </a:ext>
             <a:ext uri="{FAA26D3D-D897-4be2-8F04-BA451C77F1D7}">
-              <ma14:placeholderFlag xmlns:ma14="http://schemas.microsoft.com/office/mac/drawingml/2011/main" xmlns="" val="1"/>
+              <ma14:placeholderFlag xmlns="" xmlns:ma14="http://schemas.microsoft.com/office/mac/drawingml/2011/main" val="1"/>
             </a:ext>
           </a:extLst>
         </p:spPr>
@@ -11620,7 +11660,7 @@
               </a14:hiddenLine>
             </a:ext>
             <a:ext uri="{FAA26D3D-D897-4be2-8F04-BA451C77F1D7}">
-              <ma14:placeholderFlag xmlns:ma14="http://schemas.microsoft.com/office/mac/drawingml/2011/main" xmlns="" val="1"/>
+              <ma14:placeholderFlag xmlns="" xmlns:ma14="http://schemas.microsoft.com/office/mac/drawingml/2011/main" val="1"/>
             </a:ext>
           </a:extLst>
         </p:spPr>
@@ -11710,7 +11750,7 @@
               </a14:hiddenLine>
             </a:ext>
             <a:ext uri="{FAA26D3D-D897-4be2-8F04-BA451C77F1D7}">
-              <ma14:placeholderFlag xmlns:ma14="http://schemas.microsoft.com/office/mac/drawingml/2011/main" xmlns="" val="1"/>
+              <ma14:placeholderFlag xmlns="" xmlns:ma14="http://schemas.microsoft.com/office/mac/drawingml/2011/main" val="1"/>
             </a:ext>
           </a:extLst>
         </p:spPr>
@@ -13330,7 +13370,7 @@
                 </a:solidFill>
                 <a:latin typeface="Helvetica" pitchFamily="2" charset="0"/>
               </a:rPr>
-              <a:t>CS/COE 1550</a:t>
+              <a:t>CS 1550</a:t>
             </a:r>
           </a:p>
         </p:txBody>
@@ -13365,7 +13405,7 @@
           <a:p>
             <a:r>
               <a:rPr lang="en-US" dirty="0"/>
-              <a:t>Spring 2022</a:t>
+              <a:t>Spring 2023</a:t>
             </a:r>
           </a:p>
           <a:p>
@@ -13556,6 +13596,53 @@
           <a:xfrm>
             <a:off x="2219325" y="201474"/>
             <a:ext cx="5619750" cy="1733550"/>
+          </a:xfrm>
+          <a:prstGeom prst="rect">
+            <a:avLst/>
+          </a:prstGeom>
+          <a:noFill/>
+          <a:extLst>
+            <a:ext uri="{909E8E84-426E-40DD-AFC4-6F175D3DCCD1}">
+              <a14:hiddenFill xmlns:a14="http://schemas.microsoft.com/office/drawing/2010/main">
+                <a:solidFill>
+                  <a:srgbClr val="FFFFFF"/>
+                </a:solidFill>
+              </a14:hiddenFill>
+            </a:ext>
+          </a:extLst>
+        </p:spPr>
+      </p:pic>
+      <p:pic>
+        <p:nvPicPr>
+          <p:cNvPr id="5" name="Picture 2">
+            <a:extLst>
+              <a:ext uri="{FF2B5EF4-FFF2-40B4-BE49-F238E27FC236}">
+                <a16:creationId xmlns:a16="http://schemas.microsoft.com/office/drawing/2014/main" id="{6F744459-D981-1283-8383-4307CD0D2591}"/>
+              </a:ext>
+            </a:extLst>
+          </p:cNvPr>
+          <p:cNvPicPr>
+            <a:picLocks noChangeAspect="1" noChangeArrowheads="1"/>
+          </p:cNvPicPr>
+          <p:nvPr/>
+        </p:nvPicPr>
+        <p:blipFill>
+          <a:blip r:embed="rId4">
+            <a:extLst>
+              <a:ext uri="{28A0092B-C50C-407E-A947-70E740481C1C}">
+                <a14:useLocalDpi xmlns:a14="http://schemas.microsoft.com/office/drawing/2010/main" val="0"/>
+              </a:ext>
+            </a:extLst>
+          </a:blip>
+          <a:srcRect/>
+          <a:stretch>
+            <a:fillRect/>
+          </a:stretch>
+        </p:blipFill>
+        <p:spPr bwMode="auto">
+          <a:xfrm>
+            <a:off x="263004" y="4244318"/>
+            <a:ext cx="2349500" cy="2349500"/>
           </a:xfrm>
           <a:prstGeom prst="rect">
             <a:avLst/>
